--- a/Documentation/Презентация к защите.pptx
+++ b/Documentation/Презентация к защите.pptx
@@ -3,7 +3,7 @@
 <p:presentation xmlns:a="http://schemas.openxmlformats.org/drawingml/2006/main" xmlns:r="http://schemas.openxmlformats.org/officeDocument/2006/relationships" xmlns:p="http://schemas.openxmlformats.org/presentationml/2006/main" saveSubsetFonts="1">
   <p:sldMasterIdLst>
     <p:sldMasterId id="2147483941" r:id="rId1"/>
-    <p:sldMasterId id="2147484113" r:id="rId2"/>
+    <p:sldMasterId id="2147484131" r:id="rId2"/>
   </p:sldMasterIdLst>
   <p:sldIdLst>
     <p:sldId id="256" r:id="rId3"/>
@@ -270,7 +270,7 @@
           <a:p>
             <a:fld id="{868189F2-699A-4ACD-BCA7-68120C724C9C}" type="datetimeFigureOut">
               <a:rPr lang="ru-RU" smtClean="0"/>
-              <a:t>03.06.2019</a:t>
+              <a:t>06.06.2019</a:t>
             </a:fld>
             <a:endParaRPr lang="ru-RU"/>
           </a:p>
@@ -440,7 +440,7 @@
           <a:p>
             <a:fld id="{868189F2-699A-4ACD-BCA7-68120C724C9C}" type="datetimeFigureOut">
               <a:rPr lang="ru-RU" smtClean="0"/>
-              <a:t>03.06.2019</a:t>
+              <a:t>06.06.2019</a:t>
             </a:fld>
             <a:endParaRPr lang="ru-RU"/>
           </a:p>
@@ -620,7 +620,7 @@
           <a:p>
             <a:fld id="{868189F2-699A-4ACD-BCA7-68120C724C9C}" type="datetimeFigureOut">
               <a:rPr lang="ru-RU" smtClean="0"/>
-              <a:t>03.06.2019</a:t>
+              <a:t>06.06.2019</a:t>
             </a:fld>
             <a:endParaRPr lang="ru-RU"/>
           </a:p>
@@ -682,7 +682,7 @@
 </file>
 
 <file path=ppt/slideLayouts/slideLayout12.xml><?xml version="1.0" encoding="utf-8"?>
-<p:sldLayout xmlns:a="http://schemas.openxmlformats.org/drawingml/2006/main" xmlns:r="http://schemas.openxmlformats.org/officeDocument/2006/relationships" xmlns:p="http://schemas.openxmlformats.org/presentationml/2006/main" showMasterSp="0" type="title" preserve="1">
+<p:sldLayout xmlns:a="http://schemas.openxmlformats.org/drawingml/2006/main" xmlns:r="http://schemas.openxmlformats.org/officeDocument/2006/relationships" xmlns:p="http://schemas.openxmlformats.org/presentationml/2006/main" type="title" preserve="1">
   <p:cSld name="Титульный слайд">
     <p:spTree>
       <p:nvGrpSpPr>
@@ -710,19 +710,15 @@
         </p:nvSpPr>
         <p:spPr>
           <a:xfrm>
-            <a:off x="684212" y="685799"/>
-            <a:ext cx="8001000" cy="2971801"/>
+            <a:off x="1154955" y="1447800"/>
+            <a:ext cx="8825658" cy="3329581"/>
           </a:xfrm>
         </p:spPr>
         <p:txBody>
-          <a:bodyPr anchor="b">
-            <a:normAutofit/>
-          </a:bodyPr>
+          <a:bodyPr anchor="b"/>
           <a:lstStyle>
-            <a:lvl1pPr algn="l">
-              <a:defRPr sz="4800">
-                <a:effectLst/>
-              </a:defRPr>
+            <a:lvl1pPr>
+              <a:defRPr sz="7200"/>
             </a:lvl1pPr>
           </a:lstStyle>
           <a:p>
@@ -746,21 +742,20 @@
         </p:nvSpPr>
         <p:spPr>
           <a:xfrm>
-            <a:off x="684212" y="3843867"/>
-            <a:ext cx="6400800" cy="1947333"/>
+            <a:off x="1154955" y="4777380"/>
+            <a:ext cx="8825658" cy="861420"/>
           </a:xfrm>
         </p:spPr>
         <p:txBody>
-          <a:bodyPr anchor="t">
-            <a:normAutofit/>
-          </a:bodyPr>
+          <a:bodyPr anchor="t"/>
           <a:lstStyle>
             <a:lvl1pPr marL="0" indent="0" algn="l">
               <a:buNone/>
-              <a:defRPr sz="2100">
+              <a:defRPr cap="all">
                 <a:solidFill>
                   <a:schemeClr val="bg2">
-                    <a:lumMod val="75000"/>
+                    <a:lumMod val="40000"/>
+                    <a:lumOff val="60000"/>
                   </a:schemeClr>
                 </a:solidFill>
               </a:defRPr>
@@ -872,7 +867,7 @@
           <a:p>
             <a:fld id="{868189F2-699A-4ACD-BCA7-68120C724C9C}" type="datetimeFigureOut">
               <a:rPr lang="ru-RU" smtClean="0"/>
-              <a:t>03.06.2019</a:t>
+              <a:t>06.06.2019</a:t>
             </a:fld>
             <a:endParaRPr lang="ru-RU"/>
           </a:p>
@@ -920,185 +915,10 @@
           </a:p>
         </p:txBody>
       </p:sp>
-      <p:cxnSp>
-        <p:nvCxnSpPr>
-          <p:cNvPr id="16" name="Straight Connector 15"/>
-          <p:cNvCxnSpPr/>
-          <p:nvPr/>
-        </p:nvCxnSpPr>
-        <p:spPr>
-          <a:xfrm flipH="1">
-            <a:off x="8228012" y="8467"/>
-            <a:ext cx="3810000" cy="3810000"/>
-          </a:xfrm>
-          <a:prstGeom prst="line">
-            <a:avLst/>
-          </a:prstGeom>
-          <a:ln w="12700">
-            <a:solidFill>
-              <a:schemeClr val="tx1"/>
-            </a:solidFill>
-          </a:ln>
-        </p:spPr>
-        <p:style>
-          <a:lnRef idx="2">
-            <a:schemeClr val="accent1"/>
-          </a:lnRef>
-          <a:fillRef idx="0">
-            <a:schemeClr val="accent1"/>
-          </a:fillRef>
-          <a:effectRef idx="1">
-            <a:schemeClr val="accent1"/>
-          </a:effectRef>
-          <a:fontRef idx="minor">
-            <a:schemeClr val="tx1"/>
-          </a:fontRef>
-        </p:style>
-      </p:cxnSp>
-      <p:cxnSp>
-        <p:nvCxnSpPr>
-          <p:cNvPr id="17" name="Straight Connector 16"/>
-          <p:cNvCxnSpPr/>
-          <p:nvPr/>
-        </p:nvCxnSpPr>
-        <p:spPr>
-          <a:xfrm flipH="1">
-            <a:off x="6108170" y="91545"/>
-            <a:ext cx="6080655" cy="6080655"/>
-          </a:xfrm>
-          <a:prstGeom prst="line">
-            <a:avLst/>
-          </a:prstGeom>
-          <a:ln w="12700">
-            <a:solidFill>
-              <a:schemeClr val="tx1"/>
-            </a:solidFill>
-          </a:ln>
-        </p:spPr>
-        <p:style>
-          <a:lnRef idx="2">
-            <a:schemeClr val="accent1"/>
-          </a:lnRef>
-          <a:fillRef idx="0">
-            <a:schemeClr val="accent1"/>
-          </a:fillRef>
-          <a:effectRef idx="1">
-            <a:schemeClr val="accent1"/>
-          </a:effectRef>
-          <a:fontRef idx="minor">
-            <a:schemeClr val="tx1"/>
-          </a:fontRef>
-        </p:style>
-      </p:cxnSp>
-      <p:cxnSp>
-        <p:nvCxnSpPr>
-          <p:cNvPr id="19" name="Straight Connector 18"/>
-          <p:cNvCxnSpPr/>
-          <p:nvPr/>
-        </p:nvCxnSpPr>
-        <p:spPr>
-          <a:xfrm flipH="1">
-            <a:off x="7235825" y="228600"/>
-            <a:ext cx="4953000" cy="4953000"/>
-          </a:xfrm>
-          <a:prstGeom prst="line">
-            <a:avLst/>
-          </a:prstGeom>
-          <a:ln w="12700">
-            <a:solidFill>
-              <a:schemeClr val="tx1"/>
-            </a:solidFill>
-          </a:ln>
-        </p:spPr>
-        <p:style>
-          <a:lnRef idx="2">
-            <a:schemeClr val="accent1"/>
-          </a:lnRef>
-          <a:fillRef idx="0">
-            <a:schemeClr val="accent1"/>
-          </a:fillRef>
-          <a:effectRef idx="1">
-            <a:schemeClr val="accent1"/>
-          </a:effectRef>
-          <a:fontRef idx="minor">
-            <a:schemeClr val="tx1"/>
-          </a:fontRef>
-        </p:style>
-      </p:cxnSp>
-      <p:cxnSp>
-        <p:nvCxnSpPr>
-          <p:cNvPr id="21" name="Straight Connector 20"/>
-          <p:cNvCxnSpPr/>
-          <p:nvPr/>
-        </p:nvCxnSpPr>
-        <p:spPr>
-          <a:xfrm flipH="1">
-            <a:off x="7335837" y="32278"/>
-            <a:ext cx="4852989" cy="4852989"/>
-          </a:xfrm>
-          <a:prstGeom prst="line">
-            <a:avLst/>
-          </a:prstGeom>
-          <a:ln w="31750">
-            <a:solidFill>
-              <a:schemeClr val="tx1"/>
-            </a:solidFill>
-          </a:ln>
-        </p:spPr>
-        <p:style>
-          <a:lnRef idx="2">
-            <a:schemeClr val="accent1"/>
-          </a:lnRef>
-          <a:fillRef idx="0">
-            <a:schemeClr val="accent1"/>
-          </a:fillRef>
-          <a:effectRef idx="1">
-            <a:schemeClr val="accent1"/>
-          </a:effectRef>
-          <a:fontRef idx="minor">
-            <a:schemeClr val="tx1"/>
-          </a:fontRef>
-        </p:style>
-      </p:cxnSp>
-      <p:cxnSp>
-        <p:nvCxnSpPr>
-          <p:cNvPr id="23" name="Straight Connector 22"/>
-          <p:cNvCxnSpPr/>
-          <p:nvPr/>
-        </p:nvCxnSpPr>
-        <p:spPr>
-          <a:xfrm flipH="1">
-            <a:off x="7845426" y="609601"/>
-            <a:ext cx="4343399" cy="4343399"/>
-          </a:xfrm>
-          <a:prstGeom prst="line">
-            <a:avLst/>
-          </a:prstGeom>
-          <a:ln w="31750">
-            <a:solidFill>
-              <a:schemeClr val="tx1"/>
-            </a:solidFill>
-          </a:ln>
-        </p:spPr>
-        <p:style>
-          <a:lnRef idx="2">
-            <a:schemeClr val="accent1"/>
-          </a:lnRef>
-          <a:fillRef idx="0">
-            <a:schemeClr val="accent1"/>
-          </a:fillRef>
-          <a:effectRef idx="1">
-            <a:schemeClr val="accent1"/>
-          </a:effectRef>
-          <a:fontRef idx="minor">
-            <a:schemeClr val="tx1"/>
-          </a:fontRef>
-        </p:style>
-      </p:cxnSp>
     </p:spTree>
     <p:extLst>
       <p:ext uri="{BB962C8B-B14F-4D97-AF65-F5344CB8AC3E}">
-        <p14:creationId xmlns:p14="http://schemas.microsoft.com/office/powerpoint/2010/main" val="2464189304"/>
+        <p14:creationId xmlns:p14="http://schemas.microsoft.com/office/powerpoint/2010/main" val="2807859123"/>
       </p:ext>
     </p:extLst>
   </p:cSld>
@@ -1160,7 +980,7 @@
         </p:nvSpPr>
         <p:spPr/>
         <p:txBody>
-          <a:bodyPr anchor="ctr"/>
+          <a:bodyPr/>
           <a:lstStyle/>
           <a:p>
             <a:pPr lvl="0"/>
@@ -1202,7 +1022,7 @@
       </p:sp>
       <p:sp>
         <p:nvSpPr>
-          <p:cNvPr id="4" name="Date Placeholder 3"/>
+          <p:cNvPr id="7" name="Date Placeholder 3"/>
           <p:cNvSpPr>
             <a:spLocks noGrp="1"/>
           </p:cNvSpPr>
@@ -1217,7 +1037,7 @@
           <a:p>
             <a:fld id="{868189F2-699A-4ACD-BCA7-68120C724C9C}" type="datetimeFigureOut">
               <a:rPr lang="ru-RU" smtClean="0"/>
-              <a:t>03.06.2019</a:t>
+              <a:t>06.06.2019</a:t>
             </a:fld>
             <a:endParaRPr lang="ru-RU"/>
           </a:p>
@@ -1268,7 +1088,7 @@
     </p:spTree>
     <p:extLst>
       <p:ext uri="{BB962C8B-B14F-4D97-AF65-F5344CB8AC3E}">
-        <p14:creationId xmlns:p14="http://schemas.microsoft.com/office/powerpoint/2010/main" val="97078677"/>
+        <p14:creationId xmlns:p14="http://schemas.microsoft.com/office/powerpoint/2010/main" val="4293728334"/>
       </p:ext>
     </p:extLst>
   </p:cSld>
@@ -1307,17 +1127,15 @@
         </p:nvSpPr>
         <p:spPr>
           <a:xfrm>
-            <a:off x="684211" y="2006600"/>
-            <a:ext cx="8534401" cy="2281600"/>
+            <a:off x="1154956" y="2861733"/>
+            <a:ext cx="8825657" cy="1915647"/>
           </a:xfrm>
         </p:spPr>
         <p:txBody>
-          <a:bodyPr anchor="b">
-            <a:normAutofit/>
-          </a:bodyPr>
+          <a:bodyPr anchor="b"/>
           <a:lstStyle>
             <a:lvl1pPr algn="l">
-              <a:defRPr sz="3600" b="0" cap="all"/>
+              <a:defRPr sz="4000" b="0" cap="none"/>
             </a:lvl1pPr>
           </a:lstStyle>
           <a:p>
@@ -1341,21 +1159,20 @@
         </p:nvSpPr>
         <p:spPr>
           <a:xfrm>
-            <a:off x="684213" y="4495800"/>
-            <a:ext cx="8534400" cy="1498600"/>
+            <a:off x="1154955" y="4777381"/>
+            <a:ext cx="8825658" cy="860400"/>
           </a:xfrm>
         </p:spPr>
         <p:txBody>
-          <a:bodyPr anchor="t">
-            <a:normAutofit/>
-          </a:bodyPr>
+          <a:bodyPr anchor="t"/>
           <a:lstStyle>
             <a:lvl1pPr marL="0" indent="0" algn="l">
               <a:buNone/>
-              <a:defRPr sz="1800">
+              <a:defRPr sz="2000" cap="all">
                 <a:solidFill>
                   <a:schemeClr val="bg2">
-                    <a:lumMod val="75000"/>
+                    <a:lumMod val="40000"/>
+                    <a:lumOff val="60000"/>
                   </a:schemeClr>
                 </a:solidFill>
               </a:defRPr>
@@ -1467,7 +1284,7 @@
           <a:p>
             <a:fld id="{868189F2-699A-4ACD-BCA7-68120C724C9C}" type="datetimeFigureOut">
               <a:rPr lang="ru-RU" smtClean="0"/>
-              <a:t>03.06.2019</a:t>
+              <a:t>06.06.2019</a:t>
             </a:fld>
             <a:endParaRPr lang="ru-RU"/>
           </a:p>
@@ -1518,7 +1335,7 @@
     </p:spTree>
     <p:extLst>
       <p:ext uri="{BB962C8B-B14F-4D97-AF65-F5344CB8AC3E}">
-        <p14:creationId xmlns:p14="http://schemas.microsoft.com/office/powerpoint/2010/main" val="2209890506"/>
+        <p14:creationId xmlns:p14="http://schemas.microsoft.com/office/powerpoint/2010/main" val="4055492116"/>
       </p:ext>
     </p:extLst>
   </p:cSld>
@@ -1580,15 +1397,43 @@
         </p:nvSpPr>
         <p:spPr>
           <a:xfrm>
-            <a:off x="684211" y="685800"/>
-            <a:ext cx="4937655" cy="3615267"/>
+            <a:off x="1103312" y="2060575"/>
+            <a:ext cx="4396339" cy="4195763"/>
           </a:xfrm>
         </p:spPr>
         <p:txBody>
           <a:bodyPr>
             <a:normAutofit/>
           </a:bodyPr>
-          <a:lstStyle/>
+          <a:lstStyle>
+            <a:lvl1pPr>
+              <a:defRPr sz="1800"/>
+            </a:lvl1pPr>
+            <a:lvl2pPr>
+              <a:defRPr sz="1600"/>
+            </a:lvl2pPr>
+            <a:lvl3pPr>
+              <a:defRPr sz="1400"/>
+            </a:lvl3pPr>
+            <a:lvl4pPr>
+              <a:defRPr sz="1200"/>
+            </a:lvl4pPr>
+            <a:lvl5pPr>
+              <a:defRPr sz="1200"/>
+            </a:lvl5pPr>
+            <a:lvl6pPr>
+              <a:defRPr sz="1200"/>
+            </a:lvl6pPr>
+            <a:lvl7pPr>
+              <a:defRPr sz="1200"/>
+            </a:lvl7pPr>
+            <a:lvl8pPr>
+              <a:defRPr sz="1200"/>
+            </a:lvl8pPr>
+            <a:lvl9pPr>
+              <a:defRPr sz="1200"/>
+            </a:lvl9pPr>
+          </a:lstStyle>
           <a:p>
             <a:pPr lvl="0"/>
             <a:r>
@@ -1639,15 +1484,43 @@
         </p:nvSpPr>
         <p:spPr>
           <a:xfrm>
-            <a:off x="5808133" y="685801"/>
-            <a:ext cx="4934479" cy="3615266"/>
+            <a:off x="5654493" y="2056092"/>
+            <a:ext cx="4396341" cy="4200245"/>
           </a:xfrm>
         </p:spPr>
         <p:txBody>
           <a:bodyPr>
             <a:normAutofit/>
           </a:bodyPr>
-          <a:lstStyle/>
+          <a:lstStyle>
+            <a:lvl1pPr>
+              <a:defRPr sz="1800"/>
+            </a:lvl1pPr>
+            <a:lvl2pPr>
+              <a:defRPr sz="1600"/>
+            </a:lvl2pPr>
+            <a:lvl3pPr>
+              <a:defRPr sz="1400"/>
+            </a:lvl3pPr>
+            <a:lvl4pPr>
+              <a:defRPr sz="1200"/>
+            </a:lvl4pPr>
+            <a:lvl5pPr>
+              <a:defRPr sz="1200"/>
+            </a:lvl5pPr>
+            <a:lvl6pPr>
+              <a:defRPr sz="1200"/>
+            </a:lvl6pPr>
+            <a:lvl7pPr>
+              <a:defRPr sz="1200"/>
+            </a:lvl7pPr>
+            <a:lvl8pPr>
+              <a:defRPr sz="1200"/>
+            </a:lvl8pPr>
+            <a:lvl9pPr>
+              <a:defRPr sz="1200"/>
+            </a:lvl9pPr>
+          </a:lstStyle>
           <a:p>
             <a:pPr lvl="0"/>
             <a:r>
@@ -1703,7 +1576,7 @@
           <a:p>
             <a:fld id="{868189F2-699A-4ACD-BCA7-68120C724C9C}" type="datetimeFigureOut">
               <a:rPr lang="ru-RU" smtClean="0"/>
-              <a:t>03.06.2019</a:t>
+              <a:t>06.06.2019</a:t>
             </a:fld>
             <a:endParaRPr lang="ru-RU"/>
           </a:p>
@@ -1754,7 +1627,7 @@
     </p:spTree>
     <p:extLst>
       <p:ext uri="{BB962C8B-B14F-4D97-AF65-F5344CB8AC3E}">
-        <p14:creationId xmlns:p14="http://schemas.microsoft.com/office/powerpoint/2010/main" val="861977183"/>
+        <p14:creationId xmlns:p14="http://schemas.microsoft.com/office/powerpoint/2010/main" val="1356140845"/>
       </p:ext>
     </p:extLst>
   </p:cSld>
@@ -1820,8 +1693,8 @@
         </p:nvSpPr>
         <p:spPr>
           <a:xfrm>
-            <a:off x="972080" y="685800"/>
-            <a:ext cx="4649787" cy="576262"/>
+            <a:off x="1103313" y="1905000"/>
+            <a:ext cx="4396338" cy="576262"/>
           </a:xfrm>
         </p:spPr>
         <p:txBody>
@@ -1831,9 +1704,12 @@
           <a:lstStyle>
             <a:lvl1pPr marL="0" indent="0">
               <a:buNone/>
-              <a:defRPr sz="2800" b="0">
+              <a:defRPr sz="2400" b="0">
                 <a:solidFill>
-                  <a:schemeClr val="tx1"/>
+                  <a:schemeClr val="bg2">
+                    <a:lumMod val="40000"/>
+                    <a:lumOff val="60000"/>
+                  </a:schemeClr>
                 </a:solidFill>
               </a:defRPr>
             </a:lvl1pPr>
@@ -1891,15 +1767,43 @@
         </p:nvSpPr>
         <p:spPr>
           <a:xfrm>
-            <a:off x="684211" y="1270529"/>
-            <a:ext cx="4937655" cy="3030538"/>
+            <a:off x="1103312" y="2514600"/>
+            <a:ext cx="4396339" cy="3741738"/>
           </a:xfrm>
         </p:spPr>
         <p:txBody>
-          <a:bodyPr anchor="t">
+          <a:bodyPr>
             <a:normAutofit/>
           </a:bodyPr>
-          <a:lstStyle/>
+          <a:lstStyle>
+            <a:lvl1pPr>
+              <a:defRPr sz="1800"/>
+            </a:lvl1pPr>
+            <a:lvl2pPr>
+              <a:defRPr sz="1600"/>
+            </a:lvl2pPr>
+            <a:lvl3pPr>
+              <a:defRPr sz="1400"/>
+            </a:lvl3pPr>
+            <a:lvl4pPr>
+              <a:defRPr sz="1200"/>
+            </a:lvl4pPr>
+            <a:lvl5pPr>
+              <a:defRPr sz="1200"/>
+            </a:lvl5pPr>
+            <a:lvl6pPr>
+              <a:defRPr sz="1200"/>
+            </a:lvl6pPr>
+            <a:lvl7pPr>
+              <a:defRPr sz="1200"/>
+            </a:lvl7pPr>
+            <a:lvl8pPr>
+              <a:defRPr sz="1200"/>
+            </a:lvl8pPr>
+            <a:lvl9pPr>
+              <a:defRPr sz="1200"/>
+            </a:lvl9pPr>
+          </a:lstStyle>
           <a:p>
             <a:pPr lvl="0"/>
             <a:r>
@@ -1950,8 +1854,8 @@
         </p:nvSpPr>
         <p:spPr>
           <a:xfrm>
-            <a:off x="6079066" y="685800"/>
-            <a:ext cx="4665134" cy="576262"/>
+            <a:off x="5654495" y="1905000"/>
+            <a:ext cx="4396339" cy="576262"/>
           </a:xfrm>
         </p:spPr>
         <p:txBody>
@@ -1961,9 +1865,12 @@
           <a:lstStyle>
             <a:lvl1pPr marL="0" indent="0">
               <a:buNone/>
-              <a:defRPr sz="2800" b="0">
+              <a:defRPr sz="2400" b="0">
                 <a:solidFill>
-                  <a:schemeClr val="tx1"/>
+                  <a:schemeClr val="bg2">
+                    <a:lumMod val="40000"/>
+                    <a:lumOff val="60000"/>
+                  </a:schemeClr>
                 </a:solidFill>
               </a:defRPr>
             </a:lvl1pPr>
@@ -2021,15 +1928,43 @@
         </p:nvSpPr>
         <p:spPr>
           <a:xfrm>
-            <a:off x="5806545" y="1262062"/>
-            <a:ext cx="4929188" cy="3030538"/>
+            <a:off x="5654495" y="2514600"/>
+            <a:ext cx="4396339" cy="3741738"/>
           </a:xfrm>
         </p:spPr>
         <p:txBody>
-          <a:bodyPr anchor="t">
+          <a:bodyPr>
             <a:normAutofit/>
           </a:bodyPr>
-          <a:lstStyle/>
+          <a:lstStyle>
+            <a:lvl1pPr>
+              <a:defRPr sz="1800"/>
+            </a:lvl1pPr>
+            <a:lvl2pPr>
+              <a:defRPr sz="1600"/>
+            </a:lvl2pPr>
+            <a:lvl3pPr>
+              <a:defRPr sz="1400"/>
+            </a:lvl3pPr>
+            <a:lvl4pPr>
+              <a:defRPr sz="1200"/>
+            </a:lvl4pPr>
+            <a:lvl5pPr>
+              <a:defRPr sz="1200"/>
+            </a:lvl5pPr>
+            <a:lvl6pPr>
+              <a:defRPr sz="1200"/>
+            </a:lvl6pPr>
+            <a:lvl7pPr>
+              <a:defRPr sz="1200"/>
+            </a:lvl7pPr>
+            <a:lvl8pPr>
+              <a:defRPr sz="1200"/>
+            </a:lvl8pPr>
+            <a:lvl9pPr>
+              <a:defRPr sz="1200"/>
+            </a:lvl9pPr>
+          </a:lstStyle>
           <a:p>
             <a:pPr lvl="0"/>
             <a:r>
@@ -2085,7 +2020,7 @@
           <a:p>
             <a:fld id="{868189F2-699A-4ACD-BCA7-68120C724C9C}" type="datetimeFigureOut">
               <a:rPr lang="ru-RU" smtClean="0"/>
-              <a:t>03.06.2019</a:t>
+              <a:t>06.06.2019</a:t>
             </a:fld>
             <a:endParaRPr lang="ru-RU"/>
           </a:p>
@@ -2136,7 +2071,7 @@
     </p:spTree>
     <p:extLst>
       <p:ext uri="{BB962C8B-B14F-4D97-AF65-F5344CB8AC3E}">
-        <p14:creationId xmlns:p14="http://schemas.microsoft.com/office/powerpoint/2010/main" val="3109838815"/>
+        <p14:creationId xmlns:p14="http://schemas.microsoft.com/office/powerpoint/2010/main" val="2592415419"/>
       </p:ext>
     </p:extLst>
   </p:cSld>
@@ -2188,7 +2123,7 @@
       </p:sp>
       <p:sp>
         <p:nvSpPr>
-          <p:cNvPr id="3" name="Date Placeholder 2"/>
+          <p:cNvPr id="7" name="Date Placeholder 2"/>
           <p:cNvSpPr>
             <a:spLocks noGrp="1"/>
           </p:cNvSpPr>
@@ -2203,7 +2138,7 @@
           <a:p>
             <a:fld id="{868189F2-699A-4ACD-BCA7-68120C724C9C}" type="datetimeFigureOut">
               <a:rPr lang="ru-RU" smtClean="0"/>
-              <a:t>03.06.2019</a:t>
+              <a:t>06.06.2019</a:t>
             </a:fld>
             <a:endParaRPr lang="ru-RU"/>
           </a:p>
@@ -2211,7 +2146,7 @@
       </p:sp>
       <p:sp>
         <p:nvSpPr>
-          <p:cNvPr id="4" name="Footer Placeholder 3"/>
+          <p:cNvPr id="5" name="Footer Placeholder 3"/>
           <p:cNvSpPr>
             <a:spLocks noGrp="1"/>
           </p:cNvSpPr>
@@ -2230,7 +2165,7 @@
       </p:sp>
       <p:sp>
         <p:nvSpPr>
-          <p:cNvPr id="5" name="Slide Number Placeholder 4"/>
+          <p:cNvPr id="6" name="Slide Number Placeholder 4"/>
           <p:cNvSpPr>
             <a:spLocks noGrp="1"/>
           </p:cNvSpPr>
@@ -2254,7 +2189,7 @@
     </p:spTree>
     <p:extLst>
       <p:ext uri="{BB962C8B-B14F-4D97-AF65-F5344CB8AC3E}">
-        <p14:creationId xmlns:p14="http://schemas.microsoft.com/office/powerpoint/2010/main" val="4255426571"/>
+        <p14:creationId xmlns:p14="http://schemas.microsoft.com/office/powerpoint/2010/main" val="1153542812"/>
       </p:ext>
     </p:extLst>
   </p:cSld>
@@ -2283,7 +2218,7 @@
       </p:grpSpPr>
       <p:sp>
         <p:nvSpPr>
-          <p:cNvPr id="2" name="Date Placeholder 1"/>
+          <p:cNvPr id="7" name="Date Placeholder 1"/>
           <p:cNvSpPr>
             <a:spLocks noGrp="1"/>
           </p:cNvSpPr>
@@ -2298,7 +2233,7 @@
           <a:p>
             <a:fld id="{868189F2-699A-4ACD-BCA7-68120C724C9C}" type="datetimeFigureOut">
               <a:rPr lang="ru-RU" smtClean="0"/>
-              <a:t>03.06.2019</a:t>
+              <a:t>06.06.2019</a:t>
             </a:fld>
             <a:endParaRPr lang="ru-RU"/>
           </a:p>
@@ -2306,7 +2241,7 @@
       </p:sp>
       <p:sp>
         <p:nvSpPr>
-          <p:cNvPr id="3" name="Footer Placeholder 2"/>
+          <p:cNvPr id="5" name="Footer Placeholder 2"/>
           <p:cNvSpPr>
             <a:spLocks noGrp="1"/>
           </p:cNvSpPr>
@@ -2325,7 +2260,7 @@
       </p:sp>
       <p:sp>
         <p:nvSpPr>
-          <p:cNvPr id="4" name="Slide Number Placeholder 3"/>
+          <p:cNvPr id="6" name="Slide Number Placeholder 3"/>
           <p:cNvSpPr>
             <a:spLocks noGrp="1"/>
           </p:cNvSpPr>
@@ -2349,7 +2284,7 @@
     </p:spTree>
     <p:extLst>
       <p:ext uri="{BB962C8B-B14F-4D97-AF65-F5344CB8AC3E}">
-        <p14:creationId xmlns:p14="http://schemas.microsoft.com/office/powerpoint/2010/main" val="267411117"/>
+        <p14:creationId xmlns:p14="http://schemas.microsoft.com/office/powerpoint/2010/main" val="3205281086"/>
       </p:ext>
     </p:extLst>
   </p:cSld>
@@ -2388,14 +2323,12 @@
         </p:nvSpPr>
         <p:spPr>
           <a:xfrm>
-            <a:off x="7085012" y="685800"/>
-            <a:ext cx="3657600" cy="1371600"/>
+            <a:off x="1154953" y="1447800"/>
+            <a:ext cx="3401064" cy="1447800"/>
           </a:xfrm>
         </p:spPr>
         <p:txBody>
-          <a:bodyPr anchor="b">
-            <a:normAutofit/>
-          </a:bodyPr>
+          <a:bodyPr anchor="b"/>
           <a:lstStyle>
             <a:lvl1pPr algn="l">
               <a:defRPr sz="2400" b="0"/>
@@ -2422,15 +2355,43 @@
         </p:nvSpPr>
         <p:spPr>
           <a:xfrm>
-            <a:off x="684212" y="685800"/>
-            <a:ext cx="5943601" cy="5308600"/>
+            <a:off x="4784616" y="1447800"/>
+            <a:ext cx="5195997" cy="4572000"/>
           </a:xfrm>
         </p:spPr>
         <p:txBody>
           <a:bodyPr anchor="ctr">
             <a:normAutofit/>
           </a:bodyPr>
-          <a:lstStyle/>
+          <a:lstStyle>
+            <a:lvl1pPr>
+              <a:defRPr sz="2000"/>
+            </a:lvl1pPr>
+            <a:lvl2pPr>
+              <a:defRPr sz="1800"/>
+            </a:lvl2pPr>
+            <a:lvl3pPr>
+              <a:defRPr sz="1600"/>
+            </a:lvl3pPr>
+            <a:lvl4pPr>
+              <a:defRPr sz="1400"/>
+            </a:lvl4pPr>
+            <a:lvl5pPr>
+              <a:defRPr sz="1400"/>
+            </a:lvl5pPr>
+            <a:lvl6pPr>
+              <a:defRPr sz="1400"/>
+            </a:lvl6pPr>
+            <a:lvl7pPr>
+              <a:defRPr sz="1400"/>
+            </a:lvl7pPr>
+            <a:lvl8pPr>
+              <a:defRPr sz="1400"/>
+            </a:lvl8pPr>
+            <a:lvl9pPr>
+              <a:defRPr sz="1400"/>
+            </a:lvl9pPr>
+          </a:lstStyle>
           <a:p>
             <a:pPr lvl="0"/>
             <a:r>
@@ -2481,18 +2442,16 @@
         </p:nvSpPr>
         <p:spPr>
           <a:xfrm>
-            <a:off x="7085012" y="2209799"/>
-            <a:ext cx="3657600" cy="2091267"/>
+            <a:off x="1154953" y="3129280"/>
+            <a:ext cx="3401063" cy="2895599"/>
           </a:xfrm>
         </p:spPr>
         <p:txBody>
-          <a:bodyPr anchor="t">
-            <a:normAutofit/>
-          </a:bodyPr>
+          <a:bodyPr/>
           <a:lstStyle>
             <a:lvl1pPr marL="0" indent="0">
               <a:buNone/>
-              <a:defRPr sz="1600"/>
+              <a:defRPr sz="1400"/>
             </a:lvl1pPr>
             <a:lvl2pPr marL="457200" indent="0">
               <a:buNone/>
@@ -2538,7 +2497,7 @@
       </p:sp>
       <p:sp>
         <p:nvSpPr>
-          <p:cNvPr id="5" name="Date Placeholder 4"/>
+          <p:cNvPr id="7" name="Date Placeholder 4"/>
           <p:cNvSpPr>
             <a:spLocks noGrp="1"/>
           </p:cNvSpPr>
@@ -2553,7 +2512,7 @@
           <a:p>
             <a:fld id="{868189F2-699A-4ACD-BCA7-68120C724C9C}" type="datetimeFigureOut">
               <a:rPr lang="ru-RU" smtClean="0"/>
-              <a:t>03.06.2019</a:t>
+              <a:t>06.06.2019</a:t>
             </a:fld>
             <a:endParaRPr lang="ru-RU"/>
           </a:p>
@@ -2561,7 +2520,7 @@
       </p:sp>
       <p:sp>
         <p:nvSpPr>
-          <p:cNvPr id="6" name="Footer Placeholder 5"/>
+          <p:cNvPr id="5" name="Footer Placeholder 5"/>
           <p:cNvSpPr>
             <a:spLocks noGrp="1"/>
           </p:cNvSpPr>
@@ -2580,7 +2539,7 @@
       </p:sp>
       <p:sp>
         <p:nvSpPr>
-          <p:cNvPr id="7" name="Slide Number Placeholder 6"/>
+          <p:cNvPr id="6" name="Slide Number Placeholder 6"/>
           <p:cNvSpPr>
             <a:spLocks noGrp="1"/>
           </p:cNvSpPr>
@@ -2604,7 +2563,7 @@
     </p:spTree>
     <p:extLst>
       <p:ext uri="{BB962C8B-B14F-4D97-AF65-F5344CB8AC3E}">
-        <p14:creationId xmlns:p14="http://schemas.microsoft.com/office/powerpoint/2010/main" val="3538924795"/>
+        <p14:creationId xmlns:p14="http://schemas.microsoft.com/office/powerpoint/2010/main" val="1369780698"/>
       </p:ext>
     </p:extLst>
   </p:cSld>
@@ -2723,7 +2682,7 @@
           <a:p>
             <a:fld id="{868189F2-699A-4ACD-BCA7-68120C724C9C}" type="datetimeFigureOut">
               <a:rPr lang="ru-RU" smtClean="0"/>
-              <a:t>03.06.2019</a:t>
+              <a:t>06.06.2019</a:t>
             </a:fld>
             <a:endParaRPr lang="ru-RU"/>
           </a:p>
@@ -2813,8 +2772,8 @@
         </p:nvSpPr>
         <p:spPr>
           <a:xfrm>
-            <a:off x="4722812" y="1447800"/>
-            <a:ext cx="6019800" cy="1143000"/>
+            <a:off x="1153907" y="1854192"/>
+            <a:ext cx="5092906" cy="1574808"/>
           </a:xfrm>
         </p:spPr>
         <p:txBody>
@@ -2823,7 +2782,7 @@
           </a:bodyPr>
           <a:lstStyle>
             <a:lvl1pPr algn="l">
-              <a:defRPr sz="2800" b="0"/>
+              <a:defRPr sz="3600" b="0"/>
             </a:lvl1pPr>
           </a:lstStyle>
           <a:p>
@@ -2837,7 +2796,7 @@
       </p:sp>
       <p:sp>
         <p:nvSpPr>
-          <p:cNvPr id="14" name="Picture Placeholder 2"/>
+          <p:cNvPr id="3" name="Picture Placeholder 2"/>
           <p:cNvSpPr>
             <a:spLocks noGrp="1" noChangeAspect="1"/>
           </p:cNvSpPr>
@@ -2847,28 +2806,20 @@
         </p:nvSpPr>
         <p:spPr>
           <a:xfrm>
-            <a:off x="989012" y="914400"/>
-            <a:ext cx="3280974" cy="4572000"/>
+            <a:off x="6949546" y="1143000"/>
+            <a:ext cx="3200400" cy="4572000"/>
           </a:xfrm>
-          <a:prstGeom prst="snip2DiagRect">
+          <a:prstGeom prst="roundRect">
             <a:avLst>
-              <a:gd name="adj1" fmla="val 10815"/>
-              <a:gd name="adj2" fmla="val 0"/>
+              <a:gd name="adj" fmla="val 1858"/>
             </a:avLst>
           </a:prstGeom>
-          <a:ln w="15875">
-            <a:solidFill>
-              <a:schemeClr val="tx1">
-                <a:alpha val="40000"/>
-              </a:schemeClr>
-            </a:solidFill>
-          </a:ln>
           <a:effectLst>
-            <a:innerShdw blurRad="57150" dist="38100" dir="14460000">
+            <a:outerShdw blurRad="50800" dist="50800" dir="5400000" algn="tl" rotWithShape="0">
               <a:srgbClr val="000000">
-                <a:alpha val="70000"/>
+                <a:alpha val="43000"/>
               </a:srgbClr>
-            </a:innerShdw>
+            </a:outerShdw>
           </a:effectLst>
         </p:spPr>
         <p:txBody>
@@ -2934,18 +2885,18 @@
         </p:nvSpPr>
         <p:spPr>
           <a:xfrm>
-            <a:off x="4722812" y="2777066"/>
-            <a:ext cx="6021388" cy="2048933"/>
+            <a:off x="1154954" y="3657600"/>
+            <a:ext cx="5084979" cy="1371600"/>
           </a:xfrm>
         </p:spPr>
         <p:txBody>
-          <a:bodyPr anchor="t">
+          <a:bodyPr>
             <a:normAutofit/>
           </a:bodyPr>
           <a:lstStyle>
             <a:lvl1pPr marL="0" indent="0">
               <a:buNone/>
-              <a:defRPr sz="1800"/>
+              <a:defRPr sz="1400"/>
             </a:lvl1pPr>
             <a:lvl2pPr marL="457200" indent="0">
               <a:buNone/>
@@ -3006,7 +2957,7 @@
           <a:p>
             <a:fld id="{868189F2-699A-4ACD-BCA7-68120C724C9C}" type="datetimeFigureOut">
               <a:rPr lang="ru-RU" smtClean="0"/>
-              <a:t>03.06.2019</a:t>
+              <a:t>06.06.2019</a:t>
             </a:fld>
             <a:endParaRPr lang="ru-RU"/>
           </a:p>
@@ -3057,7 +3008,7 @@
     </p:spTree>
     <p:extLst>
       <p:ext uri="{BB962C8B-B14F-4D97-AF65-F5344CB8AC3E}">
-        <p14:creationId xmlns:p14="http://schemas.microsoft.com/office/powerpoint/2010/main" val="2559028707"/>
+        <p14:creationId xmlns:p14="http://schemas.microsoft.com/office/powerpoint/2010/main" val="2891094007"/>
       </p:ext>
     </p:extLst>
   </p:cSld>
@@ -3094,53 +3045,56 @@
             <p:ph type="title"/>
           </p:nvPr>
         </p:nvSpPr>
-        <p:spPr/>
-        <p:txBody>
-          <a:bodyPr/>
-          <a:lstStyle/>
-          <a:p>
-            <a:r>
-              <a:rPr lang="ru-RU"/>
-              <a:t>Образец заголовка</a:t>
-            </a:r>
-            <a:endParaRPr lang="en-US" dirty="0"/>
-          </a:p>
-        </p:txBody>
-      </p:sp>
-      <p:sp>
-        <p:nvSpPr>
-          <p:cNvPr id="17" name="Picture Placeholder 2"/>
-          <p:cNvSpPr>
-            <a:spLocks noGrp="1" noChangeAspect="1"/>
-          </p:cNvSpPr>
-          <p:nvPr>
-            <p:ph type="pic" idx="13"/>
-          </p:nvPr>
-        </p:nvSpPr>
         <p:spPr>
           <a:xfrm>
-            <a:off x="685800" y="533400"/>
-            <a:ext cx="10818812" cy="3124200"/>
+            <a:off x="1154956" y="4800587"/>
+            <a:ext cx="8825657" cy="566738"/>
           </a:xfrm>
-          <a:prstGeom prst="snip2DiagRect">
+        </p:spPr>
+        <p:txBody>
+          <a:bodyPr anchor="b">
+            <a:normAutofit/>
+          </a:bodyPr>
+          <a:lstStyle>
+            <a:lvl1pPr algn="l">
+              <a:defRPr sz="2400" b="0"/>
+            </a:lvl1pPr>
+          </a:lstStyle>
+          <a:p>
+            <a:r>
+              <a:rPr lang="ru-RU"/>
+              <a:t>Образец заголовка</a:t>
+            </a:r>
+            <a:endParaRPr lang="en-US" dirty="0"/>
+          </a:p>
+        </p:txBody>
+      </p:sp>
+      <p:sp>
+        <p:nvSpPr>
+          <p:cNvPr id="3" name="Picture Placeholder 2"/>
+          <p:cNvSpPr>
+            <a:spLocks noGrp="1" noChangeAspect="1"/>
+          </p:cNvSpPr>
+          <p:nvPr>
+            <p:ph type="pic" idx="1"/>
+          </p:nvPr>
+        </p:nvSpPr>
+        <p:spPr>
+          <a:xfrm>
+            <a:off x="1154955" y="685800"/>
+            <a:ext cx="8825658" cy="3640666"/>
+          </a:xfrm>
+          <a:prstGeom prst="roundRect">
             <a:avLst>
-              <a:gd name="adj1" fmla="val 10815"/>
-              <a:gd name="adj2" fmla="val 0"/>
+              <a:gd name="adj" fmla="val 1858"/>
             </a:avLst>
           </a:prstGeom>
-          <a:ln w="15875">
-            <a:solidFill>
-              <a:schemeClr val="tx1">
-                <a:alpha val="40000"/>
-              </a:schemeClr>
-            </a:solidFill>
-          </a:ln>
           <a:effectLst>
-            <a:innerShdw blurRad="57150" dist="38100" dir="14460000">
+            <a:outerShdw blurRad="50800" dist="50800" dir="5400000" algn="tl" rotWithShape="0">
               <a:srgbClr val="000000">
-                <a:alpha val="70000"/>
+                <a:alpha val="43000"/>
               </a:srgbClr>
-            </a:innerShdw>
+            </a:outerShdw>
           </a:effectLst>
         </p:spPr>
         <p:txBody>
@@ -3196,50 +3150,61 @@
       </p:sp>
       <p:sp>
         <p:nvSpPr>
-          <p:cNvPr id="16" name="Text Placeholder 9"/>
-          <p:cNvSpPr>
-            <a:spLocks noGrp="1"/>
-          </p:cNvSpPr>
-          <p:nvPr>
-            <p:ph type="body" sz="quarter" idx="14"/>
+          <p:cNvPr id="4" name="Text Placeholder 3"/>
+          <p:cNvSpPr>
+            <a:spLocks noGrp="1"/>
+          </p:cNvSpPr>
+          <p:nvPr>
+            <p:ph type="body" sz="half" idx="2"/>
           </p:nvPr>
         </p:nvSpPr>
         <p:spPr>
           <a:xfrm>
-            <a:off x="914402" y="3843867"/>
-            <a:ext cx="8304210" cy="457200"/>
+            <a:off x="1154956" y="5367325"/>
+            <a:ext cx="8825656" cy="493712"/>
           </a:xfrm>
         </p:spPr>
         <p:txBody>
-          <a:bodyPr anchor="t">
+          <a:bodyPr>
             <a:normAutofit/>
           </a:bodyPr>
           <a:lstStyle>
             <a:lvl1pPr marL="0" indent="0">
-              <a:buFontTx/>
-              <a:buNone/>
-              <a:defRPr sz="1600"/>
+              <a:buNone/>
+              <a:defRPr sz="1200"/>
             </a:lvl1pPr>
             <a:lvl2pPr marL="457200" indent="0">
-              <a:buFontTx/>
-              <a:buNone/>
-              <a:defRPr/>
+              <a:buNone/>
+              <a:defRPr sz="1200"/>
             </a:lvl2pPr>
             <a:lvl3pPr marL="914400" indent="0">
-              <a:buFontTx/>
-              <a:buNone/>
-              <a:defRPr/>
+              <a:buNone/>
+              <a:defRPr sz="1000"/>
             </a:lvl3pPr>
             <a:lvl4pPr marL="1371600" indent="0">
-              <a:buFontTx/>
-              <a:buNone/>
-              <a:defRPr/>
+              <a:buNone/>
+              <a:defRPr sz="900"/>
             </a:lvl4pPr>
             <a:lvl5pPr marL="1828800" indent="0">
-              <a:buFontTx/>
-              <a:buNone/>
-              <a:defRPr/>
+              <a:buNone/>
+              <a:defRPr sz="900"/>
             </a:lvl5pPr>
+            <a:lvl6pPr marL="2286000" indent="0">
+              <a:buNone/>
+              <a:defRPr sz="900"/>
+            </a:lvl6pPr>
+            <a:lvl7pPr marL="2743200" indent="0">
+              <a:buNone/>
+              <a:defRPr sz="900"/>
+            </a:lvl7pPr>
+            <a:lvl8pPr marL="3200400" indent="0">
+              <a:buNone/>
+              <a:defRPr sz="900"/>
+            </a:lvl8pPr>
+            <a:lvl9pPr marL="3657600" indent="0">
+              <a:buNone/>
+              <a:defRPr sz="900"/>
+            </a:lvl9pPr>
           </a:lstStyle>
           <a:p>
             <a:pPr lvl="0"/>
@@ -3252,7 +3217,7 @@
       </p:sp>
       <p:sp>
         <p:nvSpPr>
-          <p:cNvPr id="3" name="Date Placeholder 2"/>
+          <p:cNvPr id="5" name="Date Placeholder 4"/>
           <p:cNvSpPr>
             <a:spLocks noGrp="1"/>
           </p:cNvSpPr>
@@ -3267,7 +3232,7 @@
           <a:p>
             <a:fld id="{868189F2-699A-4ACD-BCA7-68120C724C9C}" type="datetimeFigureOut">
               <a:rPr lang="ru-RU" smtClean="0"/>
-              <a:t>03.06.2019</a:t>
+              <a:t>06.06.2019</a:t>
             </a:fld>
             <a:endParaRPr lang="ru-RU"/>
           </a:p>
@@ -3275,7 +3240,7 @@
       </p:sp>
       <p:sp>
         <p:nvSpPr>
-          <p:cNvPr id="4" name="Footer Placeholder 3"/>
+          <p:cNvPr id="6" name="Footer Placeholder 5"/>
           <p:cNvSpPr>
             <a:spLocks noGrp="1"/>
           </p:cNvSpPr>
@@ -3294,7 +3259,7 @@
       </p:sp>
       <p:sp>
         <p:nvSpPr>
-          <p:cNvPr id="5" name="Slide Number Placeholder 4"/>
+          <p:cNvPr id="7" name="Slide Number Placeholder 6"/>
           <p:cNvSpPr>
             <a:spLocks noGrp="1"/>
           </p:cNvSpPr>
@@ -3318,7 +3283,7 @@
     </p:spTree>
     <p:extLst>
       <p:ext uri="{BB962C8B-B14F-4D97-AF65-F5344CB8AC3E}">
-        <p14:creationId xmlns:p14="http://schemas.microsoft.com/office/powerpoint/2010/main" val="1694720774"/>
+        <p14:creationId xmlns:p14="http://schemas.microsoft.com/office/powerpoint/2010/main" val="26358438"/>
       </p:ext>
     </p:extLst>
   </p:cSld>
@@ -3357,8 +3322,40 @@
         </p:nvSpPr>
         <p:spPr>
           <a:xfrm>
-            <a:off x="684213" y="685800"/>
-            <a:ext cx="10058400" cy="2743200"/>
+            <a:off x="1154954" y="1447800"/>
+            <a:ext cx="8825659" cy="1981200"/>
+          </a:xfrm>
+        </p:spPr>
+        <p:txBody>
+          <a:bodyPr/>
+          <a:lstStyle>
+            <a:lvl1pPr>
+              <a:defRPr sz="4800"/>
+            </a:lvl1pPr>
+          </a:lstStyle>
+          <a:p>
+            <a:r>
+              <a:rPr lang="ru-RU"/>
+              <a:t>Образец заголовка</a:t>
+            </a:r>
+            <a:endParaRPr lang="en-US" dirty="0"/>
+          </a:p>
+        </p:txBody>
+      </p:sp>
+      <p:sp>
+        <p:nvSpPr>
+          <p:cNvPr id="8" name="Text Placeholder 3"/>
+          <p:cNvSpPr>
+            <a:spLocks noGrp="1"/>
+          </p:cNvSpPr>
+          <p:nvPr>
+            <p:ph type="body" sz="half" idx="2"/>
+          </p:nvPr>
+        </p:nvSpPr>
+        <p:spPr>
+          <a:xfrm>
+            <a:off x="1154954" y="3657600"/>
+            <a:ext cx="8825659" cy="2362200"/>
           </a:xfrm>
         </p:spPr>
         <p:txBody>
@@ -3366,129 +3363,41 @@
             <a:normAutofit/>
           </a:bodyPr>
           <a:lstStyle>
-            <a:lvl1pPr algn="l">
-              <a:defRPr sz="3200" b="0" cap="all"/>
-            </a:lvl1pPr>
-          </a:lstStyle>
-          <a:p>
-            <a:r>
-              <a:rPr lang="ru-RU"/>
-              <a:t>Образец заголовка</a:t>
-            </a:r>
-            <a:endParaRPr lang="en-US" dirty="0"/>
-          </a:p>
-        </p:txBody>
-      </p:sp>
-      <p:sp>
-        <p:nvSpPr>
-          <p:cNvPr id="3" name="Text Placeholder 2"/>
-          <p:cNvSpPr>
-            <a:spLocks noGrp="1"/>
-          </p:cNvSpPr>
-          <p:nvPr>
-            <p:ph type="body" idx="1"/>
-          </p:nvPr>
-        </p:nvSpPr>
-        <p:spPr>
-          <a:xfrm>
-            <a:off x="684212" y="4114800"/>
-            <a:ext cx="8535988" cy="1879600"/>
-          </a:xfrm>
-        </p:spPr>
-        <p:txBody>
-          <a:bodyPr anchor="ctr">
-            <a:normAutofit/>
-          </a:bodyPr>
-          <a:lstStyle>
-            <a:lvl1pPr marL="0" indent="0" algn="l">
-              <a:buNone/>
-              <a:defRPr sz="2000">
-                <a:solidFill>
-                  <a:schemeClr val="bg2">
-                    <a:lumMod val="75000"/>
-                  </a:schemeClr>
-                </a:solidFill>
-              </a:defRPr>
+            <a:lvl1pPr marL="0" indent="0">
+              <a:buNone/>
+              <a:defRPr sz="1800"/>
             </a:lvl1pPr>
             <a:lvl2pPr marL="457200" indent="0">
               <a:buNone/>
-              <a:defRPr sz="1800">
-                <a:solidFill>
-                  <a:schemeClr val="tx1">
-                    <a:tint val="75000"/>
-                  </a:schemeClr>
-                </a:solidFill>
-              </a:defRPr>
+              <a:defRPr sz="1200"/>
             </a:lvl2pPr>
             <a:lvl3pPr marL="914400" indent="0">
               <a:buNone/>
-              <a:defRPr sz="1600">
-                <a:solidFill>
-                  <a:schemeClr val="tx1">
-                    <a:tint val="75000"/>
-                  </a:schemeClr>
-                </a:solidFill>
-              </a:defRPr>
+              <a:defRPr sz="1000"/>
             </a:lvl3pPr>
             <a:lvl4pPr marL="1371600" indent="0">
               <a:buNone/>
-              <a:defRPr sz="1400">
-                <a:solidFill>
-                  <a:schemeClr val="tx1">
-                    <a:tint val="75000"/>
-                  </a:schemeClr>
-                </a:solidFill>
-              </a:defRPr>
+              <a:defRPr sz="900"/>
             </a:lvl4pPr>
             <a:lvl5pPr marL="1828800" indent="0">
               <a:buNone/>
-              <a:defRPr sz="1400">
-                <a:solidFill>
-                  <a:schemeClr val="tx1">
-                    <a:tint val="75000"/>
-                  </a:schemeClr>
-                </a:solidFill>
-              </a:defRPr>
+              <a:defRPr sz="900"/>
             </a:lvl5pPr>
             <a:lvl6pPr marL="2286000" indent="0">
               <a:buNone/>
-              <a:defRPr sz="1400">
-                <a:solidFill>
-                  <a:schemeClr val="tx1">
-                    <a:tint val="75000"/>
-                  </a:schemeClr>
-                </a:solidFill>
-              </a:defRPr>
+              <a:defRPr sz="900"/>
             </a:lvl6pPr>
             <a:lvl7pPr marL="2743200" indent="0">
               <a:buNone/>
-              <a:defRPr sz="1400">
-                <a:solidFill>
-                  <a:schemeClr val="tx1">
-                    <a:tint val="75000"/>
-                  </a:schemeClr>
-                </a:solidFill>
-              </a:defRPr>
+              <a:defRPr sz="900"/>
             </a:lvl7pPr>
             <a:lvl8pPr marL="3200400" indent="0">
               <a:buNone/>
-              <a:defRPr sz="1400">
-                <a:solidFill>
-                  <a:schemeClr val="tx1">
-                    <a:tint val="75000"/>
-                  </a:schemeClr>
-                </a:solidFill>
-              </a:defRPr>
+              <a:defRPr sz="900"/>
             </a:lvl8pPr>
             <a:lvl9pPr marL="3657600" indent="0">
               <a:buNone/>
-              <a:defRPr sz="1400">
-                <a:solidFill>
-                  <a:schemeClr val="tx1">
-                    <a:tint val="75000"/>
-                  </a:schemeClr>
-                </a:solidFill>
-              </a:defRPr>
+              <a:defRPr sz="900"/>
             </a:lvl9pPr>
           </a:lstStyle>
           <a:p>
@@ -3517,7 +3426,7 @@
           <a:p>
             <a:fld id="{868189F2-699A-4ACD-BCA7-68120C724C9C}" type="datetimeFigureOut">
               <a:rPr lang="ru-RU" smtClean="0"/>
-              <a:t>03.06.2019</a:t>
+              <a:t>06.06.2019</a:t>
             </a:fld>
             <a:endParaRPr lang="ru-RU"/>
           </a:p>
@@ -3568,7 +3477,7 @@
     </p:spTree>
     <p:extLst>
       <p:ext uri="{BB962C8B-B14F-4D97-AF65-F5344CB8AC3E}">
-        <p14:creationId xmlns:p14="http://schemas.microsoft.com/office/powerpoint/2010/main" val="4162534124"/>
+        <p14:creationId xmlns:p14="http://schemas.microsoft.com/office/powerpoint/2010/main" val="2415526931"/>
       </p:ext>
     </p:extLst>
   </p:cSld>
@@ -3607,8 +3516,119 @@
         </p:nvSpPr>
         <p:spPr>
           <a:xfrm>
-            <a:off x="1141411" y="685800"/>
-            <a:ext cx="9144001" cy="2743200"/>
+            <a:off x="1574801" y="1447800"/>
+            <a:ext cx="7999315" cy="2323374"/>
+          </a:xfrm>
+        </p:spPr>
+        <p:txBody>
+          <a:bodyPr/>
+          <a:lstStyle>
+            <a:lvl1pPr>
+              <a:defRPr sz="4800"/>
+            </a:lvl1pPr>
+          </a:lstStyle>
+          <a:p>
+            <a:r>
+              <a:rPr lang="ru-RU"/>
+              <a:t>Образец заголовка</a:t>
+            </a:r>
+            <a:endParaRPr lang="en-US" dirty="0"/>
+          </a:p>
+        </p:txBody>
+      </p:sp>
+      <p:sp>
+        <p:nvSpPr>
+          <p:cNvPr id="11" name="Text Placeholder 3"/>
+          <p:cNvSpPr>
+            <a:spLocks noGrp="1"/>
+          </p:cNvSpPr>
+          <p:nvPr>
+            <p:ph type="body" sz="half" idx="14"/>
+          </p:nvPr>
+        </p:nvSpPr>
+        <p:spPr>
+          <a:xfrm>
+            <a:off x="1930400" y="3771174"/>
+            <a:ext cx="7279649" cy="342174"/>
+          </a:xfrm>
+        </p:spPr>
+        <p:txBody>
+          <a:bodyPr vert="horz" lIns="91440" tIns="45720" rIns="91440" bIns="45720" rtlCol="0" anchor="t">
+            <a:normAutofit/>
+          </a:bodyPr>
+          <a:lstStyle>
+            <a:lvl1pPr marL="0" indent="0">
+              <a:buNone/>
+              <a:defRPr lang="en-US" sz="1400" b="0" i="0" kern="1200" cap="small" dirty="0">
+                <a:solidFill>
+                  <a:schemeClr val="bg2">
+                    <a:lumMod val="40000"/>
+                    <a:lumOff val="60000"/>
+                  </a:schemeClr>
+                </a:solidFill>
+                <a:latin typeface="+mj-lt"/>
+                <a:ea typeface="+mj-ea"/>
+                <a:cs typeface="+mj-cs"/>
+              </a:defRPr>
+            </a:lvl1pPr>
+            <a:lvl2pPr marL="457200" indent="0">
+              <a:buNone/>
+              <a:defRPr sz="1200"/>
+            </a:lvl2pPr>
+            <a:lvl3pPr marL="914400" indent="0">
+              <a:buNone/>
+              <a:defRPr sz="1000"/>
+            </a:lvl3pPr>
+            <a:lvl4pPr marL="1371600" indent="0">
+              <a:buNone/>
+              <a:defRPr sz="900"/>
+            </a:lvl4pPr>
+            <a:lvl5pPr marL="1828800" indent="0">
+              <a:buNone/>
+              <a:defRPr sz="900"/>
+            </a:lvl5pPr>
+            <a:lvl6pPr marL="2286000" indent="0">
+              <a:buNone/>
+              <a:defRPr sz="900"/>
+            </a:lvl6pPr>
+            <a:lvl7pPr marL="2743200" indent="0">
+              <a:buNone/>
+              <a:defRPr sz="900"/>
+            </a:lvl7pPr>
+            <a:lvl8pPr marL="3200400" indent="0">
+              <a:buNone/>
+              <a:defRPr sz="900"/>
+            </a:lvl8pPr>
+            <a:lvl9pPr marL="3657600" indent="0">
+              <a:buNone/>
+              <a:defRPr sz="900"/>
+            </a:lvl9pPr>
+          </a:lstStyle>
+          <a:p>
+            <a:pPr marL="0" lvl="0" indent="0">
+              <a:buNone/>
+            </a:pPr>
+            <a:r>
+              <a:rPr lang="ru-RU"/>
+              <a:t>Образец текста</a:t>
+            </a:r>
+          </a:p>
+        </p:txBody>
+      </p:sp>
+      <p:sp>
+        <p:nvSpPr>
+          <p:cNvPr id="10" name="Text Placeholder 3"/>
+          <p:cNvSpPr>
+            <a:spLocks noGrp="1"/>
+          </p:cNvSpPr>
+          <p:nvPr>
+            <p:ph type="body" sz="half" idx="2"/>
+          </p:nvPr>
+        </p:nvSpPr>
+        <p:spPr>
+          <a:xfrm>
+            <a:off x="1154954" y="4350657"/>
+            <a:ext cx="8825659" cy="1676400"/>
           </a:xfrm>
         </p:spPr>
         <p:txBody>
@@ -3616,187 +3636,41 @@
             <a:normAutofit/>
           </a:bodyPr>
           <a:lstStyle>
-            <a:lvl1pPr algn="l">
-              <a:defRPr sz="3200" b="0" cap="all">
-                <a:solidFill>
-                  <a:schemeClr val="tx1"/>
-                </a:solidFill>
-              </a:defRPr>
-            </a:lvl1pPr>
-          </a:lstStyle>
-          <a:p>
-            <a:r>
-              <a:rPr lang="ru-RU"/>
-              <a:t>Образец заголовка</a:t>
-            </a:r>
-            <a:endParaRPr lang="en-US" dirty="0"/>
-          </a:p>
-        </p:txBody>
-      </p:sp>
-      <p:sp>
-        <p:nvSpPr>
-          <p:cNvPr id="10" name="Text Placeholder 9"/>
-          <p:cNvSpPr>
-            <a:spLocks noGrp="1"/>
-          </p:cNvSpPr>
-          <p:nvPr>
-            <p:ph type="body" sz="quarter" idx="13"/>
-          </p:nvPr>
-        </p:nvSpPr>
-        <p:spPr>
-          <a:xfrm>
-            <a:off x="1446212" y="3429000"/>
-            <a:ext cx="8534400" cy="381000"/>
-          </a:xfrm>
-        </p:spPr>
-        <p:txBody>
-          <a:bodyPr anchor="ctr"/>
-          <a:lstStyle>
             <a:lvl1pPr marL="0" indent="0">
-              <a:buFontTx/>
-              <a:buNone/>
-              <a:defRPr/>
+              <a:buNone/>
+              <a:defRPr sz="1800"/>
             </a:lvl1pPr>
             <a:lvl2pPr marL="457200" indent="0">
-              <a:buFontTx/>
-              <a:buNone/>
-              <a:defRPr/>
+              <a:buNone/>
+              <a:defRPr sz="1200"/>
             </a:lvl2pPr>
             <a:lvl3pPr marL="914400" indent="0">
-              <a:buFontTx/>
-              <a:buNone/>
-              <a:defRPr/>
+              <a:buNone/>
+              <a:defRPr sz="1000"/>
             </a:lvl3pPr>
             <a:lvl4pPr marL="1371600" indent="0">
-              <a:buFontTx/>
-              <a:buNone/>
-              <a:defRPr/>
+              <a:buNone/>
+              <a:defRPr sz="900"/>
             </a:lvl4pPr>
             <a:lvl5pPr marL="1828800" indent="0">
-              <a:buFontTx/>
-              <a:buNone/>
-              <a:defRPr/>
-            </a:lvl5pPr>
-          </a:lstStyle>
-          <a:p>
-            <a:pPr lvl="0"/>
-            <a:r>
-              <a:rPr lang="ru-RU"/>
-              <a:t>Образец текста</a:t>
-            </a:r>
-          </a:p>
-        </p:txBody>
-      </p:sp>
-      <p:sp>
-        <p:nvSpPr>
-          <p:cNvPr id="3" name="Text Placeholder 2"/>
-          <p:cNvSpPr>
-            <a:spLocks noGrp="1"/>
-          </p:cNvSpPr>
-          <p:nvPr>
-            <p:ph type="body" idx="1"/>
-          </p:nvPr>
-        </p:nvSpPr>
-        <p:spPr>
-          <a:xfrm>
-            <a:off x="684213" y="4301067"/>
-            <a:ext cx="8534400" cy="1684865"/>
-          </a:xfrm>
-        </p:spPr>
-        <p:txBody>
-          <a:bodyPr anchor="ctr">
-            <a:normAutofit/>
-          </a:bodyPr>
-          <a:lstStyle>
-            <a:lvl1pPr marL="0" indent="0" algn="l">
-              <a:buNone/>
-              <a:defRPr sz="2000">
-                <a:solidFill>
-                  <a:schemeClr val="bg2">
-                    <a:lumMod val="75000"/>
-                  </a:schemeClr>
-                </a:solidFill>
-              </a:defRPr>
-            </a:lvl1pPr>
-            <a:lvl2pPr marL="457200" indent="0">
-              <a:buNone/>
-              <a:defRPr sz="1800">
-                <a:solidFill>
-                  <a:schemeClr val="tx1">
-                    <a:tint val="75000"/>
-                  </a:schemeClr>
-                </a:solidFill>
-              </a:defRPr>
-            </a:lvl2pPr>
-            <a:lvl3pPr marL="914400" indent="0">
-              <a:buNone/>
-              <a:defRPr sz="1600">
-                <a:solidFill>
-                  <a:schemeClr val="tx1">
-                    <a:tint val="75000"/>
-                  </a:schemeClr>
-                </a:solidFill>
-              </a:defRPr>
-            </a:lvl3pPr>
-            <a:lvl4pPr marL="1371600" indent="0">
-              <a:buNone/>
-              <a:defRPr sz="1400">
-                <a:solidFill>
-                  <a:schemeClr val="tx1">
-                    <a:tint val="75000"/>
-                  </a:schemeClr>
-                </a:solidFill>
-              </a:defRPr>
-            </a:lvl4pPr>
-            <a:lvl5pPr marL="1828800" indent="0">
-              <a:buNone/>
-              <a:defRPr sz="1400">
-                <a:solidFill>
-                  <a:schemeClr val="tx1">
-                    <a:tint val="75000"/>
-                  </a:schemeClr>
-                </a:solidFill>
-              </a:defRPr>
+              <a:buNone/>
+              <a:defRPr sz="900"/>
             </a:lvl5pPr>
             <a:lvl6pPr marL="2286000" indent="0">
               <a:buNone/>
-              <a:defRPr sz="1400">
-                <a:solidFill>
-                  <a:schemeClr val="tx1">
-                    <a:tint val="75000"/>
-                  </a:schemeClr>
-                </a:solidFill>
-              </a:defRPr>
+              <a:defRPr sz="900"/>
             </a:lvl6pPr>
             <a:lvl7pPr marL="2743200" indent="0">
               <a:buNone/>
-              <a:defRPr sz="1400">
-                <a:solidFill>
-                  <a:schemeClr val="tx1">
-                    <a:tint val="75000"/>
-                  </a:schemeClr>
-                </a:solidFill>
-              </a:defRPr>
+              <a:defRPr sz="900"/>
             </a:lvl7pPr>
             <a:lvl8pPr marL="3200400" indent="0">
               <a:buNone/>
-              <a:defRPr sz="1400">
-                <a:solidFill>
-                  <a:schemeClr val="tx1">
-                    <a:tint val="75000"/>
-                  </a:schemeClr>
-                </a:solidFill>
-              </a:defRPr>
+              <a:defRPr sz="900"/>
             </a:lvl8pPr>
             <a:lvl9pPr marL="3657600" indent="0">
               <a:buNone/>
-              <a:defRPr sz="1400">
-                <a:solidFill>
-                  <a:schemeClr val="tx1">
-                    <a:tint val="75000"/>
-                  </a:schemeClr>
-                </a:solidFill>
-              </a:defRPr>
+              <a:defRPr sz="900"/>
             </a:lvl9pPr>
           </a:lstStyle>
           <a:p>
@@ -3825,7 +3699,7 @@
           <a:p>
             <a:fld id="{868189F2-699A-4ACD-BCA7-68120C724C9C}" type="datetimeFigureOut">
               <a:rPr lang="ru-RU" smtClean="0"/>
-              <a:t>03.06.2019</a:t>
+              <a:t>06.06.2019</a:t>
             </a:fld>
             <a:endParaRPr lang="ru-RU"/>
           </a:p>
@@ -3875,33 +3749,46 @@
       </p:sp>
       <p:sp>
         <p:nvSpPr>
-          <p:cNvPr id="14" name="TextBox 13"/>
+          <p:cNvPr id="12" name="TextBox 11"/>
           <p:cNvSpPr txBox="1"/>
           <p:nvPr/>
         </p:nvSpPr>
         <p:spPr>
           <a:xfrm>
-            <a:off x="531812" y="812222"/>
-            <a:ext cx="609600" cy="584776"/>
+            <a:off x="898295" y="971253"/>
+            <a:ext cx="801912" cy="1969770"/>
           </a:xfrm>
           <a:prstGeom prst="rect">
             <a:avLst/>
           </a:prstGeom>
+          <a:noFill/>
         </p:spPr>
         <p:txBody>
-          <a:bodyPr vert="horz" lIns="91440" tIns="45720" rIns="91440" bIns="45720" rtlCol="0" anchor="ctr">
-            <a:noAutofit/>
+          <a:bodyPr wrap="square" rtlCol="0">
+            <a:spAutoFit/>
           </a:bodyPr>
-          <a:lstStyle/>
+          <a:lstStyle>
+            <a:defPPr>
+              <a:defRPr lang="en-US"/>
+            </a:defPPr>
+            <a:lvl1pPr algn="r">
+              <a:defRPr sz="12200" b="0" i="0">
+                <a:solidFill>
+                  <a:schemeClr val="bg2">
+                    <a:lumMod val="40000"/>
+                    <a:lumOff val="60000"/>
+                  </a:schemeClr>
+                </a:solidFill>
+                <a:latin typeface="Arial"/>
+                <a:ea typeface="+mj-ea"/>
+                <a:cs typeface="+mj-cs"/>
+              </a:defRPr>
+            </a:lvl1pPr>
+          </a:lstStyle>
           <a:p>
             <a:pPr lvl="0"/>
             <a:r>
-              <a:rPr lang="en-US" sz="8000" dirty="0">
-                <a:solidFill>
-                  <a:schemeClr val="tx1"/>
-                </a:solidFill>
-                <a:effectLst/>
-              </a:rPr>
+              <a:rPr lang="en-US" dirty="0"/>
               <a:t>“</a:t>
             </a:r>
           </a:p>
@@ -3915,27 +3802,40 @@
         </p:nvSpPr>
         <p:spPr>
           <a:xfrm>
-            <a:off x="10285412" y="2768601"/>
-            <a:ext cx="609600" cy="584776"/>
+            <a:off x="9330490" y="2613787"/>
+            <a:ext cx="801912" cy="1969770"/>
           </a:xfrm>
           <a:prstGeom prst="rect">
             <a:avLst/>
           </a:prstGeom>
+          <a:noFill/>
         </p:spPr>
         <p:txBody>
-          <a:bodyPr vert="horz" lIns="91440" tIns="45720" rIns="91440" bIns="45720" rtlCol="0" anchor="ctr">
-            <a:noAutofit/>
+          <a:bodyPr wrap="square" rtlCol="0">
+            <a:spAutoFit/>
           </a:bodyPr>
-          <a:lstStyle/>
-          <a:p>
-            <a:pPr lvl="0" algn="r"/>
-            <a:r>
-              <a:rPr lang="en-US" sz="8000" dirty="0">
+          <a:lstStyle>
+            <a:defPPr>
+              <a:defRPr lang="en-US"/>
+            </a:defPPr>
+            <a:lvl1pPr algn="r">
+              <a:defRPr sz="12200" b="0" i="0">
                 <a:solidFill>
-                  <a:schemeClr val="tx1"/>
+                  <a:schemeClr val="bg2">
+                    <a:lumMod val="40000"/>
+                    <a:lumOff val="60000"/>
+                  </a:schemeClr>
                 </a:solidFill>
-                <a:effectLst/>
-              </a:rPr>
+                <a:latin typeface="Arial"/>
+                <a:ea typeface="+mj-ea"/>
+                <a:cs typeface="+mj-cs"/>
+              </a:defRPr>
+            </a:lvl1pPr>
+          </a:lstStyle>
+          <a:p>
+            <a:pPr lvl="0"/>
+            <a:r>
+              <a:rPr lang="en-US" dirty="0"/>
               <a:t>”</a:t>
             </a:r>
           </a:p>
@@ -3944,7 +3844,7 @@
     </p:spTree>
     <p:extLst>
       <p:ext uri="{BB962C8B-B14F-4D97-AF65-F5344CB8AC3E}">
-        <p14:creationId xmlns:p14="http://schemas.microsoft.com/office/powerpoint/2010/main" val="412246399"/>
+        <p14:creationId xmlns:p14="http://schemas.microsoft.com/office/powerpoint/2010/main" val="2480706456"/>
       </p:ext>
     </p:extLst>
   </p:cSld>
@@ -3983,17 +3883,15 @@
         </p:nvSpPr>
         <p:spPr>
           <a:xfrm>
-            <a:off x="684212" y="3429000"/>
-            <a:ext cx="8534400" cy="1697400"/>
+            <a:off x="1154954" y="3124201"/>
+            <a:ext cx="8825660" cy="1653180"/>
           </a:xfrm>
         </p:spPr>
         <p:txBody>
-          <a:bodyPr anchor="b">
-            <a:normAutofit/>
-          </a:bodyPr>
+          <a:bodyPr anchor="b"/>
           <a:lstStyle>
             <a:lvl1pPr algn="l">
-              <a:defRPr sz="3200" b="0" cap="all"/>
+              <a:defRPr sz="4000" b="0" cap="none"/>
             </a:lvl1pPr>
           </a:lstStyle>
           <a:p>
@@ -4017,21 +3915,20 @@
         </p:nvSpPr>
         <p:spPr>
           <a:xfrm>
-            <a:off x="684211" y="5132981"/>
-            <a:ext cx="8535990" cy="860400"/>
+            <a:off x="1154954" y="4777381"/>
+            <a:ext cx="8825659" cy="860400"/>
           </a:xfrm>
         </p:spPr>
         <p:txBody>
-          <a:bodyPr anchor="t">
-            <a:normAutofit/>
-          </a:bodyPr>
+          <a:bodyPr anchor="t"/>
           <a:lstStyle>
             <a:lvl1pPr marL="0" indent="0" algn="l">
               <a:buNone/>
-              <a:defRPr sz="2000">
+              <a:defRPr sz="2000" cap="none">
                 <a:solidFill>
                   <a:schemeClr val="bg2">
-                    <a:lumMod val="75000"/>
+                    <a:lumMod val="40000"/>
+                    <a:lumOff val="60000"/>
                   </a:schemeClr>
                 </a:solidFill>
               </a:defRPr>
@@ -4143,7 +4040,7 @@
           <a:p>
             <a:fld id="{868189F2-699A-4ACD-BCA7-68120C724C9C}" type="datetimeFigureOut">
               <a:rPr lang="ru-RU" smtClean="0"/>
-              <a:t>03.06.2019</a:t>
+              <a:t>06.06.2019</a:t>
             </a:fld>
             <a:endParaRPr lang="ru-RU"/>
           </a:p>
@@ -4194,7 +4091,7 @@
     </p:spTree>
     <p:extLst>
       <p:ext uri="{BB962C8B-B14F-4D97-AF65-F5344CB8AC3E}">
-        <p14:creationId xmlns:p14="http://schemas.microsoft.com/office/powerpoint/2010/main" val="2610112758"/>
+        <p14:creationId xmlns:p14="http://schemas.microsoft.com/office/powerpoint/2010/main" val="236630716"/>
       </p:ext>
     </p:extLst>
   </p:cSld>
@@ -4206,7 +4103,7 @@
 
 <file path=ppt/slideLayouts/slideLayout25.xml><?xml version="1.0" encoding="utf-8"?>
 <p:sldLayout xmlns:a="http://schemas.openxmlformats.org/drawingml/2006/main" xmlns:r="http://schemas.openxmlformats.org/officeDocument/2006/relationships" xmlns:p="http://schemas.openxmlformats.org/presentationml/2006/main" preserve="1">
-  <p:cSld name="Цитата карточки имени">
+  <p:cSld name="Три колонки">
     <p:spTree>
       <p:nvGrpSpPr>
         <p:cNvPr id="1" name=""/>
@@ -4231,192 +4128,368 @@
             <p:ph type="title"/>
           </p:nvPr>
         </p:nvSpPr>
+        <p:spPr/>
+        <p:txBody>
+          <a:bodyPr/>
+          <a:lstStyle>
+            <a:lvl1pPr>
+              <a:defRPr sz="4200"/>
+            </a:lvl1pPr>
+          </a:lstStyle>
+          <a:p>
+            <a:r>
+              <a:rPr lang="ru-RU"/>
+              <a:t>Образец заголовка</a:t>
+            </a:r>
+            <a:endParaRPr lang="en-US" dirty="0"/>
+          </a:p>
+        </p:txBody>
+      </p:sp>
+      <p:sp>
+        <p:nvSpPr>
+          <p:cNvPr id="3" name="Text Placeholder 2"/>
+          <p:cNvSpPr>
+            <a:spLocks noGrp="1"/>
+          </p:cNvSpPr>
+          <p:nvPr>
+            <p:ph type="body" idx="1"/>
+          </p:nvPr>
+        </p:nvSpPr>
         <p:spPr>
           <a:xfrm>
-            <a:off x="1141413" y="685800"/>
-            <a:ext cx="9144000" cy="2743200"/>
+            <a:off x="632947" y="1981200"/>
+            <a:ext cx="2946866" cy="576262"/>
           </a:xfrm>
         </p:spPr>
         <p:txBody>
-          <a:bodyPr anchor="ctr">
-            <a:normAutofit/>
+          <a:bodyPr anchor="b">
+            <a:noAutofit/>
           </a:bodyPr>
           <a:lstStyle>
-            <a:lvl1pPr algn="l">
-              <a:defRPr sz="3200" b="0" cap="all">
-                <a:solidFill>
-                  <a:schemeClr val="tx1"/>
-                </a:solidFill>
-              </a:defRPr>
-            </a:lvl1pPr>
-          </a:lstStyle>
-          <a:p>
-            <a:r>
-              <a:rPr lang="ru-RU"/>
-              <a:t>Образец заголовка</a:t>
-            </a:r>
-            <a:endParaRPr lang="en-US" dirty="0"/>
-          </a:p>
-        </p:txBody>
-      </p:sp>
-      <p:sp>
-        <p:nvSpPr>
-          <p:cNvPr id="10" name="Text Placeholder 9"/>
-          <p:cNvSpPr>
-            <a:spLocks noGrp="1"/>
-          </p:cNvSpPr>
-          <p:nvPr>
-            <p:ph type="body" sz="quarter" idx="13"/>
-          </p:nvPr>
-        </p:nvSpPr>
-        <p:spPr>
-          <a:xfrm>
-            <a:off x="684212" y="3928534"/>
-            <a:ext cx="8534401" cy="1049866"/>
-          </a:xfrm>
-        </p:spPr>
-        <p:txBody>
-          <a:bodyPr vert="horz" lIns="91440" tIns="45720" rIns="91440" bIns="45720" rtlCol="0" anchor="b">
-            <a:normAutofit/>
-          </a:bodyPr>
-          <a:lstStyle>
-            <a:lvl1pPr>
-              <a:buNone/>
-              <a:defRPr lang="en-US" sz="2400" b="0" cap="all" dirty="0">
-                <a:ln w="3175" cmpd="sng">
-                  <a:noFill/>
-                </a:ln>
-                <a:solidFill>
-                  <a:schemeClr val="tx1"/>
-                </a:solidFill>
-                <a:effectLst/>
-              </a:defRPr>
-            </a:lvl1pPr>
-          </a:lstStyle>
-          <a:p>
-            <a:pPr marL="0" lvl="0">
-              <a:spcBef>
-                <a:spcPct val="0"/>
-              </a:spcBef>
-              <a:buNone/>
-            </a:pPr>
-            <a:r>
-              <a:rPr lang="ru-RU"/>
-              <a:t>Образец текста</a:t>
-            </a:r>
-          </a:p>
-        </p:txBody>
-      </p:sp>
-      <p:sp>
-        <p:nvSpPr>
-          <p:cNvPr id="3" name="Text Placeholder 2"/>
-          <p:cNvSpPr>
-            <a:spLocks noGrp="1"/>
-          </p:cNvSpPr>
-          <p:nvPr>
-            <p:ph type="body" idx="1"/>
-          </p:nvPr>
-        </p:nvSpPr>
-        <p:spPr>
-          <a:xfrm>
-            <a:off x="684211" y="4978400"/>
-            <a:ext cx="8534401" cy="1016000"/>
-          </a:xfrm>
-        </p:spPr>
-        <p:txBody>
-          <a:bodyPr anchor="t">
-            <a:normAutofit/>
-          </a:bodyPr>
-          <a:lstStyle>
-            <a:lvl1pPr marL="0" indent="0" algn="l">
-              <a:buNone/>
-              <a:defRPr sz="1800">
+            <a:lvl1pPr marL="0" indent="0">
+              <a:buNone/>
+              <a:defRPr sz="2400" b="0">
                 <a:solidFill>
                   <a:schemeClr val="bg2">
-                    <a:lumMod val="75000"/>
+                    <a:lumMod val="40000"/>
+                    <a:lumOff val="60000"/>
                   </a:schemeClr>
                 </a:solidFill>
               </a:defRPr>
             </a:lvl1pPr>
             <a:lvl2pPr marL="457200" indent="0">
               <a:buNone/>
-              <a:defRPr sz="1800">
+              <a:defRPr sz="2000" b="1"/>
+            </a:lvl2pPr>
+            <a:lvl3pPr marL="914400" indent="0">
+              <a:buNone/>
+              <a:defRPr sz="1800" b="1"/>
+            </a:lvl3pPr>
+            <a:lvl4pPr marL="1371600" indent="0">
+              <a:buNone/>
+              <a:defRPr sz="1600" b="1"/>
+            </a:lvl4pPr>
+            <a:lvl5pPr marL="1828800" indent="0">
+              <a:buNone/>
+              <a:defRPr sz="1600" b="1"/>
+            </a:lvl5pPr>
+            <a:lvl6pPr marL="2286000" indent="0">
+              <a:buNone/>
+              <a:defRPr sz="1600" b="1"/>
+            </a:lvl6pPr>
+            <a:lvl7pPr marL="2743200" indent="0">
+              <a:buNone/>
+              <a:defRPr sz="1600" b="1"/>
+            </a:lvl7pPr>
+            <a:lvl8pPr marL="3200400" indent="0">
+              <a:buNone/>
+              <a:defRPr sz="1600" b="1"/>
+            </a:lvl8pPr>
+            <a:lvl9pPr marL="3657600" indent="0">
+              <a:buNone/>
+              <a:defRPr sz="1600" b="1"/>
+            </a:lvl9pPr>
+          </a:lstStyle>
+          <a:p>
+            <a:pPr lvl="0"/>
+            <a:r>
+              <a:rPr lang="ru-RU"/>
+              <a:t>Образец текста</a:t>
+            </a:r>
+          </a:p>
+        </p:txBody>
+      </p:sp>
+      <p:sp>
+        <p:nvSpPr>
+          <p:cNvPr id="16" name="Text Placeholder 3"/>
+          <p:cNvSpPr>
+            <a:spLocks noGrp="1"/>
+          </p:cNvSpPr>
+          <p:nvPr>
+            <p:ph type="body" sz="half" idx="15"/>
+          </p:nvPr>
+        </p:nvSpPr>
+        <p:spPr>
+          <a:xfrm>
+            <a:off x="652463" y="2667000"/>
+            <a:ext cx="2927350" cy="3589338"/>
+          </a:xfrm>
+        </p:spPr>
+        <p:txBody>
+          <a:bodyPr anchor="t">
+            <a:normAutofit/>
+          </a:bodyPr>
+          <a:lstStyle>
+            <a:lvl1pPr marL="0" indent="0">
+              <a:buNone/>
+              <a:defRPr sz="1400"/>
+            </a:lvl1pPr>
+            <a:lvl2pPr marL="457200" indent="0">
+              <a:buNone/>
+              <a:defRPr sz="1200"/>
+            </a:lvl2pPr>
+            <a:lvl3pPr marL="914400" indent="0">
+              <a:buNone/>
+              <a:defRPr sz="1000"/>
+            </a:lvl3pPr>
+            <a:lvl4pPr marL="1371600" indent="0">
+              <a:buNone/>
+              <a:defRPr sz="900"/>
+            </a:lvl4pPr>
+            <a:lvl5pPr marL="1828800" indent="0">
+              <a:buNone/>
+              <a:defRPr sz="900"/>
+            </a:lvl5pPr>
+            <a:lvl6pPr marL="2286000" indent="0">
+              <a:buNone/>
+              <a:defRPr sz="900"/>
+            </a:lvl6pPr>
+            <a:lvl7pPr marL="2743200" indent="0">
+              <a:buNone/>
+              <a:defRPr sz="900"/>
+            </a:lvl7pPr>
+            <a:lvl8pPr marL="3200400" indent="0">
+              <a:buNone/>
+              <a:defRPr sz="900"/>
+            </a:lvl8pPr>
+            <a:lvl9pPr marL="3657600" indent="0">
+              <a:buNone/>
+              <a:defRPr sz="900"/>
+            </a:lvl9pPr>
+          </a:lstStyle>
+          <a:p>
+            <a:pPr lvl="0"/>
+            <a:r>
+              <a:rPr lang="ru-RU"/>
+              <a:t>Образец текста</a:t>
+            </a:r>
+          </a:p>
+        </p:txBody>
+      </p:sp>
+      <p:sp>
+        <p:nvSpPr>
+          <p:cNvPr id="5" name="Text Placeholder 4"/>
+          <p:cNvSpPr>
+            <a:spLocks noGrp="1"/>
+          </p:cNvSpPr>
+          <p:nvPr>
+            <p:ph type="body" sz="quarter" idx="3"/>
+          </p:nvPr>
+        </p:nvSpPr>
+        <p:spPr>
+          <a:xfrm>
+            <a:off x="3883659" y="1981200"/>
+            <a:ext cx="2936241" cy="576262"/>
+          </a:xfrm>
+        </p:spPr>
+        <p:txBody>
+          <a:bodyPr anchor="b">
+            <a:noAutofit/>
+          </a:bodyPr>
+          <a:lstStyle>
+            <a:lvl1pPr marL="0" indent="0">
+              <a:buNone/>
+              <a:defRPr sz="2400" b="0">
                 <a:solidFill>
-                  <a:schemeClr val="tx1">
-                    <a:tint val="75000"/>
+                  <a:schemeClr val="bg2">
+                    <a:lumMod val="40000"/>
+                    <a:lumOff val="60000"/>
                   </a:schemeClr>
                 </a:solidFill>
               </a:defRPr>
+            </a:lvl1pPr>
+            <a:lvl2pPr marL="457200" indent="0">
+              <a:buNone/>
+              <a:defRPr sz="2000" b="1"/>
             </a:lvl2pPr>
             <a:lvl3pPr marL="914400" indent="0">
               <a:buNone/>
-              <a:defRPr sz="1600">
+              <a:defRPr sz="1800" b="1"/>
+            </a:lvl3pPr>
+            <a:lvl4pPr marL="1371600" indent="0">
+              <a:buNone/>
+              <a:defRPr sz="1600" b="1"/>
+            </a:lvl4pPr>
+            <a:lvl5pPr marL="1828800" indent="0">
+              <a:buNone/>
+              <a:defRPr sz="1600" b="1"/>
+            </a:lvl5pPr>
+            <a:lvl6pPr marL="2286000" indent="0">
+              <a:buNone/>
+              <a:defRPr sz="1600" b="1"/>
+            </a:lvl6pPr>
+            <a:lvl7pPr marL="2743200" indent="0">
+              <a:buNone/>
+              <a:defRPr sz="1600" b="1"/>
+            </a:lvl7pPr>
+            <a:lvl8pPr marL="3200400" indent="0">
+              <a:buNone/>
+              <a:defRPr sz="1600" b="1"/>
+            </a:lvl8pPr>
+            <a:lvl9pPr marL="3657600" indent="0">
+              <a:buNone/>
+              <a:defRPr sz="1600" b="1"/>
+            </a:lvl9pPr>
+          </a:lstStyle>
+          <a:p>
+            <a:pPr lvl="0"/>
+            <a:r>
+              <a:rPr lang="ru-RU"/>
+              <a:t>Образец текста</a:t>
+            </a:r>
+          </a:p>
+        </p:txBody>
+      </p:sp>
+      <p:sp>
+        <p:nvSpPr>
+          <p:cNvPr id="19" name="Text Placeholder 3"/>
+          <p:cNvSpPr>
+            <a:spLocks noGrp="1"/>
+          </p:cNvSpPr>
+          <p:nvPr>
+            <p:ph type="body" sz="half" idx="16"/>
+          </p:nvPr>
+        </p:nvSpPr>
+        <p:spPr>
+          <a:xfrm>
+            <a:off x="3873106" y="2667000"/>
+            <a:ext cx="2946794" cy="3589338"/>
+          </a:xfrm>
+        </p:spPr>
+        <p:txBody>
+          <a:bodyPr anchor="t">
+            <a:normAutofit/>
+          </a:bodyPr>
+          <a:lstStyle>
+            <a:lvl1pPr marL="0" indent="0">
+              <a:buNone/>
+              <a:defRPr sz="1400"/>
+            </a:lvl1pPr>
+            <a:lvl2pPr marL="457200" indent="0">
+              <a:buNone/>
+              <a:defRPr sz="1200"/>
+            </a:lvl2pPr>
+            <a:lvl3pPr marL="914400" indent="0">
+              <a:buNone/>
+              <a:defRPr sz="1000"/>
+            </a:lvl3pPr>
+            <a:lvl4pPr marL="1371600" indent="0">
+              <a:buNone/>
+              <a:defRPr sz="900"/>
+            </a:lvl4pPr>
+            <a:lvl5pPr marL="1828800" indent="0">
+              <a:buNone/>
+              <a:defRPr sz="900"/>
+            </a:lvl5pPr>
+            <a:lvl6pPr marL="2286000" indent="0">
+              <a:buNone/>
+              <a:defRPr sz="900"/>
+            </a:lvl6pPr>
+            <a:lvl7pPr marL="2743200" indent="0">
+              <a:buNone/>
+              <a:defRPr sz="900"/>
+            </a:lvl7pPr>
+            <a:lvl8pPr marL="3200400" indent="0">
+              <a:buNone/>
+              <a:defRPr sz="900"/>
+            </a:lvl8pPr>
+            <a:lvl9pPr marL="3657600" indent="0">
+              <a:buNone/>
+              <a:defRPr sz="900"/>
+            </a:lvl9pPr>
+          </a:lstStyle>
+          <a:p>
+            <a:pPr lvl="0"/>
+            <a:r>
+              <a:rPr lang="ru-RU"/>
+              <a:t>Образец текста</a:t>
+            </a:r>
+          </a:p>
+        </p:txBody>
+      </p:sp>
+      <p:sp>
+        <p:nvSpPr>
+          <p:cNvPr id="14" name="Text Placeholder 4"/>
+          <p:cNvSpPr>
+            <a:spLocks noGrp="1"/>
+          </p:cNvSpPr>
+          <p:nvPr>
+            <p:ph type="body" sz="quarter" idx="13"/>
+          </p:nvPr>
+        </p:nvSpPr>
+        <p:spPr>
+          <a:xfrm>
+            <a:off x="7124700" y="1981200"/>
+            <a:ext cx="2932113" cy="576262"/>
+          </a:xfrm>
+        </p:spPr>
+        <p:txBody>
+          <a:bodyPr anchor="b">
+            <a:noAutofit/>
+          </a:bodyPr>
+          <a:lstStyle>
+            <a:lvl1pPr marL="0" indent="0">
+              <a:buNone/>
+              <a:defRPr sz="2400" b="0">
                 <a:solidFill>
-                  <a:schemeClr val="tx1">
-                    <a:tint val="75000"/>
+                  <a:schemeClr val="bg2">
+                    <a:lumMod val="40000"/>
+                    <a:lumOff val="60000"/>
                   </a:schemeClr>
                 </a:solidFill>
               </a:defRPr>
+            </a:lvl1pPr>
+            <a:lvl2pPr marL="457200" indent="0">
+              <a:buNone/>
+              <a:defRPr sz="2000" b="1"/>
+            </a:lvl2pPr>
+            <a:lvl3pPr marL="914400" indent="0">
+              <a:buNone/>
+              <a:defRPr sz="1800" b="1"/>
             </a:lvl3pPr>
             <a:lvl4pPr marL="1371600" indent="0">
               <a:buNone/>
-              <a:defRPr sz="1400">
-                <a:solidFill>
-                  <a:schemeClr val="tx1">
-                    <a:tint val="75000"/>
-                  </a:schemeClr>
-                </a:solidFill>
-              </a:defRPr>
+              <a:defRPr sz="1600" b="1"/>
             </a:lvl4pPr>
             <a:lvl5pPr marL="1828800" indent="0">
               <a:buNone/>
-              <a:defRPr sz="1400">
-                <a:solidFill>
-                  <a:schemeClr val="tx1">
-                    <a:tint val="75000"/>
-                  </a:schemeClr>
-                </a:solidFill>
-              </a:defRPr>
+              <a:defRPr sz="1600" b="1"/>
             </a:lvl5pPr>
             <a:lvl6pPr marL="2286000" indent="0">
               <a:buNone/>
-              <a:defRPr sz="1400">
-                <a:solidFill>
-                  <a:schemeClr val="tx1">
-                    <a:tint val="75000"/>
-                  </a:schemeClr>
-                </a:solidFill>
-              </a:defRPr>
+              <a:defRPr sz="1600" b="1"/>
             </a:lvl6pPr>
             <a:lvl7pPr marL="2743200" indent="0">
               <a:buNone/>
-              <a:defRPr sz="1400">
-                <a:solidFill>
-                  <a:schemeClr val="tx1">
-                    <a:tint val="75000"/>
-                  </a:schemeClr>
-                </a:solidFill>
-              </a:defRPr>
+              <a:defRPr sz="1600" b="1"/>
             </a:lvl7pPr>
             <a:lvl8pPr marL="3200400" indent="0">
               <a:buNone/>
-              <a:defRPr sz="1400">
-                <a:solidFill>
-                  <a:schemeClr val="tx1">
-                    <a:tint val="75000"/>
-                  </a:schemeClr>
-                </a:solidFill>
-              </a:defRPr>
+              <a:defRPr sz="1600" b="1"/>
             </a:lvl8pPr>
             <a:lvl9pPr marL="3657600" indent="0">
               <a:buNone/>
-              <a:defRPr sz="1400">
-                <a:solidFill>
-                  <a:schemeClr val="tx1">
-                    <a:tint val="75000"/>
-                  </a:schemeClr>
-                </a:solidFill>
-              </a:defRPr>
+              <a:defRPr sz="1600" b="1"/>
             </a:lvl9pPr>
           </a:lstStyle>
           <a:p>
@@ -4430,7 +4503,152 @@
       </p:sp>
       <p:sp>
         <p:nvSpPr>
-          <p:cNvPr id="4" name="Date Placeholder 3"/>
+          <p:cNvPr id="20" name="Text Placeholder 3"/>
+          <p:cNvSpPr>
+            <a:spLocks noGrp="1"/>
+          </p:cNvSpPr>
+          <p:nvPr>
+            <p:ph type="body" sz="half" idx="17"/>
+          </p:nvPr>
+        </p:nvSpPr>
+        <p:spPr>
+          <a:xfrm>
+            <a:off x="7124700" y="2667000"/>
+            <a:ext cx="2932113" cy="3589338"/>
+          </a:xfrm>
+        </p:spPr>
+        <p:txBody>
+          <a:bodyPr anchor="t">
+            <a:normAutofit/>
+          </a:bodyPr>
+          <a:lstStyle>
+            <a:lvl1pPr marL="0" indent="0">
+              <a:buNone/>
+              <a:defRPr sz="1400"/>
+            </a:lvl1pPr>
+            <a:lvl2pPr marL="457200" indent="0">
+              <a:buNone/>
+              <a:defRPr sz="1200"/>
+            </a:lvl2pPr>
+            <a:lvl3pPr marL="914400" indent="0">
+              <a:buNone/>
+              <a:defRPr sz="1000"/>
+            </a:lvl3pPr>
+            <a:lvl4pPr marL="1371600" indent="0">
+              <a:buNone/>
+              <a:defRPr sz="900"/>
+            </a:lvl4pPr>
+            <a:lvl5pPr marL="1828800" indent="0">
+              <a:buNone/>
+              <a:defRPr sz="900"/>
+            </a:lvl5pPr>
+            <a:lvl6pPr marL="2286000" indent="0">
+              <a:buNone/>
+              <a:defRPr sz="900"/>
+            </a:lvl6pPr>
+            <a:lvl7pPr marL="2743200" indent="0">
+              <a:buNone/>
+              <a:defRPr sz="900"/>
+            </a:lvl7pPr>
+            <a:lvl8pPr marL="3200400" indent="0">
+              <a:buNone/>
+              <a:defRPr sz="900"/>
+            </a:lvl8pPr>
+            <a:lvl9pPr marL="3657600" indent="0">
+              <a:buNone/>
+              <a:defRPr sz="900"/>
+            </a:lvl9pPr>
+          </a:lstStyle>
+          <a:p>
+            <a:pPr lvl="0"/>
+            <a:r>
+              <a:rPr lang="ru-RU"/>
+              <a:t>Образец текста</a:t>
+            </a:r>
+          </a:p>
+        </p:txBody>
+      </p:sp>
+      <p:cxnSp>
+        <p:nvCxnSpPr>
+          <p:cNvPr id="17" name="Straight Connector 16"/>
+          <p:cNvCxnSpPr/>
+          <p:nvPr/>
+        </p:nvCxnSpPr>
+        <p:spPr>
+          <a:xfrm>
+            <a:off x="3726142" y="2133600"/>
+            <a:ext cx="0" cy="3962400"/>
+          </a:xfrm>
+          <a:prstGeom prst="line">
+            <a:avLst/>
+          </a:prstGeom>
+          <a:ln w="12700" cmpd="sng">
+            <a:solidFill>
+              <a:schemeClr val="bg2">
+                <a:lumMod val="40000"/>
+                <a:lumOff val="60000"/>
+                <a:alpha val="40000"/>
+              </a:schemeClr>
+            </a:solidFill>
+          </a:ln>
+        </p:spPr>
+        <p:style>
+          <a:lnRef idx="2">
+            <a:schemeClr val="accent1"/>
+          </a:lnRef>
+          <a:fillRef idx="0">
+            <a:schemeClr val="accent1"/>
+          </a:fillRef>
+          <a:effectRef idx="1">
+            <a:schemeClr val="accent1"/>
+          </a:effectRef>
+          <a:fontRef idx="minor">
+            <a:schemeClr val="tx1"/>
+          </a:fontRef>
+        </p:style>
+      </p:cxnSp>
+      <p:cxnSp>
+        <p:nvCxnSpPr>
+          <p:cNvPr id="18" name="Straight Connector 17"/>
+          <p:cNvCxnSpPr/>
+          <p:nvPr/>
+        </p:nvCxnSpPr>
+        <p:spPr>
+          <a:xfrm>
+            <a:off x="6962227" y="2133600"/>
+            <a:ext cx="0" cy="3966882"/>
+          </a:xfrm>
+          <a:prstGeom prst="line">
+            <a:avLst/>
+          </a:prstGeom>
+          <a:ln w="12700" cmpd="sng">
+            <a:solidFill>
+              <a:schemeClr val="bg2">
+                <a:lumMod val="40000"/>
+                <a:lumOff val="60000"/>
+                <a:alpha val="40000"/>
+              </a:schemeClr>
+            </a:solidFill>
+          </a:ln>
+        </p:spPr>
+        <p:style>
+          <a:lnRef idx="2">
+            <a:schemeClr val="accent1"/>
+          </a:lnRef>
+          <a:fillRef idx="0">
+            <a:schemeClr val="accent1"/>
+          </a:fillRef>
+          <a:effectRef idx="1">
+            <a:schemeClr val="accent1"/>
+          </a:effectRef>
+          <a:fontRef idx="minor">
+            <a:schemeClr val="tx1"/>
+          </a:fontRef>
+        </p:style>
+      </p:cxnSp>
+      <p:sp>
+        <p:nvSpPr>
+          <p:cNvPr id="7" name="Date Placeholder 3"/>
           <p:cNvSpPr>
             <a:spLocks noGrp="1"/>
           </p:cNvSpPr>
@@ -4445,7 +4663,7 @@
           <a:p>
             <a:fld id="{868189F2-699A-4ACD-BCA7-68120C724C9C}" type="datetimeFigureOut">
               <a:rPr lang="ru-RU" smtClean="0"/>
-              <a:t>03.06.2019</a:t>
+              <a:t>06.06.2019</a:t>
             </a:fld>
             <a:endParaRPr lang="ru-RU"/>
           </a:p>
@@ -4453,7 +4671,7 @@
       </p:sp>
       <p:sp>
         <p:nvSpPr>
-          <p:cNvPr id="5" name="Footer Placeholder 4"/>
+          <p:cNvPr id="4" name="Footer Placeholder 4"/>
           <p:cNvSpPr>
             <a:spLocks noGrp="1"/>
           </p:cNvSpPr>
@@ -4493,78 +4711,10 @@
           </a:p>
         </p:txBody>
       </p:sp>
-      <p:sp>
-        <p:nvSpPr>
-          <p:cNvPr id="11" name="TextBox 10"/>
-          <p:cNvSpPr txBox="1"/>
-          <p:nvPr/>
-        </p:nvSpPr>
-        <p:spPr>
-          <a:xfrm>
-            <a:off x="531812" y="812222"/>
-            <a:ext cx="609600" cy="584776"/>
-          </a:xfrm>
-          <a:prstGeom prst="rect">
-            <a:avLst/>
-          </a:prstGeom>
-        </p:spPr>
-        <p:txBody>
-          <a:bodyPr vert="horz" lIns="91440" tIns="45720" rIns="91440" bIns="45720" rtlCol="0" anchor="ctr">
-            <a:noAutofit/>
-          </a:bodyPr>
-          <a:lstStyle/>
-          <a:p>
-            <a:pPr lvl="0"/>
-            <a:r>
-              <a:rPr lang="en-US" sz="8000" dirty="0">
-                <a:solidFill>
-                  <a:schemeClr val="tx1"/>
-                </a:solidFill>
-                <a:effectLst/>
-              </a:rPr>
-              <a:t>“</a:t>
-            </a:r>
-          </a:p>
-        </p:txBody>
-      </p:sp>
-      <p:sp>
-        <p:nvSpPr>
-          <p:cNvPr id="12" name="TextBox 11"/>
-          <p:cNvSpPr txBox="1"/>
-          <p:nvPr/>
-        </p:nvSpPr>
-        <p:spPr>
-          <a:xfrm>
-            <a:off x="10285412" y="2768601"/>
-            <a:ext cx="609600" cy="584776"/>
-          </a:xfrm>
-          <a:prstGeom prst="rect">
-            <a:avLst/>
-          </a:prstGeom>
-        </p:spPr>
-        <p:txBody>
-          <a:bodyPr vert="horz" lIns="91440" tIns="45720" rIns="91440" bIns="45720" rtlCol="0" anchor="ctr">
-            <a:noAutofit/>
-          </a:bodyPr>
-          <a:lstStyle/>
-          <a:p>
-            <a:pPr lvl="0" algn="r"/>
-            <a:r>
-              <a:rPr lang="en-US" sz="8000" dirty="0">
-                <a:solidFill>
-                  <a:schemeClr val="tx1"/>
-                </a:solidFill>
-                <a:effectLst/>
-              </a:rPr>
-              <a:t>”</a:t>
-            </a:r>
-          </a:p>
-        </p:txBody>
-      </p:sp>
     </p:spTree>
     <p:extLst>
       <p:ext uri="{BB962C8B-B14F-4D97-AF65-F5344CB8AC3E}">
-        <p14:creationId xmlns:p14="http://schemas.microsoft.com/office/powerpoint/2010/main" val="2228010326"/>
+        <p14:creationId xmlns:p14="http://schemas.microsoft.com/office/powerpoint/2010/main" val="2640813709"/>
       </p:ext>
     </p:extLst>
   </p:cSld>
@@ -4576,7 +4726,7 @@
 
 <file path=ppt/slideLayouts/slideLayout26.xml><?xml version="1.0" encoding="utf-8"?>
 <p:sldLayout xmlns:a="http://schemas.openxmlformats.org/drawingml/2006/main" xmlns:r="http://schemas.openxmlformats.org/officeDocument/2006/relationships" xmlns:p="http://schemas.openxmlformats.org/presentationml/2006/main" preserve="1">
-  <p:cSld name="Истина или ложь">
+  <p:cSld name="Столбец с тремя рисунками">
     <p:spTree>
       <p:nvGrpSpPr>
         <p:cNvPr id="1" name=""/>
@@ -4601,189 +4751,526 @@
             <p:ph type="title"/>
           </p:nvPr>
         </p:nvSpPr>
+        <p:spPr/>
+        <p:txBody>
+          <a:bodyPr/>
+          <a:lstStyle>
+            <a:lvl1pPr>
+              <a:defRPr sz="4200"/>
+            </a:lvl1pPr>
+          </a:lstStyle>
+          <a:p>
+            <a:r>
+              <a:rPr lang="ru-RU"/>
+              <a:t>Образец заголовка</a:t>
+            </a:r>
+            <a:endParaRPr lang="en-US" dirty="0"/>
+          </a:p>
+        </p:txBody>
+      </p:sp>
+      <p:sp>
+        <p:nvSpPr>
+          <p:cNvPr id="3" name="Text Placeholder 2"/>
+          <p:cNvSpPr>
+            <a:spLocks noGrp="1"/>
+          </p:cNvSpPr>
+          <p:nvPr>
+            <p:ph type="body" idx="1"/>
+          </p:nvPr>
+        </p:nvSpPr>
         <p:spPr>
           <a:xfrm>
-            <a:off x="684213" y="685800"/>
-            <a:ext cx="10058400" cy="2743200"/>
+            <a:off x="652463" y="4250949"/>
+            <a:ext cx="2940050" cy="576262"/>
           </a:xfrm>
         </p:spPr>
         <p:txBody>
-          <a:bodyPr vert="horz" lIns="91440" tIns="45720" rIns="91440" bIns="45720" rtlCol="0" anchor="ctr">
-            <a:normAutofit/>
+          <a:bodyPr anchor="b">
+            <a:noAutofit/>
           </a:bodyPr>
           <a:lstStyle>
-            <a:lvl1pPr>
-              <a:defRPr lang="en-US" b="0" dirty="0"/>
-            </a:lvl1pPr>
-          </a:lstStyle>
-          <a:p>
-            <a:pPr marL="0" lvl="0"/>
-            <a:r>
-              <a:rPr lang="ru-RU"/>
-              <a:t>Образец заголовка</a:t>
-            </a:r>
-            <a:endParaRPr lang="en-US" dirty="0"/>
-          </a:p>
-        </p:txBody>
-      </p:sp>
-      <p:sp>
-        <p:nvSpPr>
-          <p:cNvPr id="10" name="Text Placeholder 9"/>
-          <p:cNvSpPr>
-            <a:spLocks noGrp="1"/>
-          </p:cNvSpPr>
-          <p:nvPr>
-            <p:ph type="body" sz="quarter" idx="13"/>
-          </p:nvPr>
-        </p:nvSpPr>
-        <p:spPr>
-          <a:xfrm>
-            <a:off x="684212" y="3928534"/>
-            <a:ext cx="8534400" cy="838200"/>
-          </a:xfrm>
-        </p:spPr>
-        <p:txBody>
-          <a:bodyPr vert="horz" lIns="91440" tIns="45720" rIns="91440" bIns="45720" rtlCol="0" anchor="b">
-            <a:normAutofit/>
-          </a:bodyPr>
-          <a:lstStyle>
-            <a:lvl1pPr>
-              <a:buNone/>
-              <a:defRPr lang="en-US" sz="2400" b="0" cap="all" dirty="0">
-                <a:ln w="3175" cmpd="sng">
-                  <a:noFill/>
-                </a:ln>
-                <a:solidFill>
-                  <a:schemeClr val="tx1"/>
-                </a:solidFill>
-                <a:effectLst/>
-              </a:defRPr>
-            </a:lvl1pPr>
-          </a:lstStyle>
-          <a:p>
-            <a:pPr marL="0" lvl="0">
-              <a:spcBef>
-                <a:spcPct val="0"/>
-              </a:spcBef>
-              <a:buNone/>
-            </a:pPr>
-            <a:r>
-              <a:rPr lang="ru-RU"/>
-              <a:t>Образец текста</a:t>
-            </a:r>
-          </a:p>
-        </p:txBody>
-      </p:sp>
-      <p:sp>
-        <p:nvSpPr>
-          <p:cNvPr id="3" name="Text Placeholder 2"/>
-          <p:cNvSpPr>
-            <a:spLocks noGrp="1"/>
-          </p:cNvSpPr>
-          <p:nvPr>
-            <p:ph type="body" idx="1"/>
-          </p:nvPr>
-        </p:nvSpPr>
-        <p:spPr>
-          <a:xfrm>
-            <a:off x="684211" y="4766732"/>
-            <a:ext cx="8534401" cy="1227667"/>
-          </a:xfrm>
-        </p:spPr>
-        <p:txBody>
-          <a:bodyPr anchor="t">
-            <a:normAutofit/>
-          </a:bodyPr>
-          <a:lstStyle>
-            <a:lvl1pPr marL="0" indent="0" algn="l">
-              <a:buNone/>
-              <a:defRPr sz="1800">
+            <a:lvl1pPr marL="0" indent="0">
+              <a:buNone/>
+              <a:defRPr sz="2400" b="0">
                 <a:solidFill>
                   <a:schemeClr val="bg2">
-                    <a:lumMod val="75000"/>
+                    <a:lumMod val="40000"/>
+                    <a:lumOff val="60000"/>
                   </a:schemeClr>
                 </a:solidFill>
               </a:defRPr>
             </a:lvl1pPr>
             <a:lvl2pPr marL="457200" indent="0">
               <a:buNone/>
-              <a:defRPr sz="1800">
+              <a:defRPr sz="2000" b="1"/>
+            </a:lvl2pPr>
+            <a:lvl3pPr marL="914400" indent="0">
+              <a:buNone/>
+              <a:defRPr sz="1800" b="1"/>
+            </a:lvl3pPr>
+            <a:lvl4pPr marL="1371600" indent="0">
+              <a:buNone/>
+              <a:defRPr sz="1600" b="1"/>
+            </a:lvl4pPr>
+            <a:lvl5pPr marL="1828800" indent="0">
+              <a:buNone/>
+              <a:defRPr sz="1600" b="1"/>
+            </a:lvl5pPr>
+            <a:lvl6pPr marL="2286000" indent="0">
+              <a:buNone/>
+              <a:defRPr sz="1600" b="1"/>
+            </a:lvl6pPr>
+            <a:lvl7pPr marL="2743200" indent="0">
+              <a:buNone/>
+              <a:defRPr sz="1600" b="1"/>
+            </a:lvl7pPr>
+            <a:lvl8pPr marL="3200400" indent="0">
+              <a:buNone/>
+              <a:defRPr sz="1600" b="1"/>
+            </a:lvl8pPr>
+            <a:lvl9pPr marL="3657600" indent="0">
+              <a:buNone/>
+              <a:defRPr sz="1600" b="1"/>
+            </a:lvl9pPr>
+          </a:lstStyle>
+          <a:p>
+            <a:pPr lvl="0"/>
+            <a:r>
+              <a:rPr lang="ru-RU"/>
+              <a:t>Образец текста</a:t>
+            </a:r>
+          </a:p>
+        </p:txBody>
+      </p:sp>
+      <p:sp>
+        <p:nvSpPr>
+          <p:cNvPr id="29" name="Picture Placeholder 2"/>
+          <p:cNvSpPr>
+            <a:spLocks noGrp="1" noChangeAspect="1"/>
+          </p:cNvSpPr>
+          <p:nvPr>
+            <p:ph type="pic" idx="15"/>
+          </p:nvPr>
+        </p:nvSpPr>
+        <p:spPr>
+          <a:xfrm>
+            <a:off x="652463" y="2209800"/>
+            <a:ext cx="2940050" cy="1524000"/>
+          </a:xfrm>
+          <a:prstGeom prst="roundRect">
+            <a:avLst>
+              <a:gd name="adj" fmla="val 1858"/>
+            </a:avLst>
+          </a:prstGeom>
+          <a:effectLst>
+            <a:outerShdw blurRad="50800" dist="50800" dir="5400000" algn="tl" rotWithShape="0">
+              <a:srgbClr val="000000">
+                <a:alpha val="43000"/>
+              </a:srgbClr>
+            </a:outerShdw>
+          </a:effectLst>
+        </p:spPr>
+        <p:txBody>
+          <a:bodyPr anchor="t">
+            <a:normAutofit/>
+          </a:bodyPr>
+          <a:lstStyle>
+            <a:lvl1pPr marL="0" indent="0" algn="ctr">
+              <a:buNone/>
+              <a:defRPr sz="1600"/>
+            </a:lvl1pPr>
+            <a:lvl2pPr marL="457200" indent="0">
+              <a:buNone/>
+              <a:defRPr sz="1600"/>
+            </a:lvl2pPr>
+            <a:lvl3pPr marL="914400" indent="0">
+              <a:buNone/>
+              <a:defRPr sz="1600"/>
+            </a:lvl3pPr>
+            <a:lvl4pPr marL="1371600" indent="0">
+              <a:buNone/>
+              <a:defRPr sz="1600"/>
+            </a:lvl4pPr>
+            <a:lvl5pPr marL="1828800" indent="0">
+              <a:buNone/>
+              <a:defRPr sz="1600"/>
+            </a:lvl5pPr>
+            <a:lvl6pPr marL="2286000" indent="0">
+              <a:buNone/>
+              <a:defRPr sz="1600"/>
+            </a:lvl6pPr>
+            <a:lvl7pPr marL="2743200" indent="0">
+              <a:buNone/>
+              <a:defRPr sz="1600"/>
+            </a:lvl7pPr>
+            <a:lvl8pPr marL="3200400" indent="0">
+              <a:buNone/>
+              <a:defRPr sz="1600"/>
+            </a:lvl8pPr>
+            <a:lvl9pPr marL="3657600" indent="0">
+              <a:buNone/>
+              <a:defRPr sz="1600"/>
+            </a:lvl9pPr>
+          </a:lstStyle>
+          <a:p>
+            <a:r>
+              <a:rPr lang="ru-RU"/>
+              <a:t>Вставка рисунка</a:t>
+            </a:r>
+            <a:endParaRPr lang="en-US" dirty="0"/>
+          </a:p>
+        </p:txBody>
+      </p:sp>
+      <p:sp>
+        <p:nvSpPr>
+          <p:cNvPr id="22" name="Text Placeholder 3"/>
+          <p:cNvSpPr>
+            <a:spLocks noGrp="1"/>
+          </p:cNvSpPr>
+          <p:nvPr>
+            <p:ph type="body" sz="half" idx="18"/>
+          </p:nvPr>
+        </p:nvSpPr>
+        <p:spPr>
+          <a:xfrm>
+            <a:off x="652463" y="4827211"/>
+            <a:ext cx="2940050" cy="659189"/>
+          </a:xfrm>
+        </p:spPr>
+        <p:txBody>
+          <a:bodyPr anchor="t">
+            <a:normAutofit/>
+          </a:bodyPr>
+          <a:lstStyle>
+            <a:lvl1pPr marL="0" indent="0">
+              <a:buNone/>
+              <a:defRPr sz="1400"/>
+            </a:lvl1pPr>
+            <a:lvl2pPr marL="457200" indent="0">
+              <a:buNone/>
+              <a:defRPr sz="1200"/>
+            </a:lvl2pPr>
+            <a:lvl3pPr marL="914400" indent="0">
+              <a:buNone/>
+              <a:defRPr sz="1000"/>
+            </a:lvl3pPr>
+            <a:lvl4pPr marL="1371600" indent="0">
+              <a:buNone/>
+              <a:defRPr sz="900"/>
+            </a:lvl4pPr>
+            <a:lvl5pPr marL="1828800" indent="0">
+              <a:buNone/>
+              <a:defRPr sz="900"/>
+            </a:lvl5pPr>
+            <a:lvl6pPr marL="2286000" indent="0">
+              <a:buNone/>
+              <a:defRPr sz="900"/>
+            </a:lvl6pPr>
+            <a:lvl7pPr marL="2743200" indent="0">
+              <a:buNone/>
+              <a:defRPr sz="900"/>
+            </a:lvl7pPr>
+            <a:lvl8pPr marL="3200400" indent="0">
+              <a:buNone/>
+              <a:defRPr sz="900"/>
+            </a:lvl8pPr>
+            <a:lvl9pPr marL="3657600" indent="0">
+              <a:buNone/>
+              <a:defRPr sz="900"/>
+            </a:lvl9pPr>
+          </a:lstStyle>
+          <a:p>
+            <a:pPr lvl="0"/>
+            <a:r>
+              <a:rPr lang="ru-RU"/>
+              <a:t>Образец текста</a:t>
+            </a:r>
+          </a:p>
+        </p:txBody>
+      </p:sp>
+      <p:sp>
+        <p:nvSpPr>
+          <p:cNvPr id="5" name="Text Placeholder 4"/>
+          <p:cNvSpPr>
+            <a:spLocks noGrp="1"/>
+          </p:cNvSpPr>
+          <p:nvPr>
+            <p:ph type="body" sz="quarter" idx="3"/>
+          </p:nvPr>
+        </p:nvSpPr>
+        <p:spPr>
+          <a:xfrm>
+            <a:off x="3889375" y="4250949"/>
+            <a:ext cx="2930525" cy="576262"/>
+          </a:xfrm>
+        </p:spPr>
+        <p:txBody>
+          <a:bodyPr anchor="b">
+            <a:noAutofit/>
+          </a:bodyPr>
+          <a:lstStyle>
+            <a:lvl1pPr marL="0" indent="0">
+              <a:buNone/>
+              <a:defRPr sz="2400" b="0">
                 <a:solidFill>
-                  <a:schemeClr val="tx1">
-                    <a:tint val="75000"/>
+                  <a:schemeClr val="bg2">
+                    <a:lumMod val="40000"/>
+                    <a:lumOff val="60000"/>
                   </a:schemeClr>
                 </a:solidFill>
               </a:defRPr>
+            </a:lvl1pPr>
+            <a:lvl2pPr marL="457200" indent="0">
+              <a:buNone/>
+              <a:defRPr sz="2000" b="1"/>
             </a:lvl2pPr>
             <a:lvl3pPr marL="914400" indent="0">
               <a:buNone/>
-              <a:defRPr sz="1600">
+              <a:defRPr sz="1800" b="1"/>
+            </a:lvl3pPr>
+            <a:lvl4pPr marL="1371600" indent="0">
+              <a:buNone/>
+              <a:defRPr sz="1600" b="1"/>
+            </a:lvl4pPr>
+            <a:lvl5pPr marL="1828800" indent="0">
+              <a:buNone/>
+              <a:defRPr sz="1600" b="1"/>
+            </a:lvl5pPr>
+            <a:lvl6pPr marL="2286000" indent="0">
+              <a:buNone/>
+              <a:defRPr sz="1600" b="1"/>
+            </a:lvl6pPr>
+            <a:lvl7pPr marL="2743200" indent="0">
+              <a:buNone/>
+              <a:defRPr sz="1600" b="1"/>
+            </a:lvl7pPr>
+            <a:lvl8pPr marL="3200400" indent="0">
+              <a:buNone/>
+              <a:defRPr sz="1600" b="1"/>
+            </a:lvl8pPr>
+            <a:lvl9pPr marL="3657600" indent="0">
+              <a:buNone/>
+              <a:defRPr sz="1600" b="1"/>
+            </a:lvl9pPr>
+          </a:lstStyle>
+          <a:p>
+            <a:pPr lvl="0"/>
+            <a:r>
+              <a:rPr lang="ru-RU"/>
+              <a:t>Образец текста</a:t>
+            </a:r>
+          </a:p>
+        </p:txBody>
+      </p:sp>
+      <p:sp>
+        <p:nvSpPr>
+          <p:cNvPr id="30" name="Picture Placeholder 2"/>
+          <p:cNvSpPr>
+            <a:spLocks noGrp="1" noChangeAspect="1"/>
+          </p:cNvSpPr>
+          <p:nvPr>
+            <p:ph type="pic" idx="21"/>
+          </p:nvPr>
+        </p:nvSpPr>
+        <p:spPr>
+          <a:xfrm>
+            <a:off x="3889374" y="2209800"/>
+            <a:ext cx="2930525" cy="1524000"/>
+          </a:xfrm>
+          <a:prstGeom prst="roundRect">
+            <a:avLst>
+              <a:gd name="adj" fmla="val 1858"/>
+            </a:avLst>
+          </a:prstGeom>
+          <a:effectLst>
+            <a:outerShdw blurRad="50800" dist="50800" dir="5400000" algn="tl" rotWithShape="0">
+              <a:srgbClr val="000000">
+                <a:alpha val="43000"/>
+              </a:srgbClr>
+            </a:outerShdw>
+          </a:effectLst>
+        </p:spPr>
+        <p:txBody>
+          <a:bodyPr anchor="t">
+            <a:normAutofit/>
+          </a:bodyPr>
+          <a:lstStyle>
+            <a:lvl1pPr marL="0" indent="0" algn="ctr">
+              <a:buNone/>
+              <a:defRPr sz="1600"/>
+            </a:lvl1pPr>
+            <a:lvl2pPr marL="457200" indent="0">
+              <a:buNone/>
+              <a:defRPr sz="1600"/>
+            </a:lvl2pPr>
+            <a:lvl3pPr marL="914400" indent="0">
+              <a:buNone/>
+              <a:defRPr sz="1600"/>
+            </a:lvl3pPr>
+            <a:lvl4pPr marL="1371600" indent="0">
+              <a:buNone/>
+              <a:defRPr sz="1600"/>
+            </a:lvl4pPr>
+            <a:lvl5pPr marL="1828800" indent="0">
+              <a:buNone/>
+              <a:defRPr sz="1600"/>
+            </a:lvl5pPr>
+            <a:lvl6pPr marL="2286000" indent="0">
+              <a:buNone/>
+              <a:defRPr sz="1600"/>
+            </a:lvl6pPr>
+            <a:lvl7pPr marL="2743200" indent="0">
+              <a:buNone/>
+              <a:defRPr sz="1600"/>
+            </a:lvl7pPr>
+            <a:lvl8pPr marL="3200400" indent="0">
+              <a:buNone/>
+              <a:defRPr sz="1600"/>
+            </a:lvl8pPr>
+            <a:lvl9pPr marL="3657600" indent="0">
+              <a:buNone/>
+              <a:defRPr sz="1600"/>
+            </a:lvl9pPr>
+          </a:lstStyle>
+          <a:p>
+            <a:r>
+              <a:rPr lang="ru-RU"/>
+              <a:t>Вставка рисунка</a:t>
+            </a:r>
+            <a:endParaRPr lang="en-US" dirty="0"/>
+          </a:p>
+        </p:txBody>
+      </p:sp>
+      <p:sp>
+        <p:nvSpPr>
+          <p:cNvPr id="23" name="Text Placeholder 3"/>
+          <p:cNvSpPr>
+            <a:spLocks noGrp="1"/>
+          </p:cNvSpPr>
+          <p:nvPr>
+            <p:ph type="body" sz="half" idx="19"/>
+          </p:nvPr>
+        </p:nvSpPr>
+        <p:spPr>
+          <a:xfrm>
+            <a:off x="3888022" y="4827210"/>
+            <a:ext cx="2934406" cy="659189"/>
+          </a:xfrm>
+        </p:spPr>
+        <p:txBody>
+          <a:bodyPr anchor="t">
+            <a:normAutofit/>
+          </a:bodyPr>
+          <a:lstStyle>
+            <a:lvl1pPr marL="0" indent="0">
+              <a:buNone/>
+              <a:defRPr sz="1400"/>
+            </a:lvl1pPr>
+            <a:lvl2pPr marL="457200" indent="0">
+              <a:buNone/>
+              <a:defRPr sz="1200"/>
+            </a:lvl2pPr>
+            <a:lvl3pPr marL="914400" indent="0">
+              <a:buNone/>
+              <a:defRPr sz="1000"/>
+            </a:lvl3pPr>
+            <a:lvl4pPr marL="1371600" indent="0">
+              <a:buNone/>
+              <a:defRPr sz="900"/>
+            </a:lvl4pPr>
+            <a:lvl5pPr marL="1828800" indent="0">
+              <a:buNone/>
+              <a:defRPr sz="900"/>
+            </a:lvl5pPr>
+            <a:lvl6pPr marL="2286000" indent="0">
+              <a:buNone/>
+              <a:defRPr sz="900"/>
+            </a:lvl6pPr>
+            <a:lvl7pPr marL="2743200" indent="0">
+              <a:buNone/>
+              <a:defRPr sz="900"/>
+            </a:lvl7pPr>
+            <a:lvl8pPr marL="3200400" indent="0">
+              <a:buNone/>
+              <a:defRPr sz="900"/>
+            </a:lvl8pPr>
+            <a:lvl9pPr marL="3657600" indent="0">
+              <a:buNone/>
+              <a:defRPr sz="900"/>
+            </a:lvl9pPr>
+          </a:lstStyle>
+          <a:p>
+            <a:pPr lvl="0"/>
+            <a:r>
+              <a:rPr lang="ru-RU"/>
+              <a:t>Образец текста</a:t>
+            </a:r>
+          </a:p>
+        </p:txBody>
+      </p:sp>
+      <p:sp>
+        <p:nvSpPr>
+          <p:cNvPr id="14" name="Text Placeholder 4"/>
+          <p:cNvSpPr>
+            <a:spLocks noGrp="1"/>
+          </p:cNvSpPr>
+          <p:nvPr>
+            <p:ph type="body" sz="quarter" idx="13"/>
+          </p:nvPr>
+        </p:nvSpPr>
+        <p:spPr>
+          <a:xfrm>
+            <a:off x="7124700" y="4250949"/>
+            <a:ext cx="2932113" cy="576262"/>
+          </a:xfrm>
+        </p:spPr>
+        <p:txBody>
+          <a:bodyPr anchor="b">
+            <a:noAutofit/>
+          </a:bodyPr>
+          <a:lstStyle>
+            <a:lvl1pPr marL="0" indent="0">
+              <a:buNone/>
+              <a:defRPr sz="2400" b="0">
                 <a:solidFill>
-                  <a:schemeClr val="tx1">
-                    <a:tint val="75000"/>
+                  <a:schemeClr val="bg2">
+                    <a:lumMod val="40000"/>
+                    <a:lumOff val="60000"/>
                   </a:schemeClr>
                 </a:solidFill>
               </a:defRPr>
+            </a:lvl1pPr>
+            <a:lvl2pPr marL="457200" indent="0">
+              <a:buNone/>
+              <a:defRPr sz="2000" b="1"/>
+            </a:lvl2pPr>
+            <a:lvl3pPr marL="914400" indent="0">
+              <a:buNone/>
+              <a:defRPr sz="1800" b="1"/>
             </a:lvl3pPr>
             <a:lvl4pPr marL="1371600" indent="0">
               <a:buNone/>
-              <a:defRPr sz="1400">
-                <a:solidFill>
-                  <a:schemeClr val="tx1">
-                    <a:tint val="75000"/>
-                  </a:schemeClr>
-                </a:solidFill>
-              </a:defRPr>
+              <a:defRPr sz="1600" b="1"/>
             </a:lvl4pPr>
             <a:lvl5pPr marL="1828800" indent="0">
               <a:buNone/>
-              <a:defRPr sz="1400">
-                <a:solidFill>
-                  <a:schemeClr val="tx1">
-                    <a:tint val="75000"/>
-                  </a:schemeClr>
-                </a:solidFill>
-              </a:defRPr>
+              <a:defRPr sz="1600" b="1"/>
             </a:lvl5pPr>
             <a:lvl6pPr marL="2286000" indent="0">
               <a:buNone/>
-              <a:defRPr sz="1400">
-                <a:solidFill>
-                  <a:schemeClr val="tx1">
-                    <a:tint val="75000"/>
-                  </a:schemeClr>
-                </a:solidFill>
-              </a:defRPr>
+              <a:defRPr sz="1600" b="1"/>
             </a:lvl6pPr>
             <a:lvl7pPr marL="2743200" indent="0">
               <a:buNone/>
-              <a:defRPr sz="1400">
-                <a:solidFill>
-                  <a:schemeClr val="tx1">
-                    <a:tint val="75000"/>
-                  </a:schemeClr>
-                </a:solidFill>
-              </a:defRPr>
+              <a:defRPr sz="1600" b="1"/>
             </a:lvl7pPr>
             <a:lvl8pPr marL="3200400" indent="0">
               <a:buNone/>
-              <a:defRPr sz="1400">
-                <a:solidFill>
-                  <a:schemeClr val="tx1">
-                    <a:tint val="75000"/>
-                  </a:schemeClr>
-                </a:solidFill>
-              </a:defRPr>
+              <a:defRPr sz="1600" b="1"/>
             </a:lvl8pPr>
             <a:lvl9pPr marL="3657600" indent="0">
               <a:buNone/>
-              <a:defRPr sz="1400">
-                <a:solidFill>
-                  <a:schemeClr val="tx1">
-                    <a:tint val="75000"/>
-                  </a:schemeClr>
-                </a:solidFill>
-              </a:defRPr>
+              <a:defRPr sz="1600" b="1"/>
             </a:lvl9pPr>
           </a:lstStyle>
           <a:p>
@@ -4797,7 +5284,231 @@
       </p:sp>
       <p:sp>
         <p:nvSpPr>
-          <p:cNvPr id="4" name="Date Placeholder 3"/>
+          <p:cNvPr id="31" name="Picture Placeholder 2"/>
+          <p:cNvSpPr>
+            <a:spLocks noGrp="1" noChangeAspect="1"/>
+          </p:cNvSpPr>
+          <p:nvPr>
+            <p:ph type="pic" idx="22"/>
+          </p:nvPr>
+        </p:nvSpPr>
+        <p:spPr>
+          <a:xfrm>
+            <a:off x="7124699" y="2209800"/>
+            <a:ext cx="2932113" cy="1524000"/>
+          </a:xfrm>
+          <a:prstGeom prst="roundRect">
+            <a:avLst>
+              <a:gd name="adj" fmla="val 1858"/>
+            </a:avLst>
+          </a:prstGeom>
+          <a:effectLst>
+            <a:outerShdw blurRad="50800" dist="50800" dir="5400000" algn="tl" rotWithShape="0">
+              <a:srgbClr val="000000">
+                <a:alpha val="43000"/>
+              </a:srgbClr>
+            </a:outerShdw>
+          </a:effectLst>
+        </p:spPr>
+        <p:txBody>
+          <a:bodyPr anchor="t">
+            <a:normAutofit/>
+          </a:bodyPr>
+          <a:lstStyle>
+            <a:lvl1pPr marL="0" indent="0" algn="ctr">
+              <a:buNone/>
+              <a:defRPr sz="1600"/>
+            </a:lvl1pPr>
+            <a:lvl2pPr marL="457200" indent="0">
+              <a:buNone/>
+              <a:defRPr sz="1600"/>
+            </a:lvl2pPr>
+            <a:lvl3pPr marL="914400" indent="0">
+              <a:buNone/>
+              <a:defRPr sz="1600"/>
+            </a:lvl3pPr>
+            <a:lvl4pPr marL="1371600" indent="0">
+              <a:buNone/>
+              <a:defRPr sz="1600"/>
+            </a:lvl4pPr>
+            <a:lvl5pPr marL="1828800" indent="0">
+              <a:buNone/>
+              <a:defRPr sz="1600"/>
+            </a:lvl5pPr>
+            <a:lvl6pPr marL="2286000" indent="0">
+              <a:buNone/>
+              <a:defRPr sz="1600"/>
+            </a:lvl6pPr>
+            <a:lvl7pPr marL="2743200" indent="0">
+              <a:buNone/>
+              <a:defRPr sz="1600"/>
+            </a:lvl7pPr>
+            <a:lvl8pPr marL="3200400" indent="0">
+              <a:buNone/>
+              <a:defRPr sz="1600"/>
+            </a:lvl8pPr>
+            <a:lvl9pPr marL="3657600" indent="0">
+              <a:buNone/>
+              <a:defRPr sz="1600"/>
+            </a:lvl9pPr>
+          </a:lstStyle>
+          <a:p>
+            <a:r>
+              <a:rPr lang="ru-RU"/>
+              <a:t>Вставка рисунка</a:t>
+            </a:r>
+            <a:endParaRPr lang="en-US" dirty="0"/>
+          </a:p>
+        </p:txBody>
+      </p:sp>
+      <p:sp>
+        <p:nvSpPr>
+          <p:cNvPr id="24" name="Text Placeholder 3"/>
+          <p:cNvSpPr>
+            <a:spLocks noGrp="1"/>
+          </p:cNvSpPr>
+          <p:nvPr>
+            <p:ph type="body" sz="half" idx="20"/>
+          </p:nvPr>
+        </p:nvSpPr>
+        <p:spPr>
+          <a:xfrm>
+            <a:off x="7124575" y="4827208"/>
+            <a:ext cx="2935997" cy="659189"/>
+          </a:xfrm>
+        </p:spPr>
+        <p:txBody>
+          <a:bodyPr anchor="t">
+            <a:normAutofit/>
+          </a:bodyPr>
+          <a:lstStyle>
+            <a:lvl1pPr marL="0" indent="0">
+              <a:buNone/>
+              <a:defRPr sz="1400"/>
+            </a:lvl1pPr>
+            <a:lvl2pPr marL="457200" indent="0">
+              <a:buNone/>
+              <a:defRPr sz="1200"/>
+            </a:lvl2pPr>
+            <a:lvl3pPr marL="914400" indent="0">
+              <a:buNone/>
+              <a:defRPr sz="1000"/>
+            </a:lvl3pPr>
+            <a:lvl4pPr marL="1371600" indent="0">
+              <a:buNone/>
+              <a:defRPr sz="900"/>
+            </a:lvl4pPr>
+            <a:lvl5pPr marL="1828800" indent="0">
+              <a:buNone/>
+              <a:defRPr sz="900"/>
+            </a:lvl5pPr>
+            <a:lvl6pPr marL="2286000" indent="0">
+              <a:buNone/>
+              <a:defRPr sz="900"/>
+            </a:lvl6pPr>
+            <a:lvl7pPr marL="2743200" indent="0">
+              <a:buNone/>
+              <a:defRPr sz="900"/>
+            </a:lvl7pPr>
+            <a:lvl8pPr marL="3200400" indent="0">
+              <a:buNone/>
+              <a:defRPr sz="900"/>
+            </a:lvl8pPr>
+            <a:lvl9pPr marL="3657600" indent="0">
+              <a:buNone/>
+              <a:defRPr sz="900"/>
+            </a:lvl9pPr>
+          </a:lstStyle>
+          <a:p>
+            <a:pPr lvl="0"/>
+            <a:r>
+              <a:rPr lang="ru-RU"/>
+              <a:t>Образец текста</a:t>
+            </a:r>
+          </a:p>
+        </p:txBody>
+      </p:sp>
+      <p:cxnSp>
+        <p:nvCxnSpPr>
+          <p:cNvPr id="19" name="Straight Connector 18"/>
+          <p:cNvCxnSpPr/>
+          <p:nvPr/>
+        </p:nvCxnSpPr>
+        <p:spPr>
+          <a:xfrm>
+            <a:off x="3726142" y="2133600"/>
+            <a:ext cx="0" cy="3962400"/>
+          </a:xfrm>
+          <a:prstGeom prst="line">
+            <a:avLst/>
+          </a:prstGeom>
+          <a:ln w="12700" cmpd="sng">
+            <a:solidFill>
+              <a:schemeClr val="bg2">
+                <a:lumMod val="40000"/>
+                <a:lumOff val="60000"/>
+                <a:alpha val="40000"/>
+              </a:schemeClr>
+            </a:solidFill>
+          </a:ln>
+        </p:spPr>
+        <p:style>
+          <a:lnRef idx="2">
+            <a:schemeClr val="accent1"/>
+          </a:lnRef>
+          <a:fillRef idx="0">
+            <a:schemeClr val="accent1"/>
+          </a:fillRef>
+          <a:effectRef idx="1">
+            <a:schemeClr val="accent1"/>
+          </a:effectRef>
+          <a:fontRef idx="minor">
+            <a:schemeClr val="tx1"/>
+          </a:fontRef>
+        </p:style>
+      </p:cxnSp>
+      <p:cxnSp>
+        <p:nvCxnSpPr>
+          <p:cNvPr id="20" name="Straight Connector 19"/>
+          <p:cNvCxnSpPr/>
+          <p:nvPr/>
+        </p:nvCxnSpPr>
+        <p:spPr>
+          <a:xfrm>
+            <a:off x="6962227" y="2133600"/>
+            <a:ext cx="0" cy="3966882"/>
+          </a:xfrm>
+          <a:prstGeom prst="line">
+            <a:avLst/>
+          </a:prstGeom>
+          <a:ln w="12700" cmpd="sng">
+            <a:solidFill>
+              <a:schemeClr val="bg2">
+                <a:lumMod val="40000"/>
+                <a:lumOff val="60000"/>
+                <a:alpha val="40000"/>
+              </a:schemeClr>
+            </a:solidFill>
+          </a:ln>
+        </p:spPr>
+        <p:style>
+          <a:lnRef idx="2">
+            <a:schemeClr val="accent1"/>
+          </a:lnRef>
+          <a:fillRef idx="0">
+            <a:schemeClr val="accent1"/>
+          </a:fillRef>
+          <a:effectRef idx="1">
+            <a:schemeClr val="accent1"/>
+          </a:effectRef>
+          <a:fontRef idx="minor">
+            <a:schemeClr val="tx1"/>
+          </a:fontRef>
+        </p:style>
+      </p:cxnSp>
+      <p:sp>
+        <p:nvSpPr>
+          <p:cNvPr id="7" name="Date Placeholder 3"/>
           <p:cNvSpPr>
             <a:spLocks noGrp="1"/>
           </p:cNvSpPr>
@@ -4812,7 +5523,7 @@
           <a:p>
             <a:fld id="{868189F2-699A-4ACD-BCA7-68120C724C9C}" type="datetimeFigureOut">
               <a:rPr lang="ru-RU" smtClean="0"/>
-              <a:t>03.06.2019</a:t>
+              <a:t>06.06.2019</a:t>
             </a:fld>
             <a:endParaRPr lang="ru-RU"/>
           </a:p>
@@ -4820,7 +5531,7 @@
       </p:sp>
       <p:sp>
         <p:nvSpPr>
-          <p:cNvPr id="5" name="Footer Placeholder 4"/>
+          <p:cNvPr id="4" name="Footer Placeholder 4"/>
           <p:cNvSpPr>
             <a:spLocks noGrp="1"/>
           </p:cNvSpPr>
@@ -4863,7 +5574,7 @@
     </p:spTree>
     <p:extLst>
       <p:ext uri="{BB962C8B-B14F-4D97-AF65-F5344CB8AC3E}">
-        <p14:creationId xmlns:p14="http://schemas.microsoft.com/office/powerpoint/2010/main" val="1381009645"/>
+        <p14:creationId xmlns:p14="http://schemas.microsoft.com/office/powerpoint/2010/main" val="694231575"/>
       </p:ext>
     </p:extLst>
   </p:cSld>
@@ -4903,11 +5614,7 @@
         <p:spPr/>
         <p:txBody>
           <a:bodyPr/>
-          <a:lstStyle>
-            <a:lvl1pPr algn="l">
-              <a:defRPr/>
-            </a:lvl1pPr>
-          </a:lstStyle>
+          <a:lstStyle/>
           <a:p>
             <a:r>
               <a:rPr lang="ru-RU"/>
@@ -4929,7 +5636,7 @@
         </p:nvSpPr>
         <p:spPr/>
         <p:txBody>
-          <a:bodyPr vert="eaVert" anchor="t"/>
+          <a:bodyPr vert="eaVert" anchor="t" anchorCtr="0"/>
           <a:lstStyle/>
           <a:p>
             <a:pPr lvl="0"/>
@@ -4986,7 +5693,7 @@
           <a:p>
             <a:fld id="{868189F2-699A-4ACD-BCA7-68120C724C9C}" type="datetimeFigureOut">
               <a:rPr lang="ru-RU" smtClean="0"/>
-              <a:t>03.06.2019</a:t>
+              <a:t>06.06.2019</a:t>
             </a:fld>
             <a:endParaRPr lang="ru-RU"/>
           </a:p>
@@ -5037,7 +5744,7 @@
     </p:spTree>
     <p:extLst>
       <p:ext uri="{BB962C8B-B14F-4D97-AF65-F5344CB8AC3E}">
-        <p14:creationId xmlns:p14="http://schemas.microsoft.com/office/powerpoint/2010/main" val="3380455059"/>
+        <p14:creationId xmlns:p14="http://schemas.microsoft.com/office/powerpoint/2010/main" val="2882807315"/>
       </p:ext>
     </p:extLst>
   </p:cSld>
@@ -5076,12 +5783,12 @@
         </p:nvSpPr>
         <p:spPr>
           <a:xfrm>
-            <a:off x="8685212" y="685800"/>
-            <a:ext cx="2057400" cy="4572000"/>
+            <a:off x="8304212" y="430213"/>
+            <a:ext cx="1752601" cy="5826125"/>
           </a:xfrm>
         </p:spPr>
         <p:txBody>
-          <a:bodyPr vert="eaVert"/>
+          <a:bodyPr vert="eaVert" anchor="b" anchorCtr="0"/>
           <a:lstStyle/>
           <a:p>
             <a:r>
@@ -5104,12 +5811,12 @@
         </p:nvSpPr>
         <p:spPr>
           <a:xfrm>
-            <a:off x="685800" y="685800"/>
-            <a:ext cx="7823200" cy="5308600"/>
+            <a:off x="652463" y="887414"/>
+            <a:ext cx="7423149" cy="5368924"/>
           </a:xfrm>
         </p:spPr>
         <p:txBody>
-          <a:bodyPr vert="eaVert" anchor="t"/>
+          <a:bodyPr vert="eaVert"/>
           <a:lstStyle/>
           <a:p>
             <a:pPr lvl="0"/>
@@ -5166,7 +5873,7 @@
           <a:p>
             <a:fld id="{868189F2-699A-4ACD-BCA7-68120C724C9C}" type="datetimeFigureOut">
               <a:rPr lang="ru-RU" smtClean="0"/>
-              <a:t>03.06.2019</a:t>
+              <a:t>06.06.2019</a:t>
             </a:fld>
             <a:endParaRPr lang="ru-RU"/>
           </a:p>
@@ -5217,7 +5924,7 @@
     </p:spTree>
     <p:extLst>
       <p:ext uri="{BB962C8B-B14F-4D97-AF65-F5344CB8AC3E}">
-        <p14:creationId xmlns:p14="http://schemas.microsoft.com/office/powerpoint/2010/main" val="4149555546"/>
+        <p14:creationId xmlns:p14="http://schemas.microsoft.com/office/powerpoint/2010/main" val="4053666068"/>
       </p:ext>
     </p:extLst>
   </p:cSld>
@@ -5417,7 +6124,7 @@
           <a:p>
             <a:fld id="{868189F2-699A-4ACD-BCA7-68120C724C9C}" type="datetimeFigureOut">
               <a:rPr lang="ru-RU" smtClean="0"/>
-              <a:t>03.06.2019</a:t>
+              <a:t>06.06.2019</a:t>
             </a:fld>
             <a:endParaRPr lang="ru-RU"/>
           </a:p>
@@ -5649,7 +6356,7 @@
           <a:p>
             <a:fld id="{868189F2-699A-4ACD-BCA7-68120C724C9C}" type="datetimeFigureOut">
               <a:rPr lang="ru-RU" smtClean="0"/>
-              <a:t>03.06.2019</a:t>
+              <a:t>06.06.2019</a:t>
             </a:fld>
             <a:endParaRPr lang="ru-RU"/>
           </a:p>
@@ -5996,7 +6703,7 @@
           <a:p>
             <a:fld id="{868189F2-699A-4ACD-BCA7-68120C724C9C}" type="datetimeFigureOut">
               <a:rPr lang="ru-RU" smtClean="0"/>
-              <a:t>03.06.2019</a:t>
+              <a:t>06.06.2019</a:t>
             </a:fld>
             <a:endParaRPr lang="ru-RU"/>
           </a:p>
@@ -6114,7 +6821,7 @@
           <a:p>
             <a:fld id="{868189F2-699A-4ACD-BCA7-68120C724C9C}" type="datetimeFigureOut">
               <a:rPr lang="ru-RU" smtClean="0"/>
-              <a:t>03.06.2019</a:t>
+              <a:t>06.06.2019</a:t>
             </a:fld>
             <a:endParaRPr lang="ru-RU"/>
           </a:p>
@@ -6232,7 +6939,7 @@
           <a:p>
             <a:fld id="{868189F2-699A-4ACD-BCA7-68120C724C9C}" type="datetimeFigureOut">
               <a:rPr lang="ru-RU" smtClean="0"/>
-              <a:t>03.06.2019</a:t>
+              <a:t>06.06.2019</a:t>
             </a:fld>
             <a:endParaRPr lang="ru-RU"/>
           </a:p>
@@ -6516,7 +7223,7 @@
           <a:p>
             <a:fld id="{868189F2-699A-4ACD-BCA7-68120C724C9C}" type="datetimeFigureOut">
               <a:rPr lang="ru-RU" smtClean="0"/>
-              <a:t>03.06.2019</a:t>
+              <a:t>06.06.2019</a:t>
             </a:fld>
             <a:endParaRPr lang="ru-RU"/>
           </a:p>
@@ -6780,7 +7487,7 @@
           <a:p>
             <a:fld id="{868189F2-699A-4ACD-BCA7-68120C724C9C}" type="datetimeFigureOut">
               <a:rPr lang="ru-RU" smtClean="0"/>
-              <a:t>03.06.2019</a:t>
+              <a:t>06.06.2019</a:t>
             </a:fld>
             <a:endParaRPr lang="ru-RU"/>
           </a:p>
@@ -6994,7 +7701,7 @@
           <a:p>
             <a:fld id="{868189F2-699A-4ACD-BCA7-68120C724C9C}" type="datetimeFigureOut">
               <a:rPr lang="ru-RU" smtClean="0"/>
-              <a:t>03.06.2019</a:t>
+              <a:t>06.06.2019</a:t>
             </a:fld>
             <a:endParaRPr lang="ru-RU"/>
           </a:p>
@@ -7375,7 +8082,7 @@
 <p:sldMaster xmlns:a="http://schemas.openxmlformats.org/drawingml/2006/main" xmlns:r="http://schemas.openxmlformats.org/officeDocument/2006/relationships" xmlns:p="http://schemas.openxmlformats.org/presentationml/2006/main">
   <p:cSld>
     <p:bg>
-      <p:bgRef idx="1002">
+      <p:bgRef idx="1003">
         <a:schemeClr val="bg2"/>
       </p:bgRef>
     </p:bg>
@@ -7393,405 +8100,425 @@
           <a:chExt cx="0" cy="0"/>
         </a:xfrm>
       </p:grpSpPr>
-      <p:grpSp>
-        <p:nvGrpSpPr>
-          <p:cNvPr id="7" name="Group 6"/>
-          <p:cNvGrpSpPr/>
+      <p:pic>
+        <p:nvPicPr>
+          <p:cNvPr id="8" name="Picture 7"/>
+          <p:cNvPicPr>
+            <a:picLocks noChangeAspect="1"/>
+          </p:cNvPicPr>
           <p:nvPr/>
-        </p:nvGrpSpPr>
-        <p:grpSpPr>
-          <a:xfrm>
-            <a:off x="9206969" y="2963333"/>
-            <a:ext cx="2981858" cy="3208867"/>
-            <a:chOff x="9206969" y="2963333"/>
-            <a:chExt cx="2981858" cy="3208867"/>
-          </a:xfrm>
-        </p:grpSpPr>
-        <p:cxnSp>
-          <p:nvCxnSpPr>
-            <p:cNvPr id="8" name="Straight Connector 7"/>
-            <p:cNvCxnSpPr/>
-            <p:nvPr/>
-          </p:nvCxnSpPr>
-          <p:spPr>
-            <a:xfrm flipH="1">
-              <a:off x="11276012" y="2963333"/>
-              <a:ext cx="912814" cy="912812"/>
-            </a:xfrm>
-            <a:prstGeom prst="line">
-              <a:avLst/>
-            </a:prstGeom>
-            <a:ln w="9525">
-              <a:solidFill>
-                <a:schemeClr val="tx1"/>
-              </a:solidFill>
-            </a:ln>
-          </p:spPr>
-          <p:style>
-            <a:lnRef idx="2">
-              <a:schemeClr val="accent1"/>
-            </a:lnRef>
-            <a:fillRef idx="0">
-              <a:schemeClr val="accent1"/>
-            </a:fillRef>
-            <a:effectRef idx="1">
-              <a:schemeClr val="accent1"/>
-            </a:effectRef>
-            <a:fontRef idx="minor">
-              <a:schemeClr val="tx1"/>
-            </a:fontRef>
-          </p:style>
-        </p:cxnSp>
-        <p:cxnSp>
-          <p:nvCxnSpPr>
-            <p:cNvPr id="9" name="Straight Connector 8"/>
-            <p:cNvCxnSpPr/>
-            <p:nvPr/>
-          </p:nvCxnSpPr>
-          <p:spPr>
-            <a:xfrm flipH="1">
-              <a:off x="9206969" y="3190344"/>
-              <a:ext cx="2981857" cy="2981856"/>
-            </a:xfrm>
-            <a:prstGeom prst="line">
-              <a:avLst/>
-            </a:prstGeom>
-            <a:ln w="9525">
-              <a:solidFill>
-                <a:schemeClr val="tx1"/>
-              </a:solidFill>
-            </a:ln>
-          </p:spPr>
-          <p:style>
-            <a:lnRef idx="2">
-              <a:schemeClr val="accent1"/>
-            </a:lnRef>
-            <a:fillRef idx="0">
-              <a:schemeClr val="accent1"/>
-            </a:fillRef>
-            <a:effectRef idx="1">
-              <a:schemeClr val="accent1"/>
-            </a:effectRef>
-            <a:fontRef idx="minor">
-              <a:schemeClr val="tx1"/>
-            </a:fontRef>
-          </p:style>
-        </p:cxnSp>
-        <p:cxnSp>
-          <p:nvCxnSpPr>
-            <p:cNvPr id="10" name="Straight Connector 9"/>
-            <p:cNvCxnSpPr/>
-            <p:nvPr/>
-          </p:nvCxnSpPr>
-          <p:spPr>
-            <a:xfrm flipH="1">
-              <a:off x="10292292" y="3285067"/>
-              <a:ext cx="1896534" cy="1896533"/>
-            </a:xfrm>
-            <a:prstGeom prst="line">
-              <a:avLst/>
-            </a:prstGeom>
-            <a:ln w="9525">
-              <a:solidFill>
-                <a:schemeClr val="tx1"/>
-              </a:solidFill>
-            </a:ln>
-          </p:spPr>
-          <p:style>
-            <a:lnRef idx="2">
-              <a:schemeClr val="accent1"/>
-            </a:lnRef>
-            <a:fillRef idx="0">
-              <a:schemeClr val="accent1"/>
-            </a:fillRef>
-            <a:effectRef idx="1">
-              <a:schemeClr val="accent1"/>
-            </a:effectRef>
-            <a:fontRef idx="minor">
-              <a:schemeClr val="tx1"/>
-            </a:fontRef>
-          </p:style>
-        </p:cxnSp>
-        <p:cxnSp>
-          <p:nvCxnSpPr>
-            <p:cNvPr id="11" name="Straight Connector 10"/>
-            <p:cNvCxnSpPr/>
-            <p:nvPr/>
-          </p:nvCxnSpPr>
-          <p:spPr>
-            <a:xfrm flipH="1">
-              <a:off x="10443103" y="3131080"/>
-              <a:ext cx="1745722" cy="1745720"/>
-            </a:xfrm>
-            <a:prstGeom prst="line">
-              <a:avLst/>
-            </a:prstGeom>
-            <a:ln w="28575">
-              <a:solidFill>
-                <a:schemeClr val="tx1"/>
-              </a:solidFill>
-            </a:ln>
-          </p:spPr>
-          <p:style>
-            <a:lnRef idx="2">
-              <a:schemeClr val="accent1"/>
-            </a:lnRef>
-            <a:fillRef idx="0">
-              <a:schemeClr val="accent1"/>
-            </a:fillRef>
-            <a:effectRef idx="1">
-              <a:schemeClr val="accent1"/>
-            </a:effectRef>
-            <a:fontRef idx="minor">
-              <a:schemeClr val="tx1"/>
-            </a:fontRef>
-          </p:style>
-        </p:cxnSp>
-        <p:cxnSp>
-          <p:nvCxnSpPr>
-            <p:cNvPr id="12" name="Straight Connector 11"/>
-            <p:cNvCxnSpPr/>
-            <p:nvPr/>
-          </p:nvCxnSpPr>
-          <p:spPr>
-            <a:xfrm flipH="1">
-              <a:off x="10918826" y="3683001"/>
-              <a:ext cx="1270001" cy="1269999"/>
-            </a:xfrm>
-            <a:prstGeom prst="line">
-              <a:avLst/>
-            </a:prstGeom>
-            <a:ln w="28575">
-              <a:solidFill>
-                <a:schemeClr val="tx1"/>
-              </a:solidFill>
-            </a:ln>
-          </p:spPr>
-          <p:style>
-            <a:lnRef idx="2">
-              <a:schemeClr val="accent1"/>
-            </a:lnRef>
-            <a:fillRef idx="0">
-              <a:schemeClr val="accent1"/>
-            </a:fillRef>
-            <a:effectRef idx="1">
-              <a:schemeClr val="accent1"/>
-            </a:effectRef>
-            <a:fontRef idx="minor">
-              <a:schemeClr val="tx1"/>
-            </a:fontRef>
-          </p:style>
-        </p:cxnSp>
-      </p:grpSp>
-      <p:sp>
-        <p:nvSpPr>
-          <p:cNvPr id="2" name="Title Placeholder 1"/>
-          <p:cNvSpPr>
-            <a:spLocks noGrp="1"/>
-          </p:cNvSpPr>
-          <p:nvPr>
-            <p:ph type="title"/>
-          </p:nvPr>
-        </p:nvSpPr>
+        </p:nvPicPr>
+        <p:blipFill rotWithShape="1">
+          <a:blip r:embed="rId19">
+            <a:extLst>
+              <a:ext uri="{28A0092B-C50C-407E-A947-70E740481C1C}">
+                <a14:useLocalDpi xmlns:a14="http://schemas.microsoft.com/office/drawing/2010/main" val="0"/>
+              </a:ext>
+            </a:extLst>
+          </a:blip>
+          <a:srcRect l="3613"/>
+          <a:stretch/>
+        </p:blipFill>
         <p:spPr>
           <a:xfrm>
-            <a:off x="684212" y="4487332"/>
-            <a:ext cx="8534400" cy="1507067"/>
-          </a:xfrm>
-          <a:prstGeom prst="rect">
-            <a:avLst/>
-          </a:prstGeom>
-          <a:effectLst/>
-        </p:spPr>
-        <p:txBody>
-          <a:bodyPr vert="horz" lIns="91440" tIns="45720" rIns="91440" bIns="45720" rtlCol="0" anchor="ctr">
-            <a:normAutofit/>
-          </a:bodyPr>
-          <a:lstStyle/>
-          <a:p>
-            <a:r>
-              <a:rPr lang="ru-RU"/>
-              <a:t>Образец заголовка</a:t>
-            </a:r>
-            <a:endParaRPr lang="en-US" dirty="0"/>
-          </a:p>
-        </p:txBody>
-      </p:sp>
-      <p:sp>
-        <p:nvSpPr>
-          <p:cNvPr id="3" name="Text Placeholder 2"/>
-          <p:cNvSpPr>
-            <a:spLocks noGrp="1"/>
-          </p:cNvSpPr>
-          <p:nvPr>
-            <p:ph type="body" idx="1"/>
-          </p:nvPr>
-        </p:nvSpPr>
-        <p:spPr>
-          <a:xfrm>
-            <a:off x="684212" y="685800"/>
-            <a:ext cx="8534400" cy="3615267"/>
+            <a:off x="0" y="2669685"/>
+            <a:ext cx="4037012" cy="4188315"/>
           </a:xfrm>
           <a:prstGeom prst="rect">
             <a:avLst/>
           </a:prstGeom>
         </p:spPr>
-        <p:txBody>
-          <a:bodyPr vert="horz" lIns="91440" tIns="45720" rIns="91440" bIns="45720" rtlCol="0" anchor="ctr">
-            <a:normAutofit/>
-          </a:bodyPr>
-          <a:lstStyle/>
-          <a:p>
-            <a:pPr lvl="0"/>
-            <a:r>
-              <a:rPr lang="ru-RU"/>
-              <a:t>Образец текста</a:t>
-            </a:r>
-          </a:p>
-          <a:p>
-            <a:pPr lvl="1"/>
-            <a:r>
-              <a:rPr lang="ru-RU"/>
-              <a:t>Второй уровень</a:t>
-            </a:r>
-          </a:p>
-          <a:p>
-            <a:pPr lvl="2"/>
-            <a:r>
-              <a:rPr lang="ru-RU"/>
-              <a:t>Третий уровень</a:t>
-            </a:r>
-          </a:p>
-          <a:p>
-            <a:pPr lvl="3"/>
-            <a:r>
-              <a:rPr lang="ru-RU"/>
-              <a:t>Четвертый уровень</a:t>
-            </a:r>
-          </a:p>
-          <a:p>
-            <a:pPr lvl="4"/>
-            <a:r>
-              <a:rPr lang="ru-RU"/>
-              <a:t>Пятый уровень</a:t>
-            </a:r>
-            <a:endParaRPr lang="en-US" dirty="0"/>
-          </a:p>
-        </p:txBody>
-      </p:sp>
-      <p:sp>
-        <p:nvSpPr>
-          <p:cNvPr id="4" name="Date Placeholder 3"/>
-          <p:cNvSpPr>
-            <a:spLocks noGrp="1"/>
-          </p:cNvSpPr>
-          <p:nvPr>
-            <p:ph type="dt" sz="half" idx="2"/>
-          </p:nvPr>
-        </p:nvSpPr>
+      </p:pic>
+      <p:pic>
+        <p:nvPicPr>
+          <p:cNvPr id="7" name="Picture 6"/>
+          <p:cNvPicPr>
+            <a:picLocks noChangeAspect="1"/>
+          </p:cNvPicPr>
+          <p:nvPr/>
+        </p:nvPicPr>
+        <p:blipFill rotWithShape="1">
+          <a:blip r:embed="rId20">
+            <a:extLst>
+              <a:ext uri="{28A0092B-C50C-407E-A947-70E740481C1C}">
+                <a14:useLocalDpi xmlns:a14="http://schemas.microsoft.com/office/drawing/2010/main" val="0"/>
+              </a:ext>
+            </a:extLst>
+          </a:blip>
+          <a:srcRect l="35640"/>
+          <a:stretch/>
+        </p:blipFill>
         <p:spPr>
           <a:xfrm>
-            <a:off x="9904412" y="6172200"/>
-            <a:ext cx="1600200" cy="365125"/>
+            <a:off x="0" y="2892347"/>
+            <a:ext cx="1522412" cy="2365453"/>
           </a:xfrm>
           <a:prstGeom prst="rect">
             <a:avLst/>
           </a:prstGeom>
         </p:spPr>
-        <p:txBody>
-          <a:bodyPr vert="horz" lIns="91440" tIns="45720" rIns="91440" bIns="45720" rtlCol="0" anchor="t"/>
-          <a:lstStyle>
-            <a:lvl1pPr algn="r">
-              <a:defRPr sz="1000" b="0" i="0">
-                <a:solidFill>
-                  <a:schemeClr val="bg2">
-                    <a:lumMod val="50000"/>
-                  </a:schemeClr>
-                </a:solidFill>
-                <a:effectLst/>
-                <a:latin typeface="+mn-lt"/>
-              </a:defRPr>
-            </a:lvl1pPr>
-          </a:lstStyle>
-          <a:p>
-            <a:fld id="{868189F2-699A-4ACD-BCA7-68120C724C9C}" type="datetimeFigureOut">
-              <a:rPr lang="ru-RU" smtClean="0"/>
-              <a:t>03.06.2019</a:t>
-            </a:fld>
-            <a:endParaRPr lang="ru-RU"/>
-          </a:p>
-        </p:txBody>
-      </p:sp>
-      <p:sp>
-        <p:nvSpPr>
-          <p:cNvPr id="5" name="Footer Placeholder 4"/>
-          <p:cNvSpPr>
-            <a:spLocks noGrp="1"/>
-          </p:cNvSpPr>
-          <p:nvPr>
-            <p:ph type="ftr" sz="quarter" idx="3"/>
-          </p:nvPr>
+      </p:pic>
+      <p:sp>
+        <p:nvSpPr>
+          <p:cNvPr id="16" name="Oval 15"/>
+          <p:cNvSpPr/>
+          <p:nvPr/>
         </p:nvSpPr>
         <p:spPr>
           <a:xfrm>
-            <a:off x="684212" y="6172200"/>
-            <a:ext cx="7543800" cy="365125"/>
+            <a:off x="8609012" y="1676400"/>
+            <a:ext cx="2819400" cy="2819400"/>
+          </a:xfrm>
+          <a:prstGeom prst="ellipse">
+            <a:avLst/>
+          </a:prstGeom>
+          <a:gradFill flip="none" rotWithShape="1">
+            <a:gsLst>
+              <a:gs pos="0">
+                <a:schemeClr val="bg2">
+                  <a:lumMod val="60000"/>
+                  <a:lumOff val="40000"/>
+                  <a:alpha val="7000"/>
+                </a:schemeClr>
+              </a:gs>
+              <a:gs pos="69000">
+                <a:schemeClr val="bg2">
+                  <a:lumMod val="60000"/>
+                  <a:lumOff val="40000"/>
+                  <a:alpha val="0"/>
+                </a:schemeClr>
+              </a:gs>
+              <a:gs pos="36000">
+                <a:schemeClr val="bg2">
+                  <a:lumMod val="60000"/>
+                  <a:lumOff val="40000"/>
+                  <a:alpha val="6000"/>
+                </a:schemeClr>
+              </a:gs>
+            </a:gsLst>
+            <a:path path="circle">
+              <a:fillToRect l="50000" t="50000" r="50000" b="50000"/>
+            </a:path>
+            <a:tileRect/>
+          </a:gradFill>
+          <a:ln>
+            <a:noFill/>
+          </a:ln>
+          <a:effectLst/>
+        </p:spPr>
+        <p:style>
+          <a:lnRef idx="1">
+            <a:schemeClr val="accent1"/>
+          </a:lnRef>
+          <a:fillRef idx="3">
+            <a:schemeClr val="accent1"/>
+          </a:fillRef>
+          <a:effectRef idx="2">
+            <a:schemeClr val="accent1"/>
+          </a:effectRef>
+          <a:fontRef idx="minor">
+            <a:schemeClr val="lt1"/>
+          </a:fontRef>
+        </p:style>
+      </p:sp>
+      <p:pic>
+        <p:nvPicPr>
+          <p:cNvPr id="9" name="Picture 8"/>
+          <p:cNvPicPr>
+            <a:picLocks noChangeAspect="1"/>
+          </p:cNvPicPr>
+          <p:nvPr/>
+        </p:nvPicPr>
+        <p:blipFill rotWithShape="1">
+          <a:blip r:embed="rId21">
+            <a:extLst>
+              <a:ext uri="{28A0092B-C50C-407E-A947-70E740481C1C}">
+                <a14:useLocalDpi xmlns:a14="http://schemas.microsoft.com/office/drawing/2010/main" val="0"/>
+              </a:ext>
+            </a:extLst>
+          </a:blip>
+          <a:srcRect t="28813"/>
+          <a:stretch/>
+        </p:blipFill>
+        <p:spPr>
+          <a:xfrm>
+            <a:off x="7999412" y="0"/>
+            <a:ext cx="1603387" cy="1141407"/>
           </a:xfrm>
           <a:prstGeom prst="rect">
             <a:avLst/>
           </a:prstGeom>
         </p:spPr>
-        <p:txBody>
-          <a:bodyPr vert="horz" lIns="91440" tIns="45720" rIns="91440" bIns="45720" rtlCol="0" anchor="t"/>
-          <a:lstStyle>
-            <a:lvl1pPr algn="l">
-              <a:defRPr sz="1000" b="0" i="0">
-                <a:solidFill>
-                  <a:schemeClr val="bg2">
-                    <a:lumMod val="50000"/>
-                  </a:schemeClr>
-                </a:solidFill>
-                <a:effectLst/>
-                <a:latin typeface="+mn-lt"/>
-              </a:defRPr>
-            </a:lvl1pPr>
-          </a:lstStyle>
-          <a:p>
-            <a:endParaRPr lang="ru-RU"/>
-          </a:p>
-        </p:txBody>
-      </p:sp>
-      <p:sp>
-        <p:nvSpPr>
-          <p:cNvPr id="6" name="Slide Number Placeholder 5"/>
-          <p:cNvSpPr>
-            <a:spLocks noGrp="1"/>
-          </p:cNvSpPr>
-          <p:nvPr>
-            <p:ph type="sldNum" sz="quarter" idx="4"/>
-          </p:nvPr>
-        </p:nvSpPr>
+      </p:pic>
+      <p:pic>
+        <p:nvPicPr>
+          <p:cNvPr id="10" name="Picture 9"/>
+          <p:cNvPicPr>
+            <a:picLocks noChangeAspect="1"/>
+          </p:cNvPicPr>
+          <p:nvPr/>
+        </p:nvPicPr>
+        <p:blipFill rotWithShape="1">
+          <a:blip r:embed="rId22">
+            <a:extLst>
+              <a:ext uri="{28A0092B-C50C-407E-A947-70E740481C1C}">
+                <a14:useLocalDpi xmlns:a14="http://schemas.microsoft.com/office/drawing/2010/main" val="0"/>
+              </a:ext>
+            </a:extLst>
+          </a:blip>
+          <a:srcRect b="23320"/>
+          <a:stretch/>
+        </p:blipFill>
         <p:spPr>
           <a:xfrm>
-            <a:off x="10363200" y="5578475"/>
-            <a:ext cx="1142245" cy="669925"/>
+            <a:off x="8605878" y="6096000"/>
+            <a:ext cx="993734" cy="762000"/>
           </a:xfrm>
           <a:prstGeom prst="rect">
             <a:avLst/>
           </a:prstGeom>
         </p:spPr>
+      </p:pic>
+      <p:sp>
+        <p:nvSpPr>
+          <p:cNvPr id="14" name="Rectangle 13"/>
+          <p:cNvSpPr/>
+          <p:nvPr/>
+        </p:nvSpPr>
+        <p:spPr>
+          <a:xfrm>
+            <a:off x="10437812" y="0"/>
+            <a:ext cx="685800" cy="1143000"/>
+          </a:xfrm>
+          <a:prstGeom prst="rect">
+            <a:avLst/>
+          </a:prstGeom>
+          <a:solidFill>
+            <a:schemeClr val="accent1"/>
+          </a:solidFill>
+          <a:ln>
+            <a:noFill/>
+          </a:ln>
+        </p:spPr>
+        <p:style>
+          <a:lnRef idx="1">
+            <a:schemeClr val="accent1"/>
+          </a:lnRef>
+          <a:fillRef idx="3">
+            <a:schemeClr val="accent1"/>
+          </a:fillRef>
+          <a:effectRef idx="2">
+            <a:schemeClr val="accent1"/>
+          </a:effectRef>
+          <a:fontRef idx="minor">
+            <a:schemeClr val="lt1"/>
+          </a:fontRef>
+        </p:style>
+      </p:sp>
+      <p:sp>
+        <p:nvSpPr>
+          <p:cNvPr id="2" name="Title Placeholder 1"/>
+          <p:cNvSpPr>
+            <a:spLocks noGrp="1"/>
+          </p:cNvSpPr>
+          <p:nvPr>
+            <p:ph type="title"/>
+          </p:nvPr>
+        </p:nvSpPr>
+        <p:spPr>
+          <a:xfrm>
+            <a:off x="646111" y="452718"/>
+            <a:ext cx="9404723" cy="1400530"/>
+          </a:xfrm>
+          <a:prstGeom prst="rect">
+            <a:avLst/>
+          </a:prstGeom>
+        </p:spPr>
+        <p:txBody>
+          <a:bodyPr vert="horz" lIns="91440" tIns="45720" rIns="91440" bIns="45720" rtlCol="0" anchor="t">
+            <a:noAutofit/>
+          </a:bodyPr>
+          <a:lstStyle/>
+          <a:p>
+            <a:r>
+              <a:rPr lang="ru-RU"/>
+              <a:t>Образец заголовка</a:t>
+            </a:r>
+            <a:endParaRPr lang="en-US" dirty="0"/>
+          </a:p>
+        </p:txBody>
+      </p:sp>
+      <p:sp>
+        <p:nvSpPr>
+          <p:cNvPr id="3" name="Text Placeholder 2"/>
+          <p:cNvSpPr>
+            <a:spLocks noGrp="1"/>
+          </p:cNvSpPr>
+          <p:nvPr>
+            <p:ph type="body" idx="1"/>
+          </p:nvPr>
+        </p:nvSpPr>
+        <p:spPr>
+          <a:xfrm>
+            <a:off x="1103312" y="2052918"/>
+            <a:ext cx="8946541" cy="4195481"/>
+          </a:xfrm>
+          <a:prstGeom prst="rect">
+            <a:avLst/>
+          </a:prstGeom>
+        </p:spPr>
+        <p:txBody>
+          <a:bodyPr vert="horz" lIns="91440" tIns="45720" rIns="91440" bIns="45720" rtlCol="0">
+            <a:normAutofit/>
+          </a:bodyPr>
+          <a:lstStyle/>
+          <a:p>
+            <a:pPr lvl="0"/>
+            <a:r>
+              <a:rPr lang="ru-RU"/>
+              <a:t>Образец текста</a:t>
+            </a:r>
+          </a:p>
+          <a:p>
+            <a:pPr lvl="1"/>
+            <a:r>
+              <a:rPr lang="ru-RU"/>
+              <a:t>Второй уровень</a:t>
+            </a:r>
+          </a:p>
+          <a:p>
+            <a:pPr lvl="2"/>
+            <a:r>
+              <a:rPr lang="ru-RU"/>
+              <a:t>Третий уровень</a:t>
+            </a:r>
+          </a:p>
+          <a:p>
+            <a:pPr lvl="3"/>
+            <a:r>
+              <a:rPr lang="ru-RU"/>
+              <a:t>Четвертый уровень</a:t>
+            </a:r>
+          </a:p>
+          <a:p>
+            <a:pPr lvl="4"/>
+            <a:r>
+              <a:rPr lang="ru-RU"/>
+              <a:t>Пятый уровень</a:t>
+            </a:r>
+            <a:endParaRPr lang="en-US" dirty="0"/>
+          </a:p>
+        </p:txBody>
+      </p:sp>
+      <p:sp>
+        <p:nvSpPr>
+          <p:cNvPr id="4" name="Date Placeholder 3"/>
+          <p:cNvSpPr>
+            <a:spLocks noGrp="1"/>
+          </p:cNvSpPr>
+          <p:nvPr>
+            <p:ph type="dt" sz="half" idx="2"/>
+          </p:nvPr>
+        </p:nvSpPr>
+        <p:spPr>
+          <a:xfrm rot="5400000">
+            <a:off x="10155639" y="1790701"/>
+            <a:ext cx="990599" cy="304799"/>
+          </a:xfrm>
+          <a:prstGeom prst="rect">
+            <a:avLst/>
+          </a:prstGeom>
+        </p:spPr>
+        <p:txBody>
+          <a:bodyPr vert="horz" lIns="91440" tIns="45720" rIns="91440" bIns="45720" rtlCol="0" anchor="t"/>
+          <a:lstStyle>
+            <a:lvl1pPr algn="l">
+              <a:defRPr sz="1100" b="0" i="0">
+                <a:solidFill>
+                  <a:schemeClr val="tx1">
+                    <a:tint val="75000"/>
+                    <a:alpha val="60000"/>
+                  </a:schemeClr>
+                </a:solidFill>
+              </a:defRPr>
+            </a:lvl1pPr>
+          </a:lstStyle>
+          <a:p>
+            <a:fld id="{868189F2-699A-4ACD-BCA7-68120C724C9C}" type="datetimeFigureOut">
+              <a:rPr lang="ru-RU" smtClean="0"/>
+              <a:t>06.06.2019</a:t>
+            </a:fld>
+            <a:endParaRPr lang="ru-RU"/>
+          </a:p>
+        </p:txBody>
+      </p:sp>
+      <p:sp>
+        <p:nvSpPr>
+          <p:cNvPr id="5" name="Footer Placeholder 4"/>
+          <p:cNvSpPr>
+            <a:spLocks noGrp="1"/>
+          </p:cNvSpPr>
+          <p:nvPr>
+            <p:ph type="ftr" sz="quarter" idx="3"/>
+          </p:nvPr>
+        </p:nvSpPr>
+        <p:spPr>
+          <a:xfrm rot="5400000">
+            <a:off x="8951573" y="3225297"/>
+            <a:ext cx="3859795" cy="304801"/>
+          </a:xfrm>
+          <a:prstGeom prst="rect">
+            <a:avLst/>
+          </a:prstGeom>
+        </p:spPr>
         <p:txBody>
           <a:bodyPr vert="horz" lIns="91440" tIns="45720" rIns="91440" bIns="45720" rtlCol="0" anchor="b"/>
           <a:lstStyle>
-            <a:lvl1pPr algn="r">
-              <a:defRPr sz="3200" b="0" i="0">
+            <a:lvl1pPr algn="l">
+              <a:defRPr sz="1100" b="0" i="0">
                 <a:solidFill>
-                  <a:schemeClr val="bg2">
-                    <a:lumMod val="50000"/>
+                  <a:schemeClr val="tx1">
+                    <a:tint val="75000"/>
+                    <a:alpha val="60000"/>
                   </a:schemeClr>
                 </a:solidFill>
-                <a:effectLst/>
-                <a:latin typeface="+mn-lt"/>
+              </a:defRPr>
+            </a:lvl1pPr>
+          </a:lstStyle>
+          <a:p>
+            <a:endParaRPr lang="ru-RU"/>
+          </a:p>
+        </p:txBody>
+      </p:sp>
+      <p:sp>
+        <p:nvSpPr>
+          <p:cNvPr id="6" name="Slide Number Placeholder 5"/>
+          <p:cNvSpPr>
+            <a:spLocks noGrp="1"/>
+          </p:cNvSpPr>
+          <p:nvPr>
+            <p:ph type="sldNum" sz="quarter" idx="4"/>
+          </p:nvPr>
+        </p:nvSpPr>
+        <p:spPr bwMode="gray">
+          <a:xfrm>
+            <a:off x="10352540" y="295729"/>
+            <a:ext cx="838199" cy="767687"/>
+          </a:xfrm>
+          <a:prstGeom prst="rect">
+            <a:avLst/>
+          </a:prstGeom>
+        </p:spPr>
+        <p:txBody>
+          <a:bodyPr vert="horz" lIns="91440" tIns="45720" rIns="91440" bIns="45720" rtlCol="0" anchor="b"/>
+          <a:lstStyle>
+            <a:lvl1pPr algn="ctr">
+              <a:defRPr sz="2800" b="0" i="0">
+                <a:solidFill>
+                  <a:schemeClr val="tx1">
+                    <a:tint val="75000"/>
+                  </a:schemeClr>
+                </a:solidFill>
               </a:defRPr>
             </a:lvl1pPr>
           </a:lstStyle>
@@ -7807,29 +8534,29 @@
     </p:spTree>
     <p:extLst>
       <p:ext uri="{BB962C8B-B14F-4D97-AF65-F5344CB8AC3E}">
-        <p14:creationId xmlns:p14="http://schemas.microsoft.com/office/powerpoint/2010/main" val="296984475"/>
+        <p14:creationId xmlns:p14="http://schemas.microsoft.com/office/powerpoint/2010/main" val="103734245"/>
       </p:ext>
     </p:extLst>
   </p:cSld>
   <p:clrMap bg1="dk1" tx1="lt1" bg2="dk2" tx2="lt2" accent1="accent1" accent2="accent2" accent3="accent3" accent4="accent4" accent5="accent5" accent6="accent6" hlink="hlink" folHlink="folHlink"/>
   <p:sldLayoutIdLst>
-    <p:sldLayoutId id="2147484114" r:id="rId1"/>
-    <p:sldLayoutId id="2147484115" r:id="rId2"/>
-    <p:sldLayoutId id="2147484116" r:id="rId3"/>
-    <p:sldLayoutId id="2147484117" r:id="rId4"/>
-    <p:sldLayoutId id="2147484118" r:id="rId5"/>
-    <p:sldLayoutId id="2147484119" r:id="rId6"/>
-    <p:sldLayoutId id="2147484120" r:id="rId7"/>
-    <p:sldLayoutId id="2147484121" r:id="rId8"/>
-    <p:sldLayoutId id="2147484122" r:id="rId9"/>
-    <p:sldLayoutId id="2147484123" r:id="rId10"/>
-    <p:sldLayoutId id="2147484124" r:id="rId11"/>
-    <p:sldLayoutId id="2147484125" r:id="rId12"/>
-    <p:sldLayoutId id="2147484126" r:id="rId13"/>
-    <p:sldLayoutId id="2147484127" r:id="rId14"/>
-    <p:sldLayoutId id="2147484128" r:id="rId15"/>
-    <p:sldLayoutId id="2147484129" r:id="rId16"/>
-    <p:sldLayoutId id="2147484130" r:id="rId17"/>
+    <p:sldLayoutId id="2147484132" r:id="rId1"/>
+    <p:sldLayoutId id="2147484133" r:id="rId2"/>
+    <p:sldLayoutId id="2147484134" r:id="rId3"/>
+    <p:sldLayoutId id="2147484135" r:id="rId4"/>
+    <p:sldLayoutId id="2147484136" r:id="rId5"/>
+    <p:sldLayoutId id="2147484137" r:id="rId6"/>
+    <p:sldLayoutId id="2147484138" r:id="rId7"/>
+    <p:sldLayoutId id="2147484139" r:id="rId8"/>
+    <p:sldLayoutId id="2147484140" r:id="rId9"/>
+    <p:sldLayoutId id="2147484141" r:id="rId10"/>
+    <p:sldLayoutId id="2147484142" r:id="rId11"/>
+    <p:sldLayoutId id="2147484143" r:id="rId12"/>
+    <p:sldLayoutId id="2147484144" r:id="rId13"/>
+    <p:sldLayoutId id="2147484145" r:id="rId14"/>
+    <p:sldLayoutId id="2147484146" r:id="rId15"/>
+    <p:sldLayoutId id="2147484147" r:id="rId16"/>
+    <p:sldLayoutId id="2147484148" r:id="rId17"/>
   </p:sldLayoutIdLst>
   <p:txStyles>
     <p:titleStyle>
@@ -7838,14 +8565,10 @@
           <a:spcPct val="0"/>
         </a:spcBef>
         <a:buNone/>
-        <a:defRPr sz="3600" kern="1200" cap="all">
-          <a:ln w="3175" cmpd="sng">
-            <a:noFill/>
-          </a:ln>
+        <a:defRPr sz="4200" b="0" i="0" kern="1200">
           <a:solidFill>
-            <a:schemeClr val="tx1"/>
+            <a:schemeClr val="tx2"/>
           </a:solidFill>
-          <a:effectLst/>
           <a:latin typeface="+mj-lt"/>
           <a:ea typeface="+mj-ea"/>
           <a:cs typeface="+mj-cs"/>
@@ -7909,229 +8632,229 @@
       </a:lvl9pPr>
     </p:titleStyle>
     <p:bodyStyle>
-      <a:lvl1pPr marL="285750" indent="-285750" algn="l" defTabSz="457200" rtl="0" eaLnBrk="1" latinLnBrk="0" hangingPunct="1">
+      <a:lvl1pPr marL="342900" indent="-342900" algn="l" defTabSz="457200" rtl="0" eaLnBrk="1" latinLnBrk="0" hangingPunct="1">
         <a:spcBef>
-          <a:spcPct val="20000"/>
+          <a:spcPts val="1000"/>
         </a:spcBef>
         <a:spcAft>
-          <a:spcPts val="600"/>
+          <a:spcPts val="0"/>
         </a:spcAft>
         <a:buClr>
-          <a:schemeClr val="tx1"/>
+          <a:schemeClr val="bg2">
+            <a:lumMod val="40000"/>
+            <a:lumOff val="60000"/>
+          </a:schemeClr>
         </a:buClr>
         <a:buSzPct val="80000"/>
-        <a:buFont typeface="Wingdings 3" panose="05040102010807070707" pitchFamily="18" charset="2"/>
-        <a:buChar char=""/>
-        <a:defRPr sz="2000" kern="1200" cap="none">
+        <a:buFont typeface="Wingdings 3" charset="2"/>
+        <a:buChar char=""/>
+        <a:defRPr sz="2000" b="0" i="0" kern="1200">
           <a:solidFill>
-            <a:schemeClr val="bg2">
-              <a:lumMod val="75000"/>
-            </a:schemeClr>
+            <a:schemeClr val="tx1"/>
           </a:solidFill>
-          <a:effectLst/>
-          <a:latin typeface="+mn-lt"/>
-          <a:ea typeface="+mn-ea"/>
-          <a:cs typeface="+mn-cs"/>
+          <a:latin typeface="+mj-lt"/>
+          <a:ea typeface="+mj-ea"/>
+          <a:cs typeface="+mj-cs"/>
         </a:defRPr>
       </a:lvl1pPr>
       <a:lvl2pPr marL="742950" indent="-285750" algn="l" defTabSz="457200" rtl="0" eaLnBrk="1" latinLnBrk="0" hangingPunct="1">
         <a:spcBef>
-          <a:spcPct val="20000"/>
+          <a:spcPts val="1000"/>
         </a:spcBef>
         <a:spcAft>
-          <a:spcPts val="600"/>
+          <a:spcPts val="0"/>
         </a:spcAft>
         <a:buClr>
-          <a:schemeClr val="tx1"/>
+          <a:schemeClr val="bg2">
+            <a:lumMod val="40000"/>
+            <a:lumOff val="60000"/>
+          </a:schemeClr>
         </a:buClr>
         <a:buSzPct val="80000"/>
-        <a:buFont typeface="Wingdings 3" panose="05040102010807070707" pitchFamily="18" charset="2"/>
-        <a:buChar char=""/>
-        <a:defRPr sz="1800" kern="1200" cap="none">
+        <a:buFont typeface="Wingdings 3" charset="2"/>
+        <a:buChar char=""/>
+        <a:defRPr sz="1800" b="0" i="0" kern="1200">
           <a:solidFill>
-            <a:schemeClr val="bg2">
-              <a:lumMod val="75000"/>
-            </a:schemeClr>
+            <a:schemeClr val="tx1"/>
           </a:solidFill>
-          <a:effectLst/>
-          <a:latin typeface="+mn-lt"/>
-          <a:ea typeface="+mn-ea"/>
-          <a:cs typeface="+mn-cs"/>
+          <a:latin typeface="+mj-lt"/>
+          <a:ea typeface="+mj-ea"/>
+          <a:cs typeface="+mj-cs"/>
         </a:defRPr>
       </a:lvl2pPr>
-      <a:lvl3pPr marL="1200150" indent="-285750" algn="l" defTabSz="457200" rtl="0" eaLnBrk="1" latinLnBrk="0" hangingPunct="1">
+      <a:lvl3pPr marL="1143000" indent="-228600" algn="l" defTabSz="457200" rtl="0" eaLnBrk="1" latinLnBrk="0" hangingPunct="1">
         <a:spcBef>
-          <a:spcPct val="20000"/>
+          <a:spcPts val="1000"/>
         </a:spcBef>
         <a:spcAft>
-          <a:spcPts val="600"/>
+          <a:spcPts val="0"/>
         </a:spcAft>
         <a:buClr>
-          <a:schemeClr val="tx1"/>
+          <a:schemeClr val="bg2">
+            <a:lumMod val="40000"/>
+            <a:lumOff val="60000"/>
+          </a:schemeClr>
         </a:buClr>
         <a:buSzPct val="80000"/>
-        <a:buFont typeface="Wingdings 3" panose="05040102010807070707" pitchFamily="18" charset="2"/>
-        <a:buChar char=""/>
-        <a:defRPr sz="1600" kern="1200" cap="none">
+        <a:buFont typeface="Wingdings 3" charset="2"/>
+        <a:buChar char=""/>
+        <a:defRPr sz="1600" b="0" i="0" kern="1200">
           <a:solidFill>
-            <a:schemeClr val="bg2">
-              <a:lumMod val="75000"/>
-            </a:schemeClr>
+            <a:schemeClr val="tx1"/>
           </a:solidFill>
-          <a:effectLst/>
-          <a:latin typeface="+mn-lt"/>
-          <a:ea typeface="+mn-ea"/>
-          <a:cs typeface="+mn-cs"/>
+          <a:latin typeface="+mj-lt"/>
+          <a:ea typeface="+mj-ea"/>
+          <a:cs typeface="+mj-cs"/>
         </a:defRPr>
       </a:lvl3pPr>
-      <a:lvl4pPr marL="1543050" indent="-171450" algn="l" defTabSz="457200" rtl="0" eaLnBrk="1" latinLnBrk="0" hangingPunct="1">
+      <a:lvl4pPr marL="1600200" indent="-228600" algn="l" defTabSz="457200" rtl="0" eaLnBrk="1" latinLnBrk="0" hangingPunct="1">
         <a:spcBef>
-          <a:spcPct val="20000"/>
+          <a:spcPts val="1000"/>
         </a:spcBef>
         <a:spcAft>
-          <a:spcPts val="600"/>
+          <a:spcPts val="0"/>
         </a:spcAft>
         <a:buClr>
-          <a:schemeClr val="tx1"/>
+          <a:schemeClr val="bg2">
+            <a:lumMod val="40000"/>
+            <a:lumOff val="60000"/>
+          </a:schemeClr>
         </a:buClr>
         <a:buSzPct val="80000"/>
-        <a:buFont typeface="Wingdings 3" panose="05040102010807070707" pitchFamily="18" charset="2"/>
-        <a:buChar char=""/>
-        <a:defRPr sz="1400" kern="1200" cap="none">
+        <a:buFont typeface="Wingdings 3" charset="2"/>
+        <a:buChar char=""/>
+        <a:defRPr sz="1400" b="0" i="0" kern="1200">
           <a:solidFill>
-            <a:schemeClr val="bg2">
-              <a:lumMod val="75000"/>
-            </a:schemeClr>
+            <a:schemeClr val="tx1"/>
           </a:solidFill>
-          <a:effectLst/>
-          <a:latin typeface="+mn-lt"/>
-          <a:ea typeface="+mn-ea"/>
-          <a:cs typeface="+mn-cs"/>
+          <a:latin typeface="+mj-lt"/>
+          <a:ea typeface="+mj-ea"/>
+          <a:cs typeface="+mj-cs"/>
         </a:defRPr>
       </a:lvl4pPr>
-      <a:lvl5pPr marL="2000250" indent="-171450" algn="l" defTabSz="457200" rtl="0" eaLnBrk="1" latinLnBrk="0" hangingPunct="1">
+      <a:lvl5pPr marL="2057400" indent="-228600" algn="l" defTabSz="457200" rtl="0" eaLnBrk="1" latinLnBrk="0" hangingPunct="1">
         <a:spcBef>
-          <a:spcPct val="20000"/>
+          <a:spcPts val="1000"/>
         </a:spcBef>
         <a:spcAft>
-          <a:spcPts val="600"/>
+          <a:spcPts val="0"/>
         </a:spcAft>
         <a:buClr>
-          <a:schemeClr val="tx1"/>
+          <a:schemeClr val="bg2">
+            <a:lumMod val="40000"/>
+            <a:lumOff val="60000"/>
+          </a:schemeClr>
         </a:buClr>
         <a:buSzPct val="80000"/>
-        <a:buFont typeface="Wingdings 3" panose="05040102010807070707" pitchFamily="18" charset="2"/>
-        <a:buChar char=""/>
-        <a:defRPr sz="1400" kern="1200" cap="none">
+        <a:buFont typeface="Wingdings 3" charset="2"/>
+        <a:buChar char=""/>
+        <a:defRPr sz="1400" b="0" i="0" kern="1200">
           <a:solidFill>
-            <a:schemeClr val="bg2">
-              <a:lumMod val="75000"/>
-            </a:schemeClr>
+            <a:schemeClr val="tx1"/>
           </a:solidFill>
-          <a:effectLst/>
-          <a:latin typeface="+mn-lt"/>
-          <a:ea typeface="+mn-ea"/>
-          <a:cs typeface="+mn-cs"/>
+          <a:latin typeface="+mj-lt"/>
+          <a:ea typeface="+mj-ea"/>
+          <a:cs typeface="+mj-cs"/>
         </a:defRPr>
       </a:lvl5pPr>
-      <a:lvl6pPr marL="2514600" indent="-228600" algn="l" defTabSz="457200" rtl="0" eaLnBrk="1" latinLnBrk="0" hangingPunct="1">
+      <a:lvl6pPr marL="2506000" indent="-228600" algn="l" defTabSz="457200" rtl="0" eaLnBrk="1" latinLnBrk="0" hangingPunct="1">
         <a:spcBef>
-          <a:spcPct val="20000"/>
+          <a:spcPts val="1000"/>
         </a:spcBef>
         <a:spcAft>
-          <a:spcPts val="600"/>
+          <a:spcPts val="0"/>
         </a:spcAft>
         <a:buClr>
-          <a:schemeClr val="tx1"/>
+          <a:schemeClr val="bg2">
+            <a:lumMod val="40000"/>
+            <a:lumOff val="60000"/>
+          </a:schemeClr>
         </a:buClr>
         <a:buSzPct val="80000"/>
-        <a:buFont typeface="Wingdings 3" panose="05040102010807070707" pitchFamily="18" charset="2"/>
-        <a:buChar char=""/>
-        <a:defRPr sz="1400" kern="1200" cap="none">
+        <a:buFont typeface="Wingdings 3" charset="2"/>
+        <a:buChar char=""/>
+        <a:defRPr sz="1400" b="0" i="0" kern="1200">
           <a:solidFill>
-            <a:schemeClr val="bg2">
-              <a:lumMod val="75000"/>
-            </a:schemeClr>
+            <a:schemeClr val="tx1"/>
           </a:solidFill>
-          <a:effectLst/>
-          <a:latin typeface="+mn-lt"/>
-          <a:ea typeface="+mn-ea"/>
-          <a:cs typeface="+mn-cs"/>
+          <a:latin typeface="+mj-lt"/>
+          <a:ea typeface="+mj-ea"/>
+          <a:cs typeface="+mj-cs"/>
         </a:defRPr>
       </a:lvl6pPr>
       <a:lvl7pPr marL="2971800" indent="-228600" algn="l" defTabSz="457200" rtl="0" eaLnBrk="1" latinLnBrk="0" hangingPunct="1">
         <a:spcBef>
-          <a:spcPct val="20000"/>
+          <a:spcPts val="1000"/>
         </a:spcBef>
         <a:spcAft>
-          <a:spcPts val="600"/>
+          <a:spcPts val="0"/>
         </a:spcAft>
         <a:buClr>
-          <a:schemeClr val="tx1"/>
+          <a:schemeClr val="bg2">
+            <a:lumMod val="40000"/>
+            <a:lumOff val="60000"/>
+          </a:schemeClr>
         </a:buClr>
         <a:buSzPct val="80000"/>
-        <a:buFont typeface="Wingdings 3" panose="05040102010807070707" pitchFamily="18" charset="2"/>
-        <a:buChar char=""/>
-        <a:defRPr sz="1400" kern="1200" cap="none">
+        <a:buFont typeface="Wingdings 3" charset="2"/>
+        <a:buChar char=""/>
+        <a:defRPr sz="1400" b="0" i="0" kern="1200">
           <a:solidFill>
-            <a:schemeClr val="bg2">
-              <a:lumMod val="75000"/>
-            </a:schemeClr>
+            <a:schemeClr val="tx1"/>
           </a:solidFill>
-          <a:effectLst/>
-          <a:latin typeface="+mn-lt"/>
-          <a:ea typeface="+mn-ea"/>
-          <a:cs typeface="+mn-cs"/>
+          <a:latin typeface="+mj-lt"/>
+          <a:ea typeface="+mj-ea"/>
+          <a:cs typeface="+mj-cs"/>
         </a:defRPr>
       </a:lvl7pPr>
       <a:lvl8pPr marL="3429000" indent="-228600" algn="l" defTabSz="457200" rtl="0" eaLnBrk="1" latinLnBrk="0" hangingPunct="1">
         <a:spcBef>
-          <a:spcPct val="20000"/>
+          <a:spcPts val="1000"/>
         </a:spcBef>
         <a:spcAft>
-          <a:spcPts val="600"/>
+          <a:spcPts val="0"/>
         </a:spcAft>
         <a:buClr>
-          <a:schemeClr val="tx1"/>
+          <a:schemeClr val="bg2">
+            <a:lumMod val="40000"/>
+            <a:lumOff val="60000"/>
+          </a:schemeClr>
         </a:buClr>
         <a:buSzPct val="80000"/>
-        <a:buFont typeface="Wingdings 3" panose="05040102010807070707" pitchFamily="18" charset="2"/>
-        <a:buChar char=""/>
-        <a:defRPr sz="1400" kern="1200" cap="none">
+        <a:buFont typeface="Wingdings 3" charset="2"/>
+        <a:buChar char=""/>
+        <a:defRPr sz="1400" b="0" i="0" kern="1200">
           <a:solidFill>
-            <a:schemeClr val="bg2">
-              <a:lumMod val="75000"/>
-            </a:schemeClr>
+            <a:schemeClr val="tx1"/>
           </a:solidFill>
-          <a:effectLst/>
-          <a:latin typeface="+mn-lt"/>
-          <a:ea typeface="+mn-ea"/>
-          <a:cs typeface="+mn-cs"/>
+          <a:latin typeface="+mj-lt"/>
+          <a:ea typeface="+mj-ea"/>
+          <a:cs typeface="+mj-cs"/>
         </a:defRPr>
       </a:lvl8pPr>
       <a:lvl9pPr marL="3886200" indent="-228600" algn="l" defTabSz="457200" rtl="0" eaLnBrk="1" latinLnBrk="0" hangingPunct="1">
         <a:spcBef>
-          <a:spcPct val="20000"/>
+          <a:spcPts val="1000"/>
         </a:spcBef>
         <a:spcAft>
-          <a:spcPts val="600"/>
+          <a:spcPts val="0"/>
         </a:spcAft>
         <a:buClr>
-          <a:schemeClr val="tx1"/>
+          <a:schemeClr val="bg2">
+            <a:lumMod val="40000"/>
+            <a:lumOff val="60000"/>
+          </a:schemeClr>
         </a:buClr>
         <a:buSzPct val="80000"/>
-        <a:buFont typeface="Wingdings 3" panose="05040102010807070707" pitchFamily="18" charset="2"/>
-        <a:buChar char=""/>
-        <a:defRPr sz="1400" kern="1200" cap="none">
+        <a:buFont typeface="Wingdings 3" charset="2"/>
+        <a:buChar char=""/>
+        <a:defRPr sz="1400" b="0" i="0" kern="1200">
           <a:solidFill>
-            <a:schemeClr val="bg2">
-              <a:lumMod val="75000"/>
-            </a:schemeClr>
+            <a:schemeClr val="tx1"/>
           </a:solidFill>
-          <a:effectLst/>
-          <a:latin typeface="+mn-lt"/>
-          <a:ea typeface="+mn-ea"/>
-          <a:cs typeface="+mn-cs"/>
+          <a:latin typeface="+mj-lt"/>
+          <a:ea typeface="+mj-ea"/>
+          <a:cs typeface="+mj-cs"/>
         </a:defRPr>
       </a:lvl9pPr>
     </p:bodyStyle>
@@ -8269,7 +8992,7 @@
         </p:nvSpPr>
         <p:spPr>
           <a:xfrm>
-            <a:off x="1524000" y="93835"/>
+            <a:off x="1007004" y="12919"/>
             <a:ext cx="9144000" cy="1508125"/>
           </a:xfrm>
         </p:spPr>
@@ -8603,6 +9326,36 @@
       </p:sp>
       <p:pic>
         <p:nvPicPr>
+          <p:cNvPr id="4" name="Рисунок 3">
+            <a:extLst>
+              <a:ext uri="{FF2B5EF4-FFF2-40B4-BE49-F238E27FC236}">
+                <a16:creationId xmlns:a16="http://schemas.microsoft.com/office/drawing/2014/main" id="{B7A1A2F6-ACDE-4238-B16A-DC0264CCC9D7}"/>
+              </a:ext>
+            </a:extLst>
+          </p:cNvPr>
+          <p:cNvPicPr>
+            <a:picLocks noChangeAspect="1"/>
+          </p:cNvPicPr>
+          <p:nvPr/>
+        </p:nvPicPr>
+        <p:blipFill>
+          <a:blip r:embed="rId2"/>
+          <a:stretch>
+            <a:fillRect/>
+          </a:stretch>
+        </p:blipFill>
+        <p:spPr>
+          <a:xfrm flipH="1">
+            <a:off x="10261602" y="15371"/>
+            <a:ext cx="923394" cy="1428750"/>
+          </a:xfrm>
+          <a:prstGeom prst="rect">
+            <a:avLst/>
+          </a:prstGeom>
+        </p:spPr>
+      </p:pic>
+      <p:pic>
+        <p:nvPicPr>
           <p:cNvPr id="1026" name="Picture 2" descr="ÐÐ°ÑÑÐ¸Ð½ÐºÐ¸ Ð¿Ð¾ Ð·Ð°Ð¿ÑÐ¾ÑÑ Ð»Ð¾Ð³Ð¾ÑÐ¸Ð¿ ÑÐ¸Ð½Ð°Ð½ÑÐ¾Ð²Ð¾Ð³Ð¾ ÑÐ½Ð¸Ð²ÐµÑÑÐ¸ÑÐµÑÐ°">
             <a:extLst>
               <a:ext uri="{FF2B5EF4-FFF2-40B4-BE49-F238E27FC236}">
@@ -8616,7 +9369,7 @@
           <p:nvPr/>
         </p:nvPicPr>
         <p:blipFill>
-          <a:blip r:embed="rId2">
+          <a:blip r:embed="rId3">
             <a:extLst>
               <a:ext uri="{28A0092B-C50C-407E-A947-70E740481C1C}">
                 <a14:useLocalDpi xmlns:a14="http://schemas.microsoft.com/office/drawing/2010/main" val="0"/>
@@ -8630,7 +9383,7 @@
         </p:blipFill>
         <p:spPr bwMode="auto">
           <a:xfrm>
-            <a:off x="9991897" y="399581"/>
+            <a:off x="9719395" y="473381"/>
             <a:ext cx="2007808" cy="742209"/>
           </a:xfrm>
           <a:prstGeom prst="rect">
@@ -11119,9 +11872,9 @@
 </file>
 
 <file path=ppt/theme/theme2.xml><?xml version="1.0" encoding="utf-8"?>
-<a:theme xmlns:a="http://schemas.openxmlformats.org/drawingml/2006/main" name="Сектор">
+<a:theme xmlns:a="http://schemas.openxmlformats.org/drawingml/2006/main" name="Ион">
   <a:themeElements>
-    <a:clrScheme name="Сектор">
+    <a:clrScheme name="Ион">
       <a:dk1>
         <a:sysClr val="windowText" lastClr="000000"/>
       </a:dk1>
@@ -11129,48 +11882,83 @@
         <a:sysClr val="window" lastClr="FFFFFF"/>
       </a:lt1>
       <a:dk2>
-        <a:srgbClr val="146194"/>
+        <a:srgbClr val="1E5155"/>
       </a:dk2>
       <a:lt2>
-        <a:srgbClr val="76DBF4"/>
+        <a:srgbClr val="EBEBEB"/>
       </a:lt2>
       <a:accent1>
-        <a:srgbClr val="052F61"/>
+        <a:srgbClr val="B01513"/>
       </a:accent1>
       <a:accent2>
-        <a:srgbClr val="A50E82"/>
+        <a:srgbClr val="EA6312"/>
       </a:accent2>
       <a:accent3>
-        <a:srgbClr val="14967C"/>
+        <a:srgbClr val="E6B729"/>
       </a:accent3>
       <a:accent4>
-        <a:srgbClr val="6A9E1F"/>
+        <a:srgbClr val="6AAC90"/>
       </a:accent4>
       <a:accent5>
-        <a:srgbClr val="E87D37"/>
+        <a:srgbClr val="54849A"/>
       </a:accent5>
       <a:accent6>
-        <a:srgbClr val="C62324"/>
+        <a:srgbClr val="9E5E9B"/>
       </a:accent6>
       <a:hlink>
-        <a:srgbClr val="0D2E46"/>
+        <a:srgbClr val="58C1BA"/>
       </a:hlink>
       <a:folHlink>
-        <a:srgbClr val="356A95"/>
+        <a:srgbClr val="9DFFCB"/>
       </a:folHlink>
     </a:clrScheme>
-    <a:fontScheme name="Сектор">
+    <a:fontScheme name="Ион">
       <a:majorFont>
         <a:latin typeface="Century Gothic" panose="020B0502020202020204"/>
         <a:ea typeface=""/>
         <a:cs typeface=""/>
         <a:font script="Jpan" typeface="メイリオ"/>
-        <a:font script="Hang" typeface="HY중고딕"/>
-        <a:font script="Hans" typeface="幼圆"/>
-        <a:font script="Hant" typeface="微軟正黑體"/>
-        <a:font script="Arab" typeface="Tahoma"/>
-        <a:font script="Hebr" typeface="Gisha"/>
-        <a:font script="Thai" typeface="DilleniaUPC"/>
+        <a:font script="Hang" typeface="맑은 고딕"/>
+        <a:font script="Hans" typeface="宋体"/>
+        <a:font script="Hant" typeface="新細明體"/>
+        <a:font script="Arab" typeface="Times New Roman"/>
+        <a:font script="Hebr" typeface="Times New Roman"/>
+        <a:font script="Thai" typeface="Angsana New"/>
+        <a:font script="Ethi" typeface="Nyala"/>
+        <a:font script="Beng" typeface="Vrinda"/>
+        <a:font script="Gujr" typeface="Shruti"/>
+        <a:font script="Khmr" typeface="MoolBoran"/>
+        <a:font script="Knda" typeface="Tunga"/>
+        <a:font script="Guru" typeface="Raavi"/>
+        <a:font script="Cans" typeface="Euphemia"/>
+        <a:font script="Cher" typeface="Plantagenet Cherokee"/>
+        <a:font script="Yiii" typeface="Microsoft Yi Baiti"/>
+        <a:font script="Tibt" typeface="Microsoft Himalaya"/>
+        <a:font script="Thaa" typeface="MV Boli"/>
+        <a:font script="Deva" typeface="Mangal"/>
+        <a:font script="Telu" typeface="Gautami"/>
+        <a:font script="Taml" typeface="Latha"/>
+        <a:font script="Syrc" typeface="Estrangelo Edessa"/>
+        <a:font script="Orya" typeface="Kalinga"/>
+        <a:font script="Mlym" typeface="Kartika"/>
+        <a:font script="Laoo" typeface="DokChampa"/>
+        <a:font script="Sinh" typeface="Iskoola Pota"/>
+        <a:font script="Mong" typeface="Mongolian Baiti"/>
+        <a:font script="Viet" typeface="Times New Roman"/>
+        <a:font script="Uigh" typeface="Microsoft Uighur"/>
+        <a:font script="Geor" typeface="Sylfaen"/>
+      </a:majorFont>
+      <a:minorFont>
+        <a:latin typeface="Century Gothic" panose="020B0502020202020204"/>
+        <a:ea typeface=""/>
+        <a:cs typeface=""/>
+        <a:font script="Jpan" typeface="メイリオ"/>
+        <a:font script="Hang" typeface="맑은 고딕"/>
+        <a:font script="Hans" typeface="宋体"/>
+        <a:font script="Hant" typeface="新細明體"/>
+        <a:font script="Arab" typeface="Arial"/>
+        <a:font script="Hebr" typeface="Arial"/>
+        <a:font script="Thai" typeface="Cordia New"/>
         <a:font script="Ethi" typeface="Nyala"/>
         <a:font script="Beng" typeface="Vrinda"/>
         <a:font script="Gujr" typeface="Shruti"/>
@@ -11191,47 +11979,12 @@
         <a:font script="Laoo" typeface="DokChampa"/>
         <a:font script="Sinh" typeface="Iskoola Pota"/>
         <a:font script="Mong" typeface="Mongolian Baiti"/>
-        <a:font script="Viet" typeface="Tahoma"/>
-        <a:font script="Uigh" typeface="Microsoft Uighur"/>
-        <a:font script="Geor" typeface="Sylfaen"/>
-      </a:majorFont>
-      <a:minorFont>
-        <a:latin typeface="Century Gothic" panose="020B0502020202020204"/>
-        <a:ea typeface=""/>
-        <a:cs typeface=""/>
-        <a:font script="Jpan" typeface="メイリオ"/>
-        <a:font script="Hang" typeface="HY중고딕"/>
-        <a:font script="Hans" typeface="幼圆"/>
-        <a:font script="Hant" typeface="微軟正黑體"/>
-        <a:font script="Arab" typeface="Tahoma"/>
-        <a:font script="Hebr" typeface="Gisha"/>
-        <a:font script="Thai" typeface="DilleniaUPC"/>
-        <a:font script="Ethi" typeface="Nyala"/>
-        <a:font script="Beng" typeface="Vrinda"/>
-        <a:font script="Gujr" typeface="Shruti"/>
-        <a:font script="Khmr" typeface="DaunPenh"/>
-        <a:font script="Knda" typeface="Tunga"/>
-        <a:font script="Guru" typeface="Raavi"/>
-        <a:font script="Cans" typeface="Euphemia"/>
-        <a:font script="Cher" typeface="Plantagenet Cherokee"/>
-        <a:font script="Yiii" typeface="Microsoft Yi Baiti"/>
-        <a:font script="Tibt" typeface="Microsoft Himalaya"/>
-        <a:font script="Thaa" typeface="MV Boli"/>
-        <a:font script="Deva" typeface="Mangal"/>
-        <a:font script="Telu" typeface="Gautami"/>
-        <a:font script="Taml" typeface="Latha"/>
-        <a:font script="Syrc" typeface="Estrangelo Edessa"/>
-        <a:font script="Orya" typeface="Kalinga"/>
-        <a:font script="Mlym" typeface="Kartika"/>
-        <a:font script="Laoo" typeface="DokChampa"/>
-        <a:font script="Sinh" typeface="Iskoola Pota"/>
-        <a:font script="Mong" typeface="Mongolian Baiti"/>
-        <a:font script="Viet" typeface="Tahoma"/>
+        <a:font script="Viet" typeface="Arial"/>
         <a:font script="Uigh" typeface="Microsoft Uighur"/>
         <a:font script="Geor" typeface="Sylfaen"/>
       </a:minorFont>
     </a:fontScheme>
-    <a:fmtScheme name="Сектор">
+    <a:fmtScheme name="Ион">
       <a:fillStyleLst>
         <a:solidFill>
           <a:schemeClr val="phClr"/>
@@ -11240,16 +11993,15 @@
           <a:gsLst>
             <a:gs pos="0">
               <a:schemeClr val="phClr">
-                <a:tint val="62000"/>
-                <a:hueMod val="94000"/>
-                <a:satMod val="140000"/>
-                <a:lumMod val="110000"/>
+                <a:tint val="64000"/>
+                <a:lumMod val="118000"/>
               </a:schemeClr>
             </a:gs>
             <a:gs pos="100000">
               <a:schemeClr val="phClr">
-                <a:tint val="84000"/>
-                <a:satMod val="160000"/>
+                <a:tint val="92000"/>
+                <a:alpha val="100000"/>
+                <a:lumMod val="110000"/>
               </a:schemeClr>
             </a:gs>
           </a:gsLst>
@@ -11260,15 +12012,13 @@
             <a:gs pos="0">
               <a:schemeClr val="phClr">
                 <a:tint val="98000"/>
-                <a:hueMod val="94000"/>
-                <a:satMod val="130000"/>
-                <a:lumMod val="128000"/>
+                <a:lumMod val="114000"/>
               </a:schemeClr>
             </a:gs>
             <a:gs pos="100000">
               <a:schemeClr val="phClr">
-                <a:shade val="94000"/>
-                <a:lumMod val="88000"/>
+                <a:shade val="90000"/>
+                <a:lumMod val="84000"/>
               </a:schemeClr>
             </a:gs>
           </a:gsLst>
@@ -11278,19 +12028,13 @@
       <a:lnStyleLst>
         <a:ln w="9525" cap="rnd" cmpd="sng" algn="ctr">
           <a:solidFill>
-            <a:schemeClr val="phClr">
-              <a:tint val="76000"/>
-              <a:alpha val="60000"/>
-              <a:hueMod val="94000"/>
-            </a:schemeClr>
+            <a:schemeClr val="phClr"/>
           </a:solidFill>
           <a:prstDash val="solid"/>
         </a:ln>
-        <a:ln w="15875" cap="rnd" cmpd="sng" algn="ctr">
+        <a:ln w="19050" cap="rnd" cmpd="sng" algn="ctr">
           <a:solidFill>
-            <a:schemeClr val="phClr">
-              <a:hueMod val="94000"/>
-            </a:schemeClr>
+            <a:schemeClr val="phClr"/>
           </a:solidFill>
           <a:prstDash val="solid"/>
         </a:ln>
@@ -11307,18 +12051,18 @@
         </a:effectStyle>
         <a:effectStyle>
           <a:effectLst>
-            <a:innerShdw blurRad="25400" dist="12700" dir="13500000">
+            <a:outerShdw blurRad="38100" dist="25400" dir="5400000" rotWithShape="0">
               <a:srgbClr val="000000">
                 <a:alpha val="45000"/>
               </a:srgbClr>
-            </a:innerShdw>
+            </a:outerShdw>
           </a:effectLst>
         </a:effectStyle>
         <a:effectStyle>
           <a:effectLst>
-            <a:outerShdw blurRad="50800" dist="38100" dir="5400000" rotWithShape="0">
+            <a:outerShdw blurRad="63500" dist="38100" dir="5400000" rotWithShape="0">
               <a:srgbClr val="000000">
-                <a:alpha val="46000"/>
+                <a:alpha val="60000"/>
               </a:srgbClr>
             </a:outerShdw>
           </a:effectLst>
@@ -11326,10 +12070,10 @@
             <a:camera prst="orthographicFront">
               <a:rot lat="0" lon="0" rev="0"/>
             </a:camera>
-            <a:lightRig rig="threePt" dir="t"/>
+            <a:lightRig rig="threePt" dir="tl"/>
           </a:scene3d>
           <a:sp3d prstMaterial="plastic">
-            <a:bevelT w="25400" h="25400"/>
+            <a:bevelT w="0" h="0"/>
           </a:sp3d>
         </a:effectStyle>
       </a:effectStyleLst>
@@ -11339,46 +12083,47 @@
         </a:solidFill>
         <a:gradFill rotWithShape="1">
           <a:gsLst>
-            <a:gs pos="10000">
+            <a:gs pos="0">
               <a:schemeClr val="phClr">
                 <a:tint val="97000"/>
-                <a:hueMod val="92000"/>
-                <a:satMod val="169000"/>
-                <a:lumMod val="164000"/>
+                <a:hueMod val="88000"/>
+                <a:satMod val="130000"/>
+                <a:lumMod val="124000"/>
               </a:schemeClr>
             </a:gs>
             <a:gs pos="100000">
               <a:schemeClr val="phClr">
-                <a:shade val="96000"/>
-                <a:satMod val="120000"/>
-                <a:lumMod val="90000"/>
-              </a:schemeClr>
-            </a:gs>
-          </a:gsLst>
-          <a:lin ang="6120000" scaled="1"/>
-        </a:gradFill>
-        <a:gradFill rotWithShape="1">
-          <a:gsLst>
-            <a:gs pos="0">
-              <a:schemeClr val="phClr">
-                <a:tint val="97000"/>
-                <a:hueMod val="92000"/>
-                <a:satMod val="169000"/>
-                <a:lumMod val="164000"/>
-              </a:schemeClr>
-            </a:gs>
-            <a:gs pos="100000">
-              <a:schemeClr val="phClr">
-                <a:shade val="96000"/>
-                <a:satMod val="120000"/>
-                <a:lumMod val="90000"/>
+                <a:tint val="96000"/>
+                <a:shade val="88000"/>
+                <a:hueMod val="108000"/>
+                <a:satMod val="164000"/>
+                <a:lumMod val="76000"/>
               </a:schemeClr>
             </a:gs>
           </a:gsLst>
           <a:path path="circle">
-            <a:fillToRect b="100000"/>
+            <a:fillToRect l="45000" t="65000" r="125000" b="100000"/>
           </a:path>
         </a:gradFill>
+        <a:blipFill rotWithShape="1">
+          <a:blip xmlns:r="http://schemas.openxmlformats.org/officeDocument/2006/relationships" r:embed="rId1">
+            <a:duotone>
+              <a:schemeClr val="phClr">
+                <a:shade val="69000"/>
+                <a:hueMod val="108000"/>
+                <a:satMod val="164000"/>
+                <a:lumMod val="74000"/>
+              </a:schemeClr>
+              <a:schemeClr val="phClr">
+                <a:tint val="96000"/>
+                <a:hueMod val="88000"/>
+                <a:satMod val="140000"/>
+                <a:lumMod val="132000"/>
+              </a:schemeClr>
+            </a:duotone>
+          </a:blip>
+          <a:stretch/>
+        </a:blipFill>
       </a:bgFillStyleLst>
     </a:fmtScheme>
   </a:themeElements>
@@ -11386,7 +12131,7 @@
   <a:extraClrSchemeLst/>
   <a:extLst>
     <a:ext uri="{05A4C25C-085E-4340-85A3-A5531E510DB2}">
-      <thm15:themeFamily xmlns:thm15="http://schemas.microsoft.com/office/thememl/2012/main" name="Slice" id="{0507925B-6AC9-4358-8E18-C330545D08F8}" vid="{13FEC7C6-62A9-40C4-99D2-581AACACAA2F}"/>
+      <thm15:themeFamily xmlns:thm15="http://schemas.microsoft.com/office/thememl/2012/main" name="Ion" id="{B8441ADB-2E43-4AF7-B97A-BD870242C6A8}" vid="{292E63A9-BB86-4E3D-B92A-7223C6510D2E}"/>
     </a:ext>
   </a:extLst>
 </a:theme>

--- a/Documentation/Презентация к защите.pptx
+++ b/Documentation/Презентация к защите.pptx
@@ -7,21 +7,19 @@
   </p:sldMasterIdLst>
   <p:sldIdLst>
     <p:sldId id="256" r:id="rId3"/>
-    <p:sldId id="257" r:id="rId4"/>
-    <p:sldId id="273" r:id="rId5"/>
-    <p:sldId id="267" r:id="rId6"/>
+    <p:sldId id="273" r:id="rId4"/>
+    <p:sldId id="267" r:id="rId5"/>
+    <p:sldId id="285" r:id="rId6"/>
     <p:sldId id="276" r:id="rId7"/>
     <p:sldId id="275" r:id="rId8"/>
     <p:sldId id="274" r:id="rId9"/>
     <p:sldId id="277" r:id="rId10"/>
     <p:sldId id="284" r:id="rId11"/>
     <p:sldId id="278" r:id="rId12"/>
-    <p:sldId id="279" r:id="rId13"/>
-    <p:sldId id="280" r:id="rId14"/>
-    <p:sldId id="281" r:id="rId15"/>
-    <p:sldId id="282" r:id="rId16"/>
-    <p:sldId id="270" r:id="rId17"/>
-    <p:sldId id="265" r:id="rId18"/>
+    <p:sldId id="286" r:id="rId13"/>
+    <p:sldId id="281" r:id="rId14"/>
+    <p:sldId id="270" r:id="rId15"/>
+    <p:sldId id="265" r:id="rId16"/>
   </p:sldIdLst>
   <p:sldSz cx="12192000" cy="6858000"/>
   <p:notesSz cx="6858000" cy="9144000"/>
@@ -9461,7 +9459,7 @@
               <a:rPr lang="ru-RU" dirty="0">
                 <a:effectLst/>
               </a:rPr>
-              <a:t>Схема базы данных для проекта</a:t>
+              <a:t>Схема базы локальной базы данных</a:t>
             </a:r>
             <a:endParaRPr lang="ru-RU" dirty="0"/>
           </a:p>
@@ -9469,10 +9467,10 @@
       </p:sp>
       <p:pic>
         <p:nvPicPr>
-          <p:cNvPr id="4" name="Рисунок 3">
+          <p:cNvPr id="5" name="Рисунок 4">
             <a:extLst>
               <a:ext uri="{FF2B5EF4-FFF2-40B4-BE49-F238E27FC236}">
-                <a16:creationId xmlns:a16="http://schemas.microsoft.com/office/drawing/2014/main" id="{6FDB2A51-4649-4D69-9A59-53BEFF126A33}"/>
+                <a16:creationId xmlns:a16="http://schemas.microsoft.com/office/drawing/2014/main" id="{4D243F7B-0FD1-4118-883C-11A88671D443}"/>
               </a:ext>
             </a:extLst>
           </p:cNvPr>
@@ -9487,8 +9485,8 @@
         </p:blipFill>
         <p:spPr>
           <a:xfrm>
-            <a:off x="2880109" y="970450"/>
-            <a:ext cx="6431781" cy="5676800"/>
+            <a:off x="2940841" y="795819"/>
+            <a:ext cx="5837398" cy="5266362"/>
           </a:xfrm>
           <a:prstGeom prst="rect">
             <a:avLst/>
@@ -9530,7 +9528,7 @@
           <p:cNvPr id="2" name="Заголовок 1">
             <a:extLst>
               <a:ext uri="{FF2B5EF4-FFF2-40B4-BE49-F238E27FC236}">
-                <a16:creationId xmlns:a16="http://schemas.microsoft.com/office/drawing/2014/main" id="{5820AAC9-AB99-4CAB-8A92-259090F43BF9}"/>
+                <a16:creationId xmlns:a16="http://schemas.microsoft.com/office/drawing/2014/main" id="{4303E375-ADF8-4FB5-850C-C8EBF1117B09}"/>
               </a:ext>
             </a:extLst>
           </p:cNvPr>
@@ -9543,8 +9541,8 @@
         </p:nvSpPr>
         <p:spPr>
           <a:xfrm>
-            <a:off x="913795" y="96350"/>
-            <a:ext cx="10353762" cy="970450"/>
+            <a:off x="874220" y="0"/>
+            <a:ext cx="9404723" cy="872836"/>
           </a:xfrm>
         </p:spPr>
         <p:txBody>
@@ -9552,12 +9550,34 @@
           <a:lstStyle/>
           <a:p>
             <a:r>
-              <a:rPr lang="ru-RU" dirty="0">
-                <a:effectLst/>
-              </a:rPr>
-              <a:t>Структурная схема</a:t>
-            </a:r>
-            <a:endParaRPr lang="ru-RU" dirty="0"/>
+              <a:rPr lang="ru-RU" dirty="0"/>
+              <a:t>Схема основной базы данных</a:t>
+            </a:r>
+          </a:p>
+        </p:txBody>
+      </p:sp>
+      <p:sp>
+        <p:nvSpPr>
+          <p:cNvPr id="3" name="Объект 2">
+            <a:extLst>
+              <a:ext uri="{FF2B5EF4-FFF2-40B4-BE49-F238E27FC236}">
+                <a16:creationId xmlns:a16="http://schemas.microsoft.com/office/drawing/2014/main" id="{C9DA2BE3-24BE-400D-B2B5-3CC1C20B5A9C}"/>
+              </a:ext>
+            </a:extLst>
+          </p:cNvPr>
+          <p:cNvSpPr>
+            <a:spLocks noGrp="1"/>
+          </p:cNvSpPr>
+          <p:nvPr>
+            <p:ph idx="1"/>
+          </p:nvPr>
+        </p:nvSpPr>
+        <p:spPr/>
+        <p:txBody>
+          <a:bodyPr/>
+          <a:lstStyle/>
+          <a:p>
+            <a:endParaRPr lang="ru-RU"/>
           </a:p>
         </p:txBody>
       </p:sp>
@@ -9566,7 +9586,7 @@
           <p:cNvPr id="4" name="Рисунок 3">
             <a:extLst>
               <a:ext uri="{FF2B5EF4-FFF2-40B4-BE49-F238E27FC236}">
-                <a16:creationId xmlns:a16="http://schemas.microsoft.com/office/drawing/2014/main" id="{535790FA-41CE-4F39-9B85-E5622F107ACC}"/>
+                <a16:creationId xmlns:a16="http://schemas.microsoft.com/office/drawing/2014/main" id="{26FDB82D-D434-4EE5-A6AC-7C3A4F904938}"/>
               </a:ext>
             </a:extLst>
           </p:cNvPr>
@@ -9575,13 +9595,13 @@
         </p:nvPicPr>
         <p:blipFill rotWithShape="1">
           <a:blip r:embed="rId2"/>
-          <a:srcRect l="255"/>
+          <a:srcRect l="2191" r="1053"/>
           <a:stretch/>
         </p:blipFill>
         <p:spPr bwMode="auto">
           <a:xfrm>
-            <a:off x="115503" y="1432535"/>
-            <a:ext cx="11960994" cy="3992930"/>
+            <a:off x="425014" y="804563"/>
+            <a:ext cx="11345807" cy="5908022"/>
           </a:xfrm>
           <a:prstGeom prst="rect">
             <a:avLst/>
@@ -9599,7 +9619,7 @@
     </p:spTree>
     <p:extLst>
       <p:ext uri="{BB962C8B-B14F-4D97-AF65-F5344CB8AC3E}">
-        <p14:creationId xmlns:p14="http://schemas.microsoft.com/office/powerpoint/2010/main" val="965790756"/>
+        <p14:creationId xmlns:p14="http://schemas.microsoft.com/office/powerpoint/2010/main" val="1637315508"/>
       </p:ext>
     </p:extLst>
   </p:cSld>
@@ -9631,7 +9651,7 @@
           <p:cNvPr id="2" name="Заголовок 1">
             <a:extLst>
               <a:ext uri="{FF2B5EF4-FFF2-40B4-BE49-F238E27FC236}">
-                <a16:creationId xmlns:a16="http://schemas.microsoft.com/office/drawing/2014/main" id="{59BC3F5A-741A-4178-A512-C42BC5DAA951}"/>
+                <a16:creationId xmlns:a16="http://schemas.microsoft.com/office/drawing/2014/main" id="{C7BCC323-83CF-4331-9C04-0BABCDA29E73}"/>
               </a:ext>
             </a:extLst>
           </p:cNvPr>
@@ -9644,7 +9664,7 @@
         </p:nvSpPr>
         <p:spPr>
           <a:xfrm>
-            <a:off x="913795" y="160713"/>
+            <a:off x="919119" y="-55261"/>
             <a:ext cx="10353762" cy="970450"/>
           </a:xfrm>
         </p:spPr>
@@ -9653,27 +9673,22 @@
           <a:lstStyle/>
           <a:p>
             <a:r>
-              <a:rPr lang="ru-RU" dirty="0">
-                <a:effectLst/>
-              </a:rPr>
-              <a:t>Функциональная схема</a:t>
-            </a:r>
-            <a:endParaRPr lang="ru-RU" dirty="0"/>
+              <a:rPr lang="ru-RU" dirty="0"/>
+              <a:t>Интерфейс программы</a:t>
+            </a:r>
           </a:p>
         </p:txBody>
       </p:sp>
       <p:pic>
         <p:nvPicPr>
-          <p:cNvPr id="4" name="Рисунок 3">
+          <p:cNvPr id="8" name="Рисунок 7">
             <a:extLst>
               <a:ext uri="{FF2B5EF4-FFF2-40B4-BE49-F238E27FC236}">
-                <a16:creationId xmlns:a16="http://schemas.microsoft.com/office/drawing/2014/main" id="{6ED3C71A-BFE1-4F81-A865-98751BBCF2C5}"/>
+                <a16:creationId xmlns:a16="http://schemas.microsoft.com/office/drawing/2014/main" id="{5D8C8F3D-A143-4666-8FC1-F6EBD8BD2BD0}"/>
               </a:ext>
             </a:extLst>
           </p:cNvPr>
-          <p:cNvPicPr>
-            <a:picLocks noChangeAspect="1"/>
-          </p:cNvPicPr>
+          <p:cNvPicPr/>
           <p:nvPr/>
         </p:nvPicPr>
         <p:blipFill>
@@ -9684,101 +9699,8 @@
         </p:blipFill>
         <p:spPr>
           <a:xfrm>
-            <a:off x="800175" y="1312194"/>
-            <a:ext cx="10591649" cy="4716929"/>
-          </a:xfrm>
-          <a:prstGeom prst="rect">
-            <a:avLst/>
-          </a:prstGeom>
-        </p:spPr>
-      </p:pic>
-    </p:spTree>
-    <p:extLst>
-      <p:ext uri="{BB962C8B-B14F-4D97-AF65-F5344CB8AC3E}">
-        <p14:creationId xmlns:p14="http://schemas.microsoft.com/office/powerpoint/2010/main" val="3548035820"/>
-      </p:ext>
-    </p:extLst>
-  </p:cSld>
-  <p:clrMapOvr>
-    <a:masterClrMapping/>
-  </p:clrMapOvr>
-</p:sld>
-</file>
-
-<file path=ppt/slides/slide13.xml><?xml version="1.0" encoding="utf-8"?>
-<p:sld xmlns:a="http://schemas.openxmlformats.org/drawingml/2006/main" xmlns:r="http://schemas.openxmlformats.org/officeDocument/2006/relationships" xmlns:p="http://schemas.openxmlformats.org/presentationml/2006/main">
-  <p:cSld>
-    <p:spTree>
-      <p:nvGrpSpPr>
-        <p:cNvPr id="1" name=""/>
-        <p:cNvGrpSpPr/>
-        <p:nvPr/>
-      </p:nvGrpSpPr>
-      <p:grpSpPr>
-        <a:xfrm>
-          <a:off x="0" y="0"/>
-          <a:ext cx="0" cy="0"/>
-          <a:chOff x="0" y="0"/>
-          <a:chExt cx="0" cy="0"/>
-        </a:xfrm>
-      </p:grpSpPr>
-      <p:sp>
-        <p:nvSpPr>
-          <p:cNvPr id="2" name="Заголовок 1">
-            <a:extLst>
-              <a:ext uri="{FF2B5EF4-FFF2-40B4-BE49-F238E27FC236}">
-                <a16:creationId xmlns:a16="http://schemas.microsoft.com/office/drawing/2014/main" id="{C7BCC323-83CF-4331-9C04-0BABCDA29E73}"/>
-              </a:ext>
-            </a:extLst>
-          </p:cNvPr>
-          <p:cNvSpPr>
-            <a:spLocks noGrp="1"/>
-          </p:cNvSpPr>
-          <p:nvPr>
-            <p:ph type="title"/>
-          </p:nvPr>
-        </p:nvSpPr>
-        <p:spPr>
-          <a:xfrm>
-            <a:off x="919119" y="-55261"/>
-            <a:ext cx="10353762" cy="970450"/>
-          </a:xfrm>
-        </p:spPr>
-        <p:txBody>
-          <a:bodyPr/>
-          <a:lstStyle/>
-          <a:p>
-            <a:r>
-              <a:rPr lang="ru-RU" dirty="0"/>
-              <a:t>Интерфейс программы</a:t>
-            </a:r>
-          </a:p>
-        </p:txBody>
-      </p:sp>
-      <p:pic>
-        <p:nvPicPr>
-          <p:cNvPr id="4" name="Рисунок 3">
-            <a:extLst>
-              <a:ext uri="{FF2B5EF4-FFF2-40B4-BE49-F238E27FC236}">
-                <a16:creationId xmlns:a16="http://schemas.microsoft.com/office/drawing/2014/main" id="{8950B836-0AF8-4272-B9DE-92B2AA25AB42}"/>
-              </a:ext>
-            </a:extLst>
-          </p:cNvPr>
-          <p:cNvPicPr>
-            <a:picLocks noChangeAspect="1"/>
-          </p:cNvPicPr>
-          <p:nvPr/>
-        </p:nvPicPr>
-        <p:blipFill>
-          <a:blip r:embed="rId2"/>
-          <a:stretch>
-            <a:fillRect/>
-          </a:stretch>
-        </p:blipFill>
-        <p:spPr>
-          <a:xfrm>
-            <a:off x="319139" y="799750"/>
-            <a:ext cx="5024592" cy="2679783"/>
+            <a:off x="641148" y="711810"/>
+            <a:ext cx="3879591" cy="3387253"/>
           </a:xfrm>
           <a:prstGeom prst="rect">
             <a:avLst/>
@@ -9787,16 +9709,14 @@
       </p:pic>
       <p:pic>
         <p:nvPicPr>
-          <p:cNvPr id="5" name="Рисунок 4">
+          <p:cNvPr id="10" name="Рисунок 9">
             <a:extLst>
               <a:ext uri="{FF2B5EF4-FFF2-40B4-BE49-F238E27FC236}">
-                <a16:creationId xmlns:a16="http://schemas.microsoft.com/office/drawing/2014/main" id="{1581FB31-3E71-4D6B-9477-5319D5258548}"/>
+                <a16:creationId xmlns:a16="http://schemas.microsoft.com/office/drawing/2014/main" id="{EB24BD2A-08D3-4475-85FC-5BC94BACBF19}"/>
               </a:ext>
             </a:extLst>
           </p:cNvPr>
-          <p:cNvPicPr>
-            <a:picLocks noChangeAspect="1"/>
-          </p:cNvPicPr>
+          <p:cNvPicPr/>
           <p:nvPr/>
         </p:nvPicPr>
         <p:blipFill>
@@ -9807,8 +9727,8 @@
         </p:blipFill>
         <p:spPr>
           <a:xfrm>
-            <a:off x="6931666" y="749217"/>
-            <a:ext cx="4067752" cy="2679783"/>
+            <a:off x="8124248" y="3307032"/>
+            <a:ext cx="4067752" cy="3550968"/>
           </a:xfrm>
           <a:prstGeom prst="rect">
             <a:avLst/>
@@ -9817,16 +9737,14 @@
       </p:pic>
       <p:pic>
         <p:nvPicPr>
-          <p:cNvPr id="6" name="Рисунок 5">
+          <p:cNvPr id="11" name="Рисунок 10">
             <a:extLst>
               <a:ext uri="{FF2B5EF4-FFF2-40B4-BE49-F238E27FC236}">
-                <a16:creationId xmlns:a16="http://schemas.microsoft.com/office/drawing/2014/main" id="{EC2CEFEA-03D7-44D7-9149-1699F68AC14D}"/>
+                <a16:creationId xmlns:a16="http://schemas.microsoft.com/office/drawing/2014/main" id="{610A355B-AC89-4848-B366-3F260F1CD524}"/>
               </a:ext>
             </a:extLst>
           </p:cNvPr>
-          <p:cNvPicPr>
-            <a:picLocks noChangeAspect="1"/>
-          </p:cNvPicPr>
+          <p:cNvPicPr/>
           <p:nvPr/>
         </p:nvPicPr>
         <p:blipFill>
@@ -9837,8 +9755,8 @@
         </p:blipFill>
         <p:spPr>
           <a:xfrm>
-            <a:off x="5996085" y="3479532"/>
-            <a:ext cx="6090988" cy="3248527"/>
+            <a:off x="4666009" y="749217"/>
+            <a:ext cx="3312969" cy="3312969"/>
           </a:xfrm>
           <a:prstGeom prst="rect">
             <a:avLst/>
@@ -9847,27 +9765,54 @@
       </p:pic>
       <p:pic>
         <p:nvPicPr>
-          <p:cNvPr id="7" name="Рисунок 6">
+          <p:cNvPr id="12" name="Рисунок 11">
             <a:extLst>
               <a:ext uri="{FF2B5EF4-FFF2-40B4-BE49-F238E27FC236}">
-                <a16:creationId xmlns:a16="http://schemas.microsoft.com/office/drawing/2014/main" id="{318F96C0-33E8-4850-9080-3DB523D3884A}"/>
+                <a16:creationId xmlns:a16="http://schemas.microsoft.com/office/drawing/2014/main" id="{D634CC4A-23F9-4100-9955-C18AB178CE16}"/>
               </a:ext>
             </a:extLst>
           </p:cNvPr>
-          <p:cNvPicPr>
-            <a:picLocks noChangeAspect="1"/>
-          </p:cNvPicPr>
+          <p:cNvPicPr/>
           <p:nvPr/>
         </p:nvPicPr>
-        <p:blipFill rotWithShape="1">
+        <p:blipFill>
           <a:blip r:embed="rId5"/>
-          <a:srcRect l="2569" t="3570" r="3146" b="4837"/>
-          <a:stretch/>
+          <a:stretch>
+            <a:fillRect/>
+          </a:stretch>
         </p:blipFill>
         <p:spPr>
           <a:xfrm>
-            <a:off x="919119" y="3911694"/>
-            <a:ext cx="3781223" cy="2506085"/>
+            <a:off x="8820092" y="84801"/>
+            <a:ext cx="3130550" cy="3130550"/>
+          </a:xfrm>
+          <a:prstGeom prst="rect">
+            <a:avLst/>
+          </a:prstGeom>
+        </p:spPr>
+      </p:pic>
+      <p:pic>
+        <p:nvPicPr>
+          <p:cNvPr id="13" name="Рисунок 12">
+            <a:extLst>
+              <a:ext uri="{FF2B5EF4-FFF2-40B4-BE49-F238E27FC236}">
+                <a16:creationId xmlns:a16="http://schemas.microsoft.com/office/drawing/2014/main" id="{E391F6F7-E746-4578-8891-5C81366282F7}"/>
+              </a:ext>
+            </a:extLst>
+          </p:cNvPr>
+          <p:cNvPicPr/>
+          <p:nvPr/>
+        </p:nvPicPr>
+        <p:blipFill>
+          <a:blip r:embed="rId6"/>
+          <a:stretch>
+            <a:fillRect/>
+          </a:stretch>
+        </p:blipFill>
+        <p:spPr>
+          <a:xfrm>
+            <a:off x="1777249" y="4148900"/>
+            <a:ext cx="5115127" cy="2709100"/>
           </a:xfrm>
           <a:prstGeom prst="rect">
             <a:avLst/>
@@ -9887,130 +9832,7 @@
 </p:sld>
 </file>
 
-<file path=ppt/slides/slide14.xml><?xml version="1.0" encoding="utf-8"?>
-<p:sld xmlns:a="http://schemas.openxmlformats.org/drawingml/2006/main" xmlns:r="http://schemas.openxmlformats.org/officeDocument/2006/relationships" xmlns:p="http://schemas.openxmlformats.org/presentationml/2006/main">
-  <p:cSld>
-    <p:spTree>
-      <p:nvGrpSpPr>
-        <p:cNvPr id="1" name=""/>
-        <p:cNvGrpSpPr/>
-        <p:nvPr/>
-      </p:nvGrpSpPr>
-      <p:grpSpPr>
-        <a:xfrm>
-          <a:off x="0" y="0"/>
-          <a:ext cx="0" cy="0"/>
-          <a:chOff x="0" y="0"/>
-          <a:chExt cx="0" cy="0"/>
-        </a:xfrm>
-      </p:grpSpPr>
-      <p:sp>
-        <p:nvSpPr>
-          <p:cNvPr id="2" name="Заголовок 1">
-            <a:extLst>
-              <a:ext uri="{FF2B5EF4-FFF2-40B4-BE49-F238E27FC236}">
-                <a16:creationId xmlns:a16="http://schemas.microsoft.com/office/drawing/2014/main" id="{1BAD4D94-8C3F-4062-A918-D84AA226E85C}"/>
-              </a:ext>
-            </a:extLst>
-          </p:cNvPr>
-          <p:cNvSpPr>
-            <a:spLocks noGrp="1"/>
-          </p:cNvSpPr>
-          <p:nvPr>
-            <p:ph type="title"/>
-          </p:nvPr>
-        </p:nvSpPr>
-        <p:spPr>
-          <a:xfrm>
-            <a:off x="788667" y="234215"/>
-            <a:ext cx="10353762" cy="970450"/>
-          </a:xfrm>
-        </p:spPr>
-        <p:txBody>
-          <a:bodyPr/>
-          <a:lstStyle/>
-          <a:p>
-            <a:r>
-              <a:rPr lang="ru-RU" dirty="0"/>
-              <a:t>Пример договора и сметы</a:t>
-            </a:r>
-          </a:p>
-        </p:txBody>
-      </p:sp>
-      <p:pic>
-        <p:nvPicPr>
-          <p:cNvPr id="4" name="Рисунок 3">
-            <a:extLst>
-              <a:ext uri="{FF2B5EF4-FFF2-40B4-BE49-F238E27FC236}">
-                <a16:creationId xmlns:a16="http://schemas.microsoft.com/office/drawing/2014/main" id="{34016A84-EECE-44D9-AB74-903FA872570D}"/>
-              </a:ext>
-            </a:extLst>
-          </p:cNvPr>
-          <p:cNvPicPr>
-            <a:picLocks noChangeAspect="1"/>
-          </p:cNvPicPr>
-          <p:nvPr/>
-        </p:nvPicPr>
-        <p:blipFill>
-          <a:blip r:embed="rId2"/>
-          <a:stretch>
-            <a:fillRect/>
-          </a:stretch>
-        </p:blipFill>
-        <p:spPr>
-          <a:xfrm>
-            <a:off x="155808" y="1580050"/>
-            <a:ext cx="6836230" cy="4845715"/>
-          </a:xfrm>
-          <a:prstGeom prst="rect">
-            <a:avLst/>
-          </a:prstGeom>
-        </p:spPr>
-      </p:pic>
-      <p:pic>
-        <p:nvPicPr>
-          <p:cNvPr id="5" name="Рисунок 4">
-            <a:extLst>
-              <a:ext uri="{FF2B5EF4-FFF2-40B4-BE49-F238E27FC236}">
-                <a16:creationId xmlns:a16="http://schemas.microsoft.com/office/drawing/2014/main" id="{21FC9939-E586-42E4-A2A5-24BD2F436E97}"/>
-              </a:ext>
-            </a:extLst>
-          </p:cNvPr>
-          <p:cNvPicPr>
-            <a:picLocks noChangeAspect="1"/>
-          </p:cNvPicPr>
-          <p:nvPr/>
-        </p:nvPicPr>
-        <p:blipFill>
-          <a:blip r:embed="rId3"/>
-          <a:stretch>
-            <a:fillRect/>
-          </a:stretch>
-        </p:blipFill>
-        <p:spPr>
-          <a:xfrm>
-            <a:off x="7125341" y="1996793"/>
-            <a:ext cx="4910851" cy="4012228"/>
-          </a:xfrm>
-          <a:prstGeom prst="rect">
-            <a:avLst/>
-          </a:prstGeom>
-        </p:spPr>
-      </p:pic>
-    </p:spTree>
-    <p:extLst>
-      <p:ext uri="{BB962C8B-B14F-4D97-AF65-F5344CB8AC3E}">
-        <p14:creationId xmlns:p14="http://schemas.microsoft.com/office/powerpoint/2010/main" val="94595886"/>
-      </p:ext>
-    </p:extLst>
-  </p:cSld>
-  <p:clrMapOvr>
-    <a:masterClrMapping/>
-  </p:clrMapOvr>
-</p:sld>
-</file>
-
-<file path=ppt/slides/slide15.xml><?xml version="1.0" encoding="utf-8"?>
+<file path=ppt/slides/slide13.xml><?xml version="1.0" encoding="utf-8"?>
 <p:sld xmlns:a="http://schemas.openxmlformats.org/drawingml/2006/main" xmlns:r="http://schemas.openxmlformats.org/officeDocument/2006/relationships" xmlns:p="http://schemas.openxmlformats.org/presentationml/2006/main">
   <p:cSld>
     <p:spTree>
@@ -10511,7 +10333,7 @@
 </p:sld>
 </file>
 
-<file path=ppt/slides/slide16.xml><?xml version="1.0" encoding="utf-8"?>
+<file path=ppt/slides/slide14.xml><?xml version="1.0" encoding="utf-8"?>
 <p:sld xmlns:a="http://schemas.openxmlformats.org/drawingml/2006/main" xmlns:r="http://schemas.openxmlformats.org/officeDocument/2006/relationships" xmlns:p="http://schemas.openxmlformats.org/presentationml/2006/main">
   <p:cSld>
     <p:spTree>
@@ -10611,7 +10433,7 @@
           <p:cNvPr id="2" name="Заголовок 1">
             <a:extLst>
               <a:ext uri="{FF2B5EF4-FFF2-40B4-BE49-F238E27FC236}">
-                <a16:creationId xmlns:a16="http://schemas.microsoft.com/office/drawing/2014/main" id="{0C268C8D-33BA-47D9-A4CE-F85F836CC73F}"/>
+                <a16:creationId xmlns:a16="http://schemas.microsoft.com/office/drawing/2014/main" id="{2F3271B2-C635-4B06-8158-CF5479033D65}"/>
               </a:ext>
             </a:extLst>
           </p:cNvPr>
@@ -10624,8 +10446,8 @@
         </p:nvSpPr>
         <p:spPr>
           <a:xfrm>
-            <a:off x="838200" y="-312872"/>
-            <a:ext cx="10515600" cy="1325563"/>
+            <a:off x="569422" y="236587"/>
+            <a:ext cx="11053156" cy="1400530"/>
           </a:xfrm>
         </p:spPr>
         <p:txBody>
@@ -10633,241 +10455,72 @@
           <a:lstStyle/>
           <a:p>
             <a:r>
-              <a:rPr lang="ru-RU" dirty="0">
+              <a:rPr lang="ru-RU" dirty="0"/>
+              <a:t>Цели выпускной квалификационной работы</a:t>
+            </a:r>
+          </a:p>
+        </p:txBody>
+      </p:sp>
+      <p:sp>
+        <p:nvSpPr>
+          <p:cNvPr id="4" name="Прямоугольник 3">
+            <a:extLst>
+              <a:ext uri="{FF2B5EF4-FFF2-40B4-BE49-F238E27FC236}">
+                <a16:creationId xmlns:a16="http://schemas.microsoft.com/office/drawing/2014/main" id="{D7A7B730-C058-4EE0-AEC3-A6F944CBBA8E}"/>
+              </a:ext>
+            </a:extLst>
+          </p:cNvPr>
+          <p:cNvSpPr/>
+          <p:nvPr/>
+        </p:nvSpPr>
+        <p:spPr>
+          <a:xfrm>
+            <a:off x="569422" y="2099279"/>
+            <a:ext cx="11407832" cy="3113994"/>
+          </a:xfrm>
+          <a:prstGeom prst="rect">
+            <a:avLst/>
+          </a:prstGeom>
+        </p:spPr>
+        <p:txBody>
+          <a:bodyPr wrap="square">
+            <a:spAutoFit/>
+          </a:bodyPr>
+          <a:lstStyle/>
+          <a:p>
+            <a:pPr indent="360000" algn="just">
+              <a:lnSpc>
+                <a:spcPts val="4000"/>
+              </a:lnSpc>
+            </a:pPr>
+            <a:r>
+              <a:rPr lang="ru-RU" sz="2400" dirty="0">
                 <a:latin typeface="Times New Roman" panose="02020603050405020304" pitchFamily="18" charset="0"/>
                 <a:cs typeface="Times New Roman" panose="02020603050405020304" pitchFamily="18" charset="0"/>
               </a:rPr>
-              <a:t>Содержание</a:t>
-            </a:r>
-          </a:p>
-        </p:txBody>
-      </p:sp>
-      <p:sp>
-        <p:nvSpPr>
-          <p:cNvPr id="3" name="Объект 2">
-            <a:extLst>
-              <a:ext uri="{FF2B5EF4-FFF2-40B4-BE49-F238E27FC236}">
-                <a16:creationId xmlns:a16="http://schemas.microsoft.com/office/drawing/2014/main" id="{99239B36-1DEA-4615-9023-D066224CABFB}"/>
-              </a:ext>
-            </a:extLst>
-          </p:cNvPr>
-          <p:cNvSpPr>
-            <a:spLocks noGrp="1"/>
-          </p:cNvSpPr>
-          <p:nvPr>
-            <p:ph idx="1"/>
-          </p:nvPr>
-        </p:nvSpPr>
-        <p:spPr>
-          <a:xfrm>
-            <a:off x="525056" y="747220"/>
-            <a:ext cx="10515600" cy="5851613"/>
-          </a:xfrm>
-        </p:spPr>
-        <p:txBody>
-          <a:bodyPr>
-            <a:normAutofit/>
-          </a:bodyPr>
-          <a:lstStyle/>
-          <a:p>
-            <a:r>
-              <a:rPr lang="ru-RU" dirty="0">
-                <a:solidFill>
-                  <a:schemeClr val="tx1"/>
-                </a:solidFill>
+              <a:t>Основной целью  данного курсового проекта является создание клиент серверного приложения автоматизированной информационной системы фирмы по ремонту квартир.</a:t>
+            </a:r>
+          </a:p>
+          <a:p>
+            <a:pPr indent="360000" algn="just">
+              <a:lnSpc>
+                <a:spcPts val="4000"/>
+              </a:lnSpc>
+            </a:pPr>
+            <a:r>
+              <a:rPr lang="ru-RU" sz="2400" dirty="0">
                 <a:latin typeface="Times New Roman" panose="02020603050405020304" pitchFamily="18" charset="0"/>
                 <a:cs typeface="Times New Roman" panose="02020603050405020304" pitchFamily="18" charset="0"/>
-                <a:hlinkClick r:id="rId2" action="ppaction://hlinksldjump"/>
               </a:rPr>
-              <a:t>Цель курсового проекта</a:t>
-            </a:r>
-            <a:endParaRPr lang="ru-RU" dirty="0">
-              <a:solidFill>
-                <a:schemeClr val="tx1"/>
-              </a:solidFill>
-              <a:latin typeface="Times New Roman" panose="02020603050405020304" pitchFamily="18" charset="0"/>
-              <a:cs typeface="Times New Roman" panose="02020603050405020304" pitchFamily="18" charset="0"/>
-            </a:endParaRPr>
-          </a:p>
-          <a:p>
-            <a:r>
-              <a:rPr lang="ru-RU" dirty="0">
-                <a:solidFill>
-                  <a:schemeClr val="tx1"/>
-                </a:solidFill>
-                <a:latin typeface="Times New Roman" panose="02020603050405020304" pitchFamily="18" charset="0"/>
-                <a:cs typeface="Times New Roman" panose="02020603050405020304" pitchFamily="18" charset="0"/>
-                <a:hlinkClick r:id="rId3" action="ppaction://hlinksldjump"/>
-              </a:rPr>
-              <a:t>Задачи курсового проекта</a:t>
-            </a:r>
-            <a:endParaRPr lang="ru-RU" dirty="0">
-              <a:solidFill>
-                <a:schemeClr val="tx1"/>
-              </a:solidFill>
-              <a:latin typeface="Times New Roman" panose="02020603050405020304" pitchFamily="18" charset="0"/>
-              <a:cs typeface="Times New Roman" panose="02020603050405020304" pitchFamily="18" charset="0"/>
-            </a:endParaRPr>
-          </a:p>
-          <a:p>
-            <a:r>
-              <a:rPr lang="ru-RU" dirty="0">
-                <a:solidFill>
-                  <a:schemeClr val="tx1"/>
-                </a:solidFill>
-                <a:latin typeface="Times New Roman" panose="02020603050405020304" pitchFamily="18" charset="0"/>
-                <a:cs typeface="Times New Roman" panose="02020603050405020304" pitchFamily="18" charset="0"/>
-                <a:hlinkClick r:id="rId4" action="ppaction://hlinksldjump"/>
-              </a:rPr>
-              <a:t>Диаграмма вариантов использования</a:t>
-            </a:r>
-            <a:endParaRPr lang="ru-RU" dirty="0">
-              <a:solidFill>
-                <a:schemeClr val="tx1"/>
-              </a:solidFill>
-              <a:latin typeface="Times New Roman" panose="02020603050405020304" pitchFamily="18" charset="0"/>
-              <a:cs typeface="Times New Roman" panose="02020603050405020304" pitchFamily="18" charset="0"/>
-            </a:endParaRPr>
-          </a:p>
-          <a:p>
-            <a:r>
-              <a:rPr lang="ru-RU" dirty="0">
-                <a:latin typeface="Times New Roman" panose="02020603050405020304" pitchFamily="18" charset="0"/>
-                <a:cs typeface="Times New Roman" panose="02020603050405020304" pitchFamily="18" charset="0"/>
-                <a:hlinkClick r:id="rId5" action="ppaction://hlinksldjump"/>
-              </a:rPr>
-              <a:t>Контекстная диаграмма потоков данных</a:t>
-            </a:r>
-            <a:endParaRPr lang="ru-RU" dirty="0">
-              <a:latin typeface="Times New Roman" panose="02020603050405020304" pitchFamily="18" charset="0"/>
-              <a:cs typeface="Times New Roman" panose="02020603050405020304" pitchFamily="18" charset="0"/>
-            </a:endParaRPr>
-          </a:p>
-          <a:p>
-            <a:r>
-              <a:rPr lang="ru-RU" dirty="0">
-                <a:latin typeface="Times New Roman" panose="02020603050405020304" pitchFamily="18" charset="0"/>
-                <a:cs typeface="Times New Roman" panose="02020603050405020304" pitchFamily="18" charset="0"/>
-                <a:hlinkClick r:id="rId6" action="ppaction://hlinksldjump"/>
-              </a:rPr>
-              <a:t>Детализированная схема потоков данных</a:t>
-            </a:r>
-            <a:endParaRPr lang="ru-RU" dirty="0">
-              <a:latin typeface="Times New Roman" panose="02020603050405020304" pitchFamily="18" charset="0"/>
-              <a:cs typeface="Times New Roman" panose="02020603050405020304" pitchFamily="18" charset="0"/>
-            </a:endParaRPr>
-          </a:p>
-          <a:p>
-            <a:r>
-              <a:rPr lang="ru-RU" dirty="0">
-                <a:effectLst/>
-                <a:hlinkClick r:id="rId7" action="ppaction://hlinksldjump"/>
-              </a:rPr>
-              <a:t>Краткая функциональная диаграмма</a:t>
-            </a:r>
-            <a:endParaRPr lang="ru-RU" dirty="0">
-              <a:effectLst/>
-            </a:endParaRPr>
-          </a:p>
-          <a:p>
-            <a:r>
-              <a:rPr lang="ru-RU" dirty="0">
-                <a:effectLst/>
-                <a:hlinkClick r:id="rId6" action="ppaction://hlinksldjump"/>
-              </a:rPr>
-              <a:t>Детализированная функциональная диаграмма</a:t>
-            </a:r>
-            <a:endParaRPr lang="ru-RU" dirty="0">
-              <a:effectLst/>
-            </a:endParaRPr>
-          </a:p>
-          <a:p>
-            <a:r>
-              <a:rPr lang="ru-RU" dirty="0">
-                <a:effectLst/>
-                <a:hlinkClick r:id="rId8" action="ppaction://hlinksldjump"/>
-              </a:rPr>
-              <a:t>Схема базы данных для проекта</a:t>
-            </a:r>
-            <a:endParaRPr lang="ru-RU" dirty="0">
-              <a:effectLst/>
-            </a:endParaRPr>
-          </a:p>
-          <a:p>
-            <a:r>
-              <a:rPr lang="ru-RU" dirty="0">
-                <a:effectLst/>
-                <a:hlinkClick r:id="rId9" action="ppaction://hlinksldjump"/>
-              </a:rPr>
-              <a:t>Структурная схема</a:t>
-            </a:r>
-            <a:endParaRPr lang="ru-RU" dirty="0">
-              <a:effectLst/>
-            </a:endParaRPr>
-          </a:p>
-          <a:p>
-            <a:r>
-              <a:rPr lang="ru-RU" dirty="0">
-                <a:effectLst/>
-                <a:hlinkClick r:id="rId10" action="ppaction://hlinksldjump"/>
-              </a:rPr>
-              <a:t>Функциональная схема</a:t>
-            </a:r>
-            <a:endParaRPr lang="ru-RU" dirty="0">
-              <a:effectLst/>
-            </a:endParaRPr>
-          </a:p>
-          <a:p>
-            <a:r>
-              <a:rPr lang="ru-RU" dirty="0">
-                <a:hlinkClick r:id="rId11" action="ppaction://hlinksldjump"/>
-              </a:rPr>
-              <a:t>Интерфейс программы</a:t>
-            </a:r>
-            <a:endParaRPr lang="ru-RU" dirty="0"/>
-          </a:p>
-          <a:p>
-            <a:r>
-              <a:rPr lang="ru-RU" dirty="0">
-                <a:hlinkClick r:id="rId12" action="ppaction://hlinksldjump"/>
-              </a:rPr>
-              <a:t>Пример договора и сметы</a:t>
-            </a:r>
-            <a:endParaRPr lang="ru-RU" dirty="0"/>
-          </a:p>
-          <a:p>
-            <a:r>
-              <a:rPr lang="ru-RU" dirty="0">
-                <a:latin typeface="Times New Roman" panose="02020603050405020304" pitchFamily="18" charset="0"/>
-                <a:cs typeface="Times New Roman" panose="02020603050405020304" pitchFamily="18" charset="0"/>
-                <a:hlinkClick r:id="rId13" action="ppaction://hlinksldjump"/>
-              </a:rPr>
-              <a:t>Заключение</a:t>
-            </a:r>
-            <a:endParaRPr lang="ru-RU" dirty="0">
-              <a:effectLst/>
-            </a:endParaRPr>
-          </a:p>
-          <a:p>
-            <a:endParaRPr lang="ru-RU" dirty="0">
-              <a:effectLst/>
-            </a:endParaRPr>
-          </a:p>
-          <a:p>
-            <a:endParaRPr lang="ru-RU" dirty="0">
-              <a:solidFill>
-                <a:schemeClr val="tx1"/>
-              </a:solidFill>
-              <a:latin typeface="Times New Roman" panose="02020603050405020304" pitchFamily="18" charset="0"/>
-              <a:cs typeface="Times New Roman" panose="02020603050405020304" pitchFamily="18" charset="0"/>
-            </a:endParaRPr>
+              <a:t>С помощью данной информационной базы сотрудникам будет проще работать с некоторыми хозяйственными операциями происходящими в реальной организации занимающейся ремонтом квартир.</a:t>
+            </a:r>
           </a:p>
         </p:txBody>
       </p:sp>
     </p:spTree>
     <p:extLst>
       <p:ext uri="{BB962C8B-B14F-4D97-AF65-F5344CB8AC3E}">
-        <p14:creationId xmlns:p14="http://schemas.microsoft.com/office/powerpoint/2010/main" val="696663114"/>
+        <p14:creationId xmlns:p14="http://schemas.microsoft.com/office/powerpoint/2010/main" val="544086430"/>
       </p:ext>
     </p:extLst>
   </p:cSld>
@@ -10899,7 +10552,7 @@
           <p:cNvPr id="2" name="Заголовок 1">
             <a:extLst>
               <a:ext uri="{FF2B5EF4-FFF2-40B4-BE49-F238E27FC236}">
-                <a16:creationId xmlns:a16="http://schemas.microsoft.com/office/drawing/2014/main" id="{2F3271B2-C635-4B06-8158-CF5479033D65}"/>
+                <a16:creationId xmlns:a16="http://schemas.microsoft.com/office/drawing/2014/main" id="{0C268C8D-33BA-47D9-A4CE-F85F836CC73F}"/>
               </a:ext>
             </a:extLst>
           </p:cNvPr>
@@ -10910,92 +10563,124 @@
             <p:ph type="title"/>
           </p:nvPr>
         </p:nvSpPr>
-        <p:spPr/>
-        <p:txBody>
-          <a:bodyPr/>
-          <a:lstStyle/>
-          <a:p>
-            <a:r>
-              <a:rPr lang="ru-RU" dirty="0"/>
-              <a:t>Цели курсового проекта</a:t>
-            </a:r>
-          </a:p>
-        </p:txBody>
-      </p:sp>
-      <p:sp>
-        <p:nvSpPr>
-          <p:cNvPr id="4" name="Прямоугольник 3">
+        <p:spPr>
+          <a:xfrm>
+            <a:off x="838200" y="18255"/>
+            <a:ext cx="10515600" cy="1325563"/>
+          </a:xfrm>
+        </p:spPr>
+        <p:txBody>
+          <a:bodyPr/>
+          <a:lstStyle/>
+          <a:p>
+            <a:r>
+              <a:rPr lang="ru-RU" dirty="0">
+                <a:latin typeface="Times New Roman" panose="02020603050405020304" pitchFamily="18" charset="0"/>
+                <a:cs typeface="Times New Roman" panose="02020603050405020304" pitchFamily="18" charset="0"/>
+              </a:rPr>
+              <a:t>Задачи</a:t>
+            </a:r>
+            <a:r>
+              <a:rPr lang="en-US" dirty="0">
+                <a:latin typeface="Times New Roman" panose="02020603050405020304" pitchFamily="18" charset="0"/>
+                <a:cs typeface="Times New Roman" panose="02020603050405020304" pitchFamily="18" charset="0"/>
+              </a:rPr>
+              <a:t> </a:t>
+            </a:r>
+            <a:r>
+              <a:rPr lang="ru-RU" dirty="0">
+                <a:latin typeface="Times New Roman" panose="02020603050405020304" pitchFamily="18" charset="0"/>
+                <a:cs typeface="Times New Roman" panose="02020603050405020304" pitchFamily="18" charset="0"/>
+              </a:rPr>
+              <a:t>дипломного проекта</a:t>
+            </a:r>
+          </a:p>
+        </p:txBody>
+      </p:sp>
+      <p:sp>
+        <p:nvSpPr>
+          <p:cNvPr id="4" name="Объект 2">
             <a:extLst>
               <a:ext uri="{FF2B5EF4-FFF2-40B4-BE49-F238E27FC236}">
-                <a16:creationId xmlns:a16="http://schemas.microsoft.com/office/drawing/2014/main" id="{D7A7B730-C058-4EE0-AEC3-A6F944CBBA8E}"/>
+                <a16:creationId xmlns:a16="http://schemas.microsoft.com/office/drawing/2014/main" id="{16E0F80B-8A1C-42FE-93C6-EA5ED5DE4182}"/>
               </a:ext>
             </a:extLst>
           </p:cNvPr>
-          <p:cNvSpPr/>
-          <p:nvPr/>
+          <p:cNvSpPr>
+            <a:spLocks noGrp="1"/>
+          </p:cNvSpPr>
+          <p:nvPr>
+            <p:ph idx="1"/>
+          </p:nvPr>
         </p:nvSpPr>
         <p:spPr>
           <a:xfrm>
-            <a:off x="637310" y="2007839"/>
-            <a:ext cx="10568246" cy="2583015"/>
+            <a:off x="919119" y="1959348"/>
+            <a:ext cx="10353762" cy="2939304"/>
           </a:xfrm>
-          <a:prstGeom prst="rect">
-            <a:avLst/>
-          </a:prstGeom>
         </p:spPr>
         <p:txBody>
-          <a:bodyPr wrap="square">
-            <a:spAutoFit/>
+          <a:bodyPr>
+            <a:normAutofit/>
           </a:bodyPr>
           <a:lstStyle/>
           <a:p>
-            <a:pPr indent="360000" algn="just">
-              <a:lnSpc>
-                <a:spcPts val="4000"/>
-              </a:lnSpc>
-            </a:pPr>
-            <a:r>
-              <a:rPr lang="ru-RU" sz="2400" dirty="0">
-                <a:latin typeface="Times New Roman" panose="02020603050405020304" pitchFamily="18" charset="0"/>
-                <a:cs typeface="Times New Roman" panose="02020603050405020304" pitchFamily="18" charset="0"/>
-              </a:rPr>
-              <a:t>Основной целью  данного курсового проекта является создание автоматизированной информационной системы «Ремонт квартир».</a:t>
-            </a:r>
-          </a:p>
-          <a:p>
-            <a:pPr indent="360000" algn="just">
-              <a:lnSpc>
-                <a:spcPts val="4000"/>
-              </a:lnSpc>
-            </a:pPr>
-            <a:r>
-              <a:rPr lang="ru-RU" sz="2400" dirty="0">
-                <a:latin typeface="Times New Roman" panose="02020603050405020304" pitchFamily="18" charset="0"/>
-                <a:cs typeface="Times New Roman" panose="02020603050405020304" pitchFamily="18" charset="0"/>
-              </a:rPr>
-              <a:t>С помощью данной информационной базы сотрудникам будет проще работать с </a:t>
-            </a:r>
-            <a:r>
-              <a:rPr lang="ru-RU" sz="2400">
-                <a:latin typeface="Times New Roman" panose="02020603050405020304" pitchFamily="18" charset="0"/>
-                <a:cs typeface="Times New Roman" panose="02020603050405020304" pitchFamily="18" charset="0"/>
-              </a:rPr>
-              <a:t>некоторыми хозяйственными </a:t>
-            </a:r>
-            <a:r>
-              <a:rPr lang="ru-RU" sz="2400" dirty="0">
-                <a:latin typeface="Times New Roman" panose="02020603050405020304" pitchFamily="18" charset="0"/>
-                <a:cs typeface="Times New Roman" panose="02020603050405020304" pitchFamily="18" charset="0"/>
-              </a:rPr>
-              <a:t>операциями происходящими в реальной организации занимающейся ремонтом квартир.</a:t>
-            </a:r>
+            <a:r>
+              <a:rPr lang="ru-RU" sz="2400" dirty="0"/>
+              <a:t>Проектирование базы данных для работы продукта</a:t>
+            </a:r>
+          </a:p>
+          <a:p>
+            <a:r>
+              <a:rPr lang="ru-RU" sz="2400" dirty="0"/>
+              <a:t>Проектирование и реализация серной части продукта</a:t>
+            </a:r>
+            <a:endParaRPr lang="en-US" sz="2400" dirty="0"/>
+          </a:p>
+          <a:p>
+            <a:r>
+              <a:rPr lang="ru-RU" sz="2400" dirty="0"/>
+              <a:t>Реализация приемлемого интерфейса для удобства работы</a:t>
+            </a:r>
+          </a:p>
+          <a:p>
+            <a:r>
+              <a:rPr lang="ru-RU" sz="2400" dirty="0"/>
+              <a:t>Совмещение серверной и клиентской части продукта</a:t>
+            </a:r>
+          </a:p>
+          <a:p>
+            <a:r>
+              <a:rPr lang="ru-RU" sz="2400" dirty="0"/>
+              <a:t>Создание возможности вывода данных в </a:t>
+            </a:r>
+            <a:r>
+              <a:rPr lang="en-US" sz="2400" dirty="0"/>
+              <a:t>Word</a:t>
+            </a:r>
+          </a:p>
+          <a:p>
+            <a:r>
+              <a:rPr lang="ru-RU" sz="2400" dirty="0"/>
+              <a:t>Считывание справочных данных из </a:t>
+            </a:r>
+            <a:r>
+              <a:rPr lang="en-US" sz="2400" dirty="0"/>
+              <a:t>Excel</a:t>
+            </a:r>
+          </a:p>
+          <a:p>
+            <a:endParaRPr lang="ru-RU" sz="2400" dirty="0"/>
+          </a:p>
+          <a:p>
+            <a:endParaRPr lang="ru-RU" dirty="0"/>
           </a:p>
         </p:txBody>
       </p:sp>
     </p:spTree>
     <p:extLst>
       <p:ext uri="{BB962C8B-B14F-4D97-AF65-F5344CB8AC3E}">
-        <p14:creationId xmlns:p14="http://schemas.microsoft.com/office/powerpoint/2010/main" val="544086430"/>
+        <p14:creationId xmlns:p14="http://schemas.microsoft.com/office/powerpoint/2010/main" val="4035532268"/>
       </p:ext>
     </p:extLst>
   </p:cSld>
@@ -11027,7 +10712,7 @@
           <p:cNvPr id="2" name="Заголовок 1">
             <a:extLst>
               <a:ext uri="{FF2B5EF4-FFF2-40B4-BE49-F238E27FC236}">
-                <a16:creationId xmlns:a16="http://schemas.microsoft.com/office/drawing/2014/main" id="{0C268C8D-33BA-47D9-A4CE-F85F836CC73F}"/>
+                <a16:creationId xmlns:a16="http://schemas.microsoft.com/office/drawing/2014/main" id="{0B7A3365-6EE8-41E7-A019-97597564B862}"/>
               </a:ext>
             </a:extLst>
           </p:cNvPr>
@@ -11040,8 +10725,8 @@
         </p:nvSpPr>
         <p:spPr>
           <a:xfrm>
-            <a:off x="838200" y="18255"/>
-            <a:ext cx="10515600" cy="1325563"/>
+            <a:off x="1178126" y="78645"/>
+            <a:ext cx="9404723" cy="1400530"/>
           </a:xfrm>
         </p:spPr>
         <p:txBody>
@@ -11049,87 +10734,46 @@
           <a:lstStyle/>
           <a:p>
             <a:r>
-              <a:rPr lang="ru-RU" dirty="0">
-                <a:latin typeface="Times New Roman" panose="02020603050405020304" pitchFamily="18" charset="0"/>
-                <a:cs typeface="Times New Roman" panose="02020603050405020304" pitchFamily="18" charset="0"/>
-              </a:rPr>
-              <a:t>Задачи курсового проекта</a:t>
-            </a:r>
-          </a:p>
-        </p:txBody>
-      </p:sp>
-      <p:sp>
-        <p:nvSpPr>
-          <p:cNvPr id="4" name="Объект 2">
+              <a:rPr lang="ru-RU" dirty="0"/>
+              <a:t>Схема работы программы</a:t>
+            </a:r>
+          </a:p>
+        </p:txBody>
+      </p:sp>
+      <p:pic>
+        <p:nvPicPr>
+          <p:cNvPr id="5" name="Рисунок 4">
             <a:extLst>
               <a:ext uri="{FF2B5EF4-FFF2-40B4-BE49-F238E27FC236}">
-                <a16:creationId xmlns:a16="http://schemas.microsoft.com/office/drawing/2014/main" id="{16E0F80B-8A1C-42FE-93C6-EA5ED5DE4182}"/>
+                <a16:creationId xmlns:a16="http://schemas.microsoft.com/office/drawing/2014/main" id="{EDA899CF-F974-43E7-967A-DF3A3C8D1E37}"/>
               </a:ext>
             </a:extLst>
           </p:cNvPr>
-          <p:cNvSpPr>
-            <a:spLocks noGrp="1"/>
-          </p:cNvSpPr>
-          <p:nvPr>
-            <p:ph idx="1"/>
-          </p:nvPr>
-        </p:nvSpPr>
+          <p:cNvPicPr>
+            <a:picLocks noChangeAspect="1"/>
+          </p:cNvPicPr>
+          <p:nvPr/>
+        </p:nvPicPr>
+        <p:blipFill>
+          <a:blip r:embed="rId2"/>
+          <a:stretch>
+            <a:fillRect/>
+          </a:stretch>
+        </p:blipFill>
         <p:spPr>
           <a:xfrm>
-            <a:off x="919119" y="1959348"/>
-            <a:ext cx="10353762" cy="2939304"/>
+            <a:off x="2151848" y="1003233"/>
+            <a:ext cx="7734300" cy="5448300"/>
           </a:xfrm>
+          <a:prstGeom prst="rect">
+            <a:avLst/>
+          </a:prstGeom>
         </p:spPr>
-        <p:txBody>
-          <a:bodyPr>
-            <a:normAutofit lnSpcReduction="10000"/>
-          </a:bodyPr>
-          <a:lstStyle/>
-          <a:p>
-            <a:r>
-              <a:rPr lang="ru-RU" sz="2400" dirty="0"/>
-              <a:t>Создание механизма заполнение информации о заявках пользователей на ремонт</a:t>
-            </a:r>
-          </a:p>
-          <a:p>
-            <a:r>
-              <a:rPr lang="ru-RU" sz="2400" dirty="0"/>
-              <a:t>Создать возможность импортировать данные об услугах и материалах из файла программы</a:t>
-            </a:r>
-            <a:r>
-              <a:rPr lang="en-US" sz="2400" dirty="0"/>
-              <a:t> Excel</a:t>
-            </a:r>
-          </a:p>
-          <a:p>
-            <a:r>
-              <a:rPr lang="ru-RU" sz="2400" dirty="0"/>
-              <a:t>Создание возможности вывода в </a:t>
-            </a:r>
-            <a:r>
-              <a:rPr lang="en-US" sz="2400" dirty="0"/>
-              <a:t>Word </a:t>
-            </a:r>
-            <a:r>
-              <a:rPr lang="ru-RU" sz="2400" dirty="0"/>
-              <a:t>договора и сметы к каждому заказу</a:t>
-            </a:r>
-          </a:p>
-          <a:p>
-            <a:r>
-              <a:rPr lang="ru-RU" sz="2400" dirty="0"/>
-              <a:t>Реализовать систему отчетности</a:t>
-            </a:r>
-          </a:p>
-          <a:p>
-            <a:endParaRPr lang="ru-RU" dirty="0"/>
-          </a:p>
-        </p:txBody>
-      </p:sp>
+      </p:pic>
     </p:spTree>
     <p:extLst>
       <p:ext uri="{BB962C8B-B14F-4D97-AF65-F5344CB8AC3E}">
-        <p14:creationId xmlns:p14="http://schemas.microsoft.com/office/powerpoint/2010/main" val="4035532268"/>
+        <p14:creationId xmlns:p14="http://schemas.microsoft.com/office/powerpoint/2010/main" val="556164204"/>
       </p:ext>
     </p:extLst>
   </p:cSld>
@@ -11212,16 +10856,14 @@
       </p:sp>
       <p:pic>
         <p:nvPicPr>
-          <p:cNvPr id="16" name="Объект 3">
+          <p:cNvPr id="4" name="Рисунок 3">
             <a:extLst>
               <a:ext uri="{FF2B5EF4-FFF2-40B4-BE49-F238E27FC236}">
-                <a16:creationId xmlns:a16="http://schemas.microsoft.com/office/drawing/2014/main" id="{FFD0C577-AF14-4ADC-96AC-25656015FA9D}"/>
+                <a16:creationId xmlns:a16="http://schemas.microsoft.com/office/drawing/2014/main" id="{C2736262-0891-4D34-9474-8274D1D683D6}"/>
               </a:ext>
             </a:extLst>
           </p:cNvPr>
-          <p:cNvPicPr>
-            <a:picLocks/>
-          </p:cNvPicPr>
+          <p:cNvPicPr/>
           <p:nvPr/>
         </p:nvPicPr>
         <p:blipFill>
@@ -11232,8 +10874,8 @@
         </p:blipFill>
         <p:spPr>
           <a:xfrm>
-            <a:off x="3387795" y="709668"/>
-            <a:ext cx="5416410" cy="5919574"/>
+            <a:off x="3171533" y="810073"/>
+            <a:ext cx="5848934" cy="5990966"/>
           </a:xfrm>
           <a:prstGeom prst="rect">
             <a:avLst/>
@@ -11303,37 +10945,30 @@
       </p:sp>
       <p:pic>
         <p:nvPicPr>
-          <p:cNvPr id="4" name="Рисунок 3">
+          <p:cNvPr id="5" name="Рисунок 4">
             <a:extLst>
               <a:ext uri="{FF2B5EF4-FFF2-40B4-BE49-F238E27FC236}">
-                <a16:creationId xmlns:a16="http://schemas.microsoft.com/office/drawing/2014/main" id="{0EE7F231-68D9-44AF-BBE4-76E792DDDD78}"/>
+                <a16:creationId xmlns:a16="http://schemas.microsoft.com/office/drawing/2014/main" id="{F09DAC5B-1E8C-4EDF-989F-6D5B68158016}"/>
               </a:ext>
             </a:extLst>
           </p:cNvPr>
           <p:cNvPicPr/>
           <p:nvPr/>
         </p:nvPicPr>
-        <p:blipFill rotWithShape="1">
+        <p:blipFill>
           <a:blip r:embed="rId2"/>
-          <a:srcRect t="8635" r="2035" b="4575"/>
-          <a:stretch/>
+          <a:stretch>
+            <a:fillRect/>
+          </a:stretch>
         </p:blipFill>
-        <p:spPr bwMode="auto">
+        <p:spPr>
           <a:xfrm>
-            <a:off x="1795052" y="1512672"/>
-            <a:ext cx="8601896" cy="4939777"/>
+            <a:off x="1723205" y="1853248"/>
+            <a:ext cx="8745590" cy="4530444"/>
           </a:xfrm>
           <a:prstGeom prst="rect">
             <a:avLst/>
           </a:prstGeom>
-          <a:ln>
-            <a:noFill/>
-          </a:ln>
-          <a:extLst>
-            <a:ext uri="{53640926-AAD7-44D8-BBD7-CCE9431645EC}">
-              <a14:shadowObscured xmlns:a14="http://schemas.microsoft.com/office/drawing/2010/main"/>
-            </a:ext>
-          </a:extLst>
         </p:spPr>
       </p:pic>
     </p:spTree>
@@ -11399,30 +11034,37 @@
       </p:sp>
       <p:pic>
         <p:nvPicPr>
-          <p:cNvPr id="4" name="Рисунок 3">
+          <p:cNvPr id="5" name="Рисунок 4">
             <a:extLst>
               <a:ext uri="{FF2B5EF4-FFF2-40B4-BE49-F238E27FC236}">
-                <a16:creationId xmlns:a16="http://schemas.microsoft.com/office/drawing/2014/main" id="{8EF393B4-1226-4252-900F-C575E21D29D9}"/>
+                <a16:creationId xmlns:a16="http://schemas.microsoft.com/office/drawing/2014/main" id="{333B1CC4-1EA0-41FD-9B44-B0E48712D356}"/>
               </a:ext>
             </a:extLst>
           </p:cNvPr>
           <p:cNvPicPr/>
           <p:nvPr/>
         </p:nvPicPr>
-        <p:blipFill>
+        <p:blipFill rotWithShape="1">
           <a:blip r:embed="rId2"/>
-          <a:stretch>
-            <a:fillRect/>
-          </a:stretch>
+          <a:srcRect l="1924"/>
+          <a:stretch/>
         </p:blipFill>
-        <p:spPr>
+        <p:spPr bwMode="auto">
           <a:xfrm>
-            <a:off x="200772" y="1580050"/>
-            <a:ext cx="11779808" cy="4668350"/>
+            <a:off x="1086463" y="1766622"/>
+            <a:ext cx="10019074" cy="4335796"/>
           </a:xfrm>
           <a:prstGeom prst="rect">
             <a:avLst/>
           </a:prstGeom>
+          <a:ln>
+            <a:noFill/>
+          </a:ln>
+          <a:extLst>
+            <a:ext uri="{53640926-AAD7-44D8-BBD7-CCE9431645EC}">
+              <a14:shadowObscured xmlns:a14="http://schemas.microsoft.com/office/drawing/2010/main"/>
+            </a:ext>
+          </a:extLst>
         </p:spPr>
       </p:pic>
     </p:spTree>
@@ -11488,10 +11130,10 @@
       </p:sp>
       <p:pic>
         <p:nvPicPr>
-          <p:cNvPr id="5" name="Рисунок 4">
+          <p:cNvPr id="4" name="Рисунок 3">
             <a:extLst>
               <a:ext uri="{FF2B5EF4-FFF2-40B4-BE49-F238E27FC236}">
-                <a16:creationId xmlns:a16="http://schemas.microsoft.com/office/drawing/2014/main" id="{2F74D9BA-DEEE-4401-B08F-6883A728D41D}"/>
+                <a16:creationId xmlns:a16="http://schemas.microsoft.com/office/drawing/2014/main" id="{E64574BF-0963-4966-9FF2-E52D0C9BA6A9}"/>
               </a:ext>
             </a:extLst>
           </p:cNvPr>
@@ -11506,8 +11148,8 @@
         </p:blipFill>
         <p:spPr>
           <a:xfrm>
-            <a:off x="514026" y="2190399"/>
-            <a:ext cx="11163947" cy="3498132"/>
+            <a:off x="1378881" y="2170230"/>
+            <a:ext cx="9434237" cy="3787808"/>
           </a:xfrm>
           <a:prstGeom prst="rect">
             <a:avLst/>
@@ -11579,10 +11221,10 @@
       </p:sp>
       <p:pic>
         <p:nvPicPr>
-          <p:cNvPr id="4" name="Рисунок 3">
+          <p:cNvPr id="5" name="Рисунок 4">
             <a:extLst>
               <a:ext uri="{FF2B5EF4-FFF2-40B4-BE49-F238E27FC236}">
-                <a16:creationId xmlns:a16="http://schemas.microsoft.com/office/drawing/2014/main" id="{B8C157E3-9FA5-44AF-9C98-B68490F56DD1}"/>
+                <a16:creationId xmlns:a16="http://schemas.microsoft.com/office/drawing/2014/main" id="{9738EEEF-8B77-43F4-ACA6-FF10438AD3F4}"/>
               </a:ext>
             </a:extLst>
           </p:cNvPr>
@@ -11597,8 +11239,8 @@
         </p:blipFill>
         <p:spPr>
           <a:xfrm>
-            <a:off x="613901" y="2361870"/>
-            <a:ext cx="10953550" cy="3116036"/>
+            <a:off x="646111" y="2795203"/>
+            <a:ext cx="10399696" cy="2960321"/>
           </a:xfrm>
           <a:prstGeom prst="rect">
             <a:avLst/>

--- a/Documentation/Презентация к защите.pptx
+++ b/Documentation/Презентация к защите.pptx
@@ -268,7 +268,7 @@
           <a:p>
             <a:fld id="{868189F2-699A-4ACD-BCA7-68120C724C9C}" type="datetimeFigureOut">
               <a:rPr lang="ru-RU" smtClean="0"/>
-              <a:t>06.06.2019</a:t>
+              <a:t>10.06.2019</a:t>
             </a:fld>
             <a:endParaRPr lang="ru-RU"/>
           </a:p>
@@ -438,7 +438,7 @@
           <a:p>
             <a:fld id="{868189F2-699A-4ACD-BCA7-68120C724C9C}" type="datetimeFigureOut">
               <a:rPr lang="ru-RU" smtClean="0"/>
-              <a:t>06.06.2019</a:t>
+              <a:t>10.06.2019</a:t>
             </a:fld>
             <a:endParaRPr lang="ru-RU"/>
           </a:p>
@@ -618,7 +618,7 @@
           <a:p>
             <a:fld id="{868189F2-699A-4ACD-BCA7-68120C724C9C}" type="datetimeFigureOut">
               <a:rPr lang="ru-RU" smtClean="0"/>
-              <a:t>06.06.2019</a:t>
+              <a:t>10.06.2019</a:t>
             </a:fld>
             <a:endParaRPr lang="ru-RU"/>
           </a:p>
@@ -865,7 +865,7 @@
           <a:p>
             <a:fld id="{868189F2-699A-4ACD-BCA7-68120C724C9C}" type="datetimeFigureOut">
               <a:rPr lang="ru-RU" smtClean="0"/>
-              <a:t>06.06.2019</a:t>
+              <a:t>10.06.2019</a:t>
             </a:fld>
             <a:endParaRPr lang="ru-RU"/>
           </a:p>
@@ -1035,7 +1035,7 @@
           <a:p>
             <a:fld id="{868189F2-699A-4ACD-BCA7-68120C724C9C}" type="datetimeFigureOut">
               <a:rPr lang="ru-RU" smtClean="0"/>
-              <a:t>06.06.2019</a:t>
+              <a:t>10.06.2019</a:t>
             </a:fld>
             <a:endParaRPr lang="ru-RU"/>
           </a:p>
@@ -1282,7 +1282,7 @@
           <a:p>
             <a:fld id="{868189F2-699A-4ACD-BCA7-68120C724C9C}" type="datetimeFigureOut">
               <a:rPr lang="ru-RU" smtClean="0"/>
-              <a:t>06.06.2019</a:t>
+              <a:t>10.06.2019</a:t>
             </a:fld>
             <a:endParaRPr lang="ru-RU"/>
           </a:p>
@@ -1574,7 +1574,7 @@
           <a:p>
             <a:fld id="{868189F2-699A-4ACD-BCA7-68120C724C9C}" type="datetimeFigureOut">
               <a:rPr lang="ru-RU" smtClean="0"/>
-              <a:t>06.06.2019</a:t>
+              <a:t>10.06.2019</a:t>
             </a:fld>
             <a:endParaRPr lang="ru-RU"/>
           </a:p>
@@ -2018,7 +2018,7 @@
           <a:p>
             <a:fld id="{868189F2-699A-4ACD-BCA7-68120C724C9C}" type="datetimeFigureOut">
               <a:rPr lang="ru-RU" smtClean="0"/>
-              <a:t>06.06.2019</a:t>
+              <a:t>10.06.2019</a:t>
             </a:fld>
             <a:endParaRPr lang="ru-RU"/>
           </a:p>
@@ -2136,7 +2136,7 @@
           <a:p>
             <a:fld id="{868189F2-699A-4ACD-BCA7-68120C724C9C}" type="datetimeFigureOut">
               <a:rPr lang="ru-RU" smtClean="0"/>
-              <a:t>06.06.2019</a:t>
+              <a:t>10.06.2019</a:t>
             </a:fld>
             <a:endParaRPr lang="ru-RU"/>
           </a:p>
@@ -2231,7 +2231,7 @@
           <a:p>
             <a:fld id="{868189F2-699A-4ACD-BCA7-68120C724C9C}" type="datetimeFigureOut">
               <a:rPr lang="ru-RU" smtClean="0"/>
-              <a:t>06.06.2019</a:t>
+              <a:t>10.06.2019</a:t>
             </a:fld>
             <a:endParaRPr lang="ru-RU"/>
           </a:p>
@@ -2510,7 +2510,7 @@
           <a:p>
             <a:fld id="{868189F2-699A-4ACD-BCA7-68120C724C9C}" type="datetimeFigureOut">
               <a:rPr lang="ru-RU" smtClean="0"/>
-              <a:t>06.06.2019</a:t>
+              <a:t>10.06.2019</a:t>
             </a:fld>
             <a:endParaRPr lang="ru-RU"/>
           </a:p>
@@ -2680,7 +2680,7 @@
           <a:p>
             <a:fld id="{868189F2-699A-4ACD-BCA7-68120C724C9C}" type="datetimeFigureOut">
               <a:rPr lang="ru-RU" smtClean="0"/>
-              <a:t>06.06.2019</a:t>
+              <a:t>10.06.2019</a:t>
             </a:fld>
             <a:endParaRPr lang="ru-RU"/>
           </a:p>
@@ -2955,7 +2955,7 @@
           <a:p>
             <a:fld id="{868189F2-699A-4ACD-BCA7-68120C724C9C}" type="datetimeFigureOut">
               <a:rPr lang="ru-RU" smtClean="0"/>
-              <a:t>06.06.2019</a:t>
+              <a:t>10.06.2019</a:t>
             </a:fld>
             <a:endParaRPr lang="ru-RU"/>
           </a:p>
@@ -3230,7 +3230,7 @@
           <a:p>
             <a:fld id="{868189F2-699A-4ACD-BCA7-68120C724C9C}" type="datetimeFigureOut">
               <a:rPr lang="ru-RU" smtClean="0"/>
-              <a:t>06.06.2019</a:t>
+              <a:t>10.06.2019</a:t>
             </a:fld>
             <a:endParaRPr lang="ru-RU"/>
           </a:p>
@@ -3424,7 +3424,7 @@
           <a:p>
             <a:fld id="{868189F2-699A-4ACD-BCA7-68120C724C9C}" type="datetimeFigureOut">
               <a:rPr lang="ru-RU" smtClean="0"/>
-              <a:t>06.06.2019</a:t>
+              <a:t>10.06.2019</a:t>
             </a:fld>
             <a:endParaRPr lang="ru-RU"/>
           </a:p>
@@ -3697,7 +3697,7 @@
           <a:p>
             <a:fld id="{868189F2-699A-4ACD-BCA7-68120C724C9C}" type="datetimeFigureOut">
               <a:rPr lang="ru-RU" smtClean="0"/>
-              <a:t>06.06.2019</a:t>
+              <a:t>10.06.2019</a:t>
             </a:fld>
             <a:endParaRPr lang="ru-RU"/>
           </a:p>
@@ -4038,7 +4038,7 @@
           <a:p>
             <a:fld id="{868189F2-699A-4ACD-BCA7-68120C724C9C}" type="datetimeFigureOut">
               <a:rPr lang="ru-RU" smtClean="0"/>
-              <a:t>06.06.2019</a:t>
+              <a:t>10.06.2019</a:t>
             </a:fld>
             <a:endParaRPr lang="ru-RU"/>
           </a:p>
@@ -4661,7 +4661,7 @@
           <a:p>
             <a:fld id="{868189F2-699A-4ACD-BCA7-68120C724C9C}" type="datetimeFigureOut">
               <a:rPr lang="ru-RU" smtClean="0"/>
-              <a:t>06.06.2019</a:t>
+              <a:t>10.06.2019</a:t>
             </a:fld>
             <a:endParaRPr lang="ru-RU"/>
           </a:p>
@@ -5521,7 +5521,7 @@
           <a:p>
             <a:fld id="{868189F2-699A-4ACD-BCA7-68120C724C9C}" type="datetimeFigureOut">
               <a:rPr lang="ru-RU" smtClean="0"/>
-              <a:t>06.06.2019</a:t>
+              <a:t>10.06.2019</a:t>
             </a:fld>
             <a:endParaRPr lang="ru-RU"/>
           </a:p>
@@ -5691,7 +5691,7 @@
           <a:p>
             <a:fld id="{868189F2-699A-4ACD-BCA7-68120C724C9C}" type="datetimeFigureOut">
               <a:rPr lang="ru-RU" smtClean="0"/>
-              <a:t>06.06.2019</a:t>
+              <a:t>10.06.2019</a:t>
             </a:fld>
             <a:endParaRPr lang="ru-RU"/>
           </a:p>
@@ -5871,7 +5871,7 @@
           <a:p>
             <a:fld id="{868189F2-699A-4ACD-BCA7-68120C724C9C}" type="datetimeFigureOut">
               <a:rPr lang="ru-RU" smtClean="0"/>
-              <a:t>06.06.2019</a:t>
+              <a:t>10.06.2019</a:t>
             </a:fld>
             <a:endParaRPr lang="ru-RU"/>
           </a:p>
@@ -6122,7 +6122,7 @@
           <a:p>
             <a:fld id="{868189F2-699A-4ACD-BCA7-68120C724C9C}" type="datetimeFigureOut">
               <a:rPr lang="ru-RU" smtClean="0"/>
-              <a:t>06.06.2019</a:t>
+              <a:t>10.06.2019</a:t>
             </a:fld>
             <a:endParaRPr lang="ru-RU"/>
           </a:p>
@@ -6354,7 +6354,7 @@
           <a:p>
             <a:fld id="{868189F2-699A-4ACD-BCA7-68120C724C9C}" type="datetimeFigureOut">
               <a:rPr lang="ru-RU" smtClean="0"/>
-              <a:t>06.06.2019</a:t>
+              <a:t>10.06.2019</a:t>
             </a:fld>
             <a:endParaRPr lang="ru-RU"/>
           </a:p>
@@ -6701,7 +6701,7 @@
           <a:p>
             <a:fld id="{868189F2-699A-4ACD-BCA7-68120C724C9C}" type="datetimeFigureOut">
               <a:rPr lang="ru-RU" smtClean="0"/>
-              <a:t>06.06.2019</a:t>
+              <a:t>10.06.2019</a:t>
             </a:fld>
             <a:endParaRPr lang="ru-RU"/>
           </a:p>
@@ -6819,7 +6819,7 @@
           <a:p>
             <a:fld id="{868189F2-699A-4ACD-BCA7-68120C724C9C}" type="datetimeFigureOut">
               <a:rPr lang="ru-RU" smtClean="0"/>
-              <a:t>06.06.2019</a:t>
+              <a:t>10.06.2019</a:t>
             </a:fld>
             <a:endParaRPr lang="ru-RU"/>
           </a:p>
@@ -6937,7 +6937,7 @@
           <a:p>
             <a:fld id="{868189F2-699A-4ACD-BCA7-68120C724C9C}" type="datetimeFigureOut">
               <a:rPr lang="ru-RU" smtClean="0"/>
-              <a:t>06.06.2019</a:t>
+              <a:t>10.06.2019</a:t>
             </a:fld>
             <a:endParaRPr lang="ru-RU"/>
           </a:p>
@@ -7221,7 +7221,7 @@
           <a:p>
             <a:fld id="{868189F2-699A-4ACD-BCA7-68120C724C9C}" type="datetimeFigureOut">
               <a:rPr lang="ru-RU" smtClean="0"/>
-              <a:t>06.06.2019</a:t>
+              <a:t>10.06.2019</a:t>
             </a:fld>
             <a:endParaRPr lang="ru-RU"/>
           </a:p>
@@ -7485,7 +7485,7 @@
           <a:p>
             <a:fld id="{868189F2-699A-4ACD-BCA7-68120C724C9C}" type="datetimeFigureOut">
               <a:rPr lang="ru-RU" smtClean="0"/>
-              <a:t>06.06.2019</a:t>
+              <a:t>10.06.2019</a:t>
             </a:fld>
             <a:endParaRPr lang="ru-RU"/>
           </a:p>
@@ -7699,7 +7699,7 @@
           <a:p>
             <a:fld id="{868189F2-699A-4ACD-BCA7-68120C724C9C}" type="datetimeFigureOut">
               <a:rPr lang="ru-RU" smtClean="0"/>
-              <a:t>06.06.2019</a:t>
+              <a:t>10.06.2019</a:t>
             </a:fld>
             <a:endParaRPr lang="ru-RU"/>
           </a:p>
@@ -8444,7 +8444,7 @@
           <a:p>
             <a:fld id="{868189F2-699A-4ACD-BCA7-68120C724C9C}" type="datetimeFigureOut">
               <a:rPr lang="ru-RU" smtClean="0"/>
-              <a:t>06.06.2019</a:t>
+              <a:t>10.06.2019</a:t>
             </a:fld>
             <a:endParaRPr lang="ru-RU"/>
           </a:p>
@@ -9093,6 +9093,16 @@
               </a:spcAft>
             </a:pPr>
             <a:r>
+              <a:rPr lang="ru-RU" sz="1600">
+                <a:solidFill>
+                  <a:schemeClr val="tx1"/>
+                </a:solidFill>
+                <a:latin typeface="Times New Roman" panose="02020603050405020304" pitchFamily="18" charset="0"/>
+                <a:cs typeface="Times New Roman" panose="02020603050405020304" pitchFamily="18" charset="0"/>
+              </a:rPr>
+              <a:t>Руководитель ВКР </a:t>
+            </a:r>
+            <a:r>
               <a:rPr lang="ru-RU" sz="1600" dirty="0">
                 <a:solidFill>
                   <a:schemeClr val="tx1"/>
@@ -9100,7 +9110,7 @@
                 <a:latin typeface="Times New Roman" panose="02020603050405020304" pitchFamily="18" charset="0"/>
                 <a:cs typeface="Times New Roman" panose="02020603050405020304" pitchFamily="18" charset="0"/>
               </a:rPr>
-              <a:t>Руководитель проекта Морозова М</a:t>
+              <a:t>Морозова М</a:t>
             </a:r>
             <a:r>
               <a:rPr lang="en-US" sz="1600" dirty="0">
@@ -9147,16 +9157,6 @@
               </a:spcAft>
             </a:pPr>
             <a:r>
-              <a:rPr lang="ru-RU" sz="1600">
-                <a:solidFill>
-                  <a:schemeClr val="tx1"/>
-                </a:solidFill>
-                <a:latin typeface="Helvetica" panose="020B0604020202020204" pitchFamily="34" charset="0"/>
-                <a:cs typeface="Helvetica" panose="020B0604020202020204" pitchFamily="34" charset="0"/>
-              </a:rPr>
-              <a:t>Исполнитель проекта </a:t>
-            </a:r>
-            <a:r>
               <a:rPr lang="ru-RU" sz="1600" dirty="0">
                 <a:solidFill>
                   <a:schemeClr val="tx1"/>
@@ -9164,7 +9164,7 @@
                 <a:latin typeface="Helvetica" panose="020B0604020202020204" pitchFamily="34" charset="0"/>
                 <a:cs typeface="Helvetica" panose="020B0604020202020204" pitchFamily="34" charset="0"/>
               </a:rPr>
-              <a:t>Малкеров Г.А.</a:t>
+              <a:t>Исполнитель проекта Малкеров Г.А.</a:t>
             </a:r>
             <a:endParaRPr lang="ru-RU" sz="1600" dirty="0">
               <a:solidFill>

--- a/Documentation/Презентация к защите.pptx
+++ b/Documentation/Презентация к защите.pptx
@@ -3,21 +3,21 @@
 <p:presentation xmlns:a="http://schemas.openxmlformats.org/drawingml/2006/main" xmlns:r="http://schemas.openxmlformats.org/officeDocument/2006/relationships" xmlns:p="http://schemas.openxmlformats.org/presentationml/2006/main" saveSubsetFonts="1">
   <p:sldMasterIdLst>
     <p:sldMasterId id="2147483941" r:id="rId1"/>
-    <p:sldMasterId id="2147484131" r:id="rId2"/>
+    <p:sldMasterId id="2147484185" r:id="rId2"/>
   </p:sldMasterIdLst>
   <p:sldIdLst>
     <p:sldId id="256" r:id="rId3"/>
     <p:sldId id="273" r:id="rId4"/>
-    <p:sldId id="267" r:id="rId5"/>
-    <p:sldId id="285" r:id="rId6"/>
-    <p:sldId id="276" r:id="rId7"/>
-    <p:sldId id="275" r:id="rId8"/>
-    <p:sldId id="274" r:id="rId9"/>
-    <p:sldId id="277" r:id="rId10"/>
-    <p:sldId id="284" r:id="rId11"/>
-    <p:sldId id="278" r:id="rId12"/>
-    <p:sldId id="286" r:id="rId13"/>
-    <p:sldId id="281" r:id="rId14"/>
+    <p:sldId id="285" r:id="rId5"/>
+    <p:sldId id="288" r:id="rId6"/>
+    <p:sldId id="275" r:id="rId7"/>
+    <p:sldId id="277" r:id="rId8"/>
+    <p:sldId id="278" r:id="rId9"/>
+    <p:sldId id="286" r:id="rId10"/>
+    <p:sldId id="290" r:id="rId11"/>
+    <p:sldId id="289" r:id="rId12"/>
+    <p:sldId id="281" r:id="rId13"/>
+    <p:sldId id="291" r:id="rId14"/>
     <p:sldId id="270" r:id="rId15"/>
     <p:sldId id="265" r:id="rId16"/>
   </p:sldIdLst>
@@ -268,7 +268,7 @@
           <a:p>
             <a:fld id="{868189F2-699A-4ACD-BCA7-68120C724C9C}" type="datetimeFigureOut">
               <a:rPr lang="ru-RU" smtClean="0"/>
-              <a:t>10.06.2019</a:t>
+              <a:t>14.06.2019</a:t>
             </a:fld>
             <a:endParaRPr lang="ru-RU"/>
           </a:p>
@@ -438,7 +438,7 @@
           <a:p>
             <a:fld id="{868189F2-699A-4ACD-BCA7-68120C724C9C}" type="datetimeFigureOut">
               <a:rPr lang="ru-RU" smtClean="0"/>
-              <a:t>10.06.2019</a:t>
+              <a:t>14.06.2019</a:t>
             </a:fld>
             <a:endParaRPr lang="ru-RU"/>
           </a:p>
@@ -618,7 +618,7 @@
           <a:p>
             <a:fld id="{868189F2-699A-4ACD-BCA7-68120C724C9C}" type="datetimeFigureOut">
               <a:rPr lang="ru-RU" smtClean="0"/>
-              <a:t>10.06.2019</a:t>
+              <a:t>14.06.2019</a:t>
             </a:fld>
             <a:endParaRPr lang="ru-RU"/>
           </a:p>
@@ -865,7 +865,7 @@
           <a:p>
             <a:fld id="{868189F2-699A-4ACD-BCA7-68120C724C9C}" type="datetimeFigureOut">
               <a:rPr lang="ru-RU" smtClean="0"/>
-              <a:t>10.06.2019</a:t>
+              <a:t>14.06.2019</a:t>
             </a:fld>
             <a:endParaRPr lang="ru-RU"/>
           </a:p>
@@ -916,7 +916,7 @@
     </p:spTree>
     <p:extLst>
       <p:ext uri="{BB962C8B-B14F-4D97-AF65-F5344CB8AC3E}">
-        <p14:creationId xmlns:p14="http://schemas.microsoft.com/office/powerpoint/2010/main" val="2807859123"/>
+        <p14:creationId xmlns:p14="http://schemas.microsoft.com/office/powerpoint/2010/main" val="225851055"/>
       </p:ext>
     </p:extLst>
   </p:cSld>
@@ -1035,7 +1035,7 @@
           <a:p>
             <a:fld id="{868189F2-699A-4ACD-BCA7-68120C724C9C}" type="datetimeFigureOut">
               <a:rPr lang="ru-RU" smtClean="0"/>
-              <a:t>10.06.2019</a:t>
+              <a:t>14.06.2019</a:t>
             </a:fld>
             <a:endParaRPr lang="ru-RU"/>
           </a:p>
@@ -1086,7 +1086,7 @@
     </p:spTree>
     <p:extLst>
       <p:ext uri="{BB962C8B-B14F-4D97-AF65-F5344CB8AC3E}">
-        <p14:creationId xmlns:p14="http://schemas.microsoft.com/office/powerpoint/2010/main" val="4293728334"/>
+        <p14:creationId xmlns:p14="http://schemas.microsoft.com/office/powerpoint/2010/main" val="1140125702"/>
       </p:ext>
     </p:extLst>
   </p:cSld>
@@ -1282,7 +1282,7 @@
           <a:p>
             <a:fld id="{868189F2-699A-4ACD-BCA7-68120C724C9C}" type="datetimeFigureOut">
               <a:rPr lang="ru-RU" smtClean="0"/>
-              <a:t>10.06.2019</a:t>
+              <a:t>14.06.2019</a:t>
             </a:fld>
             <a:endParaRPr lang="ru-RU"/>
           </a:p>
@@ -1333,7 +1333,7 @@
     </p:spTree>
     <p:extLst>
       <p:ext uri="{BB962C8B-B14F-4D97-AF65-F5344CB8AC3E}">
-        <p14:creationId xmlns:p14="http://schemas.microsoft.com/office/powerpoint/2010/main" val="4055492116"/>
+        <p14:creationId xmlns:p14="http://schemas.microsoft.com/office/powerpoint/2010/main" val="4293710181"/>
       </p:ext>
     </p:extLst>
   </p:cSld>
@@ -1574,7 +1574,7 @@
           <a:p>
             <a:fld id="{868189F2-699A-4ACD-BCA7-68120C724C9C}" type="datetimeFigureOut">
               <a:rPr lang="ru-RU" smtClean="0"/>
-              <a:t>10.06.2019</a:t>
+              <a:t>14.06.2019</a:t>
             </a:fld>
             <a:endParaRPr lang="ru-RU"/>
           </a:p>
@@ -1625,7 +1625,7 @@
     </p:spTree>
     <p:extLst>
       <p:ext uri="{BB962C8B-B14F-4D97-AF65-F5344CB8AC3E}">
-        <p14:creationId xmlns:p14="http://schemas.microsoft.com/office/powerpoint/2010/main" val="1356140845"/>
+        <p14:creationId xmlns:p14="http://schemas.microsoft.com/office/powerpoint/2010/main" val="629014377"/>
       </p:ext>
     </p:extLst>
   </p:cSld>
@@ -2018,7 +2018,7 @@
           <a:p>
             <a:fld id="{868189F2-699A-4ACD-BCA7-68120C724C9C}" type="datetimeFigureOut">
               <a:rPr lang="ru-RU" smtClean="0"/>
-              <a:t>10.06.2019</a:t>
+              <a:t>14.06.2019</a:t>
             </a:fld>
             <a:endParaRPr lang="ru-RU"/>
           </a:p>
@@ -2069,7 +2069,7 @@
     </p:spTree>
     <p:extLst>
       <p:ext uri="{BB962C8B-B14F-4D97-AF65-F5344CB8AC3E}">
-        <p14:creationId xmlns:p14="http://schemas.microsoft.com/office/powerpoint/2010/main" val="2592415419"/>
+        <p14:creationId xmlns:p14="http://schemas.microsoft.com/office/powerpoint/2010/main" val="2211092916"/>
       </p:ext>
     </p:extLst>
   </p:cSld>
@@ -2136,7 +2136,7 @@
           <a:p>
             <a:fld id="{868189F2-699A-4ACD-BCA7-68120C724C9C}" type="datetimeFigureOut">
               <a:rPr lang="ru-RU" smtClean="0"/>
-              <a:t>10.06.2019</a:t>
+              <a:t>14.06.2019</a:t>
             </a:fld>
             <a:endParaRPr lang="ru-RU"/>
           </a:p>
@@ -2187,7 +2187,7 @@
     </p:spTree>
     <p:extLst>
       <p:ext uri="{BB962C8B-B14F-4D97-AF65-F5344CB8AC3E}">
-        <p14:creationId xmlns:p14="http://schemas.microsoft.com/office/powerpoint/2010/main" val="1153542812"/>
+        <p14:creationId xmlns:p14="http://schemas.microsoft.com/office/powerpoint/2010/main" val="3423728617"/>
       </p:ext>
     </p:extLst>
   </p:cSld>
@@ -2231,7 +2231,7 @@
           <a:p>
             <a:fld id="{868189F2-699A-4ACD-BCA7-68120C724C9C}" type="datetimeFigureOut">
               <a:rPr lang="ru-RU" smtClean="0"/>
-              <a:t>10.06.2019</a:t>
+              <a:t>14.06.2019</a:t>
             </a:fld>
             <a:endParaRPr lang="ru-RU"/>
           </a:p>
@@ -2282,7 +2282,7 @@
     </p:spTree>
     <p:extLst>
       <p:ext uri="{BB962C8B-B14F-4D97-AF65-F5344CB8AC3E}">
-        <p14:creationId xmlns:p14="http://schemas.microsoft.com/office/powerpoint/2010/main" val="3205281086"/>
+        <p14:creationId xmlns:p14="http://schemas.microsoft.com/office/powerpoint/2010/main" val="1436465998"/>
       </p:ext>
     </p:extLst>
   </p:cSld>
@@ -2510,7 +2510,7 @@
           <a:p>
             <a:fld id="{868189F2-699A-4ACD-BCA7-68120C724C9C}" type="datetimeFigureOut">
               <a:rPr lang="ru-RU" smtClean="0"/>
-              <a:t>10.06.2019</a:t>
+              <a:t>14.06.2019</a:t>
             </a:fld>
             <a:endParaRPr lang="ru-RU"/>
           </a:p>
@@ -2561,7 +2561,7 @@
     </p:spTree>
     <p:extLst>
       <p:ext uri="{BB962C8B-B14F-4D97-AF65-F5344CB8AC3E}">
-        <p14:creationId xmlns:p14="http://schemas.microsoft.com/office/powerpoint/2010/main" val="1369780698"/>
+        <p14:creationId xmlns:p14="http://schemas.microsoft.com/office/powerpoint/2010/main" val="116132688"/>
       </p:ext>
     </p:extLst>
   </p:cSld>
@@ -2680,7 +2680,7 @@
           <a:p>
             <a:fld id="{868189F2-699A-4ACD-BCA7-68120C724C9C}" type="datetimeFigureOut">
               <a:rPr lang="ru-RU" smtClean="0"/>
-              <a:t>10.06.2019</a:t>
+              <a:t>14.06.2019</a:t>
             </a:fld>
             <a:endParaRPr lang="ru-RU"/>
           </a:p>
@@ -2955,7 +2955,7 @@
           <a:p>
             <a:fld id="{868189F2-699A-4ACD-BCA7-68120C724C9C}" type="datetimeFigureOut">
               <a:rPr lang="ru-RU" smtClean="0"/>
-              <a:t>10.06.2019</a:t>
+              <a:t>14.06.2019</a:t>
             </a:fld>
             <a:endParaRPr lang="ru-RU"/>
           </a:p>
@@ -3006,7 +3006,7 @@
     </p:spTree>
     <p:extLst>
       <p:ext uri="{BB962C8B-B14F-4D97-AF65-F5344CB8AC3E}">
-        <p14:creationId xmlns:p14="http://schemas.microsoft.com/office/powerpoint/2010/main" val="2891094007"/>
+        <p14:creationId xmlns:p14="http://schemas.microsoft.com/office/powerpoint/2010/main" val="736574125"/>
       </p:ext>
     </p:extLst>
   </p:cSld>
@@ -3230,7 +3230,7 @@
           <a:p>
             <a:fld id="{868189F2-699A-4ACD-BCA7-68120C724C9C}" type="datetimeFigureOut">
               <a:rPr lang="ru-RU" smtClean="0"/>
-              <a:t>10.06.2019</a:t>
+              <a:t>14.06.2019</a:t>
             </a:fld>
             <a:endParaRPr lang="ru-RU"/>
           </a:p>
@@ -3281,7 +3281,7 @@
     </p:spTree>
     <p:extLst>
       <p:ext uri="{BB962C8B-B14F-4D97-AF65-F5344CB8AC3E}">
-        <p14:creationId xmlns:p14="http://schemas.microsoft.com/office/powerpoint/2010/main" val="26358438"/>
+        <p14:creationId xmlns:p14="http://schemas.microsoft.com/office/powerpoint/2010/main" val="462306178"/>
       </p:ext>
     </p:extLst>
   </p:cSld>
@@ -3424,7 +3424,7 @@
           <a:p>
             <a:fld id="{868189F2-699A-4ACD-BCA7-68120C724C9C}" type="datetimeFigureOut">
               <a:rPr lang="ru-RU" smtClean="0"/>
-              <a:t>10.06.2019</a:t>
+              <a:t>14.06.2019</a:t>
             </a:fld>
             <a:endParaRPr lang="ru-RU"/>
           </a:p>
@@ -3475,7 +3475,7 @@
     </p:spTree>
     <p:extLst>
       <p:ext uri="{BB962C8B-B14F-4D97-AF65-F5344CB8AC3E}">
-        <p14:creationId xmlns:p14="http://schemas.microsoft.com/office/powerpoint/2010/main" val="2415526931"/>
+        <p14:creationId xmlns:p14="http://schemas.microsoft.com/office/powerpoint/2010/main" val="3349145435"/>
       </p:ext>
     </p:extLst>
   </p:cSld>
@@ -3697,7 +3697,7 @@
           <a:p>
             <a:fld id="{868189F2-699A-4ACD-BCA7-68120C724C9C}" type="datetimeFigureOut">
               <a:rPr lang="ru-RU" smtClean="0"/>
-              <a:t>10.06.2019</a:t>
+              <a:t>14.06.2019</a:t>
             </a:fld>
             <a:endParaRPr lang="ru-RU"/>
           </a:p>
@@ -3842,7 +3842,7 @@
     </p:spTree>
     <p:extLst>
       <p:ext uri="{BB962C8B-B14F-4D97-AF65-F5344CB8AC3E}">
-        <p14:creationId xmlns:p14="http://schemas.microsoft.com/office/powerpoint/2010/main" val="2480706456"/>
+        <p14:creationId xmlns:p14="http://schemas.microsoft.com/office/powerpoint/2010/main" val="1657669015"/>
       </p:ext>
     </p:extLst>
   </p:cSld>
@@ -4038,7 +4038,7 @@
           <a:p>
             <a:fld id="{868189F2-699A-4ACD-BCA7-68120C724C9C}" type="datetimeFigureOut">
               <a:rPr lang="ru-RU" smtClean="0"/>
-              <a:t>10.06.2019</a:t>
+              <a:t>14.06.2019</a:t>
             </a:fld>
             <a:endParaRPr lang="ru-RU"/>
           </a:p>
@@ -4089,7 +4089,7 @@
     </p:spTree>
     <p:extLst>
       <p:ext uri="{BB962C8B-B14F-4D97-AF65-F5344CB8AC3E}">
-        <p14:creationId xmlns:p14="http://schemas.microsoft.com/office/powerpoint/2010/main" val="236630716"/>
+        <p14:creationId xmlns:p14="http://schemas.microsoft.com/office/powerpoint/2010/main" val="2110586767"/>
       </p:ext>
     </p:extLst>
   </p:cSld>
@@ -4661,7 +4661,7 @@
           <a:p>
             <a:fld id="{868189F2-699A-4ACD-BCA7-68120C724C9C}" type="datetimeFigureOut">
               <a:rPr lang="ru-RU" smtClean="0"/>
-              <a:t>10.06.2019</a:t>
+              <a:t>14.06.2019</a:t>
             </a:fld>
             <a:endParaRPr lang="ru-RU"/>
           </a:p>
@@ -4712,7 +4712,7 @@
     </p:spTree>
     <p:extLst>
       <p:ext uri="{BB962C8B-B14F-4D97-AF65-F5344CB8AC3E}">
-        <p14:creationId xmlns:p14="http://schemas.microsoft.com/office/powerpoint/2010/main" val="2640813709"/>
+        <p14:creationId xmlns:p14="http://schemas.microsoft.com/office/powerpoint/2010/main" val="1550624934"/>
       </p:ext>
     </p:extLst>
   </p:cSld>
@@ -5521,7 +5521,7 @@
           <a:p>
             <a:fld id="{868189F2-699A-4ACD-BCA7-68120C724C9C}" type="datetimeFigureOut">
               <a:rPr lang="ru-RU" smtClean="0"/>
-              <a:t>10.06.2019</a:t>
+              <a:t>14.06.2019</a:t>
             </a:fld>
             <a:endParaRPr lang="ru-RU"/>
           </a:p>
@@ -5572,7 +5572,7 @@
     </p:spTree>
     <p:extLst>
       <p:ext uri="{BB962C8B-B14F-4D97-AF65-F5344CB8AC3E}">
-        <p14:creationId xmlns:p14="http://schemas.microsoft.com/office/powerpoint/2010/main" val="694231575"/>
+        <p14:creationId xmlns:p14="http://schemas.microsoft.com/office/powerpoint/2010/main" val="3043974581"/>
       </p:ext>
     </p:extLst>
   </p:cSld>
@@ -5691,7 +5691,7 @@
           <a:p>
             <a:fld id="{868189F2-699A-4ACD-BCA7-68120C724C9C}" type="datetimeFigureOut">
               <a:rPr lang="ru-RU" smtClean="0"/>
-              <a:t>10.06.2019</a:t>
+              <a:t>14.06.2019</a:t>
             </a:fld>
             <a:endParaRPr lang="ru-RU"/>
           </a:p>
@@ -5742,7 +5742,7 @@
     </p:spTree>
     <p:extLst>
       <p:ext uri="{BB962C8B-B14F-4D97-AF65-F5344CB8AC3E}">
-        <p14:creationId xmlns:p14="http://schemas.microsoft.com/office/powerpoint/2010/main" val="2882807315"/>
+        <p14:creationId xmlns:p14="http://schemas.microsoft.com/office/powerpoint/2010/main" val="1247062868"/>
       </p:ext>
     </p:extLst>
   </p:cSld>
@@ -5871,7 +5871,7 @@
           <a:p>
             <a:fld id="{868189F2-699A-4ACD-BCA7-68120C724C9C}" type="datetimeFigureOut">
               <a:rPr lang="ru-RU" smtClean="0"/>
-              <a:t>10.06.2019</a:t>
+              <a:t>14.06.2019</a:t>
             </a:fld>
             <a:endParaRPr lang="ru-RU"/>
           </a:p>
@@ -5922,7 +5922,7 @@
     </p:spTree>
     <p:extLst>
       <p:ext uri="{BB962C8B-B14F-4D97-AF65-F5344CB8AC3E}">
-        <p14:creationId xmlns:p14="http://schemas.microsoft.com/office/powerpoint/2010/main" val="4053666068"/>
+        <p14:creationId xmlns:p14="http://schemas.microsoft.com/office/powerpoint/2010/main" val="2696622656"/>
       </p:ext>
     </p:extLst>
   </p:cSld>
@@ -6122,7 +6122,7 @@
           <a:p>
             <a:fld id="{868189F2-699A-4ACD-BCA7-68120C724C9C}" type="datetimeFigureOut">
               <a:rPr lang="ru-RU" smtClean="0"/>
-              <a:t>10.06.2019</a:t>
+              <a:t>14.06.2019</a:t>
             </a:fld>
             <a:endParaRPr lang="ru-RU"/>
           </a:p>
@@ -6354,7 +6354,7 @@
           <a:p>
             <a:fld id="{868189F2-699A-4ACD-BCA7-68120C724C9C}" type="datetimeFigureOut">
               <a:rPr lang="ru-RU" smtClean="0"/>
-              <a:t>10.06.2019</a:t>
+              <a:t>14.06.2019</a:t>
             </a:fld>
             <a:endParaRPr lang="ru-RU"/>
           </a:p>
@@ -6701,7 +6701,7 @@
           <a:p>
             <a:fld id="{868189F2-699A-4ACD-BCA7-68120C724C9C}" type="datetimeFigureOut">
               <a:rPr lang="ru-RU" smtClean="0"/>
-              <a:t>10.06.2019</a:t>
+              <a:t>14.06.2019</a:t>
             </a:fld>
             <a:endParaRPr lang="ru-RU"/>
           </a:p>
@@ -6819,7 +6819,7 @@
           <a:p>
             <a:fld id="{868189F2-699A-4ACD-BCA7-68120C724C9C}" type="datetimeFigureOut">
               <a:rPr lang="ru-RU" smtClean="0"/>
-              <a:t>10.06.2019</a:t>
+              <a:t>14.06.2019</a:t>
             </a:fld>
             <a:endParaRPr lang="ru-RU"/>
           </a:p>
@@ -6937,7 +6937,7 @@
           <a:p>
             <a:fld id="{868189F2-699A-4ACD-BCA7-68120C724C9C}" type="datetimeFigureOut">
               <a:rPr lang="ru-RU" smtClean="0"/>
-              <a:t>10.06.2019</a:t>
+              <a:t>14.06.2019</a:t>
             </a:fld>
             <a:endParaRPr lang="ru-RU"/>
           </a:p>
@@ -7221,7 +7221,7 @@
           <a:p>
             <a:fld id="{868189F2-699A-4ACD-BCA7-68120C724C9C}" type="datetimeFigureOut">
               <a:rPr lang="ru-RU" smtClean="0"/>
-              <a:t>10.06.2019</a:t>
+              <a:t>14.06.2019</a:t>
             </a:fld>
             <a:endParaRPr lang="ru-RU"/>
           </a:p>
@@ -7485,7 +7485,7 @@
           <a:p>
             <a:fld id="{868189F2-699A-4ACD-BCA7-68120C724C9C}" type="datetimeFigureOut">
               <a:rPr lang="ru-RU" smtClean="0"/>
-              <a:t>10.06.2019</a:t>
+              <a:t>14.06.2019</a:t>
             </a:fld>
             <a:endParaRPr lang="ru-RU"/>
           </a:p>
@@ -7699,7 +7699,7 @@
           <a:p>
             <a:fld id="{868189F2-699A-4ACD-BCA7-68120C724C9C}" type="datetimeFigureOut">
               <a:rPr lang="ru-RU" smtClean="0"/>
-              <a:t>10.06.2019</a:t>
+              <a:t>14.06.2019</a:t>
             </a:fld>
             <a:endParaRPr lang="ru-RU"/>
           </a:p>
@@ -8444,7 +8444,7 @@
           <a:p>
             <a:fld id="{868189F2-699A-4ACD-BCA7-68120C724C9C}" type="datetimeFigureOut">
               <a:rPr lang="ru-RU" smtClean="0"/>
-              <a:t>10.06.2019</a:t>
+              <a:t>14.06.2019</a:t>
             </a:fld>
             <a:endParaRPr lang="ru-RU"/>
           </a:p>
@@ -8532,29 +8532,29 @@
     </p:spTree>
     <p:extLst>
       <p:ext uri="{BB962C8B-B14F-4D97-AF65-F5344CB8AC3E}">
-        <p14:creationId xmlns:p14="http://schemas.microsoft.com/office/powerpoint/2010/main" val="103734245"/>
+        <p14:creationId xmlns:p14="http://schemas.microsoft.com/office/powerpoint/2010/main" val="4150977137"/>
       </p:ext>
     </p:extLst>
   </p:cSld>
   <p:clrMap bg1="dk1" tx1="lt1" bg2="dk2" tx2="lt2" accent1="accent1" accent2="accent2" accent3="accent3" accent4="accent4" accent5="accent5" accent6="accent6" hlink="hlink" folHlink="folHlink"/>
   <p:sldLayoutIdLst>
-    <p:sldLayoutId id="2147484132" r:id="rId1"/>
-    <p:sldLayoutId id="2147484133" r:id="rId2"/>
-    <p:sldLayoutId id="2147484134" r:id="rId3"/>
-    <p:sldLayoutId id="2147484135" r:id="rId4"/>
-    <p:sldLayoutId id="2147484136" r:id="rId5"/>
-    <p:sldLayoutId id="2147484137" r:id="rId6"/>
-    <p:sldLayoutId id="2147484138" r:id="rId7"/>
-    <p:sldLayoutId id="2147484139" r:id="rId8"/>
-    <p:sldLayoutId id="2147484140" r:id="rId9"/>
-    <p:sldLayoutId id="2147484141" r:id="rId10"/>
-    <p:sldLayoutId id="2147484142" r:id="rId11"/>
-    <p:sldLayoutId id="2147484143" r:id="rId12"/>
-    <p:sldLayoutId id="2147484144" r:id="rId13"/>
-    <p:sldLayoutId id="2147484145" r:id="rId14"/>
-    <p:sldLayoutId id="2147484146" r:id="rId15"/>
-    <p:sldLayoutId id="2147484147" r:id="rId16"/>
-    <p:sldLayoutId id="2147484148" r:id="rId17"/>
+    <p:sldLayoutId id="2147484186" r:id="rId1"/>
+    <p:sldLayoutId id="2147484187" r:id="rId2"/>
+    <p:sldLayoutId id="2147484188" r:id="rId3"/>
+    <p:sldLayoutId id="2147484189" r:id="rId4"/>
+    <p:sldLayoutId id="2147484190" r:id="rId5"/>
+    <p:sldLayoutId id="2147484191" r:id="rId6"/>
+    <p:sldLayoutId id="2147484192" r:id="rId7"/>
+    <p:sldLayoutId id="2147484193" r:id="rId8"/>
+    <p:sldLayoutId id="2147484194" r:id="rId9"/>
+    <p:sldLayoutId id="2147484195" r:id="rId10"/>
+    <p:sldLayoutId id="2147484196" r:id="rId11"/>
+    <p:sldLayoutId id="2147484197" r:id="rId12"/>
+    <p:sldLayoutId id="2147484198" r:id="rId13"/>
+    <p:sldLayoutId id="2147484199" r:id="rId14"/>
+    <p:sldLayoutId id="2147484200" r:id="rId15"/>
+    <p:sldLayoutId id="2147484201" r:id="rId16"/>
+    <p:sldLayoutId id="2147484202" r:id="rId17"/>
   </p:sldLayoutIdLst>
   <p:txStyles>
     <p:titleStyle>
@@ -9434,7 +9434,7 @@
           <p:cNvPr id="2" name="Заголовок 1">
             <a:extLst>
               <a:ext uri="{FF2B5EF4-FFF2-40B4-BE49-F238E27FC236}">
-                <a16:creationId xmlns:a16="http://schemas.microsoft.com/office/drawing/2014/main" id="{A5B3E256-DAAF-434E-BC74-6F285070B23E}"/>
+                <a16:creationId xmlns:a16="http://schemas.microsoft.com/office/drawing/2014/main" id="{D8693213-BA1F-47B0-BAA5-B4377ABB1553}"/>
               </a:ext>
             </a:extLst>
           </p:cNvPr>
@@ -9447,8 +9447,8 @@
         </p:nvSpPr>
         <p:spPr>
           <a:xfrm>
-            <a:off x="846418" y="0"/>
-            <a:ext cx="10353762" cy="970450"/>
+            <a:off x="533310" y="203336"/>
+            <a:ext cx="10086544" cy="1400530"/>
           </a:xfrm>
         </p:spPr>
         <p:txBody>
@@ -9456,21 +9456,18 @@
           <a:lstStyle/>
           <a:p>
             <a:r>
-              <a:rPr lang="ru-RU" dirty="0">
-                <a:effectLst/>
-              </a:rPr>
-              <a:t>Схема базы локальной базы данных</a:t>
-            </a:r>
-            <a:endParaRPr lang="ru-RU" dirty="0"/>
+              <a:rPr lang="ru-RU" dirty="0"/>
+              <a:t>Создание интерфейса программы</a:t>
+            </a:r>
           </a:p>
         </p:txBody>
       </p:sp>
       <p:pic>
         <p:nvPicPr>
-          <p:cNvPr id="5" name="Рисунок 4">
+          <p:cNvPr id="4" name="Рисунок 3">
             <a:extLst>
               <a:ext uri="{FF2B5EF4-FFF2-40B4-BE49-F238E27FC236}">
-                <a16:creationId xmlns:a16="http://schemas.microsoft.com/office/drawing/2014/main" id="{4D243F7B-0FD1-4118-883C-11A88671D443}"/>
+                <a16:creationId xmlns:a16="http://schemas.microsoft.com/office/drawing/2014/main" id="{334339D3-B332-4DD4-BDC2-C149EA3C636B}"/>
               </a:ext>
             </a:extLst>
           </p:cNvPr>
@@ -9485,8 +9482,72 @@
         </p:blipFill>
         <p:spPr>
           <a:xfrm>
-            <a:off x="2940841" y="795819"/>
-            <a:ext cx="5837398" cy="5266362"/>
+            <a:off x="2715491" y="1006764"/>
+            <a:ext cx="5728854" cy="5728854"/>
+          </a:xfrm>
+          <a:prstGeom prst="rect">
+            <a:avLst/>
+          </a:prstGeom>
+        </p:spPr>
+      </p:pic>
+      <p:pic>
+        <p:nvPicPr>
+          <p:cNvPr id="5" name="Рисунок 4">
+            <a:extLst>
+              <a:ext uri="{FF2B5EF4-FFF2-40B4-BE49-F238E27FC236}">
+                <a16:creationId xmlns:a16="http://schemas.microsoft.com/office/drawing/2014/main" id="{D8D56EE4-6279-4425-90C6-ACF8B1DA4719}"/>
+              </a:ext>
+            </a:extLst>
+          </p:cNvPr>
+          <p:cNvPicPr/>
+          <p:nvPr/>
+        </p:nvPicPr>
+        <p:blipFill rotWithShape="1">
+          <a:blip r:embed="rId3"/>
+          <a:srcRect r="2402"/>
+          <a:stretch/>
+        </p:blipFill>
+        <p:spPr bwMode="auto">
+          <a:xfrm>
+            <a:off x="2072156" y="2178815"/>
+            <a:ext cx="8047688" cy="2942139"/>
+          </a:xfrm>
+          <a:prstGeom prst="rect">
+            <a:avLst/>
+          </a:prstGeom>
+          <a:ln>
+            <a:noFill/>
+          </a:ln>
+          <a:extLst>
+            <a:ext uri="{53640926-AAD7-44D8-BBD7-CCE9431645EC}">
+              <a14:shadowObscured xmlns:a14="http://schemas.microsoft.com/office/drawing/2010/main"/>
+            </a:ext>
+          </a:extLst>
+        </p:spPr>
+      </p:pic>
+      <p:pic>
+        <p:nvPicPr>
+          <p:cNvPr id="7" name="Рисунок 6">
+            <a:extLst>
+              <a:ext uri="{FF2B5EF4-FFF2-40B4-BE49-F238E27FC236}">
+                <a16:creationId xmlns:a16="http://schemas.microsoft.com/office/drawing/2014/main" id="{BEFE4296-17C3-4378-9284-BEA2C3561E7C}"/>
+              </a:ext>
+            </a:extLst>
+          </p:cNvPr>
+          <p:cNvPicPr>
+            <a:picLocks noChangeAspect="1"/>
+          </p:cNvPicPr>
+          <p:nvPr/>
+        </p:nvPicPr>
+        <p:blipFill rotWithShape="1">
+          <a:blip r:embed="rId4"/>
+          <a:srcRect l="687" t="1567" r="1180" b="2397"/>
+          <a:stretch/>
+        </p:blipFill>
+        <p:spPr>
+          <a:xfrm>
+            <a:off x="335927" y="845127"/>
+            <a:ext cx="11520145" cy="6012873"/>
           </a:xfrm>
           <a:prstGeom prst="rect">
             <a:avLst/>
@@ -9496,13 +9557,186 @@
     </p:spTree>
     <p:extLst>
       <p:ext uri="{BB962C8B-B14F-4D97-AF65-F5344CB8AC3E}">
-        <p14:creationId xmlns:p14="http://schemas.microsoft.com/office/powerpoint/2010/main" val="1196139934"/>
+        <p14:creationId xmlns:p14="http://schemas.microsoft.com/office/powerpoint/2010/main" val="4005744375"/>
       </p:ext>
     </p:extLst>
   </p:cSld>
   <p:clrMapOvr>
     <a:masterClrMapping/>
   </p:clrMapOvr>
+  <mc:AlternateContent xmlns:mc="http://schemas.openxmlformats.org/markup-compatibility/2006" xmlns:p14="http://schemas.microsoft.com/office/powerpoint/2010/main">
+    <mc:Choice Requires="p14">
+      <p:transition p14:dur="10"/>
+    </mc:Choice>
+    <mc:Fallback xmlns="">
+      <p:transition/>
+    </mc:Fallback>
+  </mc:AlternateContent>
+  <p:timing>
+    <p:tnLst>
+      <p:par>
+        <p:cTn id="1" dur="indefinite" restart="never" nodeType="tmRoot">
+          <p:childTnLst>
+            <p:seq concurrent="1" nextAc="seek">
+              <p:cTn id="2" dur="indefinite" nodeType="mainSeq">
+                <p:childTnLst>
+                  <p:par>
+                    <p:cTn id="3" fill="hold">
+                      <p:stCondLst>
+                        <p:cond delay="indefinite"/>
+                      </p:stCondLst>
+                      <p:childTnLst>
+                        <p:par>
+                          <p:cTn id="4" fill="hold">
+                            <p:stCondLst>
+                              <p:cond delay="0"/>
+                            </p:stCondLst>
+                            <p:childTnLst>
+                              <p:par>
+                                <p:cTn id="5" presetID="1" presetClass="entr" presetSubtype="0" fill="hold" nodeType="clickEffect">
+                                  <p:stCondLst>
+                                    <p:cond delay="0"/>
+                                  </p:stCondLst>
+                                  <p:childTnLst>
+                                    <p:set>
+                                      <p:cBhvr>
+                                        <p:cTn id="6" dur="1" fill="hold">
+                                          <p:stCondLst>
+                                            <p:cond delay="0"/>
+                                          </p:stCondLst>
+                                        </p:cTn>
+                                        <p:tgtEl>
+                                          <p:spTgt spid="4"/>
+                                        </p:tgtEl>
+                                        <p:attrNameLst>
+                                          <p:attrName>style.visibility</p:attrName>
+                                        </p:attrNameLst>
+                                      </p:cBhvr>
+                                      <p:to>
+                                        <p:strVal val="visible"/>
+                                      </p:to>
+                                    </p:set>
+                                  </p:childTnLst>
+                                </p:cTn>
+                              </p:par>
+                            </p:childTnLst>
+                          </p:cTn>
+                        </p:par>
+                      </p:childTnLst>
+                    </p:cTn>
+                  </p:par>
+                  <p:par>
+                    <p:cTn id="7" fill="hold">
+                      <p:stCondLst>
+                        <p:cond delay="indefinite"/>
+                      </p:stCondLst>
+                      <p:childTnLst>
+                        <p:par>
+                          <p:cTn id="8" fill="hold">
+                            <p:stCondLst>
+                              <p:cond delay="0"/>
+                            </p:stCondLst>
+                            <p:childTnLst>
+                              <p:par>
+                                <p:cTn id="9" presetID="1" presetClass="entr" presetSubtype="0" fill="hold" nodeType="clickEffect">
+                                  <p:stCondLst>
+                                    <p:cond delay="0"/>
+                                  </p:stCondLst>
+                                  <p:childTnLst>
+                                    <p:set>
+                                      <p:cBhvr>
+                                        <p:cTn id="10" dur="1" fill="hold">
+                                          <p:stCondLst>
+                                            <p:cond delay="0"/>
+                                          </p:stCondLst>
+                                        </p:cTn>
+                                        <p:tgtEl>
+                                          <p:spTgt spid="5"/>
+                                        </p:tgtEl>
+                                        <p:attrNameLst>
+                                          <p:attrName>style.visibility</p:attrName>
+                                        </p:attrNameLst>
+                                      </p:cBhvr>
+                                      <p:to>
+                                        <p:strVal val="visible"/>
+                                      </p:to>
+                                    </p:set>
+                                  </p:childTnLst>
+                                </p:cTn>
+                              </p:par>
+                            </p:childTnLst>
+                          </p:cTn>
+                        </p:par>
+                      </p:childTnLst>
+                    </p:cTn>
+                  </p:par>
+                  <p:par>
+                    <p:cTn id="11" fill="hold">
+                      <p:stCondLst>
+                        <p:cond delay="indefinite"/>
+                      </p:stCondLst>
+                      <p:childTnLst>
+                        <p:par>
+                          <p:cTn id="12" fill="hold">
+                            <p:stCondLst>
+                              <p:cond delay="0"/>
+                            </p:stCondLst>
+                            <p:childTnLst>
+                              <p:par>
+                                <p:cTn id="13" presetID="1" presetClass="entr" presetSubtype="0" fill="hold" nodeType="clickEffect">
+                                  <p:stCondLst>
+                                    <p:cond delay="0"/>
+                                  </p:stCondLst>
+                                  <p:childTnLst>
+                                    <p:set>
+                                      <p:cBhvr>
+                                        <p:cTn id="14" dur="1" fill="hold">
+                                          <p:stCondLst>
+                                            <p:cond delay="0"/>
+                                          </p:stCondLst>
+                                        </p:cTn>
+                                        <p:tgtEl>
+                                          <p:spTgt spid="7"/>
+                                        </p:tgtEl>
+                                        <p:attrNameLst>
+                                          <p:attrName>style.visibility</p:attrName>
+                                        </p:attrNameLst>
+                                      </p:cBhvr>
+                                      <p:to>
+                                        <p:strVal val="visible"/>
+                                      </p:to>
+                                    </p:set>
+                                  </p:childTnLst>
+                                </p:cTn>
+                              </p:par>
+                            </p:childTnLst>
+                          </p:cTn>
+                        </p:par>
+                      </p:childTnLst>
+                    </p:cTn>
+                  </p:par>
+                </p:childTnLst>
+              </p:cTn>
+              <p:prevCondLst>
+                <p:cond evt="onPrev" delay="0">
+                  <p:tgtEl>
+                    <p:sldTgt/>
+                  </p:tgtEl>
+                </p:cond>
+              </p:prevCondLst>
+              <p:nextCondLst>
+                <p:cond evt="onNext" delay="0">
+                  <p:tgtEl>
+                    <p:sldTgt/>
+                  </p:tgtEl>
+                </p:cond>
+              </p:nextCondLst>
+            </p:seq>
+          </p:childTnLst>
+        </p:cTn>
+      </p:par>
+    </p:tnLst>
+  </p:timing>
 </p:sld>
 </file>
 
@@ -9528,7 +9762,7 @@
           <p:cNvPr id="2" name="Заголовок 1">
             <a:extLst>
               <a:ext uri="{FF2B5EF4-FFF2-40B4-BE49-F238E27FC236}">
-                <a16:creationId xmlns:a16="http://schemas.microsoft.com/office/drawing/2014/main" id="{4303E375-ADF8-4FB5-850C-C8EBF1117B09}"/>
+                <a16:creationId xmlns:a16="http://schemas.microsoft.com/office/drawing/2014/main" id="{C7BCC323-83CF-4331-9C04-0BABCDA29E73}"/>
               </a:ext>
             </a:extLst>
           </p:cNvPr>
@@ -9541,8 +9775,8 @@
         </p:nvSpPr>
         <p:spPr>
           <a:xfrm>
-            <a:off x="874220" y="0"/>
-            <a:ext cx="9404723" cy="872836"/>
+            <a:off x="919119" y="-55261"/>
+            <a:ext cx="10353762" cy="970450"/>
           </a:xfrm>
         </p:spPr>
         <p:txBody>
@@ -9551,81 +9785,270 @@
           <a:p>
             <a:r>
               <a:rPr lang="ru-RU" dirty="0"/>
-              <a:t>Схема основной базы данных</a:t>
-            </a:r>
-          </a:p>
-        </p:txBody>
-      </p:sp>
-      <p:sp>
-        <p:nvSpPr>
-          <p:cNvPr id="3" name="Объект 2">
+              <a:t>Интерфейс программы</a:t>
+            </a:r>
+          </a:p>
+        </p:txBody>
+      </p:sp>
+      <p:pic>
+        <p:nvPicPr>
+          <p:cNvPr id="10" name="Рисунок 9">
             <a:extLst>
               <a:ext uri="{FF2B5EF4-FFF2-40B4-BE49-F238E27FC236}">
-                <a16:creationId xmlns:a16="http://schemas.microsoft.com/office/drawing/2014/main" id="{C9DA2BE3-24BE-400D-B2B5-3CC1C20B5A9C}"/>
-              </a:ext>
-            </a:extLst>
-          </p:cNvPr>
-          <p:cNvSpPr>
-            <a:spLocks noGrp="1"/>
-          </p:cNvSpPr>
-          <p:nvPr>
-            <p:ph idx="1"/>
-          </p:nvPr>
-        </p:nvSpPr>
-        <p:spPr/>
-        <p:txBody>
-          <a:bodyPr/>
-          <a:lstStyle/>
-          <a:p>
-            <a:endParaRPr lang="ru-RU"/>
-          </a:p>
-        </p:txBody>
-      </p:sp>
-      <p:pic>
-        <p:nvPicPr>
-          <p:cNvPr id="4" name="Рисунок 3">
-            <a:extLst>
-              <a:ext uri="{FF2B5EF4-FFF2-40B4-BE49-F238E27FC236}">
-                <a16:creationId xmlns:a16="http://schemas.microsoft.com/office/drawing/2014/main" id="{26FDB82D-D434-4EE5-A6AC-7C3A4F904938}"/>
+                <a16:creationId xmlns:a16="http://schemas.microsoft.com/office/drawing/2014/main" id="{EB24BD2A-08D3-4475-85FC-5BC94BACBF19}"/>
               </a:ext>
             </a:extLst>
           </p:cNvPr>
           <p:cNvPicPr/>
           <p:nvPr/>
         </p:nvPicPr>
-        <p:blipFill rotWithShape="1">
+        <p:blipFill>
           <a:blip r:embed="rId2"/>
-          <a:srcRect l="2191" r="1053"/>
-          <a:stretch/>
+          <a:stretch>
+            <a:fillRect/>
+          </a:stretch>
         </p:blipFill>
-        <p:spPr bwMode="auto">
+        <p:spPr>
           <a:xfrm>
-            <a:off x="425014" y="804563"/>
-            <a:ext cx="11345807" cy="5908022"/>
+            <a:off x="2399739" y="642912"/>
+            <a:ext cx="7055622" cy="6159247"/>
           </a:xfrm>
           <a:prstGeom prst="rect">
             <a:avLst/>
           </a:prstGeom>
-          <a:ln>
-            <a:noFill/>
-          </a:ln>
-          <a:extLst>
-            <a:ext uri="{53640926-AAD7-44D8-BBD7-CCE9431645EC}">
-              <a14:shadowObscured xmlns:a14="http://schemas.microsoft.com/office/drawing/2010/main"/>
-            </a:ext>
-          </a:extLst>
+        </p:spPr>
+      </p:pic>
+      <p:pic>
+        <p:nvPicPr>
+          <p:cNvPr id="13" name="Рисунок 12">
+            <a:extLst>
+              <a:ext uri="{FF2B5EF4-FFF2-40B4-BE49-F238E27FC236}">
+                <a16:creationId xmlns:a16="http://schemas.microsoft.com/office/drawing/2014/main" id="{E391F6F7-E746-4578-8891-5C81366282F7}"/>
+              </a:ext>
+            </a:extLst>
+          </p:cNvPr>
+          <p:cNvPicPr/>
+          <p:nvPr/>
+        </p:nvPicPr>
+        <p:blipFill>
+          <a:blip r:embed="rId3"/>
+          <a:stretch>
+            <a:fillRect/>
+          </a:stretch>
+        </p:blipFill>
+        <p:spPr>
+          <a:xfrm>
+            <a:off x="263229" y="679636"/>
+            <a:ext cx="11665541" cy="6178364"/>
+          </a:xfrm>
+          <a:prstGeom prst="rect">
+            <a:avLst/>
+          </a:prstGeom>
+        </p:spPr>
+      </p:pic>
+      <p:pic>
+        <p:nvPicPr>
+          <p:cNvPr id="8" name="Рисунок 7">
+            <a:extLst>
+              <a:ext uri="{FF2B5EF4-FFF2-40B4-BE49-F238E27FC236}">
+                <a16:creationId xmlns:a16="http://schemas.microsoft.com/office/drawing/2014/main" id="{5D8C8F3D-A143-4666-8FC1-F6EBD8BD2BD0}"/>
+              </a:ext>
+            </a:extLst>
+          </p:cNvPr>
+          <p:cNvPicPr/>
+          <p:nvPr/>
+        </p:nvPicPr>
+        <p:blipFill>
+          <a:blip r:embed="rId4"/>
+          <a:stretch>
+            <a:fillRect/>
+          </a:stretch>
+        </p:blipFill>
+        <p:spPr>
+          <a:xfrm>
+            <a:off x="2736639" y="728943"/>
+            <a:ext cx="7061979" cy="6165781"/>
+          </a:xfrm>
+          <a:prstGeom prst="rect">
+            <a:avLst/>
+          </a:prstGeom>
         </p:spPr>
       </p:pic>
     </p:spTree>
     <p:extLst>
       <p:ext uri="{BB962C8B-B14F-4D97-AF65-F5344CB8AC3E}">
-        <p14:creationId xmlns:p14="http://schemas.microsoft.com/office/powerpoint/2010/main" val="1637315508"/>
+        <p14:creationId xmlns:p14="http://schemas.microsoft.com/office/powerpoint/2010/main" val="1710369310"/>
       </p:ext>
     </p:extLst>
   </p:cSld>
   <p:clrMapOvr>
     <a:masterClrMapping/>
   </p:clrMapOvr>
+  <p:timing>
+    <p:tnLst>
+      <p:par>
+        <p:cTn id="1" dur="indefinite" restart="never" nodeType="tmRoot">
+          <p:childTnLst>
+            <p:seq concurrent="1" nextAc="seek">
+              <p:cTn id="2" dur="indefinite" nodeType="mainSeq">
+                <p:childTnLst>
+                  <p:par>
+                    <p:cTn id="3" fill="hold">
+                      <p:stCondLst>
+                        <p:cond delay="indefinite"/>
+                      </p:stCondLst>
+                      <p:childTnLst>
+                        <p:par>
+                          <p:cTn id="4" fill="hold">
+                            <p:stCondLst>
+                              <p:cond delay="0"/>
+                            </p:stCondLst>
+                            <p:childTnLst>
+                              <p:par>
+                                <p:cTn id="5" presetID="1" presetClass="entr" presetSubtype="0" fill="hold" nodeType="clickEffect">
+                                  <p:stCondLst>
+                                    <p:cond delay="0"/>
+                                  </p:stCondLst>
+                                  <p:childTnLst>
+                                    <p:set>
+                                      <p:cBhvr>
+                                        <p:cTn id="6" dur="1" fill="hold">
+                                          <p:stCondLst>
+                                            <p:cond delay="0"/>
+                                          </p:stCondLst>
+                                        </p:cTn>
+                                        <p:tgtEl>
+                                          <p:spTgt spid="10"/>
+                                        </p:tgtEl>
+                                        <p:attrNameLst>
+                                          <p:attrName>style.visibility</p:attrName>
+                                        </p:attrNameLst>
+                                      </p:cBhvr>
+                                      <p:to>
+                                        <p:strVal val="visible"/>
+                                      </p:to>
+                                    </p:set>
+                                  </p:childTnLst>
+                                </p:cTn>
+                              </p:par>
+                            </p:childTnLst>
+                          </p:cTn>
+                        </p:par>
+                      </p:childTnLst>
+                    </p:cTn>
+                  </p:par>
+                  <p:par>
+                    <p:cTn id="7" fill="hold">
+                      <p:stCondLst>
+                        <p:cond delay="indefinite"/>
+                      </p:stCondLst>
+                      <p:childTnLst>
+                        <p:par>
+                          <p:cTn id="8" fill="hold">
+                            <p:stCondLst>
+                              <p:cond delay="0"/>
+                            </p:stCondLst>
+                            <p:childTnLst>
+                              <p:par>
+                                <p:cTn id="9" presetID="1" presetClass="entr" presetSubtype="0" fill="hold" nodeType="clickEffect">
+                                  <p:stCondLst>
+                                    <p:cond delay="0"/>
+                                  </p:stCondLst>
+                                  <p:childTnLst>
+                                    <p:set>
+                                      <p:cBhvr>
+                                        <p:cTn id="10" dur="1" fill="hold">
+                                          <p:stCondLst>
+                                            <p:cond delay="0"/>
+                                          </p:stCondLst>
+                                        </p:cTn>
+                                        <p:tgtEl>
+                                          <p:spTgt spid="13"/>
+                                        </p:tgtEl>
+                                        <p:attrNameLst>
+                                          <p:attrName>style.visibility</p:attrName>
+                                        </p:attrNameLst>
+                                      </p:cBhvr>
+                                      <p:to>
+                                        <p:strVal val="visible"/>
+                                      </p:to>
+                                    </p:set>
+                                  </p:childTnLst>
+                                </p:cTn>
+                              </p:par>
+                            </p:childTnLst>
+                          </p:cTn>
+                        </p:par>
+                      </p:childTnLst>
+                    </p:cTn>
+                  </p:par>
+                  <p:par>
+                    <p:cTn id="11" fill="hold">
+                      <p:stCondLst>
+                        <p:cond delay="indefinite"/>
+                      </p:stCondLst>
+                      <p:childTnLst>
+                        <p:par>
+                          <p:cTn id="12" fill="hold">
+                            <p:stCondLst>
+                              <p:cond delay="0"/>
+                            </p:stCondLst>
+                            <p:childTnLst>
+                              <p:par>
+                                <p:cTn id="13" presetID="1" presetClass="entr" presetSubtype="0" fill="hold" nodeType="clickEffect">
+                                  <p:stCondLst>
+                                    <p:cond delay="0"/>
+                                  </p:stCondLst>
+                                  <p:childTnLst>
+                                    <p:set>
+                                      <p:cBhvr>
+                                        <p:cTn id="14" dur="1" fill="hold">
+                                          <p:stCondLst>
+                                            <p:cond delay="0"/>
+                                          </p:stCondLst>
+                                        </p:cTn>
+                                        <p:tgtEl>
+                                          <p:spTgt spid="8"/>
+                                        </p:tgtEl>
+                                        <p:attrNameLst>
+                                          <p:attrName>style.visibility</p:attrName>
+                                        </p:attrNameLst>
+                                      </p:cBhvr>
+                                      <p:to>
+                                        <p:strVal val="visible"/>
+                                      </p:to>
+                                    </p:set>
+                                  </p:childTnLst>
+                                </p:cTn>
+                              </p:par>
+                            </p:childTnLst>
+                          </p:cTn>
+                        </p:par>
+                      </p:childTnLst>
+                    </p:cTn>
+                  </p:par>
+                </p:childTnLst>
+              </p:cTn>
+              <p:prevCondLst>
+                <p:cond evt="onPrev" delay="0">
+                  <p:tgtEl>
+                    <p:sldTgt/>
+                  </p:tgtEl>
+                </p:cond>
+              </p:prevCondLst>
+              <p:nextCondLst>
+                <p:cond evt="onNext" delay="0">
+                  <p:tgtEl>
+                    <p:sldTgt/>
+                  </p:tgtEl>
+                </p:cond>
+              </p:nextCondLst>
+            </p:seq>
+          </p:childTnLst>
+        </p:cTn>
+      </p:par>
+    </p:tnLst>
+  </p:timing>
 </p:sld>
 </file>
 
@@ -9651,7 +10074,7 @@
           <p:cNvPr id="2" name="Заголовок 1">
             <a:extLst>
               <a:ext uri="{FF2B5EF4-FFF2-40B4-BE49-F238E27FC236}">
-                <a16:creationId xmlns:a16="http://schemas.microsoft.com/office/drawing/2014/main" id="{C7BCC323-83CF-4331-9C04-0BABCDA29E73}"/>
+                <a16:creationId xmlns:a16="http://schemas.microsoft.com/office/drawing/2014/main" id="{DAF2B274-CA27-4AAA-8C10-5E2ECBB19CBF}"/>
               </a:ext>
             </a:extLst>
           </p:cNvPr>
@@ -9664,8 +10087,8 @@
         </p:nvSpPr>
         <p:spPr>
           <a:xfrm>
-            <a:off x="919119" y="-55261"/>
-            <a:ext cx="10353762" cy="970450"/>
+            <a:off x="1514329" y="0"/>
+            <a:ext cx="9404723" cy="1400530"/>
           </a:xfrm>
         </p:spPr>
         <p:txBody>
@@ -9674,21 +10097,23 @@
           <a:p>
             <a:r>
               <a:rPr lang="ru-RU" dirty="0"/>
-              <a:t>Интерфейс программы</a:t>
+              <a:t>Пример отчетов и сметы</a:t>
             </a:r>
           </a:p>
         </p:txBody>
       </p:sp>
       <p:pic>
         <p:nvPicPr>
-          <p:cNvPr id="8" name="Рисунок 7">
+          <p:cNvPr id="4" name="Рисунок 3">
             <a:extLst>
               <a:ext uri="{FF2B5EF4-FFF2-40B4-BE49-F238E27FC236}">
-                <a16:creationId xmlns:a16="http://schemas.microsoft.com/office/drawing/2014/main" id="{5D8C8F3D-A143-4666-8FC1-F6EBD8BD2BD0}"/>
+                <a16:creationId xmlns:a16="http://schemas.microsoft.com/office/drawing/2014/main" id="{EB4970D2-3CA9-48A8-924F-0ACAD0470362}"/>
               </a:ext>
             </a:extLst>
           </p:cNvPr>
-          <p:cNvPicPr/>
+          <p:cNvPicPr>
+            <a:picLocks noChangeAspect="1"/>
+          </p:cNvPicPr>
           <p:nvPr/>
         </p:nvPicPr>
         <p:blipFill>
@@ -9699,8 +10124,8 @@
         </p:blipFill>
         <p:spPr>
           <a:xfrm>
-            <a:off x="641148" y="711810"/>
-            <a:ext cx="3879591" cy="3387253"/>
+            <a:off x="176673" y="914047"/>
+            <a:ext cx="11563350" cy="5781675"/>
           </a:xfrm>
           <a:prstGeom prst="rect">
             <a:avLst/>
@@ -9709,14 +10134,16 @@
       </p:pic>
       <p:pic>
         <p:nvPicPr>
-          <p:cNvPr id="10" name="Рисунок 9">
+          <p:cNvPr id="5" name="Рисунок 4">
             <a:extLst>
               <a:ext uri="{FF2B5EF4-FFF2-40B4-BE49-F238E27FC236}">
-                <a16:creationId xmlns:a16="http://schemas.microsoft.com/office/drawing/2014/main" id="{EB24BD2A-08D3-4475-85FC-5BC94BACBF19}"/>
+                <a16:creationId xmlns:a16="http://schemas.microsoft.com/office/drawing/2014/main" id="{641CC075-8812-4663-947D-86D3AA9F1281}"/>
               </a:ext>
             </a:extLst>
           </p:cNvPr>
-          <p:cNvPicPr/>
+          <p:cNvPicPr>
+            <a:picLocks noChangeAspect="1"/>
+          </p:cNvPicPr>
           <p:nvPr/>
         </p:nvPicPr>
         <p:blipFill>
@@ -9727,8 +10154,8 @@
         </p:blipFill>
         <p:spPr>
           <a:xfrm>
-            <a:off x="8124248" y="3307032"/>
-            <a:ext cx="4067752" cy="3550968"/>
+            <a:off x="1272948" y="889144"/>
+            <a:ext cx="8841351" cy="5721358"/>
           </a:xfrm>
           <a:prstGeom prst="rect">
             <a:avLst/>
@@ -9737,14 +10164,16 @@
       </p:pic>
       <p:pic>
         <p:nvPicPr>
-          <p:cNvPr id="11" name="Рисунок 10">
+          <p:cNvPr id="6" name="Рисунок 5">
             <a:extLst>
               <a:ext uri="{FF2B5EF4-FFF2-40B4-BE49-F238E27FC236}">
-                <a16:creationId xmlns:a16="http://schemas.microsoft.com/office/drawing/2014/main" id="{610A355B-AC89-4848-B366-3F260F1CD524}"/>
+                <a16:creationId xmlns:a16="http://schemas.microsoft.com/office/drawing/2014/main" id="{B0EB31CF-1B7E-431F-A096-199E66F7841B}"/>
               </a:ext>
             </a:extLst>
           </p:cNvPr>
-          <p:cNvPicPr/>
+          <p:cNvPicPr>
+            <a:picLocks noChangeAspect="1"/>
+          </p:cNvPicPr>
           <p:nvPr/>
         </p:nvPicPr>
         <p:blipFill>
@@ -9755,64 +10184,8 @@
         </p:blipFill>
         <p:spPr>
           <a:xfrm>
-            <a:off x="4666009" y="749217"/>
-            <a:ext cx="3312969" cy="3312969"/>
-          </a:xfrm>
-          <a:prstGeom prst="rect">
-            <a:avLst/>
-          </a:prstGeom>
-        </p:spPr>
-      </p:pic>
-      <p:pic>
-        <p:nvPicPr>
-          <p:cNvPr id="12" name="Рисунок 11">
-            <a:extLst>
-              <a:ext uri="{FF2B5EF4-FFF2-40B4-BE49-F238E27FC236}">
-                <a16:creationId xmlns:a16="http://schemas.microsoft.com/office/drawing/2014/main" id="{D634CC4A-23F9-4100-9955-C18AB178CE16}"/>
-              </a:ext>
-            </a:extLst>
-          </p:cNvPr>
-          <p:cNvPicPr/>
-          <p:nvPr/>
-        </p:nvPicPr>
-        <p:blipFill>
-          <a:blip r:embed="rId5"/>
-          <a:stretch>
-            <a:fillRect/>
-          </a:stretch>
-        </p:blipFill>
-        <p:spPr>
-          <a:xfrm>
-            <a:off x="8820092" y="84801"/>
-            <a:ext cx="3130550" cy="3130550"/>
-          </a:xfrm>
-          <a:prstGeom prst="rect">
-            <a:avLst/>
-          </a:prstGeom>
-        </p:spPr>
-      </p:pic>
-      <p:pic>
-        <p:nvPicPr>
-          <p:cNvPr id="13" name="Рисунок 12">
-            <a:extLst>
-              <a:ext uri="{FF2B5EF4-FFF2-40B4-BE49-F238E27FC236}">
-                <a16:creationId xmlns:a16="http://schemas.microsoft.com/office/drawing/2014/main" id="{E391F6F7-E746-4578-8891-5C81366282F7}"/>
-              </a:ext>
-            </a:extLst>
-          </p:cNvPr>
-          <p:cNvPicPr/>
-          <p:nvPr/>
-        </p:nvPicPr>
-        <p:blipFill>
-          <a:blip r:embed="rId6"/>
-          <a:stretch>
-            <a:fillRect/>
-          </a:stretch>
-        </p:blipFill>
-        <p:spPr>
-          <a:xfrm>
-            <a:off x="1777249" y="4148900"/>
-            <a:ext cx="5115127" cy="2709100"/>
+            <a:off x="1975300" y="914047"/>
+            <a:ext cx="8482780" cy="5901442"/>
           </a:xfrm>
           <a:prstGeom prst="rect">
             <a:avLst/>
@@ -9822,13 +10195,178 @@
     </p:spTree>
     <p:extLst>
       <p:ext uri="{BB962C8B-B14F-4D97-AF65-F5344CB8AC3E}">
-        <p14:creationId xmlns:p14="http://schemas.microsoft.com/office/powerpoint/2010/main" val="1710369310"/>
+        <p14:creationId xmlns:p14="http://schemas.microsoft.com/office/powerpoint/2010/main" val="3671615223"/>
       </p:ext>
     </p:extLst>
   </p:cSld>
   <p:clrMapOvr>
     <a:masterClrMapping/>
   </p:clrMapOvr>
+  <p:timing>
+    <p:tnLst>
+      <p:par>
+        <p:cTn id="1" dur="indefinite" restart="never" nodeType="tmRoot">
+          <p:childTnLst>
+            <p:seq concurrent="1" nextAc="seek">
+              <p:cTn id="2" dur="indefinite" nodeType="mainSeq">
+                <p:childTnLst>
+                  <p:par>
+                    <p:cTn id="3" fill="hold">
+                      <p:stCondLst>
+                        <p:cond delay="indefinite"/>
+                      </p:stCondLst>
+                      <p:childTnLst>
+                        <p:par>
+                          <p:cTn id="4" fill="hold">
+                            <p:stCondLst>
+                              <p:cond delay="0"/>
+                            </p:stCondLst>
+                            <p:childTnLst>
+                              <p:par>
+                                <p:cTn id="5" presetID="1" presetClass="entr" presetSubtype="0" fill="hold" nodeType="clickEffect">
+                                  <p:stCondLst>
+                                    <p:cond delay="0"/>
+                                  </p:stCondLst>
+                                  <p:childTnLst>
+                                    <p:set>
+                                      <p:cBhvr>
+                                        <p:cTn id="6" dur="1" fill="hold">
+                                          <p:stCondLst>
+                                            <p:cond delay="0"/>
+                                          </p:stCondLst>
+                                        </p:cTn>
+                                        <p:tgtEl>
+                                          <p:spTgt spid="4"/>
+                                        </p:tgtEl>
+                                        <p:attrNameLst>
+                                          <p:attrName>style.visibility</p:attrName>
+                                        </p:attrNameLst>
+                                      </p:cBhvr>
+                                      <p:to>
+                                        <p:strVal val="visible"/>
+                                      </p:to>
+                                    </p:set>
+                                  </p:childTnLst>
+                                </p:cTn>
+                              </p:par>
+                            </p:childTnLst>
+                          </p:cTn>
+                        </p:par>
+                      </p:childTnLst>
+                    </p:cTn>
+                  </p:par>
+                  <p:par>
+                    <p:cTn id="7" fill="hold">
+                      <p:stCondLst>
+                        <p:cond delay="indefinite"/>
+                      </p:stCondLst>
+                      <p:childTnLst>
+                        <p:par>
+                          <p:cTn id="8" fill="hold">
+                            <p:stCondLst>
+                              <p:cond delay="0"/>
+                            </p:stCondLst>
+                            <p:childTnLst>
+                              <p:par>
+                                <p:cTn id="9" presetID="1" presetClass="entr" presetSubtype="0" fill="hold" nodeType="clickEffect">
+                                  <p:stCondLst>
+                                    <p:cond delay="0"/>
+                                  </p:stCondLst>
+                                  <p:childTnLst>
+                                    <p:set>
+                                      <p:cBhvr>
+                                        <p:cTn id="10" dur="1" fill="hold">
+                                          <p:stCondLst>
+                                            <p:cond delay="0"/>
+                                          </p:stCondLst>
+                                        </p:cTn>
+                                        <p:tgtEl>
+                                          <p:spTgt spid="5"/>
+                                        </p:tgtEl>
+                                        <p:attrNameLst>
+                                          <p:attrName>style.visibility</p:attrName>
+                                        </p:attrNameLst>
+                                      </p:cBhvr>
+                                      <p:to>
+                                        <p:strVal val="visible"/>
+                                      </p:to>
+                                    </p:set>
+                                  </p:childTnLst>
+                                </p:cTn>
+                              </p:par>
+                            </p:childTnLst>
+                          </p:cTn>
+                        </p:par>
+                      </p:childTnLst>
+                    </p:cTn>
+                  </p:par>
+                  <p:par>
+                    <p:cTn id="11" fill="hold">
+                      <p:stCondLst>
+                        <p:cond delay="indefinite"/>
+                      </p:stCondLst>
+                      <p:childTnLst>
+                        <p:par>
+                          <p:cTn id="12" fill="hold">
+                            <p:stCondLst>
+                              <p:cond delay="0"/>
+                            </p:stCondLst>
+                            <p:childTnLst>
+                              <p:par>
+                                <p:cTn id="13" presetID="1" presetClass="entr" presetSubtype="0" fill="hold" nodeType="clickEffect">
+                                  <p:stCondLst>
+                                    <p:cond delay="0"/>
+                                  </p:stCondLst>
+                                  <p:childTnLst>
+                                    <p:set>
+                                      <p:cBhvr>
+                                        <p:cTn id="14" dur="1" fill="hold">
+                                          <p:stCondLst>
+                                            <p:cond delay="0"/>
+                                          </p:stCondLst>
+                                        </p:cTn>
+                                        <p:tgtEl>
+                                          <p:spTgt spid="6"/>
+                                        </p:tgtEl>
+                                        <p:attrNameLst>
+                                          <p:attrName>style.visibility</p:attrName>
+                                        </p:attrNameLst>
+                                      </p:cBhvr>
+                                      <p:to>
+                                        <p:strVal val="visible"/>
+                                      </p:to>
+                                    </p:set>
+                                  </p:childTnLst>
+                                </p:cTn>
+                              </p:par>
+                            </p:childTnLst>
+                          </p:cTn>
+                        </p:par>
+                      </p:childTnLst>
+                    </p:cTn>
+                  </p:par>
+                </p:childTnLst>
+              </p:cTn>
+              <p:prevCondLst>
+                <p:cond evt="onPrev" delay="0">
+                  <p:tgtEl>
+                    <p:sldTgt/>
+                  </p:tgtEl>
+                </p:cond>
+              </p:prevCondLst>
+              <p:nextCondLst>
+                <p:cond evt="onNext" delay="0">
+                  <p:tgtEl>
+                    <p:sldTgt/>
+                  </p:tgtEl>
+                </p:cond>
+              </p:nextCondLst>
+            </p:seq>
+          </p:childTnLst>
+        </p:cTn>
+      </p:par>
+    </p:tnLst>
+  </p:timing>
 </p:sld>
 </file>
 
@@ -10266,7 +10804,7 @@
           <a:p>
             <a:r>
               <a:rPr lang="ru-RU" sz="2400" dirty="0"/>
-              <a:t>При разработке данного курсового проекта, были достигнуты все поставленные задачи и выполнены все необходимые этапы.</a:t>
+              <a:t>При разработке данного проекта, были достигнуты все поставленные задачи и выполнены все необходимые этапы.</a:t>
             </a:r>
           </a:p>
           <a:p>
@@ -10312,7 +10850,7 @@
             </a:r>
             <a:r>
               <a:rPr lang="ru-RU" sz="2400" dirty="0"/>
-              <a:t>организациями, занимающимися данной деятельностью, что позволяет использовать ее в реальной работе.</a:t>
+              <a:t>организациями, которые занимаются данной деятельностью, что позволяет её использовать в работе фирм по ремонту квартир.</a:t>
             </a:r>
           </a:p>
           <a:p>
@@ -10446,8 +10984,8 @@
         </p:nvSpPr>
         <p:spPr>
           <a:xfrm>
-            <a:off x="569422" y="236587"/>
-            <a:ext cx="11053156" cy="1400530"/>
+            <a:off x="284711" y="134987"/>
+            <a:ext cx="11622578" cy="1400530"/>
           </a:xfrm>
         </p:spPr>
         <p:txBody>
@@ -10455,8 +10993,8 @@
           <a:lstStyle/>
           <a:p>
             <a:r>
-              <a:rPr lang="ru-RU" dirty="0"/>
-              <a:t>Цели выпускной квалификационной работы</a:t>
+              <a:rPr lang="ru-RU" sz="4000" dirty="0"/>
+              <a:t>Цель выпускной квалификационной работы</a:t>
             </a:r>
           </a:p>
         </p:txBody>
@@ -10475,8 +11013,8 @@
         </p:nvSpPr>
         <p:spPr>
           <a:xfrm>
-            <a:off x="569422" y="2099279"/>
-            <a:ext cx="11407832" cy="3113994"/>
+            <a:off x="284711" y="1174592"/>
+            <a:ext cx="11707552" cy="5294078"/>
           </a:xfrm>
           <a:prstGeom prst="rect">
             <a:avLst/>
@@ -10490,15 +11028,22 @@
           <a:p>
             <a:pPr indent="360000" algn="just">
               <a:lnSpc>
-                <a:spcPts val="4000"/>
+                <a:spcPts val="3000"/>
               </a:lnSpc>
             </a:pPr>
+            <a:r>
+              <a:rPr lang="ru-RU" sz="2400" b="1" dirty="0">
+                <a:latin typeface="Times New Roman" panose="02020603050405020304" pitchFamily="18" charset="0"/>
+                <a:cs typeface="Times New Roman" panose="02020603050405020304" pitchFamily="18" charset="0"/>
+              </a:rPr>
+              <a:t>Цель проекта: </a:t>
+            </a:r>
             <a:r>
               <a:rPr lang="ru-RU" sz="2400" dirty="0">
                 <a:latin typeface="Times New Roman" panose="02020603050405020304" pitchFamily="18" charset="0"/>
                 <a:cs typeface="Times New Roman" panose="02020603050405020304" pitchFamily="18" charset="0"/>
               </a:rPr>
-              <a:t>Основной целью  данного курсового проекта является создание клиент серверного приложения автоматизированной информационной системы фирмы по ремонту квартир.</a:t>
+              <a:t>разработка клиент-серверного приложения для автоматизации работы фирмы по ремонту квартир, которая позволит пользователям ускорить и оптимизировать работу. </a:t>
             </a:r>
           </a:p>
           <a:p>
@@ -10508,11 +11053,123 @@
               </a:lnSpc>
             </a:pPr>
             <a:r>
+              <a:rPr lang="ru-RU" sz="2400" b="1" dirty="0">
+                <a:latin typeface="Times New Roman" panose="02020603050405020304" pitchFamily="18" charset="0"/>
+                <a:cs typeface="Times New Roman" panose="02020603050405020304" pitchFamily="18" charset="0"/>
+              </a:rPr>
+              <a:t>Задачи проекта:</a:t>
+            </a:r>
+          </a:p>
+          <a:p>
+            <a:pPr marL="342900" indent="-342900" algn="just">
+              <a:lnSpc>
+                <a:spcPts val="4000"/>
+              </a:lnSpc>
+              <a:buFont typeface="Arial" panose="020B0604020202020204" pitchFamily="34" charset="0"/>
+              <a:buChar char="•"/>
+            </a:pPr>
+            <a:r>
               <a:rPr lang="ru-RU" sz="2400" dirty="0">
                 <a:latin typeface="Times New Roman" panose="02020603050405020304" pitchFamily="18" charset="0"/>
                 <a:cs typeface="Times New Roman" panose="02020603050405020304" pitchFamily="18" charset="0"/>
               </a:rPr>
-              <a:t>С помощью данной информационной базы сотрудникам будет проще работать с некоторыми хозяйственными операциями происходящими в реальной организации занимающейся ремонтом квартир.</a:t>
+              <a:t>изучить предметную область;</a:t>
+            </a:r>
+          </a:p>
+          <a:p>
+            <a:pPr marL="342900" indent="-342900" algn="just">
+              <a:lnSpc>
+                <a:spcPts val="4000"/>
+              </a:lnSpc>
+              <a:buFont typeface="Arial" panose="020B0604020202020204" pitchFamily="34" charset="0"/>
+              <a:buChar char="•"/>
+            </a:pPr>
+            <a:r>
+              <a:rPr lang="ru-RU" sz="2400" dirty="0">
+                <a:latin typeface="Times New Roman" panose="02020603050405020304" pitchFamily="18" charset="0"/>
+                <a:cs typeface="Times New Roman" panose="02020603050405020304" pitchFamily="18" charset="0"/>
+              </a:rPr>
+              <a:t>спроектировать элементы программного продукта;</a:t>
+            </a:r>
+          </a:p>
+          <a:p>
+            <a:pPr marL="342900" indent="-342900" algn="just">
+              <a:lnSpc>
+                <a:spcPts val="4000"/>
+              </a:lnSpc>
+              <a:buFont typeface="Arial" panose="020B0604020202020204" pitchFamily="34" charset="0"/>
+              <a:buChar char="•"/>
+            </a:pPr>
+            <a:r>
+              <a:rPr lang="ru-RU" sz="2400" dirty="0">
+                <a:latin typeface="Times New Roman" panose="02020603050405020304" pitchFamily="18" charset="0"/>
+                <a:cs typeface="Times New Roman" panose="02020603050405020304" pitchFamily="18" charset="0"/>
+              </a:rPr>
+              <a:t>разработать схемы и диаграммы;</a:t>
+            </a:r>
+          </a:p>
+          <a:p>
+            <a:pPr marL="342900" indent="-342900" algn="just">
+              <a:lnSpc>
+                <a:spcPts val="4000"/>
+              </a:lnSpc>
+              <a:buFont typeface="Arial" panose="020B0604020202020204" pitchFamily="34" charset="0"/>
+              <a:buChar char="•"/>
+            </a:pPr>
+            <a:r>
+              <a:rPr lang="ru-RU" sz="2400" dirty="0">
+                <a:latin typeface="Times New Roman" panose="02020603050405020304" pitchFamily="18" charset="0"/>
+                <a:cs typeface="Times New Roman" panose="02020603050405020304" pitchFamily="18" charset="0"/>
+              </a:rPr>
+              <a:t>выбрать подходящие для разработки инструментальные средства;</a:t>
+            </a:r>
+          </a:p>
+          <a:p>
+            <a:pPr marL="342900" indent="-342900" algn="just">
+              <a:lnSpc>
+                <a:spcPts val="4000"/>
+              </a:lnSpc>
+              <a:buFont typeface="Arial" panose="020B0604020202020204" pitchFamily="34" charset="0"/>
+              <a:buChar char="•"/>
+            </a:pPr>
+            <a:r>
+              <a:rPr lang="ru-RU" sz="2400" dirty="0">
+                <a:latin typeface="Times New Roman" panose="02020603050405020304" pitchFamily="18" charset="0"/>
+                <a:cs typeface="Times New Roman" panose="02020603050405020304" pitchFamily="18" charset="0"/>
+              </a:rPr>
+              <a:t>реализовать функциональные и нефункциональные требования;</a:t>
+            </a:r>
+          </a:p>
+          <a:p>
+            <a:pPr marL="342900" indent="-342900" algn="just">
+              <a:lnSpc>
+                <a:spcPts val="4000"/>
+              </a:lnSpc>
+              <a:buFont typeface="Arial" panose="020B0604020202020204" pitchFamily="34" charset="0"/>
+              <a:buChar char="•"/>
+            </a:pPr>
+            <a:r>
+              <a:rPr lang="ru-RU" sz="2400" dirty="0">
+                <a:latin typeface="Times New Roman" panose="02020603050405020304" pitchFamily="18" charset="0"/>
+                <a:cs typeface="Times New Roman" panose="02020603050405020304" pitchFamily="18" charset="0"/>
+              </a:rPr>
+              <a:t>протестировать продукт;</a:t>
+            </a:r>
+          </a:p>
+          <a:p>
+            <a:pPr marL="342900" indent="-342900" algn="just">
+              <a:lnSpc>
+                <a:spcPts val="4000"/>
+              </a:lnSpc>
+              <a:buFont typeface="Arial" panose="020B0604020202020204" pitchFamily="34" charset="0"/>
+              <a:buChar char="•"/>
+            </a:pPr>
+            <a:r>
+              <a:rPr lang="ru-RU" sz="2400" dirty="0">
+                <a:latin typeface="Times New Roman" panose="02020603050405020304" pitchFamily="18" charset="0"/>
+                <a:cs typeface="Times New Roman" panose="02020603050405020304" pitchFamily="18" charset="0"/>
+              </a:rPr>
+              <a:t>составить руководство по использованию программы.</a:t>
             </a:r>
           </a:p>
         </p:txBody>
@@ -10552,7 +11209,7 @@
           <p:cNvPr id="2" name="Заголовок 1">
             <a:extLst>
               <a:ext uri="{FF2B5EF4-FFF2-40B4-BE49-F238E27FC236}">
-                <a16:creationId xmlns:a16="http://schemas.microsoft.com/office/drawing/2014/main" id="{0C268C8D-33BA-47D9-A4CE-F85F836CC73F}"/>
+                <a16:creationId xmlns:a16="http://schemas.microsoft.com/office/drawing/2014/main" id="{0B7A3365-6EE8-41E7-A019-97597564B862}"/>
               </a:ext>
             </a:extLst>
           </p:cNvPr>
@@ -10565,122 +11222,61 @@
         </p:nvSpPr>
         <p:spPr>
           <a:xfrm>
-            <a:off x="838200" y="18255"/>
-            <a:ext cx="10515600" cy="1325563"/>
+            <a:off x="471053" y="0"/>
+            <a:ext cx="10224655" cy="1400530"/>
           </a:xfrm>
         </p:spPr>
         <p:txBody>
           <a:bodyPr/>
           <a:lstStyle/>
           <a:p>
-            <a:r>
-              <a:rPr lang="ru-RU" dirty="0">
-                <a:latin typeface="Times New Roman" panose="02020603050405020304" pitchFamily="18" charset="0"/>
-                <a:cs typeface="Times New Roman" panose="02020603050405020304" pitchFamily="18" charset="0"/>
-              </a:rPr>
-              <a:t>Задачи</a:t>
-            </a:r>
-            <a:r>
-              <a:rPr lang="en-US" dirty="0">
-                <a:latin typeface="Times New Roman" panose="02020603050405020304" pitchFamily="18" charset="0"/>
-                <a:cs typeface="Times New Roman" panose="02020603050405020304" pitchFamily="18" charset="0"/>
-              </a:rPr>
-              <a:t> </a:t>
-            </a:r>
-            <a:r>
-              <a:rPr lang="ru-RU" dirty="0">
-                <a:latin typeface="Times New Roman" panose="02020603050405020304" pitchFamily="18" charset="0"/>
-                <a:cs typeface="Times New Roman" panose="02020603050405020304" pitchFamily="18" charset="0"/>
-              </a:rPr>
-              <a:t>дипломного проекта</a:t>
-            </a:r>
-          </a:p>
-        </p:txBody>
-      </p:sp>
-      <p:sp>
-        <p:nvSpPr>
-          <p:cNvPr id="4" name="Объект 2">
+            <a:pPr algn="ctr"/>
+            <a:r>
+              <a:rPr lang="ru-RU" dirty="0"/>
+              <a:t>Схема работы программного комплекса</a:t>
+            </a:r>
+          </a:p>
+        </p:txBody>
+      </p:sp>
+      <p:pic>
+        <p:nvPicPr>
+          <p:cNvPr id="4" name="Рисунок 3">
             <a:extLst>
               <a:ext uri="{FF2B5EF4-FFF2-40B4-BE49-F238E27FC236}">
-                <a16:creationId xmlns:a16="http://schemas.microsoft.com/office/drawing/2014/main" id="{16E0F80B-8A1C-42FE-93C6-EA5ED5DE4182}"/>
+                <a16:creationId xmlns:a16="http://schemas.microsoft.com/office/drawing/2014/main" id="{85EBD24E-9C56-44DF-A4FE-6847B9998B61}"/>
               </a:ext>
             </a:extLst>
           </p:cNvPr>
-          <p:cNvSpPr>
-            <a:spLocks noGrp="1"/>
-          </p:cNvSpPr>
-          <p:nvPr>
-            <p:ph idx="1"/>
-          </p:nvPr>
-        </p:nvSpPr>
-        <p:spPr>
+          <p:cNvPicPr/>
+          <p:nvPr/>
+        </p:nvPicPr>
+        <p:blipFill rotWithShape="1">
+          <a:blip r:embed="rId2"/>
+          <a:srcRect b="21382"/>
+          <a:stretch/>
+        </p:blipFill>
+        <p:spPr bwMode="auto">
           <a:xfrm>
-            <a:off x="919119" y="1959348"/>
-            <a:ext cx="10353762" cy="2939304"/>
+            <a:off x="367059" y="1987011"/>
+            <a:ext cx="11457882" cy="3283080"/>
           </a:xfrm>
+          <a:prstGeom prst="rect">
+            <a:avLst/>
+          </a:prstGeom>
+          <a:ln>
+            <a:noFill/>
+          </a:ln>
+          <a:extLst>
+            <a:ext uri="{53640926-AAD7-44D8-BBD7-CCE9431645EC}">
+              <a14:shadowObscured xmlns:a14="http://schemas.microsoft.com/office/drawing/2010/main"/>
+            </a:ext>
+          </a:extLst>
         </p:spPr>
-        <p:txBody>
-          <a:bodyPr>
-            <a:normAutofit/>
-          </a:bodyPr>
-          <a:lstStyle/>
-          <a:p>
-            <a:r>
-              <a:rPr lang="ru-RU" sz="2400" dirty="0"/>
-              <a:t>Проектирование базы данных для работы продукта</a:t>
-            </a:r>
-          </a:p>
-          <a:p>
-            <a:r>
-              <a:rPr lang="ru-RU" sz="2400" dirty="0"/>
-              <a:t>Проектирование и реализация серной части продукта</a:t>
-            </a:r>
-            <a:endParaRPr lang="en-US" sz="2400" dirty="0"/>
-          </a:p>
-          <a:p>
-            <a:r>
-              <a:rPr lang="ru-RU" sz="2400" dirty="0"/>
-              <a:t>Реализация приемлемого интерфейса для удобства работы</a:t>
-            </a:r>
-          </a:p>
-          <a:p>
-            <a:r>
-              <a:rPr lang="ru-RU" sz="2400" dirty="0"/>
-              <a:t>Совмещение серверной и клиентской части продукта</a:t>
-            </a:r>
-          </a:p>
-          <a:p>
-            <a:r>
-              <a:rPr lang="ru-RU" sz="2400" dirty="0"/>
-              <a:t>Создание возможности вывода данных в </a:t>
-            </a:r>
-            <a:r>
-              <a:rPr lang="en-US" sz="2400" dirty="0"/>
-              <a:t>Word</a:t>
-            </a:r>
-          </a:p>
-          <a:p>
-            <a:r>
-              <a:rPr lang="ru-RU" sz="2400" dirty="0"/>
-              <a:t>Считывание справочных данных из </a:t>
-            </a:r>
-            <a:r>
-              <a:rPr lang="en-US" sz="2400" dirty="0"/>
-              <a:t>Excel</a:t>
-            </a:r>
-          </a:p>
-          <a:p>
-            <a:endParaRPr lang="ru-RU" sz="2400" dirty="0"/>
-          </a:p>
-          <a:p>
-            <a:endParaRPr lang="ru-RU" dirty="0"/>
-          </a:p>
-        </p:txBody>
-      </p:sp>
+      </p:pic>
     </p:spTree>
     <p:extLst>
       <p:ext uri="{BB962C8B-B14F-4D97-AF65-F5344CB8AC3E}">
-        <p14:creationId xmlns:p14="http://schemas.microsoft.com/office/powerpoint/2010/main" val="4035532268"/>
+        <p14:creationId xmlns:p14="http://schemas.microsoft.com/office/powerpoint/2010/main" val="556164204"/>
       </p:ext>
     </p:extLst>
   </p:cSld>
@@ -10712,7 +11308,7 @@
           <p:cNvPr id="2" name="Заголовок 1">
             <a:extLst>
               <a:ext uri="{FF2B5EF4-FFF2-40B4-BE49-F238E27FC236}">
-                <a16:creationId xmlns:a16="http://schemas.microsoft.com/office/drawing/2014/main" id="{0B7A3365-6EE8-41E7-A019-97597564B862}"/>
+                <a16:creationId xmlns:a16="http://schemas.microsoft.com/office/drawing/2014/main" id="{4A6C49C3-8CB2-4C36-AA3A-C685143C81EA}"/>
               </a:ext>
             </a:extLst>
           </p:cNvPr>
@@ -10725,8 +11321,8 @@
         </p:nvSpPr>
         <p:spPr>
           <a:xfrm>
-            <a:off x="1178126" y="78645"/>
-            <a:ext cx="9404723" cy="1400530"/>
+            <a:off x="0" y="166390"/>
+            <a:ext cx="11139489" cy="1400530"/>
           </a:xfrm>
         </p:spPr>
         <p:txBody>
@@ -10735,23 +11331,21 @@
           <a:p>
             <a:r>
               <a:rPr lang="ru-RU" dirty="0"/>
-              <a:t>Схема работы программы</a:t>
+              <a:t>Диаграмма вариантов использования</a:t>
             </a:r>
           </a:p>
         </p:txBody>
       </p:sp>
       <p:pic>
         <p:nvPicPr>
-          <p:cNvPr id="5" name="Рисунок 4">
+          <p:cNvPr id="4" name="Рисунок 3">
             <a:extLst>
               <a:ext uri="{FF2B5EF4-FFF2-40B4-BE49-F238E27FC236}">
-                <a16:creationId xmlns:a16="http://schemas.microsoft.com/office/drawing/2014/main" id="{EDA899CF-F974-43E7-967A-DF3A3C8D1E37}"/>
+                <a16:creationId xmlns:a16="http://schemas.microsoft.com/office/drawing/2014/main" id="{CC9B4C37-1FD8-4B21-B0BD-D6B845D90719}"/>
               </a:ext>
             </a:extLst>
           </p:cNvPr>
-          <p:cNvPicPr>
-            <a:picLocks noChangeAspect="1"/>
-          </p:cNvPicPr>
+          <p:cNvPicPr/>
           <p:nvPr/>
         </p:nvPicPr>
         <p:blipFill>
@@ -10762,8 +11356,8 @@
         </p:blipFill>
         <p:spPr>
           <a:xfrm>
-            <a:off x="2151848" y="1003233"/>
-            <a:ext cx="7734300" cy="5448300"/>
+            <a:off x="2447637" y="1020883"/>
+            <a:ext cx="6797963" cy="5670727"/>
           </a:xfrm>
           <a:prstGeom prst="rect">
             <a:avLst/>
@@ -10773,7 +11367,7 @@
     </p:spTree>
     <p:extLst>
       <p:ext uri="{BB962C8B-B14F-4D97-AF65-F5344CB8AC3E}">
-        <p14:creationId xmlns:p14="http://schemas.microsoft.com/office/powerpoint/2010/main" val="556164204"/>
+        <p14:creationId xmlns:p14="http://schemas.microsoft.com/office/powerpoint/2010/main" val="1295641855"/>
       </p:ext>
     </p:extLst>
   </p:cSld>
@@ -10786,14 +11380,6 @@
 <file path=ppt/slides/slide5.xml><?xml version="1.0" encoding="utf-8"?>
 <p:sld xmlns:a="http://schemas.openxmlformats.org/drawingml/2006/main" xmlns:r="http://schemas.openxmlformats.org/officeDocument/2006/relationships" xmlns:p="http://schemas.openxmlformats.org/presentationml/2006/main">
   <p:cSld>
-    <p:bg>
-      <p:bgPr>
-        <a:solidFill>
-          <a:schemeClr val="bg1"/>
-        </a:solidFill>
-        <a:effectLst/>
-      </p:bgPr>
-    </p:bg>
     <p:spTree>
       <p:nvGrpSpPr>
         <p:cNvPr id="1" name=""/>
@@ -10813,7 +11399,7 @@
           <p:cNvPr id="2" name="Заголовок 1">
             <a:extLst>
               <a:ext uri="{FF2B5EF4-FFF2-40B4-BE49-F238E27FC236}">
-                <a16:creationId xmlns:a16="http://schemas.microsoft.com/office/drawing/2014/main" id="{B441DB0C-B13A-4FF3-8720-092C9C826518}"/>
+                <a16:creationId xmlns:a16="http://schemas.microsoft.com/office/drawing/2014/main" id="{958DAB9C-AD20-45D0-AB19-D6CE471404AF}"/>
               </a:ext>
             </a:extLst>
           </p:cNvPr>
@@ -10826,31 +11412,22 @@
         </p:nvSpPr>
         <p:spPr>
           <a:xfrm>
-            <a:off x="2011544" y="56961"/>
-            <a:ext cx="8338270" cy="595746"/>
+            <a:off x="695272" y="15216"/>
+            <a:ext cx="9404723" cy="1400530"/>
           </a:xfrm>
         </p:spPr>
         <p:txBody>
-          <a:bodyPr anchor="b">
-            <a:normAutofit/>
-          </a:bodyPr>
-          <a:lstStyle/>
-          <a:p>
-            <a:r>
-              <a:rPr lang="ru-RU" sz="2800" dirty="0">
-                <a:ln>
-                  <a:solidFill>
-                    <a:srgbClr val="404040">
-                      <a:alpha val="10000"/>
-                    </a:srgbClr>
-                  </a:solidFill>
-                </a:ln>
-                <a:solidFill>
-                  <a:srgbClr val="DADADA"/>
-                </a:solidFill>
+          <a:bodyPr/>
+          <a:lstStyle/>
+          <a:p>
+            <a:pPr algn="ctr"/>
+            <a:r>
+              <a:rPr lang="ru-RU" dirty="0">
+                <a:effectLst/>
               </a:rPr>
-              <a:t>Диаграмма вариантов использования</a:t>
-            </a:r>
+              <a:t>Контекстная диаграмма потоков данных</a:t>
+            </a:r>
+            <a:endParaRPr lang="ru-RU" dirty="0"/>
           </a:p>
         </p:txBody>
       </p:sp>
@@ -10859,7 +11436,7 @@
           <p:cNvPr id="4" name="Рисунок 3">
             <a:extLst>
               <a:ext uri="{FF2B5EF4-FFF2-40B4-BE49-F238E27FC236}">
-                <a16:creationId xmlns:a16="http://schemas.microsoft.com/office/drawing/2014/main" id="{C2736262-0891-4D34-9474-8274D1D683D6}"/>
+                <a16:creationId xmlns:a16="http://schemas.microsoft.com/office/drawing/2014/main" id="{CE852B8C-0379-4F34-A9E2-668C2387C9C8}"/>
               </a:ext>
             </a:extLst>
           </p:cNvPr>
@@ -10874,8 +11451,8 @@
         </p:blipFill>
         <p:spPr>
           <a:xfrm>
-            <a:off x="3171533" y="810073"/>
-            <a:ext cx="5848934" cy="5990966"/>
+            <a:off x="1211482" y="1695931"/>
+            <a:ext cx="8583714" cy="4446588"/>
           </a:xfrm>
           <a:prstGeom prst="rect">
             <a:avLst/>
@@ -10885,12 +11462,12 @@
     </p:spTree>
     <p:extLst>
       <p:ext uri="{BB962C8B-B14F-4D97-AF65-F5344CB8AC3E}">
-        <p14:creationId xmlns:p14="http://schemas.microsoft.com/office/powerpoint/2010/main" val="3890717890"/>
+        <p14:creationId xmlns:p14="http://schemas.microsoft.com/office/powerpoint/2010/main" val="563494085"/>
       </p:ext>
     </p:extLst>
   </p:cSld>
   <p:clrMapOvr>
-    <a:overrideClrMapping bg1="lt1" tx1="dk1" bg2="lt2" tx2="dk2" accent1="accent1" accent2="accent2" accent3="accent3" accent4="accent4" accent5="accent5" accent6="accent6" hlink="hlink" folHlink="folHlink"/>
+    <a:masterClrMapping/>
   </p:clrMapOvr>
 </p:sld>
 </file>
@@ -10917,191 +11494,6 @@
           <p:cNvPr id="2" name="Заголовок 1">
             <a:extLst>
               <a:ext uri="{FF2B5EF4-FFF2-40B4-BE49-F238E27FC236}">
-                <a16:creationId xmlns:a16="http://schemas.microsoft.com/office/drawing/2014/main" id="{958DAB9C-AD20-45D0-AB19-D6CE471404AF}"/>
-              </a:ext>
-            </a:extLst>
-          </p:cNvPr>
-          <p:cNvSpPr>
-            <a:spLocks noGrp="1"/>
-          </p:cNvSpPr>
-          <p:nvPr>
-            <p:ph type="title"/>
-          </p:nvPr>
-        </p:nvSpPr>
-        <p:spPr/>
-        <p:txBody>
-          <a:bodyPr/>
-          <a:lstStyle/>
-          <a:p>
-            <a:r>
-              <a:rPr lang="ru-RU" dirty="0">
-                <a:effectLst/>
-              </a:rPr>
-              <a:t>Контекстная диаграмма потоков данных</a:t>
-            </a:r>
-            <a:endParaRPr lang="ru-RU" dirty="0"/>
-          </a:p>
-        </p:txBody>
-      </p:sp>
-      <p:pic>
-        <p:nvPicPr>
-          <p:cNvPr id="5" name="Рисунок 4">
-            <a:extLst>
-              <a:ext uri="{FF2B5EF4-FFF2-40B4-BE49-F238E27FC236}">
-                <a16:creationId xmlns:a16="http://schemas.microsoft.com/office/drawing/2014/main" id="{F09DAC5B-1E8C-4EDF-989F-6D5B68158016}"/>
-              </a:ext>
-            </a:extLst>
-          </p:cNvPr>
-          <p:cNvPicPr/>
-          <p:nvPr/>
-        </p:nvPicPr>
-        <p:blipFill>
-          <a:blip r:embed="rId2"/>
-          <a:stretch>
-            <a:fillRect/>
-          </a:stretch>
-        </p:blipFill>
-        <p:spPr>
-          <a:xfrm>
-            <a:off x="1723205" y="1853248"/>
-            <a:ext cx="8745590" cy="4530444"/>
-          </a:xfrm>
-          <a:prstGeom prst="rect">
-            <a:avLst/>
-          </a:prstGeom>
-        </p:spPr>
-      </p:pic>
-    </p:spTree>
-    <p:extLst>
-      <p:ext uri="{BB962C8B-B14F-4D97-AF65-F5344CB8AC3E}">
-        <p14:creationId xmlns:p14="http://schemas.microsoft.com/office/powerpoint/2010/main" val="563494085"/>
-      </p:ext>
-    </p:extLst>
-  </p:cSld>
-  <p:clrMapOvr>
-    <a:masterClrMapping/>
-  </p:clrMapOvr>
-</p:sld>
-</file>
-
-<file path=ppt/slides/slide7.xml><?xml version="1.0" encoding="utf-8"?>
-<p:sld xmlns:a="http://schemas.openxmlformats.org/drawingml/2006/main" xmlns:r="http://schemas.openxmlformats.org/officeDocument/2006/relationships" xmlns:p="http://schemas.openxmlformats.org/presentationml/2006/main">
-  <p:cSld>
-    <p:spTree>
-      <p:nvGrpSpPr>
-        <p:cNvPr id="1" name=""/>
-        <p:cNvGrpSpPr/>
-        <p:nvPr/>
-      </p:nvGrpSpPr>
-      <p:grpSpPr>
-        <a:xfrm>
-          <a:off x="0" y="0"/>
-          <a:ext cx="0" cy="0"/>
-          <a:chOff x="0" y="0"/>
-          <a:chExt cx="0" cy="0"/>
-        </a:xfrm>
-      </p:grpSpPr>
-      <p:sp>
-        <p:nvSpPr>
-          <p:cNvPr id="2" name="Заголовок 1">
-            <a:extLst>
-              <a:ext uri="{FF2B5EF4-FFF2-40B4-BE49-F238E27FC236}">
-                <a16:creationId xmlns:a16="http://schemas.microsoft.com/office/drawing/2014/main" id="{081816BA-B2B6-4915-95A9-9573866D90BA}"/>
-              </a:ext>
-            </a:extLst>
-          </p:cNvPr>
-          <p:cNvSpPr>
-            <a:spLocks noGrp="1"/>
-          </p:cNvSpPr>
-          <p:nvPr>
-            <p:ph type="title"/>
-          </p:nvPr>
-        </p:nvSpPr>
-        <p:spPr/>
-        <p:txBody>
-          <a:bodyPr/>
-          <a:lstStyle/>
-          <a:p>
-            <a:r>
-              <a:rPr lang="ru-RU" dirty="0">
-                <a:effectLst/>
-              </a:rPr>
-              <a:t>Детализированная схема потоков данных </a:t>
-            </a:r>
-            <a:endParaRPr lang="ru-RU" dirty="0"/>
-          </a:p>
-        </p:txBody>
-      </p:sp>
-      <p:pic>
-        <p:nvPicPr>
-          <p:cNvPr id="5" name="Рисунок 4">
-            <a:extLst>
-              <a:ext uri="{FF2B5EF4-FFF2-40B4-BE49-F238E27FC236}">
-                <a16:creationId xmlns:a16="http://schemas.microsoft.com/office/drawing/2014/main" id="{333B1CC4-1EA0-41FD-9B44-B0E48712D356}"/>
-              </a:ext>
-            </a:extLst>
-          </p:cNvPr>
-          <p:cNvPicPr/>
-          <p:nvPr/>
-        </p:nvPicPr>
-        <p:blipFill rotWithShape="1">
-          <a:blip r:embed="rId2"/>
-          <a:srcRect l="1924"/>
-          <a:stretch/>
-        </p:blipFill>
-        <p:spPr bwMode="auto">
-          <a:xfrm>
-            <a:off x="1086463" y="1766622"/>
-            <a:ext cx="10019074" cy="4335796"/>
-          </a:xfrm>
-          <a:prstGeom prst="rect">
-            <a:avLst/>
-          </a:prstGeom>
-          <a:ln>
-            <a:noFill/>
-          </a:ln>
-          <a:extLst>
-            <a:ext uri="{53640926-AAD7-44D8-BBD7-CCE9431645EC}">
-              <a14:shadowObscured xmlns:a14="http://schemas.microsoft.com/office/drawing/2010/main"/>
-            </a:ext>
-          </a:extLst>
-        </p:spPr>
-      </p:pic>
-    </p:spTree>
-    <p:extLst>
-      <p:ext uri="{BB962C8B-B14F-4D97-AF65-F5344CB8AC3E}">
-        <p14:creationId xmlns:p14="http://schemas.microsoft.com/office/powerpoint/2010/main" val="2021723660"/>
-      </p:ext>
-    </p:extLst>
-  </p:cSld>
-  <p:clrMapOvr>
-    <a:masterClrMapping/>
-  </p:clrMapOvr>
-</p:sld>
-</file>
-
-<file path=ppt/slides/slide8.xml><?xml version="1.0" encoding="utf-8"?>
-<p:sld xmlns:a="http://schemas.openxmlformats.org/drawingml/2006/main" xmlns:r="http://schemas.openxmlformats.org/officeDocument/2006/relationships" xmlns:p="http://schemas.openxmlformats.org/presentationml/2006/main">
-  <p:cSld>
-    <p:spTree>
-      <p:nvGrpSpPr>
-        <p:cNvPr id="1" name=""/>
-        <p:cNvGrpSpPr/>
-        <p:nvPr/>
-      </p:nvGrpSpPr>
-      <p:grpSpPr>
-        <a:xfrm>
-          <a:off x="0" y="0"/>
-          <a:ext cx="0" cy="0"/>
-          <a:chOff x="0" y="0"/>
-          <a:chExt cx="0" cy="0"/>
-        </a:xfrm>
-      </p:grpSpPr>
-      <p:sp>
-        <p:nvSpPr>
-          <p:cNvPr id="2" name="Заголовок 1">
-            <a:extLst>
-              <a:ext uri="{FF2B5EF4-FFF2-40B4-BE49-F238E27FC236}">
                 <a16:creationId xmlns:a16="http://schemas.microsoft.com/office/drawing/2014/main" id="{CF293D88-C0C9-4697-933C-CDC16C963F7E}"/>
               </a:ext>
             </a:extLst>
@@ -11113,11 +11505,17 @@
             <p:ph type="title"/>
           </p:nvPr>
         </p:nvSpPr>
-        <p:spPr/>
+        <p:spPr>
+          <a:xfrm>
+            <a:off x="1052511" y="0"/>
+            <a:ext cx="9404723" cy="1400530"/>
+          </a:xfrm>
+        </p:spPr>
         <p:txBody>
           <a:bodyPr/>
           <a:lstStyle/>
           <a:p>
+            <a:pPr algn="ctr"/>
             <a:r>
               <a:rPr lang="ru-RU" dirty="0">
                 <a:effectLst/>
@@ -11169,6 +11567,223 @@
 </p:sld>
 </file>
 
+<file path=ppt/slides/slide7.xml><?xml version="1.0" encoding="utf-8"?>
+<p:sld xmlns:a="http://schemas.openxmlformats.org/drawingml/2006/main" xmlns:r="http://schemas.openxmlformats.org/officeDocument/2006/relationships" xmlns:p="http://schemas.openxmlformats.org/presentationml/2006/main">
+  <p:cSld>
+    <p:spTree>
+      <p:nvGrpSpPr>
+        <p:cNvPr id="1" name=""/>
+        <p:cNvGrpSpPr/>
+        <p:nvPr/>
+      </p:nvGrpSpPr>
+      <p:grpSpPr>
+        <a:xfrm>
+          <a:off x="0" y="0"/>
+          <a:ext cx="0" cy="0"/>
+          <a:chOff x="0" y="0"/>
+          <a:chExt cx="0" cy="0"/>
+        </a:xfrm>
+      </p:grpSpPr>
+      <p:sp>
+        <p:nvSpPr>
+          <p:cNvPr id="2" name="Заголовок 1">
+            <a:extLst>
+              <a:ext uri="{FF2B5EF4-FFF2-40B4-BE49-F238E27FC236}">
+                <a16:creationId xmlns:a16="http://schemas.microsoft.com/office/drawing/2014/main" id="{A5B3E256-DAAF-434E-BC74-6F285070B23E}"/>
+              </a:ext>
+            </a:extLst>
+          </p:cNvPr>
+          <p:cNvSpPr>
+            <a:spLocks noGrp="1"/>
+          </p:cNvSpPr>
+          <p:nvPr>
+            <p:ph type="title"/>
+          </p:nvPr>
+        </p:nvSpPr>
+        <p:spPr>
+          <a:xfrm>
+            <a:off x="846418" y="0"/>
+            <a:ext cx="10353762" cy="970450"/>
+          </a:xfrm>
+        </p:spPr>
+        <p:txBody>
+          <a:bodyPr/>
+          <a:lstStyle/>
+          <a:p>
+            <a:r>
+              <a:rPr lang="ru-RU" dirty="0">
+                <a:effectLst/>
+              </a:rPr>
+              <a:t>Схема базы локальной базы данных</a:t>
+            </a:r>
+            <a:endParaRPr lang="ru-RU" dirty="0"/>
+          </a:p>
+        </p:txBody>
+      </p:sp>
+      <p:pic>
+        <p:nvPicPr>
+          <p:cNvPr id="4" name="Рисунок 3">
+            <a:extLst>
+              <a:ext uri="{FF2B5EF4-FFF2-40B4-BE49-F238E27FC236}">
+                <a16:creationId xmlns:a16="http://schemas.microsoft.com/office/drawing/2014/main" id="{C2617FCB-F210-4BA6-BD69-49DA08BE1C00}"/>
+              </a:ext>
+            </a:extLst>
+          </p:cNvPr>
+          <p:cNvPicPr/>
+          <p:nvPr/>
+        </p:nvPicPr>
+        <p:blipFill rotWithShape="1">
+          <a:blip r:embed="rId2"/>
+          <a:srcRect b="5081"/>
+          <a:stretch/>
+        </p:blipFill>
+        <p:spPr bwMode="auto">
+          <a:xfrm>
+            <a:off x="2045108" y="942444"/>
+            <a:ext cx="8264351" cy="5609785"/>
+          </a:xfrm>
+          <a:prstGeom prst="rect">
+            <a:avLst/>
+          </a:prstGeom>
+          <a:ln>
+            <a:noFill/>
+          </a:ln>
+          <a:extLst>
+            <a:ext uri="{53640926-AAD7-44D8-BBD7-CCE9431645EC}">
+              <a14:shadowObscured xmlns:a14="http://schemas.microsoft.com/office/drawing/2010/main"/>
+            </a:ext>
+          </a:extLst>
+        </p:spPr>
+      </p:pic>
+    </p:spTree>
+    <p:extLst>
+      <p:ext uri="{BB962C8B-B14F-4D97-AF65-F5344CB8AC3E}">
+        <p14:creationId xmlns:p14="http://schemas.microsoft.com/office/powerpoint/2010/main" val="1196139934"/>
+      </p:ext>
+    </p:extLst>
+  </p:cSld>
+  <p:clrMapOvr>
+    <a:masterClrMapping/>
+  </p:clrMapOvr>
+</p:sld>
+</file>
+
+<file path=ppt/slides/slide8.xml><?xml version="1.0" encoding="utf-8"?>
+<p:sld xmlns:a="http://schemas.openxmlformats.org/drawingml/2006/main" xmlns:r="http://schemas.openxmlformats.org/officeDocument/2006/relationships" xmlns:p="http://schemas.openxmlformats.org/presentationml/2006/main">
+  <p:cSld>
+    <p:spTree>
+      <p:nvGrpSpPr>
+        <p:cNvPr id="1" name=""/>
+        <p:cNvGrpSpPr/>
+        <p:nvPr/>
+      </p:nvGrpSpPr>
+      <p:grpSpPr>
+        <a:xfrm>
+          <a:off x="0" y="0"/>
+          <a:ext cx="0" cy="0"/>
+          <a:chOff x="0" y="0"/>
+          <a:chExt cx="0" cy="0"/>
+        </a:xfrm>
+      </p:grpSpPr>
+      <p:sp>
+        <p:nvSpPr>
+          <p:cNvPr id="2" name="Заголовок 1">
+            <a:extLst>
+              <a:ext uri="{FF2B5EF4-FFF2-40B4-BE49-F238E27FC236}">
+                <a16:creationId xmlns:a16="http://schemas.microsoft.com/office/drawing/2014/main" id="{4303E375-ADF8-4FB5-850C-C8EBF1117B09}"/>
+              </a:ext>
+            </a:extLst>
+          </p:cNvPr>
+          <p:cNvSpPr>
+            <a:spLocks noGrp="1"/>
+          </p:cNvSpPr>
+          <p:nvPr>
+            <p:ph type="title"/>
+          </p:nvPr>
+        </p:nvSpPr>
+        <p:spPr>
+          <a:xfrm>
+            <a:off x="874220" y="0"/>
+            <a:ext cx="9404723" cy="872836"/>
+          </a:xfrm>
+        </p:spPr>
+        <p:txBody>
+          <a:bodyPr/>
+          <a:lstStyle/>
+          <a:p>
+            <a:r>
+              <a:rPr lang="ru-RU" dirty="0"/>
+              <a:t>Схема основной базы данных</a:t>
+            </a:r>
+          </a:p>
+        </p:txBody>
+      </p:sp>
+      <p:sp>
+        <p:nvSpPr>
+          <p:cNvPr id="3" name="Объект 2">
+            <a:extLst>
+              <a:ext uri="{FF2B5EF4-FFF2-40B4-BE49-F238E27FC236}">
+                <a16:creationId xmlns:a16="http://schemas.microsoft.com/office/drawing/2014/main" id="{C9DA2BE3-24BE-400D-B2B5-3CC1C20B5A9C}"/>
+              </a:ext>
+            </a:extLst>
+          </p:cNvPr>
+          <p:cNvSpPr>
+            <a:spLocks noGrp="1"/>
+          </p:cNvSpPr>
+          <p:nvPr>
+            <p:ph idx="1"/>
+          </p:nvPr>
+        </p:nvSpPr>
+        <p:spPr/>
+        <p:txBody>
+          <a:bodyPr/>
+          <a:lstStyle/>
+          <a:p>
+            <a:endParaRPr lang="ru-RU" dirty="0"/>
+          </a:p>
+        </p:txBody>
+      </p:sp>
+      <p:pic>
+        <p:nvPicPr>
+          <p:cNvPr id="5" name="Рисунок 4">
+            <a:extLst>
+              <a:ext uri="{FF2B5EF4-FFF2-40B4-BE49-F238E27FC236}">
+                <a16:creationId xmlns:a16="http://schemas.microsoft.com/office/drawing/2014/main" id="{173F30AD-7F6C-4FC3-ADEF-237D323434E9}"/>
+              </a:ext>
+            </a:extLst>
+          </p:cNvPr>
+          <p:cNvPicPr/>
+          <p:nvPr/>
+        </p:nvPicPr>
+        <p:blipFill>
+          <a:blip r:embed="rId2"/>
+          <a:stretch>
+            <a:fillRect/>
+          </a:stretch>
+        </p:blipFill>
+        <p:spPr>
+          <a:xfrm>
+            <a:off x="1394446" y="771237"/>
+            <a:ext cx="8364269" cy="6086763"/>
+          </a:xfrm>
+          <a:prstGeom prst="rect">
+            <a:avLst/>
+          </a:prstGeom>
+        </p:spPr>
+      </p:pic>
+    </p:spTree>
+    <p:extLst>
+      <p:ext uri="{BB962C8B-B14F-4D97-AF65-F5344CB8AC3E}">
+        <p14:creationId xmlns:p14="http://schemas.microsoft.com/office/powerpoint/2010/main" val="1637315508"/>
+      </p:ext>
+    </p:extLst>
+  </p:cSld>
+  <p:clrMapOvr>
+    <a:masterClrMapping/>
+  </p:clrMapOvr>
+</p:sld>
+</file>
+
 <file path=ppt/slides/slide9.xml><?xml version="1.0" encoding="utf-8"?>
 <p:sld xmlns:a="http://schemas.openxmlformats.org/drawingml/2006/main" xmlns:r="http://schemas.openxmlformats.org/officeDocument/2006/relationships" xmlns:p="http://schemas.openxmlformats.org/presentationml/2006/main">
   <p:cSld>
@@ -11191,7 +11806,7 @@
           <p:cNvPr id="2" name="Заголовок 1">
             <a:extLst>
               <a:ext uri="{FF2B5EF4-FFF2-40B4-BE49-F238E27FC236}">
-                <a16:creationId xmlns:a16="http://schemas.microsoft.com/office/drawing/2014/main" id="{690D8B91-FD1C-4639-B168-787CF4E4564E}"/>
+                <a16:creationId xmlns:a16="http://schemas.microsoft.com/office/drawing/2014/main" id="{D75ACD25-66ED-4B5D-8A9A-D737F445369D}"/>
               </a:ext>
             </a:extLst>
           </p:cNvPr>
@@ -11202,55 +11817,62 @@
             <p:ph type="title"/>
           </p:nvPr>
         </p:nvSpPr>
-        <p:spPr/>
-        <p:txBody>
-          <a:bodyPr>
-            <a:normAutofit/>
-          </a:bodyPr>
-          <a:lstStyle/>
-          <a:p>
-            <a:r>
-              <a:rPr lang="ru-RU" dirty="0">
-                <a:effectLst/>
-              </a:rPr>
-              <a:t>Детализированная функциональная диаграмма</a:t>
-            </a:r>
-            <a:endParaRPr lang="ru-RU" dirty="0"/>
+        <p:spPr>
+          <a:xfrm>
+            <a:off x="874220" y="138682"/>
+            <a:ext cx="9404723" cy="1400530"/>
+          </a:xfrm>
+        </p:spPr>
+        <p:txBody>
+          <a:bodyPr/>
+          <a:lstStyle/>
+          <a:p>
+            <a:r>
+              <a:rPr lang="ru-RU" dirty="0"/>
+              <a:t>Структурная схема продукта</a:t>
+            </a:r>
           </a:p>
         </p:txBody>
       </p:sp>
       <p:pic>
         <p:nvPicPr>
-          <p:cNvPr id="5" name="Рисунок 4">
+          <p:cNvPr id="4" name="Рисунок 3">
             <a:extLst>
               <a:ext uri="{FF2B5EF4-FFF2-40B4-BE49-F238E27FC236}">
-                <a16:creationId xmlns:a16="http://schemas.microsoft.com/office/drawing/2014/main" id="{9738EEEF-8B77-43F4-ACA6-FF10438AD3F4}"/>
+                <a16:creationId xmlns:a16="http://schemas.microsoft.com/office/drawing/2014/main" id="{B5B9491E-E9E1-4102-99F3-794DC2934F74}"/>
               </a:ext>
             </a:extLst>
           </p:cNvPr>
           <p:cNvPicPr/>
           <p:nvPr/>
         </p:nvPicPr>
-        <p:blipFill>
+        <p:blipFill rotWithShape="1">
           <a:blip r:embed="rId2"/>
-          <a:stretch>
-            <a:fillRect/>
-          </a:stretch>
+          <a:srcRect b="14581"/>
+          <a:stretch/>
         </p:blipFill>
-        <p:spPr>
+        <p:spPr bwMode="auto">
           <a:xfrm>
-            <a:off x="646111" y="2795203"/>
-            <a:ext cx="10399696" cy="2960321"/>
+            <a:off x="258618" y="1979979"/>
+            <a:ext cx="11530727" cy="3953164"/>
           </a:xfrm>
           <a:prstGeom prst="rect">
             <a:avLst/>
           </a:prstGeom>
+          <a:ln>
+            <a:noFill/>
+          </a:ln>
+          <a:extLst>
+            <a:ext uri="{53640926-AAD7-44D8-BBD7-CCE9431645EC}">
+              <a14:shadowObscured xmlns:a14="http://schemas.microsoft.com/office/drawing/2010/main"/>
+            </a:ext>
+          </a:extLst>
         </p:spPr>
       </p:pic>
     </p:spTree>
     <p:extLst>
       <p:ext uri="{BB962C8B-B14F-4D97-AF65-F5344CB8AC3E}">
-        <p14:creationId xmlns:p14="http://schemas.microsoft.com/office/powerpoint/2010/main" val="2856891353"/>
+        <p14:creationId xmlns:p14="http://schemas.microsoft.com/office/powerpoint/2010/main" val="601215466"/>
       </p:ext>
     </p:extLst>
   </p:cSld>

--- a/Documentation/Презентация к защите.pptx
+++ b/Documentation/Презентация к защите.pptx
@@ -8,18 +8,21 @@
   <p:sldIdLst>
     <p:sldId id="256" r:id="rId3"/>
     <p:sldId id="273" r:id="rId4"/>
-    <p:sldId id="285" r:id="rId5"/>
-    <p:sldId id="288" r:id="rId6"/>
-    <p:sldId id="275" r:id="rId7"/>
-    <p:sldId id="277" r:id="rId8"/>
-    <p:sldId id="278" r:id="rId9"/>
-    <p:sldId id="286" r:id="rId10"/>
-    <p:sldId id="290" r:id="rId11"/>
-    <p:sldId id="289" r:id="rId12"/>
-    <p:sldId id="281" r:id="rId13"/>
-    <p:sldId id="291" r:id="rId14"/>
-    <p:sldId id="270" r:id="rId15"/>
-    <p:sldId id="265" r:id="rId16"/>
+    <p:sldId id="292" r:id="rId5"/>
+    <p:sldId id="285" r:id="rId6"/>
+    <p:sldId id="290" r:id="rId7"/>
+    <p:sldId id="288" r:id="rId8"/>
+    <p:sldId id="275" r:id="rId9"/>
+    <p:sldId id="277" r:id="rId10"/>
+    <p:sldId id="278" r:id="rId11"/>
+    <p:sldId id="286" r:id="rId12"/>
+    <p:sldId id="289" r:id="rId13"/>
+    <p:sldId id="281" r:id="rId14"/>
+    <p:sldId id="291" r:id="rId15"/>
+    <p:sldId id="294" r:id="rId16"/>
+    <p:sldId id="295" r:id="rId17"/>
+    <p:sldId id="270" r:id="rId18"/>
+    <p:sldId id="265" r:id="rId19"/>
   </p:sldIdLst>
   <p:sldSz cx="12192000" cy="6858000"/>
   <p:notesSz cx="6858000" cy="9144000"/>
@@ -268,9 +271,9 @@
           <a:p>
             <a:fld id="{868189F2-699A-4ACD-BCA7-68120C724C9C}" type="datetimeFigureOut">
               <a:rPr lang="ru-RU" smtClean="0"/>
-              <a:t>14.06.2019</a:t>
+              <a:t>18.06.2019</a:t>
             </a:fld>
-            <a:endParaRPr lang="ru-RU"/>
+            <a:endParaRPr lang="ru-RU" dirty="0"/>
           </a:p>
         </p:txBody>
       </p:sp>
@@ -289,7 +292,7 @@
           <a:bodyPr/>
           <a:lstStyle/>
           <a:p>
-            <a:endParaRPr lang="ru-RU"/>
+            <a:endParaRPr lang="ru-RU" dirty="0"/>
           </a:p>
         </p:txBody>
       </p:sp>
@@ -312,7 +315,7 @@
               <a:rPr lang="ru-RU" smtClean="0"/>
               <a:t>‹#›</a:t>
             </a:fld>
-            <a:endParaRPr lang="ru-RU"/>
+            <a:endParaRPr lang="ru-RU" dirty="0"/>
           </a:p>
         </p:txBody>
       </p:sp>
@@ -438,9 +441,9 @@
           <a:p>
             <a:fld id="{868189F2-699A-4ACD-BCA7-68120C724C9C}" type="datetimeFigureOut">
               <a:rPr lang="ru-RU" smtClean="0"/>
-              <a:t>14.06.2019</a:t>
+              <a:t>18.06.2019</a:t>
             </a:fld>
-            <a:endParaRPr lang="ru-RU"/>
+            <a:endParaRPr lang="ru-RU" dirty="0"/>
           </a:p>
         </p:txBody>
       </p:sp>
@@ -459,7 +462,7 @@
           <a:bodyPr/>
           <a:lstStyle/>
           <a:p>
-            <a:endParaRPr lang="ru-RU"/>
+            <a:endParaRPr lang="ru-RU" dirty="0"/>
           </a:p>
         </p:txBody>
       </p:sp>
@@ -482,7 +485,7 @@
               <a:rPr lang="ru-RU" smtClean="0"/>
               <a:t>‹#›</a:t>
             </a:fld>
-            <a:endParaRPr lang="ru-RU"/>
+            <a:endParaRPr lang="ru-RU" dirty="0"/>
           </a:p>
         </p:txBody>
       </p:sp>
@@ -618,9 +621,9 @@
           <a:p>
             <a:fld id="{868189F2-699A-4ACD-BCA7-68120C724C9C}" type="datetimeFigureOut">
               <a:rPr lang="ru-RU" smtClean="0"/>
-              <a:t>14.06.2019</a:t>
+              <a:t>18.06.2019</a:t>
             </a:fld>
-            <a:endParaRPr lang="ru-RU"/>
+            <a:endParaRPr lang="ru-RU" dirty="0"/>
           </a:p>
         </p:txBody>
       </p:sp>
@@ -639,7 +642,7 @@
           <a:bodyPr/>
           <a:lstStyle/>
           <a:p>
-            <a:endParaRPr lang="ru-RU"/>
+            <a:endParaRPr lang="ru-RU" dirty="0"/>
           </a:p>
         </p:txBody>
       </p:sp>
@@ -662,7 +665,7 @@
               <a:rPr lang="ru-RU" smtClean="0"/>
               <a:t>‹#›</a:t>
             </a:fld>
-            <a:endParaRPr lang="ru-RU"/>
+            <a:endParaRPr lang="ru-RU" dirty="0"/>
           </a:p>
         </p:txBody>
       </p:sp>
@@ -865,9 +868,9 @@
           <a:p>
             <a:fld id="{868189F2-699A-4ACD-BCA7-68120C724C9C}" type="datetimeFigureOut">
               <a:rPr lang="ru-RU" smtClean="0"/>
-              <a:t>14.06.2019</a:t>
+              <a:t>18.06.2019</a:t>
             </a:fld>
-            <a:endParaRPr lang="ru-RU"/>
+            <a:endParaRPr lang="ru-RU" dirty="0"/>
           </a:p>
         </p:txBody>
       </p:sp>
@@ -886,7 +889,7 @@
           <a:bodyPr/>
           <a:lstStyle/>
           <a:p>
-            <a:endParaRPr lang="ru-RU"/>
+            <a:endParaRPr lang="ru-RU" dirty="0"/>
           </a:p>
         </p:txBody>
       </p:sp>
@@ -909,7 +912,7 @@
               <a:rPr lang="ru-RU" smtClean="0"/>
               <a:t>‹#›</a:t>
             </a:fld>
-            <a:endParaRPr lang="ru-RU"/>
+            <a:endParaRPr lang="ru-RU" dirty="0"/>
           </a:p>
         </p:txBody>
       </p:sp>
@@ -1035,9 +1038,9 @@
           <a:p>
             <a:fld id="{868189F2-699A-4ACD-BCA7-68120C724C9C}" type="datetimeFigureOut">
               <a:rPr lang="ru-RU" smtClean="0"/>
-              <a:t>14.06.2019</a:t>
+              <a:t>18.06.2019</a:t>
             </a:fld>
-            <a:endParaRPr lang="ru-RU"/>
+            <a:endParaRPr lang="ru-RU" dirty="0"/>
           </a:p>
         </p:txBody>
       </p:sp>
@@ -1056,7 +1059,7 @@
           <a:bodyPr/>
           <a:lstStyle/>
           <a:p>
-            <a:endParaRPr lang="ru-RU"/>
+            <a:endParaRPr lang="ru-RU" dirty="0"/>
           </a:p>
         </p:txBody>
       </p:sp>
@@ -1079,7 +1082,7 @@
               <a:rPr lang="ru-RU" smtClean="0"/>
               <a:t>‹#›</a:t>
             </a:fld>
-            <a:endParaRPr lang="ru-RU"/>
+            <a:endParaRPr lang="ru-RU" dirty="0"/>
           </a:p>
         </p:txBody>
       </p:sp>
@@ -1282,9 +1285,9 @@
           <a:p>
             <a:fld id="{868189F2-699A-4ACD-BCA7-68120C724C9C}" type="datetimeFigureOut">
               <a:rPr lang="ru-RU" smtClean="0"/>
-              <a:t>14.06.2019</a:t>
+              <a:t>18.06.2019</a:t>
             </a:fld>
-            <a:endParaRPr lang="ru-RU"/>
+            <a:endParaRPr lang="ru-RU" dirty="0"/>
           </a:p>
         </p:txBody>
       </p:sp>
@@ -1303,7 +1306,7 @@
           <a:bodyPr/>
           <a:lstStyle/>
           <a:p>
-            <a:endParaRPr lang="ru-RU"/>
+            <a:endParaRPr lang="ru-RU" dirty="0"/>
           </a:p>
         </p:txBody>
       </p:sp>
@@ -1326,7 +1329,7 @@
               <a:rPr lang="ru-RU" smtClean="0"/>
               <a:t>‹#›</a:t>
             </a:fld>
-            <a:endParaRPr lang="ru-RU"/>
+            <a:endParaRPr lang="ru-RU" dirty="0"/>
           </a:p>
         </p:txBody>
       </p:sp>
@@ -1574,9 +1577,9 @@
           <a:p>
             <a:fld id="{868189F2-699A-4ACD-BCA7-68120C724C9C}" type="datetimeFigureOut">
               <a:rPr lang="ru-RU" smtClean="0"/>
-              <a:t>14.06.2019</a:t>
+              <a:t>18.06.2019</a:t>
             </a:fld>
-            <a:endParaRPr lang="ru-RU"/>
+            <a:endParaRPr lang="ru-RU" dirty="0"/>
           </a:p>
         </p:txBody>
       </p:sp>
@@ -1595,7 +1598,7 @@
           <a:bodyPr/>
           <a:lstStyle/>
           <a:p>
-            <a:endParaRPr lang="ru-RU"/>
+            <a:endParaRPr lang="ru-RU" dirty="0"/>
           </a:p>
         </p:txBody>
       </p:sp>
@@ -1618,7 +1621,7 @@
               <a:rPr lang="ru-RU" smtClean="0"/>
               <a:t>‹#›</a:t>
             </a:fld>
-            <a:endParaRPr lang="ru-RU"/>
+            <a:endParaRPr lang="ru-RU" dirty="0"/>
           </a:p>
         </p:txBody>
       </p:sp>
@@ -2018,9 +2021,9 @@
           <a:p>
             <a:fld id="{868189F2-699A-4ACD-BCA7-68120C724C9C}" type="datetimeFigureOut">
               <a:rPr lang="ru-RU" smtClean="0"/>
-              <a:t>14.06.2019</a:t>
+              <a:t>18.06.2019</a:t>
             </a:fld>
-            <a:endParaRPr lang="ru-RU"/>
+            <a:endParaRPr lang="ru-RU" dirty="0"/>
           </a:p>
         </p:txBody>
       </p:sp>
@@ -2039,7 +2042,7 @@
           <a:bodyPr/>
           <a:lstStyle/>
           <a:p>
-            <a:endParaRPr lang="ru-RU"/>
+            <a:endParaRPr lang="ru-RU" dirty="0"/>
           </a:p>
         </p:txBody>
       </p:sp>
@@ -2062,7 +2065,7 @@
               <a:rPr lang="ru-RU" smtClean="0"/>
               <a:t>‹#›</a:t>
             </a:fld>
-            <a:endParaRPr lang="ru-RU"/>
+            <a:endParaRPr lang="ru-RU" dirty="0"/>
           </a:p>
         </p:txBody>
       </p:sp>
@@ -2136,9 +2139,9 @@
           <a:p>
             <a:fld id="{868189F2-699A-4ACD-BCA7-68120C724C9C}" type="datetimeFigureOut">
               <a:rPr lang="ru-RU" smtClean="0"/>
-              <a:t>14.06.2019</a:t>
+              <a:t>18.06.2019</a:t>
             </a:fld>
-            <a:endParaRPr lang="ru-RU"/>
+            <a:endParaRPr lang="ru-RU" dirty="0"/>
           </a:p>
         </p:txBody>
       </p:sp>
@@ -2157,7 +2160,7 @@
           <a:bodyPr/>
           <a:lstStyle/>
           <a:p>
-            <a:endParaRPr lang="ru-RU"/>
+            <a:endParaRPr lang="ru-RU" dirty="0"/>
           </a:p>
         </p:txBody>
       </p:sp>
@@ -2180,7 +2183,7 @@
               <a:rPr lang="ru-RU" smtClean="0"/>
               <a:t>‹#›</a:t>
             </a:fld>
-            <a:endParaRPr lang="ru-RU"/>
+            <a:endParaRPr lang="ru-RU" dirty="0"/>
           </a:p>
         </p:txBody>
       </p:sp>
@@ -2231,9 +2234,9 @@
           <a:p>
             <a:fld id="{868189F2-699A-4ACD-BCA7-68120C724C9C}" type="datetimeFigureOut">
               <a:rPr lang="ru-RU" smtClean="0"/>
-              <a:t>14.06.2019</a:t>
+              <a:t>18.06.2019</a:t>
             </a:fld>
-            <a:endParaRPr lang="ru-RU"/>
+            <a:endParaRPr lang="ru-RU" dirty="0"/>
           </a:p>
         </p:txBody>
       </p:sp>
@@ -2252,7 +2255,7 @@
           <a:bodyPr/>
           <a:lstStyle/>
           <a:p>
-            <a:endParaRPr lang="ru-RU"/>
+            <a:endParaRPr lang="ru-RU" dirty="0"/>
           </a:p>
         </p:txBody>
       </p:sp>
@@ -2275,7 +2278,7 @@
               <a:rPr lang="ru-RU" smtClean="0"/>
               <a:t>‹#›</a:t>
             </a:fld>
-            <a:endParaRPr lang="ru-RU"/>
+            <a:endParaRPr lang="ru-RU" dirty="0"/>
           </a:p>
         </p:txBody>
       </p:sp>
@@ -2510,9 +2513,9 @@
           <a:p>
             <a:fld id="{868189F2-699A-4ACD-BCA7-68120C724C9C}" type="datetimeFigureOut">
               <a:rPr lang="ru-RU" smtClean="0"/>
-              <a:t>14.06.2019</a:t>
+              <a:t>18.06.2019</a:t>
             </a:fld>
-            <a:endParaRPr lang="ru-RU"/>
+            <a:endParaRPr lang="ru-RU" dirty="0"/>
           </a:p>
         </p:txBody>
       </p:sp>
@@ -2531,7 +2534,7 @@
           <a:bodyPr/>
           <a:lstStyle/>
           <a:p>
-            <a:endParaRPr lang="ru-RU"/>
+            <a:endParaRPr lang="ru-RU" dirty="0"/>
           </a:p>
         </p:txBody>
       </p:sp>
@@ -2554,7 +2557,7 @@
               <a:rPr lang="ru-RU" smtClean="0"/>
               <a:t>‹#›</a:t>
             </a:fld>
-            <a:endParaRPr lang="ru-RU"/>
+            <a:endParaRPr lang="ru-RU" dirty="0"/>
           </a:p>
         </p:txBody>
       </p:sp>
@@ -2680,9 +2683,9 @@
           <a:p>
             <a:fld id="{868189F2-699A-4ACD-BCA7-68120C724C9C}" type="datetimeFigureOut">
               <a:rPr lang="ru-RU" smtClean="0"/>
-              <a:t>14.06.2019</a:t>
+              <a:t>18.06.2019</a:t>
             </a:fld>
-            <a:endParaRPr lang="ru-RU"/>
+            <a:endParaRPr lang="ru-RU" dirty="0"/>
           </a:p>
         </p:txBody>
       </p:sp>
@@ -2701,7 +2704,7 @@
           <a:bodyPr/>
           <a:lstStyle/>
           <a:p>
-            <a:endParaRPr lang="ru-RU"/>
+            <a:endParaRPr lang="ru-RU" dirty="0"/>
           </a:p>
         </p:txBody>
       </p:sp>
@@ -2724,7 +2727,7 @@
               <a:rPr lang="ru-RU" smtClean="0"/>
               <a:t>‹#›</a:t>
             </a:fld>
-            <a:endParaRPr lang="ru-RU"/>
+            <a:endParaRPr lang="ru-RU" dirty="0"/>
           </a:p>
         </p:txBody>
       </p:sp>
@@ -2864,7 +2867,7 @@
           </a:lstStyle>
           <a:p>
             <a:r>
-              <a:rPr lang="ru-RU"/>
+              <a:rPr lang="ru-RU" dirty="0"/>
               <a:t>Вставка рисунка</a:t>
             </a:r>
             <a:endParaRPr lang="en-US" dirty="0"/>
@@ -2955,9 +2958,9 @@
           <a:p>
             <a:fld id="{868189F2-699A-4ACD-BCA7-68120C724C9C}" type="datetimeFigureOut">
               <a:rPr lang="ru-RU" smtClean="0"/>
-              <a:t>14.06.2019</a:t>
+              <a:t>18.06.2019</a:t>
             </a:fld>
-            <a:endParaRPr lang="ru-RU"/>
+            <a:endParaRPr lang="ru-RU" dirty="0"/>
           </a:p>
         </p:txBody>
       </p:sp>
@@ -2976,7 +2979,7 @@
           <a:bodyPr/>
           <a:lstStyle/>
           <a:p>
-            <a:endParaRPr lang="ru-RU"/>
+            <a:endParaRPr lang="ru-RU" dirty="0"/>
           </a:p>
         </p:txBody>
       </p:sp>
@@ -2999,7 +3002,7 @@
               <a:rPr lang="ru-RU" smtClean="0"/>
               <a:t>‹#›</a:t>
             </a:fld>
-            <a:endParaRPr lang="ru-RU"/>
+            <a:endParaRPr lang="ru-RU" dirty="0"/>
           </a:p>
         </p:txBody>
       </p:sp>
@@ -3139,7 +3142,7 @@
           </a:lstStyle>
           <a:p>
             <a:r>
-              <a:rPr lang="ru-RU"/>
+              <a:rPr lang="ru-RU" dirty="0"/>
               <a:t>Вставка рисунка</a:t>
             </a:r>
             <a:endParaRPr lang="en-US" dirty="0"/>
@@ -3230,9 +3233,9 @@
           <a:p>
             <a:fld id="{868189F2-699A-4ACD-BCA7-68120C724C9C}" type="datetimeFigureOut">
               <a:rPr lang="ru-RU" smtClean="0"/>
-              <a:t>14.06.2019</a:t>
+              <a:t>18.06.2019</a:t>
             </a:fld>
-            <a:endParaRPr lang="ru-RU"/>
+            <a:endParaRPr lang="ru-RU" dirty="0"/>
           </a:p>
         </p:txBody>
       </p:sp>
@@ -3251,7 +3254,7 @@
           <a:bodyPr/>
           <a:lstStyle/>
           <a:p>
-            <a:endParaRPr lang="ru-RU"/>
+            <a:endParaRPr lang="ru-RU" dirty="0"/>
           </a:p>
         </p:txBody>
       </p:sp>
@@ -3274,7 +3277,7 @@
               <a:rPr lang="ru-RU" smtClean="0"/>
               <a:t>‹#›</a:t>
             </a:fld>
-            <a:endParaRPr lang="ru-RU"/>
+            <a:endParaRPr lang="ru-RU" dirty="0"/>
           </a:p>
         </p:txBody>
       </p:sp>
@@ -3424,9 +3427,9 @@
           <a:p>
             <a:fld id="{868189F2-699A-4ACD-BCA7-68120C724C9C}" type="datetimeFigureOut">
               <a:rPr lang="ru-RU" smtClean="0"/>
-              <a:t>14.06.2019</a:t>
+              <a:t>18.06.2019</a:t>
             </a:fld>
-            <a:endParaRPr lang="ru-RU"/>
+            <a:endParaRPr lang="ru-RU" dirty="0"/>
           </a:p>
         </p:txBody>
       </p:sp>
@@ -3445,7 +3448,7 @@
           <a:bodyPr/>
           <a:lstStyle/>
           <a:p>
-            <a:endParaRPr lang="ru-RU"/>
+            <a:endParaRPr lang="ru-RU" dirty="0"/>
           </a:p>
         </p:txBody>
       </p:sp>
@@ -3468,7 +3471,7 @@
               <a:rPr lang="ru-RU" smtClean="0"/>
               <a:t>‹#›</a:t>
             </a:fld>
-            <a:endParaRPr lang="ru-RU"/>
+            <a:endParaRPr lang="ru-RU" dirty="0"/>
           </a:p>
         </p:txBody>
       </p:sp>
@@ -3697,9 +3700,9 @@
           <a:p>
             <a:fld id="{868189F2-699A-4ACD-BCA7-68120C724C9C}" type="datetimeFigureOut">
               <a:rPr lang="ru-RU" smtClean="0"/>
-              <a:t>14.06.2019</a:t>
+              <a:t>18.06.2019</a:t>
             </a:fld>
-            <a:endParaRPr lang="ru-RU"/>
+            <a:endParaRPr lang="ru-RU" dirty="0"/>
           </a:p>
         </p:txBody>
       </p:sp>
@@ -3718,7 +3721,7 @@
           <a:bodyPr/>
           <a:lstStyle/>
           <a:p>
-            <a:endParaRPr lang="ru-RU"/>
+            <a:endParaRPr lang="ru-RU" dirty="0"/>
           </a:p>
         </p:txBody>
       </p:sp>
@@ -3741,7 +3744,7 @@
               <a:rPr lang="ru-RU" smtClean="0"/>
               <a:t>‹#›</a:t>
             </a:fld>
-            <a:endParaRPr lang="ru-RU"/>
+            <a:endParaRPr lang="ru-RU" dirty="0"/>
           </a:p>
         </p:txBody>
       </p:sp>
@@ -4038,9 +4041,9 @@
           <a:p>
             <a:fld id="{868189F2-699A-4ACD-BCA7-68120C724C9C}" type="datetimeFigureOut">
               <a:rPr lang="ru-RU" smtClean="0"/>
-              <a:t>14.06.2019</a:t>
+              <a:t>18.06.2019</a:t>
             </a:fld>
-            <a:endParaRPr lang="ru-RU"/>
+            <a:endParaRPr lang="ru-RU" dirty="0"/>
           </a:p>
         </p:txBody>
       </p:sp>
@@ -4059,7 +4062,7 @@
           <a:bodyPr/>
           <a:lstStyle/>
           <a:p>
-            <a:endParaRPr lang="ru-RU"/>
+            <a:endParaRPr lang="ru-RU" dirty="0"/>
           </a:p>
         </p:txBody>
       </p:sp>
@@ -4082,7 +4085,7 @@
               <a:rPr lang="ru-RU" smtClean="0"/>
               <a:t>‹#›</a:t>
             </a:fld>
-            <a:endParaRPr lang="ru-RU"/>
+            <a:endParaRPr lang="ru-RU" dirty="0"/>
           </a:p>
         </p:txBody>
       </p:sp>
@@ -4661,9 +4664,9 @@
           <a:p>
             <a:fld id="{868189F2-699A-4ACD-BCA7-68120C724C9C}" type="datetimeFigureOut">
               <a:rPr lang="ru-RU" smtClean="0"/>
-              <a:t>14.06.2019</a:t>
+              <a:t>18.06.2019</a:t>
             </a:fld>
-            <a:endParaRPr lang="ru-RU"/>
+            <a:endParaRPr lang="ru-RU" dirty="0"/>
           </a:p>
         </p:txBody>
       </p:sp>
@@ -4682,7 +4685,7 @@
           <a:bodyPr/>
           <a:lstStyle/>
           <a:p>
-            <a:endParaRPr lang="ru-RU"/>
+            <a:endParaRPr lang="ru-RU" dirty="0"/>
           </a:p>
         </p:txBody>
       </p:sp>
@@ -4705,7 +4708,7 @@
               <a:rPr lang="ru-RU" smtClean="0"/>
               <a:t>‹#›</a:t>
             </a:fld>
-            <a:endParaRPr lang="ru-RU"/>
+            <a:endParaRPr lang="ru-RU" dirty="0"/>
           </a:p>
         </p:txBody>
       </p:sp>
@@ -4912,7 +4915,7 @@
           </a:lstStyle>
           <a:p>
             <a:r>
-              <a:rPr lang="ru-RU"/>
+              <a:rPr lang="ru-RU" dirty="0"/>
               <a:t>Вставка рисунка</a:t>
             </a:r>
             <a:endParaRPr lang="en-US" dirty="0"/>
@@ -5132,7 +5135,7 @@
           </a:lstStyle>
           <a:p>
             <a:r>
-              <a:rPr lang="ru-RU"/>
+              <a:rPr lang="ru-RU" dirty="0"/>
               <a:t>Вставка рисунка</a:t>
             </a:r>
             <a:endParaRPr lang="en-US" dirty="0"/>
@@ -5352,7 +5355,7 @@
           </a:lstStyle>
           <a:p>
             <a:r>
-              <a:rPr lang="ru-RU"/>
+              <a:rPr lang="ru-RU" dirty="0"/>
               <a:t>Вставка рисунка</a:t>
             </a:r>
             <a:endParaRPr lang="en-US" dirty="0"/>
@@ -5521,9 +5524,9 @@
           <a:p>
             <a:fld id="{868189F2-699A-4ACD-BCA7-68120C724C9C}" type="datetimeFigureOut">
               <a:rPr lang="ru-RU" smtClean="0"/>
-              <a:t>14.06.2019</a:t>
+              <a:t>18.06.2019</a:t>
             </a:fld>
-            <a:endParaRPr lang="ru-RU"/>
+            <a:endParaRPr lang="ru-RU" dirty="0"/>
           </a:p>
         </p:txBody>
       </p:sp>
@@ -5542,7 +5545,7 @@
           <a:bodyPr/>
           <a:lstStyle/>
           <a:p>
-            <a:endParaRPr lang="ru-RU"/>
+            <a:endParaRPr lang="ru-RU" dirty="0"/>
           </a:p>
         </p:txBody>
       </p:sp>
@@ -5565,7 +5568,7 @@
               <a:rPr lang="ru-RU" smtClean="0"/>
               <a:t>‹#›</a:t>
             </a:fld>
-            <a:endParaRPr lang="ru-RU"/>
+            <a:endParaRPr lang="ru-RU" dirty="0"/>
           </a:p>
         </p:txBody>
       </p:sp>
@@ -5691,9 +5694,9 @@
           <a:p>
             <a:fld id="{868189F2-699A-4ACD-BCA7-68120C724C9C}" type="datetimeFigureOut">
               <a:rPr lang="ru-RU" smtClean="0"/>
-              <a:t>14.06.2019</a:t>
+              <a:t>18.06.2019</a:t>
             </a:fld>
-            <a:endParaRPr lang="ru-RU"/>
+            <a:endParaRPr lang="ru-RU" dirty="0"/>
           </a:p>
         </p:txBody>
       </p:sp>
@@ -5712,7 +5715,7 @@
           <a:bodyPr/>
           <a:lstStyle/>
           <a:p>
-            <a:endParaRPr lang="ru-RU"/>
+            <a:endParaRPr lang="ru-RU" dirty="0"/>
           </a:p>
         </p:txBody>
       </p:sp>
@@ -5735,7 +5738,7 @@
               <a:rPr lang="ru-RU" smtClean="0"/>
               <a:t>‹#›</a:t>
             </a:fld>
-            <a:endParaRPr lang="ru-RU"/>
+            <a:endParaRPr lang="ru-RU" dirty="0"/>
           </a:p>
         </p:txBody>
       </p:sp>
@@ -5871,9 +5874,9 @@
           <a:p>
             <a:fld id="{868189F2-699A-4ACD-BCA7-68120C724C9C}" type="datetimeFigureOut">
               <a:rPr lang="ru-RU" smtClean="0"/>
-              <a:t>14.06.2019</a:t>
+              <a:t>18.06.2019</a:t>
             </a:fld>
-            <a:endParaRPr lang="ru-RU"/>
+            <a:endParaRPr lang="ru-RU" dirty="0"/>
           </a:p>
         </p:txBody>
       </p:sp>
@@ -5892,7 +5895,7 @@
           <a:bodyPr/>
           <a:lstStyle/>
           <a:p>
-            <a:endParaRPr lang="ru-RU"/>
+            <a:endParaRPr lang="ru-RU" dirty="0"/>
           </a:p>
         </p:txBody>
       </p:sp>
@@ -5915,7 +5918,7 @@
               <a:rPr lang="ru-RU" smtClean="0"/>
               <a:t>‹#›</a:t>
             </a:fld>
-            <a:endParaRPr lang="ru-RU"/>
+            <a:endParaRPr lang="ru-RU" dirty="0"/>
           </a:p>
         </p:txBody>
       </p:sp>
@@ -6122,9 +6125,9 @@
           <a:p>
             <a:fld id="{868189F2-699A-4ACD-BCA7-68120C724C9C}" type="datetimeFigureOut">
               <a:rPr lang="ru-RU" smtClean="0"/>
-              <a:t>14.06.2019</a:t>
+              <a:t>18.06.2019</a:t>
             </a:fld>
-            <a:endParaRPr lang="ru-RU"/>
+            <a:endParaRPr lang="ru-RU" dirty="0"/>
           </a:p>
         </p:txBody>
       </p:sp>
@@ -6143,7 +6146,7 @@
           <a:bodyPr/>
           <a:lstStyle/>
           <a:p>
-            <a:endParaRPr lang="ru-RU"/>
+            <a:endParaRPr lang="ru-RU" dirty="0"/>
           </a:p>
         </p:txBody>
       </p:sp>
@@ -6166,7 +6169,7 @@
               <a:rPr lang="ru-RU" smtClean="0"/>
               <a:t>‹#›</a:t>
             </a:fld>
-            <a:endParaRPr lang="ru-RU"/>
+            <a:endParaRPr lang="ru-RU" dirty="0"/>
           </a:p>
         </p:txBody>
       </p:sp>
@@ -6354,9 +6357,9 @@
           <a:p>
             <a:fld id="{868189F2-699A-4ACD-BCA7-68120C724C9C}" type="datetimeFigureOut">
               <a:rPr lang="ru-RU" smtClean="0"/>
-              <a:t>14.06.2019</a:t>
+              <a:t>18.06.2019</a:t>
             </a:fld>
-            <a:endParaRPr lang="ru-RU"/>
+            <a:endParaRPr lang="ru-RU" dirty="0"/>
           </a:p>
         </p:txBody>
       </p:sp>
@@ -6375,7 +6378,7 @@
           <a:bodyPr/>
           <a:lstStyle/>
           <a:p>
-            <a:endParaRPr lang="ru-RU"/>
+            <a:endParaRPr lang="ru-RU" dirty="0"/>
           </a:p>
         </p:txBody>
       </p:sp>
@@ -6398,7 +6401,7 @@
               <a:rPr lang="ru-RU" smtClean="0"/>
               <a:t>‹#›</a:t>
             </a:fld>
-            <a:endParaRPr lang="ru-RU"/>
+            <a:endParaRPr lang="ru-RU" dirty="0"/>
           </a:p>
         </p:txBody>
       </p:sp>
@@ -6701,9 +6704,9 @@
           <a:p>
             <a:fld id="{868189F2-699A-4ACD-BCA7-68120C724C9C}" type="datetimeFigureOut">
               <a:rPr lang="ru-RU" smtClean="0"/>
-              <a:t>14.06.2019</a:t>
+              <a:t>18.06.2019</a:t>
             </a:fld>
-            <a:endParaRPr lang="ru-RU"/>
+            <a:endParaRPr lang="ru-RU" dirty="0"/>
           </a:p>
         </p:txBody>
       </p:sp>
@@ -6722,7 +6725,7 @@
           <a:bodyPr/>
           <a:lstStyle/>
           <a:p>
-            <a:endParaRPr lang="ru-RU"/>
+            <a:endParaRPr lang="ru-RU" dirty="0"/>
           </a:p>
         </p:txBody>
       </p:sp>
@@ -6745,7 +6748,7 @@
               <a:rPr lang="ru-RU" smtClean="0"/>
               <a:t>‹#›</a:t>
             </a:fld>
-            <a:endParaRPr lang="ru-RU"/>
+            <a:endParaRPr lang="ru-RU" dirty="0"/>
           </a:p>
         </p:txBody>
       </p:sp>
@@ -6819,9 +6822,9 @@
           <a:p>
             <a:fld id="{868189F2-699A-4ACD-BCA7-68120C724C9C}" type="datetimeFigureOut">
               <a:rPr lang="ru-RU" smtClean="0"/>
-              <a:t>14.06.2019</a:t>
+              <a:t>18.06.2019</a:t>
             </a:fld>
-            <a:endParaRPr lang="ru-RU"/>
+            <a:endParaRPr lang="ru-RU" dirty="0"/>
           </a:p>
         </p:txBody>
       </p:sp>
@@ -6840,7 +6843,7 @@
           <a:bodyPr/>
           <a:lstStyle/>
           <a:p>
-            <a:endParaRPr lang="ru-RU"/>
+            <a:endParaRPr lang="ru-RU" dirty="0"/>
           </a:p>
         </p:txBody>
       </p:sp>
@@ -6863,7 +6866,7 @@
               <a:rPr lang="ru-RU" smtClean="0"/>
               <a:t>‹#›</a:t>
             </a:fld>
-            <a:endParaRPr lang="ru-RU"/>
+            <a:endParaRPr lang="ru-RU" dirty="0"/>
           </a:p>
         </p:txBody>
       </p:sp>
@@ -6937,9 +6940,9 @@
           <a:p>
             <a:fld id="{868189F2-699A-4ACD-BCA7-68120C724C9C}" type="datetimeFigureOut">
               <a:rPr lang="ru-RU" smtClean="0"/>
-              <a:t>14.06.2019</a:t>
+              <a:t>18.06.2019</a:t>
             </a:fld>
-            <a:endParaRPr lang="ru-RU"/>
+            <a:endParaRPr lang="ru-RU" dirty="0"/>
           </a:p>
         </p:txBody>
       </p:sp>
@@ -6958,7 +6961,7 @@
           <a:bodyPr/>
           <a:lstStyle/>
           <a:p>
-            <a:endParaRPr lang="ru-RU"/>
+            <a:endParaRPr lang="ru-RU" dirty="0"/>
           </a:p>
         </p:txBody>
       </p:sp>
@@ -6981,7 +6984,7 @@
               <a:rPr lang="ru-RU" smtClean="0"/>
               <a:t>‹#›</a:t>
             </a:fld>
-            <a:endParaRPr lang="ru-RU"/>
+            <a:endParaRPr lang="ru-RU" dirty="0"/>
           </a:p>
         </p:txBody>
       </p:sp>
@@ -7221,9 +7224,9 @@
           <a:p>
             <a:fld id="{868189F2-699A-4ACD-BCA7-68120C724C9C}" type="datetimeFigureOut">
               <a:rPr lang="ru-RU" smtClean="0"/>
-              <a:t>14.06.2019</a:t>
+              <a:t>18.06.2019</a:t>
             </a:fld>
-            <a:endParaRPr lang="ru-RU"/>
+            <a:endParaRPr lang="ru-RU" dirty="0"/>
           </a:p>
         </p:txBody>
       </p:sp>
@@ -7242,7 +7245,7 @@
           <a:bodyPr/>
           <a:lstStyle/>
           <a:p>
-            <a:endParaRPr lang="ru-RU"/>
+            <a:endParaRPr lang="ru-RU" dirty="0"/>
           </a:p>
         </p:txBody>
       </p:sp>
@@ -7265,7 +7268,7 @@
               <a:rPr lang="ru-RU" smtClean="0"/>
               <a:t>‹#›</a:t>
             </a:fld>
-            <a:endParaRPr lang="ru-RU"/>
+            <a:endParaRPr lang="ru-RU" dirty="0"/>
           </a:p>
         </p:txBody>
       </p:sp>
@@ -7391,7 +7394,7 @@
           </a:lstStyle>
           <a:p>
             <a:r>
-              <a:rPr lang="ru-RU"/>
+              <a:rPr lang="ru-RU" dirty="0"/>
               <a:t>Вставка рисунка</a:t>
             </a:r>
             <a:endParaRPr lang="en-US" dirty="0"/>
@@ -7485,9 +7488,9 @@
           <a:p>
             <a:fld id="{868189F2-699A-4ACD-BCA7-68120C724C9C}" type="datetimeFigureOut">
               <a:rPr lang="ru-RU" smtClean="0"/>
-              <a:t>14.06.2019</a:t>
+              <a:t>18.06.2019</a:t>
             </a:fld>
-            <a:endParaRPr lang="ru-RU"/>
+            <a:endParaRPr lang="ru-RU" dirty="0"/>
           </a:p>
         </p:txBody>
       </p:sp>
@@ -7506,7 +7509,7 @@
           <a:bodyPr/>
           <a:lstStyle/>
           <a:p>
-            <a:endParaRPr lang="ru-RU"/>
+            <a:endParaRPr lang="ru-RU" dirty="0"/>
           </a:p>
         </p:txBody>
       </p:sp>
@@ -7529,7 +7532,7 @@
               <a:rPr lang="ru-RU" smtClean="0"/>
               <a:t>‹#›</a:t>
             </a:fld>
-            <a:endParaRPr lang="ru-RU"/>
+            <a:endParaRPr lang="ru-RU" dirty="0"/>
           </a:p>
         </p:txBody>
       </p:sp>
@@ -7699,9 +7702,9 @@
           <a:p>
             <a:fld id="{868189F2-699A-4ACD-BCA7-68120C724C9C}" type="datetimeFigureOut">
               <a:rPr lang="ru-RU" smtClean="0"/>
-              <a:t>14.06.2019</a:t>
+              <a:t>18.06.2019</a:t>
             </a:fld>
-            <a:endParaRPr lang="ru-RU"/>
+            <a:endParaRPr lang="ru-RU" dirty="0"/>
           </a:p>
         </p:txBody>
       </p:sp>
@@ -7739,7 +7742,7 @@
             </a:lvl1pPr>
           </a:lstStyle>
           <a:p>
-            <a:endParaRPr lang="ru-RU"/>
+            <a:endParaRPr lang="ru-RU" dirty="0"/>
           </a:p>
         </p:txBody>
       </p:sp>
@@ -7780,7 +7783,7 @@
               <a:rPr lang="ru-RU" smtClean="0"/>
               <a:t>‹#›</a:t>
             </a:fld>
-            <a:endParaRPr lang="ru-RU"/>
+            <a:endParaRPr lang="ru-RU" dirty="0"/>
           </a:p>
         </p:txBody>
       </p:sp>
@@ -8444,9 +8447,9 @@
           <a:p>
             <a:fld id="{868189F2-699A-4ACD-BCA7-68120C724C9C}" type="datetimeFigureOut">
               <a:rPr lang="ru-RU" smtClean="0"/>
-              <a:t>14.06.2019</a:t>
+              <a:t>18.06.2019</a:t>
             </a:fld>
-            <a:endParaRPr lang="ru-RU"/>
+            <a:endParaRPr lang="ru-RU" dirty="0"/>
           </a:p>
         </p:txBody>
       </p:sp>
@@ -8484,7 +8487,7 @@
             </a:lvl1pPr>
           </a:lstStyle>
           <a:p>
-            <a:endParaRPr lang="ru-RU"/>
+            <a:endParaRPr lang="ru-RU" dirty="0"/>
           </a:p>
         </p:txBody>
       </p:sp>
@@ -8525,7 +8528,7 @@
               <a:rPr lang="ru-RU" smtClean="0"/>
               <a:t>‹#›</a:t>
             </a:fld>
-            <a:endParaRPr lang="ru-RU"/>
+            <a:endParaRPr lang="ru-RU" dirty="0"/>
           </a:p>
         </p:txBody>
       </p:sp>
@@ -9093,16 +9096,6 @@
               </a:spcAft>
             </a:pPr>
             <a:r>
-              <a:rPr lang="ru-RU" sz="1600">
-                <a:solidFill>
-                  <a:schemeClr val="tx1"/>
-                </a:solidFill>
-                <a:latin typeface="Times New Roman" panose="02020603050405020304" pitchFamily="18" charset="0"/>
-                <a:cs typeface="Times New Roman" panose="02020603050405020304" pitchFamily="18" charset="0"/>
-              </a:rPr>
-              <a:t>Руководитель ВКР </a:t>
-            </a:r>
-            <a:r>
               <a:rPr lang="ru-RU" sz="1600" dirty="0">
                 <a:solidFill>
                   <a:schemeClr val="tx1"/>
@@ -9110,7 +9103,7 @@
                 <a:latin typeface="Times New Roman" panose="02020603050405020304" pitchFamily="18" charset="0"/>
                 <a:cs typeface="Times New Roman" panose="02020603050405020304" pitchFamily="18" charset="0"/>
               </a:rPr>
-              <a:t>Морозова М</a:t>
+              <a:t>Руководитель ВКР Морозова М</a:t>
             </a:r>
             <a:r>
               <a:rPr lang="en-US" sz="1600" dirty="0">
@@ -9434,6 +9427,145 @@
           <p:cNvPr id="2" name="Заголовок 1">
             <a:extLst>
               <a:ext uri="{FF2B5EF4-FFF2-40B4-BE49-F238E27FC236}">
+                <a16:creationId xmlns:a16="http://schemas.microsoft.com/office/drawing/2014/main" id="{4303E375-ADF8-4FB5-850C-C8EBF1117B09}"/>
+              </a:ext>
+            </a:extLst>
+          </p:cNvPr>
+          <p:cNvSpPr>
+            <a:spLocks noGrp="1"/>
+          </p:cNvSpPr>
+          <p:nvPr>
+            <p:ph type="title"/>
+          </p:nvPr>
+        </p:nvSpPr>
+        <p:spPr>
+          <a:xfrm>
+            <a:off x="1913865" y="-16625"/>
+            <a:ext cx="8364269" cy="872836"/>
+          </a:xfrm>
+        </p:spPr>
+        <p:txBody>
+          <a:bodyPr/>
+          <a:lstStyle/>
+          <a:p>
+            <a:pPr algn="ctr"/>
+            <a:r>
+              <a:rPr lang="ru-RU" dirty="0"/>
+              <a:t>Схема основной базы данных</a:t>
+            </a:r>
+          </a:p>
+        </p:txBody>
+      </p:sp>
+      <p:pic>
+        <p:nvPicPr>
+          <p:cNvPr id="5" name="Рисунок 4">
+            <a:extLst>
+              <a:ext uri="{FF2B5EF4-FFF2-40B4-BE49-F238E27FC236}">
+                <a16:creationId xmlns:a16="http://schemas.microsoft.com/office/drawing/2014/main" id="{173F30AD-7F6C-4FC3-ADEF-237D323434E9}"/>
+              </a:ext>
+            </a:extLst>
+          </p:cNvPr>
+          <p:cNvPicPr/>
+          <p:nvPr/>
+        </p:nvPicPr>
+        <p:blipFill>
+          <a:blip r:embed="rId2"/>
+          <a:stretch>
+            <a:fillRect/>
+          </a:stretch>
+        </p:blipFill>
+        <p:spPr>
+          <a:xfrm>
+            <a:off x="455108" y="771237"/>
+            <a:ext cx="8364269" cy="6086763"/>
+          </a:xfrm>
+          <a:prstGeom prst="rect">
+            <a:avLst/>
+          </a:prstGeom>
+        </p:spPr>
+      </p:pic>
+      <p:pic>
+        <p:nvPicPr>
+          <p:cNvPr id="6" name="Picture 14" descr="ÐÐ°ÑÑÐ¸Ð½ÐºÐ¸ Ð¿Ð¾ Ð·Ð°Ð¿ÑÐ¾ÑÑ entity framework logo">
+            <a:extLst>
+              <a:ext uri="{FF2B5EF4-FFF2-40B4-BE49-F238E27FC236}">
+                <a16:creationId xmlns:a16="http://schemas.microsoft.com/office/drawing/2014/main" id="{92F11955-D4D2-4C38-B6E7-5528CD93D68E}"/>
+              </a:ext>
+            </a:extLst>
+          </p:cNvPr>
+          <p:cNvPicPr>
+            <a:picLocks noChangeAspect="1" noChangeArrowheads="1"/>
+          </p:cNvPicPr>
+          <p:nvPr/>
+        </p:nvPicPr>
+        <p:blipFill>
+          <a:blip r:embed="rId3">
+            <a:extLst>
+              <a:ext uri="{28A0092B-C50C-407E-A947-70E740481C1C}">
+                <a14:useLocalDpi xmlns:a14="http://schemas.microsoft.com/office/drawing/2010/main" val="0"/>
+              </a:ext>
+            </a:extLst>
+          </a:blip>
+          <a:srcRect/>
+          <a:stretch>
+            <a:fillRect/>
+          </a:stretch>
+        </p:blipFill>
+        <p:spPr bwMode="auto">
+          <a:xfrm>
+            <a:off x="9204947" y="2153493"/>
+            <a:ext cx="2673261" cy="2673261"/>
+          </a:xfrm>
+          <a:prstGeom prst="rect">
+            <a:avLst/>
+          </a:prstGeom>
+          <a:noFill/>
+          <a:extLst>
+            <a:ext uri="{909E8E84-426E-40DD-AFC4-6F175D3DCCD1}">
+              <a14:hiddenFill xmlns:a14="http://schemas.microsoft.com/office/drawing/2010/main">
+                <a:solidFill>
+                  <a:srgbClr val="FFFFFF"/>
+                </a:solidFill>
+              </a14:hiddenFill>
+            </a:ext>
+          </a:extLst>
+        </p:spPr>
+      </p:pic>
+    </p:spTree>
+    <p:extLst>
+      <p:ext uri="{BB962C8B-B14F-4D97-AF65-F5344CB8AC3E}">
+        <p14:creationId xmlns:p14="http://schemas.microsoft.com/office/powerpoint/2010/main" val="1637315508"/>
+      </p:ext>
+    </p:extLst>
+  </p:cSld>
+  <p:clrMapOvr>
+    <a:masterClrMapping/>
+  </p:clrMapOvr>
+</p:sld>
+</file>
+
+<file path=ppt/slides/slide11.xml><?xml version="1.0" encoding="utf-8"?>
+<p:sld xmlns:a="http://schemas.openxmlformats.org/drawingml/2006/main" xmlns:r="http://schemas.openxmlformats.org/officeDocument/2006/relationships" xmlns:p="http://schemas.openxmlformats.org/presentationml/2006/main">
+  <p:cSld>
+    <p:spTree>
+      <p:nvGrpSpPr>
+        <p:cNvPr id="1" name=""/>
+        <p:cNvGrpSpPr/>
+        <p:nvPr/>
+      </p:nvGrpSpPr>
+      <p:grpSpPr>
+        <a:xfrm>
+          <a:off x="0" y="0"/>
+          <a:ext cx="0" cy="0"/>
+          <a:chOff x="0" y="0"/>
+          <a:chExt cx="0" cy="0"/>
+        </a:xfrm>
+      </p:grpSpPr>
+      <p:sp>
+        <p:nvSpPr>
+          <p:cNvPr id="2" name="Заголовок 1">
+            <a:extLst>
+              <a:ext uri="{FF2B5EF4-FFF2-40B4-BE49-F238E27FC236}">
                 <a16:creationId xmlns:a16="http://schemas.microsoft.com/office/drawing/2014/main" id="{D8693213-BA1F-47B0-BAA5-B4377ABB1553}"/>
               </a:ext>
             </a:extLst>
@@ -9447,8 +9579,8 @@
         </p:nvSpPr>
         <p:spPr>
           <a:xfrm>
-            <a:off x="533310" y="203336"/>
-            <a:ext cx="10086544" cy="1400530"/>
+            <a:off x="788319" y="104196"/>
+            <a:ext cx="9583198" cy="898786"/>
           </a:xfrm>
         </p:spPr>
         <p:txBody>
@@ -9457,7 +9589,7 @@
           <a:p>
             <a:r>
               <a:rPr lang="ru-RU" dirty="0"/>
-              <a:t>Создание интерфейса программы</a:t>
+              <a:t>Пример реализации интерфейса</a:t>
             </a:r>
           </a:p>
         </p:txBody>
@@ -9492,37 +9624,31 @@
       </p:pic>
       <p:pic>
         <p:nvPicPr>
-          <p:cNvPr id="5" name="Рисунок 4">
+          <p:cNvPr id="3" name="Рисунок 2">
             <a:extLst>
               <a:ext uri="{FF2B5EF4-FFF2-40B4-BE49-F238E27FC236}">
-                <a16:creationId xmlns:a16="http://schemas.microsoft.com/office/drawing/2014/main" id="{D8D56EE4-6279-4425-90C6-ACF8B1DA4719}"/>
+                <a16:creationId xmlns:a16="http://schemas.microsoft.com/office/drawing/2014/main" id="{ABE5FEA2-B393-43E0-AFC5-7BE03847AF5C}"/>
               </a:ext>
             </a:extLst>
           </p:cNvPr>
-          <p:cNvPicPr/>
+          <p:cNvPicPr>
+            <a:picLocks noChangeAspect="1"/>
+          </p:cNvPicPr>
           <p:nvPr/>
         </p:nvPicPr>
         <p:blipFill rotWithShape="1">
           <a:blip r:embed="rId3"/>
-          <a:srcRect r="2402"/>
+          <a:srcRect l="3312" t="3380" r="1161" b="2883"/>
           <a:stretch/>
         </p:blipFill>
-        <p:spPr bwMode="auto">
+        <p:spPr>
           <a:xfrm>
-            <a:off x="2072156" y="2178815"/>
-            <a:ext cx="8047688" cy="2942139"/>
+            <a:off x="1989677" y="1749233"/>
+            <a:ext cx="7180482" cy="2315690"/>
           </a:xfrm>
           <a:prstGeom prst="rect">
             <a:avLst/>
           </a:prstGeom>
-          <a:ln>
-            <a:noFill/>
-          </a:ln>
-          <a:extLst>
-            <a:ext uri="{53640926-AAD7-44D8-BBD7-CCE9431645EC}">
-              <a14:shadowObscured xmlns:a14="http://schemas.microsoft.com/office/drawing/2010/main"/>
-            </a:ext>
-          </a:extLst>
         </p:spPr>
       </p:pic>
       <p:pic>
@@ -9546,8 +9672,8 @@
         </p:blipFill>
         <p:spPr>
           <a:xfrm>
-            <a:off x="335927" y="845127"/>
-            <a:ext cx="11520145" cy="6012873"/>
+            <a:off x="287805" y="1021168"/>
+            <a:ext cx="10983236" cy="5732636"/>
           </a:xfrm>
           <a:prstGeom prst="rect">
             <a:avLst/>
@@ -9651,7 +9777,7 @@
                                           </p:stCondLst>
                                         </p:cTn>
                                         <p:tgtEl>
-                                          <p:spTgt spid="5"/>
+                                          <p:spTgt spid="3"/>
                                         </p:tgtEl>
                                         <p:attrNameLst>
                                           <p:attrName>style.visibility</p:attrName>
@@ -9740,7 +9866,7 @@
 </p:sld>
 </file>
 
-<file path=ppt/slides/slide11.xml><?xml version="1.0" encoding="utf-8"?>
+<file path=ppt/slides/slide12.xml><?xml version="1.0" encoding="utf-8"?>
 <p:sld xmlns:a="http://schemas.openxmlformats.org/drawingml/2006/main" xmlns:r="http://schemas.openxmlformats.org/officeDocument/2006/relationships" xmlns:p="http://schemas.openxmlformats.org/presentationml/2006/main">
   <p:cSld>
     <p:spTree>
@@ -9785,7 +9911,7 @@
           <a:p>
             <a:r>
               <a:rPr lang="ru-RU" dirty="0"/>
-              <a:t>Интерфейс программы</a:t>
+              <a:t>Пример интерфейса программы</a:t>
             </a:r>
           </a:p>
         </p:txBody>
@@ -9810,8 +9936,8 @@
         </p:blipFill>
         <p:spPr>
           <a:xfrm>
-            <a:off x="2399739" y="642912"/>
-            <a:ext cx="7055622" cy="6159247"/>
+            <a:off x="2434119" y="839602"/>
+            <a:ext cx="6894275" cy="6018398"/>
           </a:xfrm>
           <a:prstGeom prst="rect">
             <a:avLst/>
@@ -9838,36 +9964,8 @@
         </p:blipFill>
         <p:spPr>
           <a:xfrm>
-            <a:off x="263229" y="679636"/>
-            <a:ext cx="11665541" cy="6178364"/>
-          </a:xfrm>
-          <a:prstGeom prst="rect">
-            <a:avLst/>
-          </a:prstGeom>
-        </p:spPr>
-      </p:pic>
-      <p:pic>
-        <p:nvPicPr>
-          <p:cNvPr id="8" name="Рисунок 7">
-            <a:extLst>
-              <a:ext uri="{FF2B5EF4-FFF2-40B4-BE49-F238E27FC236}">
-                <a16:creationId xmlns:a16="http://schemas.microsoft.com/office/drawing/2014/main" id="{5D8C8F3D-A143-4666-8FC1-F6EBD8BD2BD0}"/>
-              </a:ext>
-            </a:extLst>
-          </p:cNvPr>
-          <p:cNvPicPr/>
-          <p:nvPr/>
-        </p:nvPicPr>
-        <p:blipFill>
-          <a:blip r:embed="rId4"/>
-          <a:stretch>
-            <a:fillRect/>
-          </a:stretch>
-        </p:blipFill>
-        <p:spPr>
-          <a:xfrm>
-            <a:off x="2736639" y="728943"/>
-            <a:ext cx="7061979" cy="6165781"/>
+            <a:off x="199503" y="839602"/>
+            <a:ext cx="11363505" cy="6018398"/>
           </a:xfrm>
           <a:prstGeom prst="rect">
             <a:avLst/>
@@ -9982,51 +10080,6 @@
                       </p:childTnLst>
                     </p:cTn>
                   </p:par>
-                  <p:par>
-                    <p:cTn id="11" fill="hold">
-                      <p:stCondLst>
-                        <p:cond delay="indefinite"/>
-                      </p:stCondLst>
-                      <p:childTnLst>
-                        <p:par>
-                          <p:cTn id="12" fill="hold">
-                            <p:stCondLst>
-                              <p:cond delay="0"/>
-                            </p:stCondLst>
-                            <p:childTnLst>
-                              <p:par>
-                                <p:cTn id="13" presetID="1" presetClass="entr" presetSubtype="0" fill="hold" nodeType="clickEffect">
-                                  <p:stCondLst>
-                                    <p:cond delay="0"/>
-                                  </p:stCondLst>
-                                  <p:childTnLst>
-                                    <p:set>
-                                      <p:cBhvr>
-                                        <p:cTn id="14" dur="1" fill="hold">
-                                          <p:stCondLst>
-                                            <p:cond delay="0"/>
-                                          </p:stCondLst>
-                                        </p:cTn>
-                                        <p:tgtEl>
-                                          <p:spTgt spid="8"/>
-                                        </p:tgtEl>
-                                        <p:attrNameLst>
-                                          <p:attrName>style.visibility</p:attrName>
-                                        </p:attrNameLst>
-                                      </p:cBhvr>
-                                      <p:to>
-                                        <p:strVal val="visible"/>
-                                      </p:to>
-                                    </p:set>
-                                  </p:childTnLst>
-                                </p:cTn>
-                              </p:par>
-                            </p:childTnLst>
-                          </p:cTn>
-                        </p:par>
-                      </p:childTnLst>
-                    </p:cTn>
-                  </p:par>
                 </p:childTnLst>
               </p:cTn>
               <p:prevCondLst>
@@ -10052,7 +10105,7 @@
 </p:sld>
 </file>
 
-<file path=ppt/slides/slide12.xml><?xml version="1.0" encoding="utf-8"?>
+<file path=ppt/slides/slide13.xml><?xml version="1.0" encoding="utf-8"?>
 <p:sld xmlns:a="http://schemas.openxmlformats.org/drawingml/2006/main" xmlns:r="http://schemas.openxmlformats.org/officeDocument/2006/relationships" xmlns:p="http://schemas.openxmlformats.org/presentationml/2006/main">
   <p:cSld>
     <p:spTree>
@@ -10370,7 +10423,7 @@
 </p:sld>
 </file>
 
-<file path=ppt/slides/slide13.xml><?xml version="1.0" encoding="utf-8"?>
+<file path=ppt/slides/slide14.xml><?xml version="1.0" encoding="utf-8"?>
 <p:sld xmlns:a="http://schemas.openxmlformats.org/drawingml/2006/main" xmlns:r="http://schemas.openxmlformats.org/officeDocument/2006/relationships" xmlns:p="http://schemas.openxmlformats.org/presentationml/2006/main">
   <p:cSld>
     <p:spTree>
@@ -10392,6 +10445,132 @@
           <p:cNvPr id="2" name="Заголовок 1">
             <a:extLst>
               <a:ext uri="{FF2B5EF4-FFF2-40B4-BE49-F238E27FC236}">
+                <a16:creationId xmlns:a16="http://schemas.microsoft.com/office/drawing/2014/main" id="{C40B0336-C835-4595-9969-2BED99A5C10D}"/>
+              </a:ext>
+            </a:extLst>
+          </p:cNvPr>
+          <p:cNvSpPr>
+            <a:spLocks noGrp="1"/>
+          </p:cNvSpPr>
+          <p:nvPr>
+            <p:ph type="title"/>
+          </p:nvPr>
+        </p:nvSpPr>
+        <p:spPr>
+          <a:xfrm>
+            <a:off x="2250468" y="153460"/>
+            <a:ext cx="7525300" cy="1400530"/>
+          </a:xfrm>
+        </p:spPr>
+        <p:txBody>
+          <a:bodyPr/>
+          <a:lstStyle/>
+          <a:p>
+            <a:r>
+              <a:rPr lang="ru-RU" dirty="0"/>
+              <a:t>Пример отчетов по работе</a:t>
+            </a:r>
+          </a:p>
+        </p:txBody>
+      </p:sp>
+    </p:spTree>
+    <p:extLst>
+      <p:ext uri="{BB962C8B-B14F-4D97-AF65-F5344CB8AC3E}">
+        <p14:creationId xmlns:p14="http://schemas.microsoft.com/office/powerpoint/2010/main" val="2247303286"/>
+      </p:ext>
+    </p:extLst>
+  </p:cSld>
+  <p:clrMapOvr>
+    <a:masterClrMapping/>
+  </p:clrMapOvr>
+</p:sld>
+</file>
+
+<file path=ppt/slides/slide15.xml><?xml version="1.0" encoding="utf-8"?>
+<p:sld xmlns:a="http://schemas.openxmlformats.org/drawingml/2006/main" xmlns:r="http://schemas.openxmlformats.org/officeDocument/2006/relationships" xmlns:p="http://schemas.openxmlformats.org/presentationml/2006/main">
+  <p:cSld>
+    <p:spTree>
+      <p:nvGrpSpPr>
+        <p:cNvPr id="1" name=""/>
+        <p:cNvGrpSpPr/>
+        <p:nvPr/>
+      </p:nvGrpSpPr>
+      <p:grpSpPr>
+        <a:xfrm>
+          <a:off x="0" y="0"/>
+          <a:ext cx="0" cy="0"/>
+          <a:chOff x="0" y="0"/>
+          <a:chExt cx="0" cy="0"/>
+        </a:xfrm>
+      </p:grpSpPr>
+      <p:sp>
+        <p:nvSpPr>
+          <p:cNvPr id="2" name="Заголовок 1">
+            <a:extLst>
+              <a:ext uri="{FF2B5EF4-FFF2-40B4-BE49-F238E27FC236}">
+                <a16:creationId xmlns:a16="http://schemas.microsoft.com/office/drawing/2014/main" id="{8FD65C82-9857-4418-80C4-2AE014D4408B}"/>
+              </a:ext>
+            </a:extLst>
+          </p:cNvPr>
+          <p:cNvSpPr>
+            <a:spLocks noGrp="1"/>
+          </p:cNvSpPr>
+          <p:nvPr>
+            <p:ph type="title"/>
+          </p:nvPr>
+        </p:nvSpPr>
+        <p:spPr>
+          <a:xfrm>
+            <a:off x="753931" y="357447"/>
+            <a:ext cx="10052369" cy="1400530"/>
+          </a:xfrm>
+        </p:spPr>
+        <p:txBody>
+          <a:bodyPr/>
+          <a:lstStyle/>
+          <a:p>
+            <a:r>
+              <a:rPr lang="ru-RU" dirty="0"/>
+              <a:t>Демонстрация работы программы</a:t>
+            </a:r>
+          </a:p>
+        </p:txBody>
+      </p:sp>
+    </p:spTree>
+    <p:extLst>
+      <p:ext uri="{BB962C8B-B14F-4D97-AF65-F5344CB8AC3E}">
+        <p14:creationId xmlns:p14="http://schemas.microsoft.com/office/powerpoint/2010/main" val="2735884407"/>
+      </p:ext>
+    </p:extLst>
+  </p:cSld>
+  <p:clrMapOvr>
+    <a:masterClrMapping/>
+  </p:clrMapOvr>
+</p:sld>
+</file>
+
+<file path=ppt/slides/slide16.xml><?xml version="1.0" encoding="utf-8"?>
+<p:sld xmlns:a="http://schemas.openxmlformats.org/drawingml/2006/main" xmlns:r="http://schemas.openxmlformats.org/officeDocument/2006/relationships" xmlns:p="http://schemas.openxmlformats.org/presentationml/2006/main">
+  <p:cSld>
+    <p:spTree>
+      <p:nvGrpSpPr>
+        <p:cNvPr id="1" name=""/>
+        <p:cNvGrpSpPr/>
+        <p:nvPr/>
+      </p:nvGrpSpPr>
+      <p:grpSpPr>
+        <a:xfrm>
+          <a:off x="0" y="0"/>
+          <a:ext cx="0" cy="0"/>
+          <a:chOff x="0" y="0"/>
+          <a:chExt cx="0" cy="0"/>
+        </a:xfrm>
+      </p:grpSpPr>
+      <p:sp>
+        <p:nvSpPr>
+          <p:cNvPr id="2" name="Заголовок 1">
+            <a:extLst>
+              <a:ext uri="{FF2B5EF4-FFF2-40B4-BE49-F238E27FC236}">
                 <a16:creationId xmlns:a16="http://schemas.microsoft.com/office/drawing/2014/main" id="{0C268C8D-33BA-47D9-A4CE-F85F836CC73F}"/>
               </a:ext>
             </a:extLst>
@@ -10405,17 +10584,18 @@
         </p:nvSpPr>
         <p:spPr>
           <a:xfrm>
-            <a:off x="838200" y="18255"/>
-            <a:ext cx="10515600" cy="1325563"/>
+            <a:off x="4324350" y="284263"/>
+            <a:ext cx="3543300" cy="788080"/>
           </a:xfrm>
         </p:spPr>
         <p:txBody>
           <a:bodyPr/>
           <a:lstStyle/>
           <a:p>
+            <a:pPr algn="ctr"/>
             <a:r>
               <a:rPr lang="ru-RU" dirty="0">
-                <a:latin typeface="Times New Roman" panose="02020603050405020304" pitchFamily="18" charset="0"/>
+                <a:latin typeface="Century Gothic (Заголовки)"/>
                 <a:cs typeface="Times New Roman" panose="02020603050405020304" pitchFamily="18" charset="0"/>
               </a:rPr>
               <a:t>Заключение</a:t>
@@ -10802,19 +10982,30 @@
             </a:lvl9pPr>
           </a:lstStyle>
           <a:p>
+            <a:pPr>
+              <a:buFont typeface="Wingdings" panose="05000000000000000000" pitchFamily="2" charset="2"/>
+              <a:buChar char="Ø"/>
+            </a:pPr>
             <a:r>
               <a:rPr lang="ru-RU" sz="2400" dirty="0"/>
               <a:t>При разработке данного проекта, были достигнуты все поставленные задачи и выполнены все необходимые этапы.</a:t>
             </a:r>
           </a:p>
           <a:p>
+            <a:pPr>
+              <a:buFont typeface="Wingdings" panose="05000000000000000000" pitchFamily="2" charset="2"/>
+              <a:buChar char="Ø"/>
+            </a:pPr>
             <a:r>
               <a:rPr lang="ru-RU" sz="2400" dirty="0"/>
               <a:t>Достоинствами данного проекта можно считать:</a:t>
             </a:r>
           </a:p>
           <a:p>
-            <a:pPr lvl="1"/>
+            <a:pPr lvl="1">
+              <a:buFont typeface="Wingdings" panose="05000000000000000000" pitchFamily="2" charset="2"/>
+              <a:buChar char="q"/>
+            </a:pPr>
             <a:r>
               <a:rPr lang="ru-RU" sz="2000" dirty="0"/>
               <a:t>Возможность импорта данных из </a:t>
@@ -10826,20 +11017,30 @@
             <a:endParaRPr lang="ru-RU" sz="2000" dirty="0"/>
           </a:p>
           <a:p>
-            <a:pPr lvl="1"/>
+            <a:pPr lvl="1">
+              <a:buFont typeface="Wingdings" panose="05000000000000000000" pitchFamily="2" charset="2"/>
+              <a:buChar char="q"/>
+            </a:pPr>
             <a:r>
               <a:rPr lang="ru-RU" sz="2000" dirty="0"/>
               <a:t>Простота и удобство работы с программой</a:t>
             </a:r>
           </a:p>
           <a:p>
-            <a:pPr lvl="1"/>
+            <a:pPr lvl="1">
+              <a:buFont typeface="Wingdings" panose="05000000000000000000" pitchFamily="2" charset="2"/>
+              <a:buChar char="q"/>
+            </a:pPr>
             <a:r>
               <a:rPr lang="ru-RU" sz="2200" dirty="0"/>
               <a:t>Простота дальнейшего расширения данной программы</a:t>
             </a:r>
           </a:p>
           <a:p>
+            <a:pPr>
+              <a:buFont typeface="Wingdings" panose="05000000000000000000" pitchFamily="2" charset="2"/>
+              <a:buChar char="Ø"/>
+            </a:pPr>
             <a:r>
               <a:rPr lang="ru-RU" sz="2400" dirty="0"/>
               <a:t>Созданная программа отвечает всем требованиям, предъявляемым</a:t>
@@ -10871,7 +11072,7 @@
 </p:sld>
 </file>
 
-<file path=ppt/slides/slide14.xml><?xml version="1.0" encoding="utf-8"?>
+<file path=ppt/slides/slide17.xml><?xml version="1.0" encoding="utf-8"?>
 <p:sld xmlns:a="http://schemas.openxmlformats.org/drawingml/2006/main" xmlns:r="http://schemas.openxmlformats.org/officeDocument/2006/relationships" xmlns:p="http://schemas.openxmlformats.org/presentationml/2006/main">
   <p:cSld>
     <p:spTree>
@@ -10906,8 +11107,8 @@
         </p:nvSpPr>
         <p:spPr>
           <a:xfrm>
-            <a:off x="838200" y="2766218"/>
-            <a:ext cx="10515600" cy="1325563"/>
+            <a:off x="3042221" y="2668690"/>
+            <a:ext cx="6107558" cy="939034"/>
           </a:xfrm>
         </p:spPr>
         <p:txBody>
@@ -10916,26 +11117,73 @@
           <a:p>
             <a:pPr algn="ctr"/>
             <a:r>
-              <a:rPr lang="ru-RU" dirty="0">
+              <a:rPr lang="ru-RU" sz="4800" dirty="0">
                 <a:latin typeface="Times New Roman" panose="02020603050405020304" pitchFamily="18" charset="0"/>
                 <a:cs typeface="Times New Roman" panose="02020603050405020304" pitchFamily="18" charset="0"/>
               </a:rPr>
               <a:t>Спасибо за внимание</a:t>
             </a:r>
             <a:r>
-              <a:rPr lang="en-US" dirty="0">
+              <a:rPr lang="en-US" sz="4800" dirty="0">
                 <a:latin typeface="Times New Roman" panose="02020603050405020304" pitchFamily="18" charset="0"/>
                 <a:cs typeface="Times New Roman" panose="02020603050405020304" pitchFamily="18" charset="0"/>
               </a:rPr>
               <a:t>!</a:t>
             </a:r>
-            <a:endParaRPr lang="ru-RU" dirty="0">
+            <a:endParaRPr lang="ru-RU" sz="4800" dirty="0">
               <a:latin typeface="Times New Roman" panose="02020603050405020304" pitchFamily="18" charset="0"/>
               <a:cs typeface="Times New Roman" panose="02020603050405020304" pitchFamily="18" charset="0"/>
             </a:endParaRPr>
           </a:p>
         </p:txBody>
       </p:sp>
+      <p:pic>
+        <p:nvPicPr>
+          <p:cNvPr id="1026" name="Picture 2" descr="http://qrcoder.ru/code/?https%3A%2F%2Fgithub.com%2FGENDOSMAL%2FDiplom&amp;4&amp;0">
+            <a:extLst>
+              <a:ext uri="{FF2B5EF4-FFF2-40B4-BE49-F238E27FC236}">
+                <a16:creationId xmlns:a16="http://schemas.microsoft.com/office/drawing/2014/main" id="{665451B4-F314-4270-83A5-CEAC2AD35991}"/>
+              </a:ext>
+            </a:extLst>
+          </p:cNvPr>
+          <p:cNvPicPr>
+            <a:picLocks noChangeAspect="1" noChangeArrowheads="1"/>
+          </p:cNvPicPr>
+          <p:nvPr/>
+        </p:nvPicPr>
+        <p:blipFill>
+          <a:blip r:embed="rId2">
+            <a:extLst>
+              <a:ext uri="{28A0092B-C50C-407E-A947-70E740481C1C}">
+                <a14:useLocalDpi xmlns:a14="http://schemas.microsoft.com/office/drawing/2010/main" val="0"/>
+              </a:ext>
+            </a:extLst>
+          </a:blip>
+          <a:srcRect/>
+          <a:stretch>
+            <a:fillRect/>
+          </a:stretch>
+        </p:blipFill>
+        <p:spPr bwMode="auto">
+          <a:xfrm>
+            <a:off x="4556459" y="3674226"/>
+            <a:ext cx="3079082" cy="3079082"/>
+          </a:xfrm>
+          <a:prstGeom prst="rect">
+            <a:avLst/>
+          </a:prstGeom>
+          <a:noFill/>
+          <a:extLst>
+            <a:ext uri="{909E8E84-426E-40DD-AFC4-6F175D3DCCD1}">
+              <a14:hiddenFill xmlns:a14="http://schemas.microsoft.com/office/drawing/2010/main">
+                <a:solidFill>
+                  <a:srgbClr val="FFFFFF"/>
+                </a:solidFill>
+              </a14:hiddenFill>
+            </a:ext>
+          </a:extLst>
+        </p:spPr>
+      </p:pic>
     </p:spTree>
     <p:extLst>
       <p:ext uri="{BB962C8B-B14F-4D97-AF65-F5344CB8AC3E}">
@@ -10984,17 +11232,18 @@
         </p:nvSpPr>
         <p:spPr>
           <a:xfrm>
-            <a:off x="284711" y="134987"/>
-            <a:ext cx="11622578" cy="1400530"/>
+            <a:off x="2420388" y="8313"/>
+            <a:ext cx="7436197" cy="1400530"/>
           </a:xfrm>
         </p:spPr>
         <p:txBody>
           <a:bodyPr/>
           <a:lstStyle/>
           <a:p>
+            <a:pPr algn="ctr"/>
             <a:r>
               <a:rPr lang="ru-RU" sz="4000" dirty="0"/>
-              <a:t>Цель выпускной квалификационной работы</a:t>
+              <a:t>Цель и задачи выпускной квалификационной работы</a:t>
             </a:r>
           </a:p>
         </p:txBody>
@@ -11013,7 +11262,7 @@
         </p:nvSpPr>
         <p:spPr>
           <a:xfrm>
-            <a:off x="284711" y="1174592"/>
+            <a:off x="284710" y="1324221"/>
             <a:ext cx="11707552" cy="5294078"/>
           </a:xfrm>
           <a:prstGeom prst="rect">
@@ -11209,7 +11458,7 @@
           <p:cNvPr id="2" name="Заголовок 1">
             <a:extLst>
               <a:ext uri="{FF2B5EF4-FFF2-40B4-BE49-F238E27FC236}">
-                <a16:creationId xmlns:a16="http://schemas.microsoft.com/office/drawing/2014/main" id="{0B7A3365-6EE8-41E7-A019-97597564B862}"/>
+                <a16:creationId xmlns:a16="http://schemas.microsoft.com/office/drawing/2014/main" id="{72DAC477-ED60-4D21-8DDF-4F24C4A497CD}"/>
               </a:ext>
             </a:extLst>
           </p:cNvPr>
@@ -11222,8 +11471,8 @@
         </p:nvSpPr>
         <p:spPr>
           <a:xfrm>
-            <a:off x="471053" y="0"/>
-            <a:ext cx="10224655" cy="1400530"/>
+            <a:off x="645130" y="125128"/>
+            <a:ext cx="9404723" cy="798897"/>
           </a:xfrm>
         </p:spPr>
         <p:txBody>
@@ -11233,42 +11482,311 @@
             <a:pPr algn="ctr"/>
             <a:r>
               <a:rPr lang="ru-RU" dirty="0"/>
-              <a:t>Схема работы программного комплекса</a:t>
-            </a:r>
-          </a:p>
-        </p:txBody>
-      </p:sp>
-      <p:pic>
-        <p:nvPicPr>
-          <p:cNvPr id="4" name="Рисунок 3">
+              <a:t>Использованные технологии</a:t>
+            </a:r>
+          </a:p>
+        </p:txBody>
+      </p:sp>
+      <p:sp>
+        <p:nvSpPr>
+          <p:cNvPr id="4" name="Объект 3">
             <a:extLst>
               <a:ext uri="{FF2B5EF4-FFF2-40B4-BE49-F238E27FC236}">
-                <a16:creationId xmlns:a16="http://schemas.microsoft.com/office/drawing/2014/main" id="{85EBD24E-9C56-44DF-A4FE-6847B9998B61}"/>
+                <a16:creationId xmlns:a16="http://schemas.microsoft.com/office/drawing/2014/main" id="{E4A46947-B609-4ABF-9820-273AF6DB409A}"/>
               </a:ext>
             </a:extLst>
           </p:cNvPr>
-          <p:cNvPicPr/>
+          <p:cNvSpPr>
+            <a:spLocks noGrp="1"/>
+          </p:cNvSpPr>
+          <p:nvPr>
+            <p:ph idx="1"/>
+          </p:nvPr>
+        </p:nvSpPr>
+        <p:spPr>
+          <a:xfrm>
+            <a:off x="338541" y="1454401"/>
+            <a:ext cx="8946541" cy="4195481"/>
+          </a:xfrm>
+        </p:spPr>
+        <p:txBody>
+          <a:bodyPr/>
+          <a:lstStyle/>
+          <a:p>
+            <a:r>
+              <a:rPr lang="en-US" dirty="0"/>
+              <a:t>ASP </a:t>
+            </a:r>
+            <a:r>
+              <a:rPr lang="en-US" dirty="0" err="1"/>
+              <a:t>.Net</a:t>
+            </a:r>
+            <a:r>
+              <a:rPr lang="en-US" dirty="0"/>
+              <a:t> MVC </a:t>
+            </a:r>
+          </a:p>
+          <a:p>
+            <a:r>
+              <a:rPr lang="en-US" dirty="0"/>
+              <a:t>MS SQL Server</a:t>
+            </a:r>
+          </a:p>
+          <a:p>
+            <a:r>
+              <a:rPr lang="en-US" dirty="0"/>
+              <a:t>WPF </a:t>
+            </a:r>
+          </a:p>
+          <a:p>
+            <a:r>
+              <a:rPr lang="en-US" dirty="0"/>
+              <a:t>Entity Framework</a:t>
+            </a:r>
+          </a:p>
+          <a:p>
+            <a:r>
+              <a:rPr lang="en-US" dirty="0"/>
+              <a:t>GitHub</a:t>
+            </a:r>
+          </a:p>
+          <a:p>
+            <a:endParaRPr lang="ru-RU" dirty="0"/>
+          </a:p>
+        </p:txBody>
+      </p:sp>
+      <p:pic>
+        <p:nvPicPr>
+          <p:cNvPr id="3076" name="Picture 4" descr="ÐÐ¾Ñ+Ð¾Ð¶ÐµÐµ Ð¸Ð·Ð¾Ð±ÑÐ°Ð¶ÐµÐ½Ð¸Ðµ">
+            <a:extLst>
+              <a:ext uri="{FF2B5EF4-FFF2-40B4-BE49-F238E27FC236}">
+                <a16:creationId xmlns:a16="http://schemas.microsoft.com/office/drawing/2014/main" id="{48844B67-D47D-45D3-B5FC-FAA718072D88}"/>
+              </a:ext>
+            </a:extLst>
+          </p:cNvPr>
+          <p:cNvPicPr>
+            <a:picLocks noChangeAspect="1" noChangeArrowheads="1"/>
+          </p:cNvPicPr>
           <p:nvPr/>
         </p:nvPicPr>
-        <p:blipFill rotWithShape="1">
-          <a:blip r:embed="rId2"/>
-          <a:srcRect b="21382"/>
-          <a:stretch/>
+        <p:blipFill>
+          <a:blip r:embed="rId2">
+            <a:extLst>
+              <a:ext uri="{28A0092B-C50C-407E-A947-70E740481C1C}">
+                <a14:useLocalDpi xmlns:a14="http://schemas.microsoft.com/office/drawing/2010/main" val="0"/>
+              </a:ext>
+            </a:extLst>
+          </a:blip>
+          <a:srcRect/>
+          <a:stretch>
+            <a:fillRect/>
+          </a:stretch>
         </p:blipFill>
         <p:spPr bwMode="auto">
           <a:xfrm>
-            <a:off x="367059" y="1987011"/>
-            <a:ext cx="11457882" cy="3283080"/>
+            <a:off x="8435933" y="1872488"/>
+            <a:ext cx="2796922" cy="2126937"/>
           </a:xfrm>
           <a:prstGeom prst="rect">
             <a:avLst/>
           </a:prstGeom>
-          <a:ln>
-            <a:noFill/>
-          </a:ln>
+          <a:noFill/>
           <a:extLst>
-            <a:ext uri="{53640926-AAD7-44D8-BBD7-CCE9431645EC}">
-              <a14:shadowObscured xmlns:a14="http://schemas.microsoft.com/office/drawing/2010/main"/>
+            <a:ext uri="{909E8E84-426E-40DD-AFC4-6F175D3DCCD1}">
+              <a14:hiddenFill xmlns:a14="http://schemas.microsoft.com/office/drawing/2010/main">
+                <a:solidFill>
+                  <a:srgbClr val="FFFFFF"/>
+                </a:solidFill>
+              </a14:hiddenFill>
+            </a:ext>
+          </a:extLst>
+        </p:spPr>
+      </p:pic>
+      <p:pic>
+        <p:nvPicPr>
+          <p:cNvPr id="3078" name="Picture 6" descr="ÐÐ°ÑÑÐ¸Ð½ÐºÐ¸ Ð¿Ð¾ Ð·Ð°Ð¿ÑÐ¾ÑÑ ms sql server">
+            <a:extLst>
+              <a:ext uri="{FF2B5EF4-FFF2-40B4-BE49-F238E27FC236}">
+                <a16:creationId xmlns:a16="http://schemas.microsoft.com/office/drawing/2014/main" id="{92897624-5DBF-4DEF-BD44-C9CC57AEE5B6}"/>
+              </a:ext>
+            </a:extLst>
+          </p:cNvPr>
+          <p:cNvPicPr>
+            <a:picLocks noChangeAspect="1" noChangeArrowheads="1"/>
+          </p:cNvPicPr>
+          <p:nvPr/>
+        </p:nvPicPr>
+        <p:blipFill>
+          <a:blip r:embed="rId3">
+            <a:extLst>
+              <a:ext uri="{28A0092B-C50C-407E-A947-70E740481C1C}">
+                <a14:useLocalDpi xmlns:a14="http://schemas.microsoft.com/office/drawing/2010/main" val="0"/>
+              </a:ext>
+            </a:extLst>
+          </a:blip>
+          <a:srcRect/>
+          <a:stretch>
+            <a:fillRect/>
+          </a:stretch>
+        </p:blipFill>
+        <p:spPr bwMode="auto">
+          <a:xfrm>
+            <a:off x="7580419" y="4477341"/>
+            <a:ext cx="2253975" cy="1852516"/>
+          </a:xfrm>
+          <a:prstGeom prst="rect">
+            <a:avLst/>
+          </a:prstGeom>
+          <a:noFill/>
+          <a:extLst>
+            <a:ext uri="{909E8E84-426E-40DD-AFC4-6F175D3DCCD1}">
+              <a14:hiddenFill xmlns:a14="http://schemas.microsoft.com/office/drawing/2010/main">
+                <a:solidFill>
+                  <a:srgbClr val="FFFFFF"/>
+                </a:solidFill>
+              </a14:hiddenFill>
+            </a:ext>
+          </a:extLst>
+        </p:spPr>
+      </p:pic>
+      <p:pic>
+        <p:nvPicPr>
+          <p:cNvPr id="3080" name="Picture 8" descr="ÐÐ°ÑÑÐ¸Ð½ÐºÐ¸ Ð¿Ð¾ Ð·Ð°Ð¿ÑÐ¾ÑÑ wpf logo">
+            <a:extLst>
+              <a:ext uri="{FF2B5EF4-FFF2-40B4-BE49-F238E27FC236}">
+                <a16:creationId xmlns:a16="http://schemas.microsoft.com/office/drawing/2014/main" id="{13DC33D3-391D-42D3-A330-D3CAFE33F5D7}"/>
+              </a:ext>
+            </a:extLst>
+          </p:cNvPr>
+          <p:cNvPicPr>
+            <a:picLocks noChangeAspect="1" noChangeArrowheads="1"/>
+          </p:cNvPicPr>
+          <p:nvPr/>
+        </p:nvPicPr>
+        <p:blipFill>
+          <a:blip r:embed="rId4">
+            <a:extLst>
+              <a:ext uri="{28A0092B-C50C-407E-A947-70E740481C1C}">
+                <a14:useLocalDpi xmlns:a14="http://schemas.microsoft.com/office/drawing/2010/main" val="0"/>
+              </a:ext>
+            </a:extLst>
+          </a:blip>
+          <a:srcRect/>
+          <a:stretch>
+            <a:fillRect/>
+          </a:stretch>
+        </p:blipFill>
+        <p:spPr bwMode="auto">
+          <a:xfrm>
+            <a:off x="3997196" y="4208383"/>
+            <a:ext cx="2188856" cy="2188856"/>
+          </a:xfrm>
+          <a:prstGeom prst="rect">
+            <a:avLst/>
+          </a:prstGeom>
+          <a:noFill/>
+          <a:extLst>
+            <a:ext uri="{909E8E84-426E-40DD-AFC4-6F175D3DCCD1}">
+              <a14:hiddenFill xmlns:a14="http://schemas.microsoft.com/office/drawing/2010/main">
+                <a:solidFill>
+                  <a:srgbClr val="FFFFFF"/>
+                </a:solidFill>
+              </a14:hiddenFill>
+            </a:ext>
+          </a:extLst>
+        </p:spPr>
+      </p:pic>
+      <p:pic>
+        <p:nvPicPr>
+          <p:cNvPr id="3084" name="Picture 12" descr="ÐÐ°ÑÑÐ¸Ð½ÐºÐ¸ Ð¿Ð¾ Ð·Ð°Ð¿ÑÐ¾ÑÑ github png">
+            <a:extLst>
+              <a:ext uri="{FF2B5EF4-FFF2-40B4-BE49-F238E27FC236}">
+                <a16:creationId xmlns:a16="http://schemas.microsoft.com/office/drawing/2014/main" id="{CFF2D47F-A04D-48FF-8977-2563CBAB1D31}"/>
+              </a:ext>
+            </a:extLst>
+          </p:cNvPr>
+          <p:cNvPicPr>
+            <a:picLocks noChangeAspect="1" noChangeArrowheads="1"/>
+          </p:cNvPicPr>
+          <p:nvPr/>
+        </p:nvPicPr>
+        <p:blipFill>
+          <a:blip r:embed="rId5">
+            <a:extLst>
+              <a:ext uri="{28A0092B-C50C-407E-A947-70E740481C1C}">
+                <a14:useLocalDpi xmlns:a14="http://schemas.microsoft.com/office/drawing/2010/main" val="0"/>
+              </a:ext>
+            </a:extLst>
+          </a:blip>
+          <a:srcRect/>
+          <a:stretch>
+            <a:fillRect/>
+          </a:stretch>
+        </p:blipFill>
+        <p:spPr bwMode="auto">
+          <a:xfrm>
+            <a:off x="645130" y="4414059"/>
+            <a:ext cx="2057858" cy="2057858"/>
+          </a:xfrm>
+          <a:prstGeom prst="rect">
+            <a:avLst/>
+          </a:prstGeom>
+          <a:noFill/>
+          <a:extLst>
+            <a:ext uri="{909E8E84-426E-40DD-AFC4-6F175D3DCCD1}">
+              <a14:hiddenFill xmlns:a14="http://schemas.microsoft.com/office/drawing/2010/main">
+                <a:solidFill>
+                  <a:srgbClr val="FFFFFF"/>
+                </a:solidFill>
+              </a14:hiddenFill>
+            </a:ext>
+          </a:extLst>
+        </p:spPr>
+      </p:pic>
+      <p:pic>
+        <p:nvPicPr>
+          <p:cNvPr id="3086" name="Picture 14" descr="ÐÐ°ÑÑÐ¸Ð½ÐºÐ¸ Ð¿Ð¾ Ð·Ð°Ð¿ÑÐ¾ÑÑ entity framework logo">
+            <a:extLst>
+              <a:ext uri="{FF2B5EF4-FFF2-40B4-BE49-F238E27FC236}">
+                <a16:creationId xmlns:a16="http://schemas.microsoft.com/office/drawing/2014/main" id="{2C1271F4-96BD-414F-A725-8BAF00B1ADAF}"/>
+              </a:ext>
+            </a:extLst>
+          </p:cNvPr>
+          <p:cNvPicPr>
+            <a:picLocks noChangeAspect="1" noChangeArrowheads="1"/>
+          </p:cNvPicPr>
+          <p:nvPr/>
+        </p:nvPicPr>
+        <p:blipFill>
+          <a:blip r:embed="rId6">
+            <a:extLst>
+              <a:ext uri="{28A0092B-C50C-407E-A947-70E740481C1C}">
+                <a14:useLocalDpi xmlns:a14="http://schemas.microsoft.com/office/drawing/2010/main" val="0"/>
+              </a:ext>
+            </a:extLst>
+          </a:blip>
+          <a:srcRect/>
+          <a:stretch>
+            <a:fillRect/>
+          </a:stretch>
+        </p:blipFill>
+        <p:spPr bwMode="auto">
+          <a:xfrm>
+            <a:off x="5259793" y="1872488"/>
+            <a:ext cx="1852517" cy="1852517"/>
+          </a:xfrm>
+          <a:prstGeom prst="rect">
+            <a:avLst/>
+          </a:prstGeom>
+          <a:noFill/>
+          <a:extLst>
+            <a:ext uri="{909E8E84-426E-40DD-AFC4-6F175D3DCCD1}">
+              <a14:hiddenFill xmlns:a14="http://schemas.microsoft.com/office/drawing/2010/main">
+                <a:solidFill>
+                  <a:srgbClr val="FFFFFF"/>
+                </a:solidFill>
+              </a14:hiddenFill>
             </a:ext>
           </a:extLst>
         </p:spPr>
@@ -11276,7 +11794,7 @@
     </p:spTree>
     <p:extLst>
       <p:ext uri="{BB962C8B-B14F-4D97-AF65-F5344CB8AC3E}">
-        <p14:creationId xmlns:p14="http://schemas.microsoft.com/office/powerpoint/2010/main" val="556164204"/>
+        <p14:creationId xmlns:p14="http://schemas.microsoft.com/office/powerpoint/2010/main" val="2913283329"/>
       </p:ext>
     </p:extLst>
   </p:cSld>
@@ -11308,7 +11826,7 @@
           <p:cNvPr id="2" name="Заголовок 1">
             <a:extLst>
               <a:ext uri="{FF2B5EF4-FFF2-40B4-BE49-F238E27FC236}">
-                <a16:creationId xmlns:a16="http://schemas.microsoft.com/office/drawing/2014/main" id="{4A6C49C3-8CB2-4C36-AA3A-C685143C81EA}"/>
+                <a16:creationId xmlns:a16="http://schemas.microsoft.com/office/drawing/2014/main" id="{0B7A3365-6EE8-41E7-A019-97597564B862}"/>
               </a:ext>
             </a:extLst>
           </p:cNvPr>
@@ -11321,17 +11839,18 @@
         </p:nvSpPr>
         <p:spPr>
           <a:xfrm>
-            <a:off x="0" y="166390"/>
-            <a:ext cx="11139489" cy="1400530"/>
+            <a:off x="471053" y="0"/>
+            <a:ext cx="10224655" cy="1400530"/>
           </a:xfrm>
         </p:spPr>
         <p:txBody>
           <a:bodyPr/>
           <a:lstStyle/>
           <a:p>
+            <a:pPr algn="ctr"/>
             <a:r>
               <a:rPr lang="ru-RU" dirty="0"/>
-              <a:t>Диаграмма вариантов использования</a:t>
+              <a:t>Схема работы программного комплекса</a:t>
             </a:r>
           </a:p>
         </p:txBody>
@@ -11341,33 +11860,87 @@
           <p:cNvPr id="4" name="Рисунок 3">
             <a:extLst>
               <a:ext uri="{FF2B5EF4-FFF2-40B4-BE49-F238E27FC236}">
-                <a16:creationId xmlns:a16="http://schemas.microsoft.com/office/drawing/2014/main" id="{CC9B4C37-1FD8-4B21-B0BD-D6B845D90719}"/>
+                <a16:creationId xmlns:a16="http://schemas.microsoft.com/office/drawing/2014/main" id="{85EBD24E-9C56-44DF-A4FE-6847B9998B61}"/>
               </a:ext>
             </a:extLst>
           </p:cNvPr>
           <p:cNvPicPr/>
           <p:nvPr/>
         </p:nvPicPr>
+        <p:blipFill rotWithShape="1">
+          <a:blip r:embed="rId2"/>
+          <a:srcRect l="4888" t="14489" r="1348" b="26757"/>
+          <a:stretch/>
+        </p:blipFill>
+        <p:spPr bwMode="auto">
+          <a:xfrm>
+            <a:off x="2473694" y="2958002"/>
+            <a:ext cx="9612429" cy="2195259"/>
+          </a:xfrm>
+          <a:prstGeom prst="rect">
+            <a:avLst/>
+          </a:prstGeom>
+          <a:ln>
+            <a:noFill/>
+          </a:ln>
+          <a:extLst>
+            <a:ext uri="{53640926-AAD7-44D8-BBD7-CCE9431645EC}">
+              <a14:shadowObscured xmlns:a14="http://schemas.microsoft.com/office/drawing/2010/main"/>
+            </a:ext>
+          </a:extLst>
+        </p:spPr>
+      </p:pic>
+      <p:pic>
+        <p:nvPicPr>
+          <p:cNvPr id="2052" name="Picture 4" descr="ÐÐ°ÑÑÐ¸Ð½ÐºÐ¸ Ð¿Ð¾ Ð·Ð°Ð¿ÑÐ¾ÑÑ rest api Ð»Ð¾Ð³Ð¾ÑÐ¸Ð¿">
+            <a:extLst>
+              <a:ext uri="{FF2B5EF4-FFF2-40B4-BE49-F238E27FC236}">
+                <a16:creationId xmlns:a16="http://schemas.microsoft.com/office/drawing/2014/main" id="{4DB51956-FC98-4A36-9E00-F626880D7039}"/>
+              </a:ext>
+            </a:extLst>
+          </p:cNvPr>
+          <p:cNvPicPr>
+            <a:picLocks noChangeAspect="1" noChangeArrowheads="1"/>
+          </p:cNvPicPr>
+          <p:nvPr/>
+        </p:nvPicPr>
         <p:blipFill>
-          <a:blip r:embed="rId2"/>
+          <a:blip r:embed="rId3">
+            <a:extLst>
+              <a:ext uri="{28A0092B-C50C-407E-A947-70E740481C1C}">
+                <a14:useLocalDpi xmlns:a14="http://schemas.microsoft.com/office/drawing/2010/main" val="0"/>
+              </a:ext>
+            </a:extLst>
+          </a:blip>
+          <a:srcRect/>
           <a:stretch>
             <a:fillRect/>
           </a:stretch>
         </p:blipFill>
-        <p:spPr>
+        <p:spPr bwMode="auto">
           <a:xfrm>
-            <a:off x="2447637" y="1020883"/>
-            <a:ext cx="6797963" cy="5670727"/>
+            <a:off x="0" y="2801057"/>
+            <a:ext cx="2350863" cy="2509150"/>
           </a:xfrm>
           <a:prstGeom prst="rect">
             <a:avLst/>
           </a:prstGeom>
+          <a:noFill/>
+          <a:extLst>
+            <a:ext uri="{909E8E84-426E-40DD-AFC4-6F175D3DCCD1}">
+              <a14:hiddenFill xmlns:a14="http://schemas.microsoft.com/office/drawing/2010/main">
+                <a:solidFill>
+                  <a:srgbClr val="FFFFFF"/>
+                </a:solidFill>
+              </a14:hiddenFill>
+            </a:ext>
+          </a:extLst>
         </p:spPr>
       </p:pic>
     </p:spTree>
     <p:extLst>
       <p:ext uri="{BB962C8B-B14F-4D97-AF65-F5344CB8AC3E}">
-        <p14:creationId xmlns:p14="http://schemas.microsoft.com/office/powerpoint/2010/main" val="1295641855"/>
+        <p14:creationId xmlns:p14="http://schemas.microsoft.com/office/powerpoint/2010/main" val="556164204"/>
       </p:ext>
     </p:extLst>
   </p:cSld>
@@ -11399,7 +11972,7 @@
           <p:cNvPr id="2" name="Заголовок 1">
             <a:extLst>
               <a:ext uri="{FF2B5EF4-FFF2-40B4-BE49-F238E27FC236}">
-                <a16:creationId xmlns:a16="http://schemas.microsoft.com/office/drawing/2014/main" id="{958DAB9C-AD20-45D0-AB19-D6CE471404AF}"/>
+                <a16:creationId xmlns:a16="http://schemas.microsoft.com/office/drawing/2014/main" id="{D75ACD25-66ED-4B5D-8A9A-D737F445369D}"/>
               </a:ext>
             </a:extLst>
           </p:cNvPr>
@@ -11412,8 +11985,8 @@
         </p:nvSpPr>
         <p:spPr>
           <a:xfrm>
-            <a:off x="695272" y="15216"/>
-            <a:ext cx="9404723" cy="1400530"/>
+            <a:off x="874220" y="138682"/>
+            <a:ext cx="9674631" cy="1400530"/>
           </a:xfrm>
         </p:spPr>
         <p:txBody>
@@ -11422,12 +11995,9 @@
           <a:p>
             <a:pPr algn="ctr"/>
             <a:r>
-              <a:rPr lang="ru-RU" dirty="0">
-                <a:effectLst/>
-              </a:rPr>
-              <a:t>Контекстная диаграмма потоков данных</a:t>
-            </a:r>
-            <a:endParaRPr lang="ru-RU" dirty="0"/>
+              <a:rPr lang="ru-RU" dirty="0"/>
+              <a:t>Структурная схема клиентской части продукта</a:t>
+            </a:r>
           </a:p>
         </p:txBody>
       </p:sp>
@@ -11436,33 +12006,40 @@
           <p:cNvPr id="4" name="Рисунок 3">
             <a:extLst>
               <a:ext uri="{FF2B5EF4-FFF2-40B4-BE49-F238E27FC236}">
-                <a16:creationId xmlns:a16="http://schemas.microsoft.com/office/drawing/2014/main" id="{CE852B8C-0379-4F34-A9E2-668C2387C9C8}"/>
+                <a16:creationId xmlns:a16="http://schemas.microsoft.com/office/drawing/2014/main" id="{B5B9491E-E9E1-4102-99F3-794DC2934F74}"/>
               </a:ext>
             </a:extLst>
           </p:cNvPr>
           <p:cNvPicPr/>
           <p:nvPr/>
         </p:nvPicPr>
-        <p:blipFill>
+        <p:blipFill rotWithShape="1">
           <a:blip r:embed="rId2"/>
-          <a:stretch>
-            <a:fillRect/>
-          </a:stretch>
+          <a:srcRect b="14581"/>
+          <a:stretch/>
         </p:blipFill>
-        <p:spPr>
+        <p:spPr bwMode="auto">
           <a:xfrm>
-            <a:off x="1211482" y="1695931"/>
-            <a:ext cx="8583714" cy="4446588"/>
+            <a:off x="258618" y="1979979"/>
+            <a:ext cx="11530727" cy="3953164"/>
           </a:xfrm>
           <a:prstGeom prst="rect">
             <a:avLst/>
           </a:prstGeom>
+          <a:ln>
+            <a:noFill/>
+          </a:ln>
+          <a:extLst>
+            <a:ext uri="{53640926-AAD7-44D8-BBD7-CCE9431645EC}">
+              <a14:shadowObscured xmlns:a14="http://schemas.microsoft.com/office/drawing/2010/main"/>
+            </a:ext>
+          </a:extLst>
         </p:spPr>
       </p:pic>
     </p:spTree>
     <p:extLst>
       <p:ext uri="{BB962C8B-B14F-4D97-AF65-F5344CB8AC3E}">
-        <p14:creationId xmlns:p14="http://schemas.microsoft.com/office/powerpoint/2010/main" val="563494085"/>
+        <p14:creationId xmlns:p14="http://schemas.microsoft.com/office/powerpoint/2010/main" val="601215466"/>
       </p:ext>
     </p:extLst>
   </p:cSld>
@@ -11494,7 +12071,7 @@
           <p:cNvPr id="2" name="Заголовок 1">
             <a:extLst>
               <a:ext uri="{FF2B5EF4-FFF2-40B4-BE49-F238E27FC236}">
-                <a16:creationId xmlns:a16="http://schemas.microsoft.com/office/drawing/2014/main" id="{CF293D88-C0C9-4697-933C-CDC16C963F7E}"/>
+                <a16:creationId xmlns:a16="http://schemas.microsoft.com/office/drawing/2014/main" id="{4A6C49C3-8CB2-4C36-AA3A-C685143C81EA}"/>
               </a:ext>
             </a:extLst>
           </p:cNvPr>
@@ -11507,8 +12084,8 @@
         </p:nvSpPr>
         <p:spPr>
           <a:xfrm>
-            <a:off x="1052511" y="0"/>
-            <a:ext cx="9404723" cy="1400530"/>
+            <a:off x="-108066" y="16625"/>
+            <a:ext cx="11139489" cy="1400530"/>
           </a:xfrm>
         </p:spPr>
         <p:txBody>
@@ -11517,12 +12094,9 @@
           <a:p>
             <a:pPr algn="ctr"/>
             <a:r>
-              <a:rPr lang="ru-RU" dirty="0">
-                <a:effectLst/>
-              </a:rPr>
-              <a:t>Краткая функциональная диаграмма</a:t>
-            </a:r>
-            <a:endParaRPr lang="ru-RU" dirty="0"/>
+              <a:rPr lang="ru-RU" sz="4000" dirty="0"/>
+              <a:t>Диаграмма вариантов использования</a:t>
+            </a:r>
           </a:p>
         </p:txBody>
       </p:sp>
@@ -11531,7 +12105,7 @@
           <p:cNvPr id="4" name="Рисунок 3">
             <a:extLst>
               <a:ext uri="{FF2B5EF4-FFF2-40B4-BE49-F238E27FC236}">
-                <a16:creationId xmlns:a16="http://schemas.microsoft.com/office/drawing/2014/main" id="{E64574BF-0963-4966-9FF2-E52D0C9BA6A9}"/>
+                <a16:creationId xmlns:a16="http://schemas.microsoft.com/office/drawing/2014/main" id="{CC9B4C37-1FD8-4B21-B0BD-D6B845D90719}"/>
               </a:ext>
             </a:extLst>
           </p:cNvPr>
@@ -11546,8 +12120,8 @@
         </p:blipFill>
         <p:spPr>
           <a:xfrm>
-            <a:off x="1378881" y="2170230"/>
-            <a:ext cx="9434237" cy="3787808"/>
+            <a:off x="2447637" y="1020883"/>
+            <a:ext cx="6797963" cy="5670727"/>
           </a:xfrm>
           <a:prstGeom prst="rect">
             <a:avLst/>
@@ -11557,7 +12131,7 @@
     </p:spTree>
     <p:extLst>
       <p:ext uri="{BB962C8B-B14F-4D97-AF65-F5344CB8AC3E}">
-        <p14:creationId xmlns:p14="http://schemas.microsoft.com/office/powerpoint/2010/main" val="2257359511"/>
+        <p14:creationId xmlns:p14="http://schemas.microsoft.com/office/powerpoint/2010/main" val="1295641855"/>
       </p:ext>
     </p:extLst>
   </p:cSld>
@@ -11589,7 +12163,7 @@
           <p:cNvPr id="2" name="Заголовок 1">
             <a:extLst>
               <a:ext uri="{FF2B5EF4-FFF2-40B4-BE49-F238E27FC236}">
-                <a16:creationId xmlns:a16="http://schemas.microsoft.com/office/drawing/2014/main" id="{A5B3E256-DAAF-434E-BC74-6F285070B23E}"/>
+                <a16:creationId xmlns:a16="http://schemas.microsoft.com/office/drawing/2014/main" id="{958DAB9C-AD20-45D0-AB19-D6CE471404AF}"/>
               </a:ext>
             </a:extLst>
           </p:cNvPr>
@@ -11602,19 +12176,20 @@
         </p:nvSpPr>
         <p:spPr>
           <a:xfrm>
-            <a:off x="846418" y="0"/>
-            <a:ext cx="10353762" cy="970450"/>
+            <a:off x="695272" y="15216"/>
+            <a:ext cx="9404723" cy="1400530"/>
           </a:xfrm>
         </p:spPr>
         <p:txBody>
           <a:bodyPr/>
           <a:lstStyle/>
           <a:p>
+            <a:pPr algn="ctr"/>
             <a:r>
               <a:rPr lang="ru-RU" dirty="0">
                 <a:effectLst/>
               </a:rPr>
-              <a:t>Схема базы локальной базы данных</a:t>
+              <a:t>Контекстная диаграмма потоков данных</a:t>
             </a:r>
             <a:endParaRPr lang="ru-RU" dirty="0"/>
           </a:p>
@@ -11625,40 +12200,33 @@
           <p:cNvPr id="4" name="Рисунок 3">
             <a:extLst>
               <a:ext uri="{FF2B5EF4-FFF2-40B4-BE49-F238E27FC236}">
-                <a16:creationId xmlns:a16="http://schemas.microsoft.com/office/drawing/2014/main" id="{C2617FCB-F210-4BA6-BD69-49DA08BE1C00}"/>
+                <a16:creationId xmlns:a16="http://schemas.microsoft.com/office/drawing/2014/main" id="{CE852B8C-0379-4F34-A9E2-668C2387C9C8}"/>
               </a:ext>
             </a:extLst>
           </p:cNvPr>
           <p:cNvPicPr/>
           <p:nvPr/>
         </p:nvPicPr>
-        <p:blipFill rotWithShape="1">
+        <p:blipFill>
           <a:blip r:embed="rId2"/>
-          <a:srcRect b="5081"/>
-          <a:stretch/>
+          <a:stretch>
+            <a:fillRect/>
+          </a:stretch>
         </p:blipFill>
-        <p:spPr bwMode="auto">
+        <p:spPr>
           <a:xfrm>
-            <a:off x="2045108" y="942444"/>
-            <a:ext cx="8264351" cy="5609785"/>
+            <a:off x="1211482" y="1695931"/>
+            <a:ext cx="8583714" cy="4446588"/>
           </a:xfrm>
           <a:prstGeom prst="rect">
             <a:avLst/>
           </a:prstGeom>
-          <a:ln>
-            <a:noFill/>
-          </a:ln>
-          <a:extLst>
-            <a:ext uri="{53640926-AAD7-44D8-BBD7-CCE9431645EC}">
-              <a14:shadowObscured xmlns:a14="http://schemas.microsoft.com/office/drawing/2010/main"/>
-            </a:ext>
-          </a:extLst>
         </p:spPr>
       </p:pic>
     </p:spTree>
     <p:extLst>
       <p:ext uri="{BB962C8B-B14F-4D97-AF65-F5344CB8AC3E}">
-        <p14:creationId xmlns:p14="http://schemas.microsoft.com/office/powerpoint/2010/main" val="1196139934"/>
+        <p14:creationId xmlns:p14="http://schemas.microsoft.com/office/powerpoint/2010/main" val="563494085"/>
       </p:ext>
     </p:extLst>
   </p:cSld>
@@ -11690,7 +12258,7 @@
           <p:cNvPr id="2" name="Заголовок 1">
             <a:extLst>
               <a:ext uri="{FF2B5EF4-FFF2-40B4-BE49-F238E27FC236}">
-                <a16:creationId xmlns:a16="http://schemas.microsoft.com/office/drawing/2014/main" id="{4303E375-ADF8-4FB5-850C-C8EBF1117B09}"/>
+                <a16:creationId xmlns:a16="http://schemas.microsoft.com/office/drawing/2014/main" id="{CF293D88-C0C9-4697-933C-CDC16C963F7E}"/>
               </a:ext>
             </a:extLst>
           </p:cNvPr>
@@ -11703,52 +12271,31 @@
         </p:nvSpPr>
         <p:spPr>
           <a:xfrm>
-            <a:off x="874220" y="0"/>
-            <a:ext cx="9404723" cy="872836"/>
+            <a:off x="2515767" y="0"/>
+            <a:ext cx="7160463" cy="1400530"/>
           </a:xfrm>
         </p:spPr>
         <p:txBody>
           <a:bodyPr/>
           <a:lstStyle/>
           <a:p>
-            <a:r>
-              <a:rPr lang="ru-RU" dirty="0"/>
-              <a:t>Схема основной базы данных</a:t>
-            </a:r>
-          </a:p>
-        </p:txBody>
-      </p:sp>
-      <p:sp>
-        <p:nvSpPr>
-          <p:cNvPr id="3" name="Объект 2">
+            <a:pPr algn="ctr"/>
+            <a:r>
+              <a:rPr lang="ru-RU" dirty="0">
+                <a:effectLst/>
+              </a:rPr>
+              <a:t>Краткая функциональная диаграмма</a:t>
+            </a:r>
+            <a:endParaRPr lang="ru-RU" dirty="0"/>
+          </a:p>
+        </p:txBody>
+      </p:sp>
+      <p:pic>
+        <p:nvPicPr>
+          <p:cNvPr id="4" name="Рисунок 3">
             <a:extLst>
               <a:ext uri="{FF2B5EF4-FFF2-40B4-BE49-F238E27FC236}">
-                <a16:creationId xmlns:a16="http://schemas.microsoft.com/office/drawing/2014/main" id="{C9DA2BE3-24BE-400D-B2B5-3CC1C20B5A9C}"/>
-              </a:ext>
-            </a:extLst>
-          </p:cNvPr>
-          <p:cNvSpPr>
-            <a:spLocks noGrp="1"/>
-          </p:cNvSpPr>
-          <p:nvPr>
-            <p:ph idx="1"/>
-          </p:nvPr>
-        </p:nvSpPr>
-        <p:spPr/>
-        <p:txBody>
-          <a:bodyPr/>
-          <a:lstStyle/>
-          <a:p>
-            <a:endParaRPr lang="ru-RU" dirty="0"/>
-          </a:p>
-        </p:txBody>
-      </p:sp>
-      <p:pic>
-        <p:nvPicPr>
-          <p:cNvPr id="5" name="Рисунок 4">
-            <a:extLst>
-              <a:ext uri="{FF2B5EF4-FFF2-40B4-BE49-F238E27FC236}">
-                <a16:creationId xmlns:a16="http://schemas.microsoft.com/office/drawing/2014/main" id="{173F30AD-7F6C-4FC3-ADEF-237D323434E9}"/>
+                <a16:creationId xmlns:a16="http://schemas.microsoft.com/office/drawing/2014/main" id="{E64574BF-0963-4966-9FF2-E52D0C9BA6A9}"/>
               </a:ext>
             </a:extLst>
           </p:cNvPr>
@@ -11763,8 +12310,8 @@
         </p:blipFill>
         <p:spPr>
           <a:xfrm>
-            <a:off x="1394446" y="771237"/>
-            <a:ext cx="8364269" cy="6086763"/>
+            <a:off x="1378881" y="2170230"/>
+            <a:ext cx="9434237" cy="3787808"/>
           </a:xfrm>
           <a:prstGeom prst="rect">
             <a:avLst/>
@@ -11774,7 +12321,7 @@
     </p:spTree>
     <p:extLst>
       <p:ext uri="{BB962C8B-B14F-4D97-AF65-F5344CB8AC3E}">
-        <p14:creationId xmlns:p14="http://schemas.microsoft.com/office/powerpoint/2010/main" val="1637315508"/>
+        <p14:creationId xmlns:p14="http://schemas.microsoft.com/office/powerpoint/2010/main" val="2257359511"/>
       </p:ext>
     </p:extLst>
   </p:cSld>
@@ -11806,7 +12353,7 @@
           <p:cNvPr id="2" name="Заголовок 1">
             <a:extLst>
               <a:ext uri="{FF2B5EF4-FFF2-40B4-BE49-F238E27FC236}">
-                <a16:creationId xmlns:a16="http://schemas.microsoft.com/office/drawing/2014/main" id="{D75ACD25-66ED-4B5D-8A9A-D737F445369D}"/>
+                <a16:creationId xmlns:a16="http://schemas.microsoft.com/office/drawing/2014/main" id="{A5B3E256-DAAF-434E-BC74-6F285070B23E}"/>
               </a:ext>
             </a:extLst>
           </p:cNvPr>
@@ -11819,8 +12366,8 @@
         </p:nvSpPr>
         <p:spPr>
           <a:xfrm>
-            <a:off x="874220" y="138682"/>
-            <a:ext cx="9404723" cy="1400530"/>
+            <a:off x="846418" y="0"/>
+            <a:ext cx="10353762" cy="970450"/>
           </a:xfrm>
         </p:spPr>
         <p:txBody>
@@ -11828,9 +12375,12 @@
           <a:lstStyle/>
           <a:p>
             <a:r>
-              <a:rPr lang="ru-RU" dirty="0"/>
-              <a:t>Структурная схема продукта</a:t>
-            </a:r>
+              <a:rPr lang="ru-RU" dirty="0">
+                <a:effectLst/>
+              </a:rPr>
+              <a:t>Схема базы локальной базы данных</a:t>
+            </a:r>
+            <a:endParaRPr lang="ru-RU" dirty="0"/>
           </a:p>
         </p:txBody>
       </p:sp>
@@ -11839,7 +12389,7 @@
           <p:cNvPr id="4" name="Рисунок 3">
             <a:extLst>
               <a:ext uri="{FF2B5EF4-FFF2-40B4-BE49-F238E27FC236}">
-                <a16:creationId xmlns:a16="http://schemas.microsoft.com/office/drawing/2014/main" id="{B5B9491E-E9E1-4102-99F3-794DC2934F74}"/>
+                <a16:creationId xmlns:a16="http://schemas.microsoft.com/office/drawing/2014/main" id="{C2617FCB-F210-4BA6-BD69-49DA08BE1C00}"/>
               </a:ext>
             </a:extLst>
           </p:cNvPr>
@@ -11848,13 +12398,13 @@
         </p:nvPicPr>
         <p:blipFill rotWithShape="1">
           <a:blip r:embed="rId2"/>
-          <a:srcRect b="14581"/>
+          <a:srcRect b="5081"/>
           <a:stretch/>
         </p:blipFill>
         <p:spPr bwMode="auto">
           <a:xfrm>
-            <a:off x="258618" y="1979979"/>
-            <a:ext cx="11530727" cy="3953164"/>
+            <a:off x="1891123" y="970450"/>
+            <a:ext cx="8264351" cy="5609785"/>
           </a:xfrm>
           <a:prstGeom prst="rect">
             <a:avLst/>
@@ -11872,7 +12422,7 @@
     </p:spTree>
     <p:extLst>
       <p:ext uri="{BB962C8B-B14F-4D97-AF65-F5344CB8AC3E}">
-        <p14:creationId xmlns:p14="http://schemas.microsoft.com/office/powerpoint/2010/main" val="601215466"/>
+        <p14:creationId xmlns:p14="http://schemas.microsoft.com/office/powerpoint/2010/main" val="1196139934"/>
       </p:ext>
     </p:extLst>
   </p:cSld>
